--- a/Risk Game.pptx
+++ b/Risk Game.pptx
@@ -2,7 +2,7 @@
 <file path=ppt/presentation.xml><?xml version="1.0" encoding="utf-8"?>
 <p:presentation xmlns:a="http://schemas.openxmlformats.org/drawingml/2006/main" xmlns:r="http://schemas.openxmlformats.org/officeDocument/2006/relationships" xmlns:p="http://schemas.openxmlformats.org/presentationml/2006/main" saveSubsetFonts="1">
   <p:sldMasterIdLst>
-    <p:sldMasterId id="2147483972" r:id="rId1"/>
+    <p:sldMasterId id="2147483984" r:id="rId1"/>
   </p:sldMasterIdLst>
   <p:sldIdLst>
     <p:sldId id="256" r:id="rId2"/>
@@ -16,7 +16,7 @@
     <a:defPPr>
       <a:defRPr lang="en-US"/>
     </a:defPPr>
-    <a:lvl1pPr marL="0" algn="l" defTabSz="914400" rtl="0" eaLnBrk="1" latinLnBrk="0" hangingPunct="1">
+    <a:lvl1pPr marL="0" algn="l" defTabSz="457200" rtl="0" eaLnBrk="1" latinLnBrk="0" hangingPunct="1">
       <a:defRPr sz="1800" kern="1200">
         <a:solidFill>
           <a:schemeClr val="tx1"/>
@@ -26,7 +26,7 @@
         <a:cs typeface="+mn-cs"/>
       </a:defRPr>
     </a:lvl1pPr>
-    <a:lvl2pPr marL="457200" algn="l" defTabSz="914400" rtl="0" eaLnBrk="1" latinLnBrk="0" hangingPunct="1">
+    <a:lvl2pPr marL="457200" algn="l" defTabSz="457200" rtl="0" eaLnBrk="1" latinLnBrk="0" hangingPunct="1">
       <a:defRPr sz="1800" kern="1200">
         <a:solidFill>
           <a:schemeClr val="tx1"/>
@@ -36,7 +36,7 @@
         <a:cs typeface="+mn-cs"/>
       </a:defRPr>
     </a:lvl2pPr>
-    <a:lvl3pPr marL="914400" algn="l" defTabSz="914400" rtl="0" eaLnBrk="1" latinLnBrk="0" hangingPunct="1">
+    <a:lvl3pPr marL="914400" algn="l" defTabSz="457200" rtl="0" eaLnBrk="1" latinLnBrk="0" hangingPunct="1">
       <a:defRPr sz="1800" kern="1200">
         <a:solidFill>
           <a:schemeClr val="tx1"/>
@@ -46,7 +46,7 @@
         <a:cs typeface="+mn-cs"/>
       </a:defRPr>
     </a:lvl3pPr>
-    <a:lvl4pPr marL="1371600" algn="l" defTabSz="914400" rtl="0" eaLnBrk="1" latinLnBrk="0" hangingPunct="1">
+    <a:lvl4pPr marL="1371600" algn="l" defTabSz="457200" rtl="0" eaLnBrk="1" latinLnBrk="0" hangingPunct="1">
       <a:defRPr sz="1800" kern="1200">
         <a:solidFill>
           <a:schemeClr val="tx1"/>
@@ -56,7 +56,7 @@
         <a:cs typeface="+mn-cs"/>
       </a:defRPr>
     </a:lvl4pPr>
-    <a:lvl5pPr marL="1828800" algn="l" defTabSz="914400" rtl="0" eaLnBrk="1" latinLnBrk="0" hangingPunct="1">
+    <a:lvl5pPr marL="1828800" algn="l" defTabSz="457200" rtl="0" eaLnBrk="1" latinLnBrk="0" hangingPunct="1">
       <a:defRPr sz="1800" kern="1200">
         <a:solidFill>
           <a:schemeClr val="tx1"/>
@@ -66,7 +66,7 @@
         <a:cs typeface="+mn-cs"/>
       </a:defRPr>
     </a:lvl5pPr>
-    <a:lvl6pPr marL="2286000" algn="l" defTabSz="914400" rtl="0" eaLnBrk="1" latinLnBrk="0" hangingPunct="1">
+    <a:lvl6pPr marL="2286000" algn="l" defTabSz="457200" rtl="0" eaLnBrk="1" latinLnBrk="0" hangingPunct="1">
       <a:defRPr sz="1800" kern="1200">
         <a:solidFill>
           <a:schemeClr val="tx1"/>
@@ -76,7 +76,7 @@
         <a:cs typeface="+mn-cs"/>
       </a:defRPr>
     </a:lvl6pPr>
-    <a:lvl7pPr marL="2743200" algn="l" defTabSz="914400" rtl="0" eaLnBrk="1" latinLnBrk="0" hangingPunct="1">
+    <a:lvl7pPr marL="2743200" algn="l" defTabSz="457200" rtl="0" eaLnBrk="1" latinLnBrk="0" hangingPunct="1">
       <a:defRPr sz="1800" kern="1200">
         <a:solidFill>
           <a:schemeClr val="tx1"/>
@@ -86,7 +86,7 @@
         <a:cs typeface="+mn-cs"/>
       </a:defRPr>
     </a:lvl7pPr>
-    <a:lvl8pPr marL="3200400" algn="l" defTabSz="914400" rtl="0" eaLnBrk="1" latinLnBrk="0" hangingPunct="1">
+    <a:lvl8pPr marL="3200400" algn="l" defTabSz="457200" rtl="0" eaLnBrk="1" latinLnBrk="0" hangingPunct="1">
       <a:defRPr sz="1800" kern="1200">
         <a:solidFill>
           <a:schemeClr val="tx1"/>
@@ -96,7 +96,7 @@
         <a:cs typeface="+mn-cs"/>
       </a:defRPr>
     </a:lvl8pPr>
-    <a:lvl9pPr marL="3657600" algn="l" defTabSz="914400" rtl="0" eaLnBrk="1" latinLnBrk="0" hangingPunct="1">
+    <a:lvl9pPr marL="3657600" algn="l" defTabSz="457200" rtl="0" eaLnBrk="1" latinLnBrk="0" hangingPunct="1">
       <a:defRPr sz="1800" kern="1200">
         <a:solidFill>
           <a:schemeClr val="tx1"/>
@@ -126,6 +126,3038 @@
 </p:presentation>
 </file>
 
+<file path=ppt/diagrams/colors1.xml><?xml version="1.0" encoding="utf-8"?>
+<dgm:colorsDef xmlns:dgm="http://schemas.openxmlformats.org/drawingml/2006/diagram" xmlns:a="http://schemas.openxmlformats.org/drawingml/2006/main" uniqueId="urn:microsoft.com/office/officeart/2018/5/colors/Iconchunking_neutralbg_accent2_2">
+  <dgm:title val=""/>
+  <dgm:desc val=""/>
+  <dgm:catLst>
+    <dgm:cat type="accent2" pri="11200"/>
+  </dgm:catLst>
+  <dgm:styleLbl name="node0">
+    <dgm:fillClrLst meth="repeat">
+      <a:schemeClr val="accent2"/>
+    </dgm:fillClrLst>
+    <dgm:linClrLst meth="repeat">
+      <a:schemeClr val="lt1"/>
+    </dgm:linClrLst>
+    <dgm:effectClrLst/>
+    <dgm:txLinClrLst/>
+    <dgm:txFillClrLst/>
+    <dgm:txEffectClrLst/>
+  </dgm:styleLbl>
+  <dgm:styleLbl name="node1">
+    <dgm:fillClrLst meth="repeat">
+      <a:schemeClr val="accent2"/>
+    </dgm:fillClrLst>
+    <dgm:linClrLst meth="repeat">
+      <a:schemeClr val="lt1">
+        <a:alpha val="0"/>
+      </a:schemeClr>
+    </dgm:linClrLst>
+    <dgm:effectClrLst/>
+    <dgm:txLinClrLst/>
+    <dgm:txFillClrLst/>
+    <dgm:txEffectClrLst/>
+  </dgm:styleLbl>
+  <dgm:styleLbl name="alignNode1">
+    <dgm:fillClrLst meth="repeat">
+      <a:schemeClr val="accent2"/>
+    </dgm:fillClrLst>
+    <dgm:linClrLst meth="repeat">
+      <a:schemeClr val="accent2"/>
+    </dgm:linClrLst>
+    <dgm:effectClrLst/>
+    <dgm:txLinClrLst/>
+    <dgm:txFillClrLst/>
+    <dgm:txEffectClrLst/>
+  </dgm:styleLbl>
+  <dgm:styleLbl name="lnNode1">
+    <dgm:fillClrLst meth="repeat">
+      <a:schemeClr val="accent2"/>
+    </dgm:fillClrLst>
+    <dgm:linClrLst meth="repeat">
+      <a:schemeClr val="lt1"/>
+    </dgm:linClrLst>
+    <dgm:effectClrLst/>
+    <dgm:txLinClrLst/>
+    <dgm:txFillClrLst/>
+    <dgm:txEffectClrLst/>
+  </dgm:styleLbl>
+  <dgm:styleLbl name="vennNode1">
+    <dgm:fillClrLst meth="repeat">
+      <a:schemeClr val="accent2">
+        <a:alpha val="50000"/>
+      </a:schemeClr>
+    </dgm:fillClrLst>
+    <dgm:linClrLst meth="repeat">
+      <a:schemeClr val="lt1"/>
+    </dgm:linClrLst>
+    <dgm:effectClrLst/>
+    <dgm:txLinClrLst/>
+    <dgm:txFillClrLst/>
+    <dgm:txEffectClrLst/>
+  </dgm:styleLbl>
+  <dgm:styleLbl name="node2">
+    <dgm:fillClrLst meth="repeat">
+      <a:schemeClr val="accent2"/>
+    </dgm:fillClrLst>
+    <dgm:linClrLst meth="repeat">
+      <a:schemeClr val="lt1"/>
+    </dgm:linClrLst>
+    <dgm:effectClrLst/>
+    <dgm:txLinClrLst/>
+    <dgm:txFillClrLst/>
+    <dgm:txEffectClrLst/>
+  </dgm:styleLbl>
+  <dgm:styleLbl name="node3">
+    <dgm:fillClrLst meth="repeat">
+      <a:schemeClr val="accent2"/>
+    </dgm:fillClrLst>
+    <dgm:linClrLst meth="repeat">
+      <a:schemeClr val="lt1"/>
+    </dgm:linClrLst>
+    <dgm:effectClrLst/>
+    <dgm:txLinClrLst/>
+    <dgm:txFillClrLst/>
+    <dgm:txEffectClrLst/>
+  </dgm:styleLbl>
+  <dgm:styleLbl name="node4">
+    <dgm:fillClrLst meth="repeat">
+      <a:schemeClr val="accent2"/>
+    </dgm:fillClrLst>
+    <dgm:linClrLst meth="repeat">
+      <a:schemeClr val="lt1"/>
+    </dgm:linClrLst>
+    <dgm:effectClrLst/>
+    <dgm:txLinClrLst/>
+    <dgm:txFillClrLst/>
+    <dgm:txEffectClrLst/>
+  </dgm:styleLbl>
+  <dgm:styleLbl name="fgImgPlace1">
+    <dgm:fillClrLst meth="repeat">
+      <a:schemeClr val="accent2">
+        <a:tint val="50000"/>
+      </a:schemeClr>
+    </dgm:fillClrLst>
+    <dgm:linClrLst meth="repeat">
+      <a:schemeClr val="lt1"/>
+    </dgm:linClrLst>
+    <dgm:effectClrLst/>
+    <dgm:txLinClrLst/>
+    <dgm:txFillClrLst meth="repeat">
+      <a:schemeClr val="lt1"/>
+    </dgm:txFillClrLst>
+    <dgm:txEffectClrLst/>
+  </dgm:styleLbl>
+  <dgm:styleLbl name="alignImgPlace1">
+    <dgm:fillClrLst meth="repeat">
+      <a:schemeClr val="accent2">
+        <a:tint val="50000"/>
+      </a:schemeClr>
+    </dgm:fillClrLst>
+    <dgm:linClrLst meth="repeat">
+      <a:schemeClr val="lt1"/>
+    </dgm:linClrLst>
+    <dgm:effectClrLst/>
+    <dgm:txLinClrLst/>
+    <dgm:txFillClrLst meth="repeat">
+      <a:schemeClr val="lt1"/>
+    </dgm:txFillClrLst>
+    <dgm:txEffectClrLst/>
+  </dgm:styleLbl>
+  <dgm:styleLbl name="bgImgPlace1">
+    <dgm:fillClrLst meth="repeat">
+      <a:schemeClr val="accent2">
+        <a:tint val="50000"/>
+      </a:schemeClr>
+    </dgm:fillClrLst>
+    <dgm:linClrLst meth="repeat">
+      <a:schemeClr val="lt1"/>
+    </dgm:linClrLst>
+    <dgm:effectClrLst/>
+    <dgm:txLinClrLst/>
+    <dgm:txFillClrLst meth="repeat">
+      <a:schemeClr val="lt1"/>
+    </dgm:txFillClrLst>
+    <dgm:txEffectClrLst/>
+  </dgm:styleLbl>
+  <dgm:styleLbl name="sibTrans2D1">
+    <dgm:fillClrLst meth="repeat">
+      <a:schemeClr val="accent2">
+        <a:tint val="60000"/>
+      </a:schemeClr>
+    </dgm:fillClrLst>
+    <dgm:linClrLst meth="repeat">
+      <a:schemeClr val="accent2">
+        <a:tint val="60000"/>
+      </a:schemeClr>
+    </dgm:linClrLst>
+    <dgm:effectClrLst/>
+    <dgm:txLinClrLst/>
+    <dgm:txFillClrLst/>
+    <dgm:txEffectClrLst/>
+  </dgm:styleLbl>
+  <dgm:styleLbl name="fgSibTrans2D1">
+    <dgm:fillClrLst meth="repeat">
+      <a:schemeClr val="accent2">
+        <a:tint val="60000"/>
+      </a:schemeClr>
+    </dgm:fillClrLst>
+    <dgm:linClrLst meth="repeat">
+      <a:schemeClr val="accent2">
+        <a:tint val="60000"/>
+      </a:schemeClr>
+    </dgm:linClrLst>
+    <dgm:effectClrLst/>
+    <dgm:txLinClrLst/>
+    <dgm:txFillClrLst/>
+    <dgm:txEffectClrLst/>
+  </dgm:styleLbl>
+  <dgm:styleLbl name="bgSibTrans2D1">
+    <dgm:fillClrLst meth="repeat">
+      <a:schemeClr val="accent2">
+        <a:tint val="60000"/>
+      </a:schemeClr>
+    </dgm:fillClrLst>
+    <dgm:linClrLst meth="repeat">
+      <a:schemeClr val="accent2">
+        <a:tint val="60000"/>
+      </a:schemeClr>
+    </dgm:linClrLst>
+    <dgm:effectClrLst/>
+    <dgm:txLinClrLst/>
+    <dgm:txFillClrLst/>
+    <dgm:txEffectClrLst/>
+  </dgm:styleLbl>
+  <dgm:styleLbl name="sibTrans1D1">
+    <dgm:fillClrLst meth="repeat">
+      <a:schemeClr val="accent2"/>
+    </dgm:fillClrLst>
+    <dgm:linClrLst meth="repeat">
+      <a:schemeClr val="accent2"/>
+    </dgm:linClrLst>
+    <dgm:effectClrLst/>
+    <dgm:txLinClrLst/>
+    <dgm:txFillClrLst meth="repeat">
+      <a:schemeClr val="tx1"/>
+    </dgm:txFillClrLst>
+    <dgm:txEffectClrLst/>
+  </dgm:styleLbl>
+  <dgm:styleLbl name="callout">
+    <dgm:fillClrLst meth="repeat">
+      <a:schemeClr val="accent2"/>
+    </dgm:fillClrLst>
+    <dgm:linClrLst meth="repeat">
+      <a:schemeClr val="accent2">
+        <a:tint val="50000"/>
+      </a:schemeClr>
+    </dgm:linClrLst>
+    <dgm:effectClrLst/>
+    <dgm:txLinClrLst/>
+    <dgm:txFillClrLst meth="repeat">
+      <a:schemeClr val="tx1"/>
+    </dgm:txFillClrLst>
+    <dgm:txEffectClrLst/>
+  </dgm:styleLbl>
+  <dgm:styleLbl name="asst0">
+    <dgm:fillClrLst meth="repeat">
+      <a:schemeClr val="accent2"/>
+    </dgm:fillClrLst>
+    <dgm:linClrLst meth="repeat">
+      <a:schemeClr val="lt1"/>
+    </dgm:linClrLst>
+    <dgm:effectClrLst/>
+    <dgm:txLinClrLst/>
+    <dgm:txFillClrLst/>
+    <dgm:txEffectClrLst/>
+  </dgm:styleLbl>
+  <dgm:styleLbl name="asst1">
+    <dgm:fillClrLst meth="repeat">
+      <a:schemeClr val="accent2"/>
+    </dgm:fillClrLst>
+    <dgm:linClrLst meth="repeat">
+      <a:schemeClr val="lt1"/>
+    </dgm:linClrLst>
+    <dgm:effectClrLst/>
+    <dgm:txLinClrLst/>
+    <dgm:txFillClrLst/>
+    <dgm:txEffectClrLst/>
+  </dgm:styleLbl>
+  <dgm:styleLbl name="asst2">
+    <dgm:fillClrLst meth="repeat">
+      <a:schemeClr val="accent2"/>
+    </dgm:fillClrLst>
+    <dgm:linClrLst meth="repeat">
+      <a:schemeClr val="lt1"/>
+    </dgm:linClrLst>
+    <dgm:effectClrLst/>
+    <dgm:txLinClrLst/>
+    <dgm:txFillClrLst/>
+    <dgm:txEffectClrLst/>
+  </dgm:styleLbl>
+  <dgm:styleLbl name="asst3">
+    <dgm:fillClrLst meth="repeat">
+      <a:schemeClr val="accent2"/>
+    </dgm:fillClrLst>
+    <dgm:linClrLst meth="repeat">
+      <a:schemeClr val="lt1"/>
+    </dgm:linClrLst>
+    <dgm:effectClrLst/>
+    <dgm:txLinClrLst/>
+    <dgm:txFillClrLst/>
+    <dgm:txEffectClrLst/>
+  </dgm:styleLbl>
+  <dgm:styleLbl name="asst4">
+    <dgm:fillClrLst meth="repeat">
+      <a:schemeClr val="accent2"/>
+    </dgm:fillClrLst>
+    <dgm:linClrLst meth="repeat">
+      <a:schemeClr val="lt1"/>
+    </dgm:linClrLst>
+    <dgm:effectClrLst/>
+    <dgm:txLinClrLst/>
+    <dgm:txFillClrLst/>
+    <dgm:txEffectClrLst/>
+  </dgm:styleLbl>
+  <dgm:styleLbl name="parChTrans2D1">
+    <dgm:fillClrLst meth="repeat">
+      <a:schemeClr val="accent2">
+        <a:tint val="60000"/>
+      </a:schemeClr>
+    </dgm:fillClrLst>
+    <dgm:linClrLst meth="repeat">
+      <a:schemeClr val="accent2">
+        <a:tint val="60000"/>
+      </a:schemeClr>
+    </dgm:linClrLst>
+    <dgm:effectClrLst/>
+    <dgm:txLinClrLst/>
+    <dgm:txFillClrLst meth="repeat">
+      <a:schemeClr val="lt1"/>
+    </dgm:txFillClrLst>
+    <dgm:txEffectClrLst/>
+  </dgm:styleLbl>
+  <dgm:styleLbl name="parChTrans2D2">
+    <dgm:fillClrLst meth="repeat">
+      <a:schemeClr val="accent2"/>
+    </dgm:fillClrLst>
+    <dgm:linClrLst meth="repeat">
+      <a:schemeClr val="accent2"/>
+    </dgm:linClrLst>
+    <dgm:effectClrLst/>
+    <dgm:txLinClrLst/>
+    <dgm:txFillClrLst meth="repeat">
+      <a:schemeClr val="lt1"/>
+    </dgm:txFillClrLst>
+    <dgm:txEffectClrLst/>
+  </dgm:styleLbl>
+  <dgm:styleLbl name="parChTrans2D3">
+    <dgm:fillClrLst meth="repeat">
+      <a:schemeClr val="accent2"/>
+    </dgm:fillClrLst>
+    <dgm:linClrLst meth="repeat">
+      <a:schemeClr val="accent2"/>
+    </dgm:linClrLst>
+    <dgm:effectClrLst/>
+    <dgm:txLinClrLst/>
+    <dgm:txFillClrLst meth="repeat">
+      <a:schemeClr val="lt1"/>
+    </dgm:txFillClrLst>
+    <dgm:txEffectClrLst/>
+  </dgm:styleLbl>
+  <dgm:styleLbl name="parChTrans2D4">
+    <dgm:fillClrLst meth="repeat">
+      <a:schemeClr val="accent2"/>
+    </dgm:fillClrLst>
+    <dgm:linClrLst meth="repeat">
+      <a:schemeClr val="accent2"/>
+    </dgm:linClrLst>
+    <dgm:effectClrLst/>
+    <dgm:txLinClrLst/>
+    <dgm:txFillClrLst meth="repeat">
+      <a:schemeClr val="lt1"/>
+    </dgm:txFillClrLst>
+    <dgm:txEffectClrLst/>
+  </dgm:styleLbl>
+  <dgm:styleLbl name="parChTrans1D1">
+    <dgm:fillClrLst meth="repeat">
+      <a:schemeClr val="accent2"/>
+    </dgm:fillClrLst>
+    <dgm:linClrLst meth="repeat">
+      <a:schemeClr val="accent2">
+        <a:shade val="60000"/>
+      </a:schemeClr>
+    </dgm:linClrLst>
+    <dgm:effectClrLst/>
+    <dgm:txLinClrLst/>
+    <dgm:txFillClrLst meth="repeat">
+      <a:schemeClr val="tx1"/>
+    </dgm:txFillClrLst>
+    <dgm:txEffectClrLst/>
+  </dgm:styleLbl>
+  <dgm:styleLbl name="parChTrans1D2">
+    <dgm:fillClrLst meth="repeat">
+      <a:schemeClr val="accent2"/>
+    </dgm:fillClrLst>
+    <dgm:linClrLst meth="repeat">
+      <a:schemeClr val="accent2">
+        <a:shade val="60000"/>
+      </a:schemeClr>
+    </dgm:linClrLst>
+    <dgm:effectClrLst/>
+    <dgm:txLinClrLst/>
+    <dgm:txFillClrLst meth="repeat">
+      <a:schemeClr val="tx1"/>
+    </dgm:txFillClrLst>
+    <dgm:txEffectClrLst/>
+  </dgm:styleLbl>
+  <dgm:styleLbl name="parChTrans1D3">
+    <dgm:fillClrLst meth="repeat">
+      <a:schemeClr val="accent2"/>
+    </dgm:fillClrLst>
+    <dgm:linClrLst meth="repeat">
+      <a:schemeClr val="accent2">
+        <a:shade val="80000"/>
+      </a:schemeClr>
+    </dgm:linClrLst>
+    <dgm:effectClrLst/>
+    <dgm:txLinClrLst/>
+    <dgm:txFillClrLst meth="repeat">
+      <a:schemeClr val="tx1"/>
+    </dgm:txFillClrLst>
+    <dgm:txEffectClrLst/>
+  </dgm:styleLbl>
+  <dgm:styleLbl name="parChTrans1D4">
+    <dgm:fillClrLst meth="repeat">
+      <a:schemeClr val="accent2"/>
+    </dgm:fillClrLst>
+    <dgm:linClrLst meth="repeat">
+      <a:schemeClr val="accent2">
+        <a:shade val="80000"/>
+      </a:schemeClr>
+    </dgm:linClrLst>
+    <dgm:effectClrLst/>
+    <dgm:txLinClrLst/>
+    <dgm:txFillClrLst meth="repeat">
+      <a:schemeClr val="tx1"/>
+    </dgm:txFillClrLst>
+    <dgm:txEffectClrLst/>
+  </dgm:styleLbl>
+  <dgm:styleLbl name="fgAcc1">
+    <dgm:fillClrLst meth="repeat">
+      <a:schemeClr val="lt1">
+        <a:alpha val="90000"/>
+      </a:schemeClr>
+    </dgm:fillClrLst>
+    <dgm:linClrLst meth="repeat">
+      <a:schemeClr val="accent2"/>
+    </dgm:linClrLst>
+    <dgm:effectClrLst/>
+    <dgm:txLinClrLst/>
+    <dgm:txFillClrLst meth="repeat">
+      <a:schemeClr val="dk1"/>
+    </dgm:txFillClrLst>
+    <dgm:txEffectClrLst/>
+  </dgm:styleLbl>
+  <dgm:styleLbl name="conFgAcc1">
+    <dgm:fillClrLst meth="repeat">
+      <a:schemeClr val="lt1">
+        <a:alpha val="90000"/>
+      </a:schemeClr>
+    </dgm:fillClrLst>
+    <dgm:linClrLst meth="repeat">
+      <a:schemeClr val="accent2"/>
+    </dgm:linClrLst>
+    <dgm:effectClrLst/>
+    <dgm:txLinClrLst/>
+    <dgm:txFillClrLst meth="repeat">
+      <a:schemeClr val="dk1"/>
+    </dgm:txFillClrLst>
+    <dgm:txEffectClrLst/>
+  </dgm:styleLbl>
+  <dgm:styleLbl name="alignAcc1">
+    <dgm:fillClrLst meth="repeat">
+      <a:schemeClr val="lt1">
+        <a:alpha val="90000"/>
+      </a:schemeClr>
+    </dgm:fillClrLst>
+    <dgm:linClrLst meth="repeat">
+      <a:schemeClr val="accent2"/>
+    </dgm:linClrLst>
+    <dgm:effectClrLst/>
+    <dgm:txLinClrLst/>
+    <dgm:txFillClrLst meth="repeat">
+      <a:schemeClr val="dk1"/>
+    </dgm:txFillClrLst>
+    <dgm:txEffectClrLst/>
+  </dgm:styleLbl>
+  <dgm:styleLbl name="trAlignAcc1">
+    <dgm:fillClrLst meth="repeat">
+      <a:schemeClr val="lt1">
+        <a:alpha val="40000"/>
+      </a:schemeClr>
+    </dgm:fillClrLst>
+    <dgm:linClrLst meth="repeat">
+      <a:schemeClr val="accent2"/>
+    </dgm:linClrLst>
+    <dgm:effectClrLst/>
+    <dgm:txLinClrLst/>
+    <dgm:txFillClrLst meth="repeat">
+      <a:schemeClr val="dk1"/>
+    </dgm:txFillClrLst>
+    <dgm:txEffectClrLst/>
+  </dgm:styleLbl>
+  <dgm:styleLbl name="bgAcc1">
+    <dgm:fillClrLst meth="repeat">
+      <a:schemeClr val="lt1">
+        <a:alpha val="90000"/>
+      </a:schemeClr>
+    </dgm:fillClrLst>
+    <dgm:linClrLst meth="repeat">
+      <a:schemeClr val="accent2"/>
+    </dgm:linClrLst>
+    <dgm:effectClrLst/>
+    <dgm:txLinClrLst/>
+    <dgm:txFillClrLst meth="repeat">
+      <a:schemeClr val="dk1"/>
+    </dgm:txFillClrLst>
+    <dgm:txEffectClrLst/>
+  </dgm:styleLbl>
+  <dgm:styleLbl name="solidFgAcc1">
+    <dgm:fillClrLst meth="repeat">
+      <a:schemeClr val="lt1"/>
+    </dgm:fillClrLst>
+    <dgm:linClrLst meth="repeat">
+      <a:schemeClr val="accent2"/>
+    </dgm:linClrLst>
+    <dgm:effectClrLst/>
+    <dgm:txLinClrLst/>
+    <dgm:txFillClrLst meth="repeat">
+      <a:schemeClr val="dk1"/>
+    </dgm:txFillClrLst>
+    <dgm:txEffectClrLst/>
+  </dgm:styleLbl>
+  <dgm:styleLbl name="solidAlignAcc1">
+    <dgm:fillClrLst meth="repeat">
+      <a:schemeClr val="lt1"/>
+    </dgm:fillClrLst>
+    <dgm:linClrLst meth="repeat">
+      <a:schemeClr val="accent2"/>
+    </dgm:linClrLst>
+    <dgm:effectClrLst/>
+    <dgm:txLinClrLst/>
+    <dgm:txFillClrLst meth="repeat">
+      <a:schemeClr val="dk1"/>
+    </dgm:txFillClrLst>
+    <dgm:txEffectClrLst/>
+  </dgm:styleLbl>
+  <dgm:styleLbl name="solidBgAcc1">
+    <dgm:fillClrLst meth="repeat">
+      <a:schemeClr val="lt1"/>
+    </dgm:fillClrLst>
+    <dgm:linClrLst meth="repeat">
+      <a:schemeClr val="accent2"/>
+    </dgm:linClrLst>
+    <dgm:effectClrLst/>
+    <dgm:txLinClrLst/>
+    <dgm:txFillClrLst meth="repeat">
+      <a:schemeClr val="dk1"/>
+    </dgm:txFillClrLst>
+    <dgm:txEffectClrLst/>
+  </dgm:styleLbl>
+  <dgm:styleLbl name="fgAccFollowNode1">
+    <dgm:fillClrLst meth="repeat">
+      <a:schemeClr val="accent2">
+        <a:alpha val="90000"/>
+        <a:tint val="40000"/>
+      </a:schemeClr>
+    </dgm:fillClrLst>
+    <dgm:linClrLst meth="repeat">
+      <a:schemeClr val="accent2">
+        <a:alpha val="90000"/>
+        <a:tint val="40000"/>
+      </a:schemeClr>
+    </dgm:linClrLst>
+    <dgm:effectClrLst/>
+    <dgm:txLinClrLst/>
+    <dgm:txFillClrLst meth="repeat">
+      <a:schemeClr val="dk1"/>
+    </dgm:txFillClrLst>
+    <dgm:txEffectClrLst/>
+  </dgm:styleLbl>
+  <dgm:styleLbl name="alignAccFollowNode1">
+    <dgm:fillClrLst meth="repeat">
+      <a:schemeClr val="accent2">
+        <a:alpha val="90000"/>
+        <a:tint val="40000"/>
+      </a:schemeClr>
+    </dgm:fillClrLst>
+    <dgm:linClrLst meth="repeat">
+      <a:schemeClr val="accent2">
+        <a:alpha val="90000"/>
+        <a:tint val="40000"/>
+      </a:schemeClr>
+    </dgm:linClrLst>
+    <dgm:effectClrLst/>
+    <dgm:txLinClrLst/>
+    <dgm:txFillClrLst meth="repeat">
+      <a:schemeClr val="dk1"/>
+    </dgm:txFillClrLst>
+    <dgm:txEffectClrLst/>
+  </dgm:styleLbl>
+  <dgm:styleLbl name="bgAccFollowNode1">
+    <dgm:fillClrLst meth="repeat">
+      <a:schemeClr val="accent2">
+        <a:alpha val="90000"/>
+        <a:tint val="40000"/>
+      </a:schemeClr>
+    </dgm:fillClrLst>
+    <dgm:linClrLst meth="repeat">
+      <a:schemeClr val="accent2">
+        <a:alpha val="90000"/>
+        <a:tint val="40000"/>
+      </a:schemeClr>
+    </dgm:linClrLst>
+    <dgm:effectClrLst/>
+    <dgm:txLinClrLst/>
+    <dgm:txFillClrLst meth="repeat">
+      <a:schemeClr val="dk1"/>
+    </dgm:txFillClrLst>
+    <dgm:txEffectClrLst/>
+  </dgm:styleLbl>
+  <dgm:styleLbl name="fgAcc0">
+    <dgm:fillClrLst meth="repeat">
+      <a:schemeClr val="lt1">
+        <a:alpha val="90000"/>
+      </a:schemeClr>
+    </dgm:fillClrLst>
+    <dgm:linClrLst meth="repeat">
+      <a:schemeClr val="accent2"/>
+    </dgm:linClrLst>
+    <dgm:effectClrLst/>
+    <dgm:txLinClrLst/>
+    <dgm:txFillClrLst meth="repeat">
+      <a:schemeClr val="dk1"/>
+    </dgm:txFillClrLst>
+    <dgm:txEffectClrLst/>
+  </dgm:styleLbl>
+  <dgm:styleLbl name="fgAcc2">
+    <dgm:fillClrLst meth="repeat">
+      <a:schemeClr val="lt1">
+        <a:alpha val="90000"/>
+      </a:schemeClr>
+    </dgm:fillClrLst>
+    <dgm:linClrLst meth="repeat">
+      <a:schemeClr val="accent2"/>
+    </dgm:linClrLst>
+    <dgm:effectClrLst/>
+    <dgm:txLinClrLst/>
+    <dgm:txFillClrLst meth="repeat">
+      <a:schemeClr val="dk1"/>
+    </dgm:txFillClrLst>
+    <dgm:txEffectClrLst/>
+  </dgm:styleLbl>
+  <dgm:styleLbl name="fgAcc3">
+    <dgm:fillClrLst meth="repeat">
+      <a:schemeClr val="lt1">
+        <a:alpha val="90000"/>
+      </a:schemeClr>
+    </dgm:fillClrLst>
+    <dgm:linClrLst meth="repeat">
+      <a:schemeClr val="accent2"/>
+    </dgm:linClrLst>
+    <dgm:effectClrLst/>
+    <dgm:txLinClrLst/>
+    <dgm:txFillClrLst meth="repeat">
+      <a:schemeClr val="dk1"/>
+    </dgm:txFillClrLst>
+    <dgm:txEffectClrLst/>
+  </dgm:styleLbl>
+  <dgm:styleLbl name="fgAcc4">
+    <dgm:fillClrLst meth="repeat">
+      <a:schemeClr val="lt1">
+        <a:alpha val="90000"/>
+      </a:schemeClr>
+    </dgm:fillClrLst>
+    <dgm:linClrLst meth="repeat">
+      <a:schemeClr val="accent2"/>
+    </dgm:linClrLst>
+    <dgm:effectClrLst/>
+    <dgm:txLinClrLst/>
+    <dgm:txFillClrLst meth="repeat">
+      <a:schemeClr val="dk1"/>
+    </dgm:txFillClrLst>
+    <dgm:txEffectClrLst/>
+  </dgm:styleLbl>
+  <dgm:styleLbl name="bgShp">
+    <dgm:fillClrLst meth="repeat">
+      <a:schemeClr val="bg1">
+        <a:lumMod val="95000"/>
+      </a:schemeClr>
+    </dgm:fillClrLst>
+    <dgm:linClrLst meth="repeat">
+      <a:schemeClr val="accent2"/>
+    </dgm:linClrLst>
+    <dgm:effectClrLst/>
+    <dgm:txLinClrLst/>
+    <dgm:txFillClrLst meth="repeat">
+      <a:schemeClr val="dk1"/>
+    </dgm:txFillClrLst>
+    <dgm:txEffectClrLst/>
+  </dgm:styleLbl>
+  <dgm:styleLbl name="dkBgShp">
+    <dgm:fillClrLst meth="repeat">
+      <a:schemeClr val="accent2">
+        <a:shade val="80000"/>
+      </a:schemeClr>
+    </dgm:fillClrLst>
+    <dgm:linClrLst meth="repeat">
+      <a:schemeClr val="accent2"/>
+    </dgm:linClrLst>
+    <dgm:effectClrLst/>
+    <dgm:txLinClrLst/>
+    <dgm:txFillClrLst meth="repeat">
+      <a:schemeClr val="lt1"/>
+    </dgm:txFillClrLst>
+    <dgm:txEffectClrLst/>
+  </dgm:styleLbl>
+  <dgm:styleLbl name="trBgShp">
+    <dgm:fillClrLst meth="repeat">
+      <a:schemeClr val="accent2">
+        <a:tint val="50000"/>
+        <a:alpha val="40000"/>
+      </a:schemeClr>
+    </dgm:fillClrLst>
+    <dgm:linClrLst meth="repeat">
+      <a:schemeClr val="accent2"/>
+    </dgm:linClrLst>
+    <dgm:effectClrLst/>
+    <dgm:txLinClrLst/>
+    <dgm:txFillClrLst meth="repeat">
+      <a:schemeClr val="lt1"/>
+    </dgm:txFillClrLst>
+    <dgm:txEffectClrLst/>
+  </dgm:styleLbl>
+  <dgm:styleLbl name="fgShp">
+    <dgm:fillClrLst meth="repeat">
+      <a:schemeClr val="accent2">
+        <a:tint val="60000"/>
+      </a:schemeClr>
+    </dgm:fillClrLst>
+    <dgm:linClrLst meth="repeat">
+      <a:schemeClr val="lt1"/>
+    </dgm:linClrLst>
+    <dgm:effectClrLst/>
+    <dgm:txLinClrLst/>
+    <dgm:txFillClrLst meth="repeat">
+      <a:schemeClr val="dk1"/>
+    </dgm:txFillClrLst>
+    <dgm:txEffectClrLst/>
+  </dgm:styleLbl>
+  <dgm:styleLbl name="revTx">
+    <dgm:fillClrLst meth="repeat">
+      <a:schemeClr val="lt1">
+        <a:alpha val="0"/>
+      </a:schemeClr>
+    </dgm:fillClrLst>
+    <dgm:linClrLst meth="repeat">
+      <a:schemeClr val="dk1">
+        <a:alpha val="0"/>
+      </a:schemeClr>
+    </dgm:linClrLst>
+    <dgm:effectClrLst/>
+    <dgm:txLinClrLst/>
+    <dgm:txFillClrLst meth="repeat">
+      <a:schemeClr val="tx1"/>
+    </dgm:txFillClrLst>
+    <dgm:txEffectClrLst/>
+  </dgm:styleLbl>
+</dgm:colorsDef>
+</file>
+
+<file path=ppt/diagrams/data1.xml><?xml version="1.0" encoding="utf-8"?>
+<dgm:dataModel xmlns:dgm="http://schemas.openxmlformats.org/drawingml/2006/diagram" xmlns:a="http://schemas.openxmlformats.org/drawingml/2006/main">
+  <dgm:ptLst>
+    <dgm:pt modelId="{8974EA30-5443-4DCA-BE25-172DC7826439}" type="doc">
+      <dgm:prSet loTypeId="urn:microsoft.com/office/officeart/2018/2/layout/IconLabelList" loCatId="icon" qsTypeId="urn:microsoft.com/office/officeart/2005/8/quickstyle/simple1" qsCatId="simple" csTypeId="urn:microsoft.com/office/officeart/2018/5/colors/Iconchunking_neutralbg_accent2_2" csCatId="accent2" phldr="1"/>
+      <dgm:spPr/>
+      <dgm:t>
+        <a:bodyPr/>
+        <a:lstStyle/>
+        <a:p>
+          <a:endParaRPr lang="en-US"/>
+        </a:p>
+      </dgm:t>
+    </dgm:pt>
+    <dgm:pt modelId="{638B3858-E4DD-4E18-9B4B-9DC8815F7A76}">
+      <dgm:prSet/>
+      <dgm:spPr/>
+      <dgm:t>
+        <a:bodyPr/>
+        <a:lstStyle/>
+        <a:p>
+          <a:r>
+            <a:rPr lang="en-IN"/>
+            <a:t>Goal</a:t>
+          </a:r>
+          <a:endParaRPr lang="en-US"/>
+        </a:p>
+      </dgm:t>
+    </dgm:pt>
+    <dgm:pt modelId="{F79F5801-2778-4A37-A87A-2751FAE26699}" type="parTrans" cxnId="{EDB4FFE0-DCA6-41F7-BB94-24913699F5E4}">
+      <dgm:prSet/>
+      <dgm:spPr/>
+      <dgm:t>
+        <a:bodyPr/>
+        <a:lstStyle/>
+        <a:p>
+          <a:endParaRPr lang="en-US"/>
+        </a:p>
+      </dgm:t>
+    </dgm:pt>
+    <dgm:pt modelId="{6BB5D0BE-7BF4-4C90-91FC-A713F23F49AE}" type="sibTrans" cxnId="{EDB4FFE0-DCA6-41F7-BB94-24913699F5E4}">
+      <dgm:prSet/>
+      <dgm:spPr/>
+      <dgm:t>
+        <a:bodyPr/>
+        <a:lstStyle/>
+        <a:p>
+          <a:endParaRPr lang="en-US"/>
+        </a:p>
+      </dgm:t>
+    </dgm:pt>
+    <dgm:pt modelId="{A1393382-1B47-4626-ACB5-FC3DA76C0A04}">
+      <dgm:prSet/>
+      <dgm:spPr/>
+      <dgm:t>
+        <a:bodyPr/>
+        <a:lstStyle/>
+        <a:p>
+          <a:r>
+            <a:rPr lang="en-IN"/>
+            <a:t>Architectural Diagram</a:t>
+          </a:r>
+          <a:endParaRPr lang="en-US"/>
+        </a:p>
+      </dgm:t>
+    </dgm:pt>
+    <dgm:pt modelId="{527CBCF5-84DC-4512-B3E4-5CE727025AC8}" type="parTrans" cxnId="{4650B7A6-2384-4354-A3A9-15C90BE45ED8}">
+      <dgm:prSet/>
+      <dgm:spPr/>
+      <dgm:t>
+        <a:bodyPr/>
+        <a:lstStyle/>
+        <a:p>
+          <a:endParaRPr lang="en-US"/>
+        </a:p>
+      </dgm:t>
+    </dgm:pt>
+    <dgm:pt modelId="{DBA41F96-558D-4C63-A63C-595EC8BAFB81}" type="sibTrans" cxnId="{4650B7A6-2384-4354-A3A9-15C90BE45ED8}">
+      <dgm:prSet/>
+      <dgm:spPr/>
+      <dgm:t>
+        <a:bodyPr/>
+        <a:lstStyle/>
+        <a:p>
+          <a:endParaRPr lang="en-US"/>
+        </a:p>
+      </dgm:t>
+    </dgm:pt>
+    <dgm:pt modelId="{73A0639F-BE27-4447-9AB5-9E90664E5AB4}">
+      <dgm:prSet/>
+      <dgm:spPr/>
+      <dgm:t>
+        <a:bodyPr/>
+        <a:lstStyle/>
+        <a:p>
+          <a:r>
+            <a:rPr lang="en-IN"/>
+            <a:t>Junit</a:t>
+          </a:r>
+          <a:endParaRPr lang="en-US"/>
+        </a:p>
+      </dgm:t>
+    </dgm:pt>
+    <dgm:pt modelId="{35F214CD-6803-4EF1-8393-42F863D25262}" type="parTrans" cxnId="{122F891A-E3A7-4E3D-9A1B-8250C8992629}">
+      <dgm:prSet/>
+      <dgm:spPr/>
+      <dgm:t>
+        <a:bodyPr/>
+        <a:lstStyle/>
+        <a:p>
+          <a:endParaRPr lang="en-US"/>
+        </a:p>
+      </dgm:t>
+    </dgm:pt>
+    <dgm:pt modelId="{67ACD462-835A-4A74-B841-86E93BDEE432}" type="sibTrans" cxnId="{122F891A-E3A7-4E3D-9A1B-8250C8992629}">
+      <dgm:prSet/>
+      <dgm:spPr/>
+      <dgm:t>
+        <a:bodyPr/>
+        <a:lstStyle/>
+        <a:p>
+          <a:endParaRPr lang="en-US"/>
+        </a:p>
+      </dgm:t>
+    </dgm:pt>
+    <dgm:pt modelId="{3CD97061-6CFF-4FE9-8699-75CBF44C82B4}">
+      <dgm:prSet/>
+      <dgm:spPr/>
+      <dgm:t>
+        <a:bodyPr/>
+        <a:lstStyle/>
+        <a:p>
+          <a:r>
+            <a:rPr lang="en-IN"/>
+            <a:t>JavaDoc</a:t>
+          </a:r>
+          <a:endParaRPr lang="en-US"/>
+        </a:p>
+      </dgm:t>
+    </dgm:pt>
+    <dgm:pt modelId="{A5BF2028-7B20-45BF-BCEC-1E66C6A24F9F}" type="parTrans" cxnId="{187FDEFA-B017-4BAF-A9B9-227A404F90F2}">
+      <dgm:prSet/>
+      <dgm:spPr/>
+      <dgm:t>
+        <a:bodyPr/>
+        <a:lstStyle/>
+        <a:p>
+          <a:endParaRPr lang="en-US"/>
+        </a:p>
+      </dgm:t>
+    </dgm:pt>
+    <dgm:pt modelId="{D089273A-6FA4-4AB7-A3B2-66C2255172CA}" type="sibTrans" cxnId="{187FDEFA-B017-4BAF-A9B9-227A404F90F2}">
+      <dgm:prSet/>
+      <dgm:spPr/>
+      <dgm:t>
+        <a:bodyPr/>
+        <a:lstStyle/>
+        <a:p>
+          <a:endParaRPr lang="en-US"/>
+        </a:p>
+      </dgm:t>
+    </dgm:pt>
+    <dgm:pt modelId="{39ECAD7E-26EE-4DCF-B120-E6C98494A68E}">
+      <dgm:prSet/>
+      <dgm:spPr/>
+      <dgm:t>
+        <a:bodyPr/>
+        <a:lstStyle/>
+        <a:p>
+          <a:r>
+            <a:rPr lang="en-IN"/>
+            <a:t>Coding Conventions</a:t>
+          </a:r>
+          <a:endParaRPr lang="en-US"/>
+        </a:p>
+      </dgm:t>
+    </dgm:pt>
+    <dgm:pt modelId="{C7058233-58E2-41D3-9FD1-000E6B0F45C5}" type="parTrans" cxnId="{74FD49A0-1A05-4D70-8031-854EDB8E59C0}">
+      <dgm:prSet/>
+      <dgm:spPr/>
+      <dgm:t>
+        <a:bodyPr/>
+        <a:lstStyle/>
+        <a:p>
+          <a:endParaRPr lang="en-US"/>
+        </a:p>
+      </dgm:t>
+    </dgm:pt>
+    <dgm:pt modelId="{642CD804-4085-412E-B699-0A979133A7E8}" type="sibTrans" cxnId="{74FD49A0-1A05-4D70-8031-854EDB8E59C0}">
+      <dgm:prSet/>
+      <dgm:spPr/>
+      <dgm:t>
+        <a:bodyPr/>
+        <a:lstStyle/>
+        <a:p>
+          <a:endParaRPr lang="en-US"/>
+        </a:p>
+      </dgm:t>
+    </dgm:pt>
+    <dgm:pt modelId="{A086395D-FECA-4FF4-A7A8-C9D6E1B99946}" type="pres">
+      <dgm:prSet presAssocID="{8974EA30-5443-4DCA-BE25-172DC7826439}" presName="root" presStyleCnt="0">
+        <dgm:presLayoutVars>
+          <dgm:dir/>
+          <dgm:resizeHandles val="exact"/>
+        </dgm:presLayoutVars>
+      </dgm:prSet>
+      <dgm:spPr/>
+    </dgm:pt>
+    <dgm:pt modelId="{D27BB59F-2321-4457-BEC1-FCAB68B53313}" type="pres">
+      <dgm:prSet presAssocID="{638B3858-E4DD-4E18-9B4B-9DC8815F7A76}" presName="compNode" presStyleCnt="0"/>
+      <dgm:spPr/>
+    </dgm:pt>
+    <dgm:pt modelId="{EADFFB2C-28E8-4496-A8D7-723CF1CCFEC5}" type="pres">
+      <dgm:prSet presAssocID="{638B3858-E4DD-4E18-9B4B-9DC8815F7A76}" presName="iconRect" presStyleLbl="node1" presStyleIdx="0" presStyleCnt="5"/>
+      <dgm:spPr>
+        <a:blipFill>
+          <a:blip xmlns:r="http://schemas.openxmlformats.org/officeDocument/2006/relationships" r:embed="rId1">
+            <a:extLst>
+              <a:ext uri="{28A0092B-C50C-407E-A947-70E740481C1C}">
+                <a14:useLocalDpi xmlns:a14="http://schemas.microsoft.com/office/drawing/2010/main" val="0"/>
+              </a:ext>
+              <a:ext uri="{96DAC541-7B7A-43D3-8B79-37D633B846F1}">
+                <asvg:svgBlip xmlns:asvg="http://schemas.microsoft.com/office/drawing/2016/SVG/main" r:embed="rId2"/>
+              </a:ext>
+            </a:extLst>
+          </a:blip>
+          <a:stretch>
+            <a:fillRect/>
+          </a:stretch>
+        </a:blipFill>
+        <a:ln>
+          <a:noFill/>
+        </a:ln>
+      </dgm:spPr>
+      <dgm:extLst>
+        <a:ext uri="{E40237B7-FDA0-4F09-8148-C483321AD2D9}">
+          <dgm14:cNvPr xmlns:dgm14="http://schemas.microsoft.com/office/drawing/2010/diagram" id="0" name="" descr="Bullseye"/>
+        </a:ext>
+      </dgm:extLst>
+    </dgm:pt>
+    <dgm:pt modelId="{220F5ECB-7BC5-4722-B375-97E57F5D0822}" type="pres">
+      <dgm:prSet presAssocID="{638B3858-E4DD-4E18-9B4B-9DC8815F7A76}" presName="spaceRect" presStyleCnt="0"/>
+      <dgm:spPr/>
+    </dgm:pt>
+    <dgm:pt modelId="{2C7ED18C-D947-41B1-8AAF-D7E04F3D458F}" type="pres">
+      <dgm:prSet presAssocID="{638B3858-E4DD-4E18-9B4B-9DC8815F7A76}" presName="textRect" presStyleLbl="revTx" presStyleIdx="0" presStyleCnt="5">
+        <dgm:presLayoutVars>
+          <dgm:chMax val="1"/>
+          <dgm:chPref val="1"/>
+        </dgm:presLayoutVars>
+      </dgm:prSet>
+      <dgm:spPr/>
+    </dgm:pt>
+    <dgm:pt modelId="{42670730-1ACC-48E1-9AAC-1BA59A440DC1}" type="pres">
+      <dgm:prSet presAssocID="{6BB5D0BE-7BF4-4C90-91FC-A713F23F49AE}" presName="sibTrans" presStyleCnt="0"/>
+      <dgm:spPr/>
+    </dgm:pt>
+    <dgm:pt modelId="{938A6FDF-B772-40AE-BAB5-CF837B7C8C7F}" type="pres">
+      <dgm:prSet presAssocID="{A1393382-1B47-4626-ACB5-FC3DA76C0A04}" presName="compNode" presStyleCnt="0"/>
+      <dgm:spPr/>
+    </dgm:pt>
+    <dgm:pt modelId="{BAD87AE9-3968-4474-88A5-F53FB37EFC03}" type="pres">
+      <dgm:prSet presAssocID="{A1393382-1B47-4626-ACB5-FC3DA76C0A04}" presName="iconRect" presStyleLbl="node1" presStyleIdx="1" presStyleCnt="5"/>
+      <dgm:spPr>
+        <a:blipFill>
+          <a:blip xmlns:r="http://schemas.openxmlformats.org/officeDocument/2006/relationships" r:embed="rId3">
+            <a:extLst>
+              <a:ext uri="{28A0092B-C50C-407E-A947-70E740481C1C}">
+                <a14:useLocalDpi xmlns:a14="http://schemas.microsoft.com/office/drawing/2010/main" val="0"/>
+              </a:ext>
+              <a:ext uri="{96DAC541-7B7A-43D3-8B79-37D633B846F1}">
+                <asvg:svgBlip xmlns:asvg="http://schemas.microsoft.com/office/drawing/2016/SVG/main" r:embed="rId4"/>
+              </a:ext>
+            </a:extLst>
+          </a:blip>
+          <a:stretch>
+            <a:fillRect/>
+          </a:stretch>
+        </a:blipFill>
+        <a:ln>
+          <a:noFill/>
+        </a:ln>
+      </dgm:spPr>
+      <dgm:extLst>
+        <a:ext uri="{E40237B7-FDA0-4F09-8148-C483321AD2D9}">
+          <dgm14:cNvPr xmlns:dgm14="http://schemas.microsoft.com/office/drawing/2010/diagram" id="0" name="" descr="City"/>
+        </a:ext>
+      </dgm:extLst>
+    </dgm:pt>
+    <dgm:pt modelId="{59118D7C-CE32-4070-A41E-4E6FB92B7225}" type="pres">
+      <dgm:prSet presAssocID="{A1393382-1B47-4626-ACB5-FC3DA76C0A04}" presName="spaceRect" presStyleCnt="0"/>
+      <dgm:spPr/>
+    </dgm:pt>
+    <dgm:pt modelId="{FC776A5E-94F7-4AF4-97CA-7FFD1A6FB169}" type="pres">
+      <dgm:prSet presAssocID="{A1393382-1B47-4626-ACB5-FC3DA76C0A04}" presName="textRect" presStyleLbl="revTx" presStyleIdx="1" presStyleCnt="5">
+        <dgm:presLayoutVars>
+          <dgm:chMax val="1"/>
+          <dgm:chPref val="1"/>
+        </dgm:presLayoutVars>
+      </dgm:prSet>
+      <dgm:spPr/>
+    </dgm:pt>
+    <dgm:pt modelId="{DEB08585-1579-42D7-B9CB-360BE40A8814}" type="pres">
+      <dgm:prSet presAssocID="{DBA41F96-558D-4C63-A63C-595EC8BAFB81}" presName="sibTrans" presStyleCnt="0"/>
+      <dgm:spPr/>
+    </dgm:pt>
+    <dgm:pt modelId="{DC4DC9AC-F777-402B-9954-3A0F332FAA7D}" type="pres">
+      <dgm:prSet presAssocID="{73A0639F-BE27-4447-9AB5-9E90664E5AB4}" presName="compNode" presStyleCnt="0"/>
+      <dgm:spPr/>
+    </dgm:pt>
+    <dgm:pt modelId="{CFF0C611-41A1-4B94-B6E2-9B607F6D7673}" type="pres">
+      <dgm:prSet presAssocID="{73A0639F-BE27-4447-9AB5-9E90664E5AB4}" presName="iconRect" presStyleLbl="node1" presStyleIdx="2" presStyleCnt="5"/>
+      <dgm:spPr>
+        <a:blipFill>
+          <a:blip xmlns:r="http://schemas.openxmlformats.org/officeDocument/2006/relationships" r:embed="rId5">
+            <a:extLst>
+              <a:ext uri="{28A0092B-C50C-407E-A947-70E740481C1C}">
+                <a14:useLocalDpi xmlns:a14="http://schemas.microsoft.com/office/drawing/2010/main" val="0"/>
+              </a:ext>
+              <a:ext uri="{96DAC541-7B7A-43D3-8B79-37D633B846F1}">
+                <asvg:svgBlip xmlns:asvg="http://schemas.microsoft.com/office/drawing/2016/SVG/main" r:embed="rId6"/>
+              </a:ext>
+            </a:extLst>
+          </a:blip>
+          <a:stretch>
+            <a:fillRect/>
+          </a:stretch>
+        </a:blipFill>
+        <a:ln>
+          <a:noFill/>
+        </a:ln>
+      </dgm:spPr>
+      <dgm:extLst>
+        <a:ext uri="{E40237B7-FDA0-4F09-8148-C483321AD2D9}">
+          <dgm14:cNvPr xmlns:dgm14="http://schemas.microsoft.com/office/drawing/2010/diagram" id="0" name="" descr="Wind Chime"/>
+        </a:ext>
+      </dgm:extLst>
+    </dgm:pt>
+    <dgm:pt modelId="{6CDB1967-D149-47CF-9974-A965A1893AFC}" type="pres">
+      <dgm:prSet presAssocID="{73A0639F-BE27-4447-9AB5-9E90664E5AB4}" presName="spaceRect" presStyleCnt="0"/>
+      <dgm:spPr/>
+    </dgm:pt>
+    <dgm:pt modelId="{441DFFC9-6F04-48EF-AF37-77A1D91FA66F}" type="pres">
+      <dgm:prSet presAssocID="{73A0639F-BE27-4447-9AB5-9E90664E5AB4}" presName="textRect" presStyleLbl="revTx" presStyleIdx="2" presStyleCnt="5">
+        <dgm:presLayoutVars>
+          <dgm:chMax val="1"/>
+          <dgm:chPref val="1"/>
+        </dgm:presLayoutVars>
+      </dgm:prSet>
+      <dgm:spPr/>
+    </dgm:pt>
+    <dgm:pt modelId="{F5EB6012-E09D-4480-942E-19E4FBE95296}" type="pres">
+      <dgm:prSet presAssocID="{67ACD462-835A-4A74-B841-86E93BDEE432}" presName="sibTrans" presStyleCnt="0"/>
+      <dgm:spPr/>
+    </dgm:pt>
+    <dgm:pt modelId="{F6604585-D289-49F4-87E6-3635D748FC74}" type="pres">
+      <dgm:prSet presAssocID="{3CD97061-6CFF-4FE9-8699-75CBF44C82B4}" presName="compNode" presStyleCnt="0"/>
+      <dgm:spPr/>
+    </dgm:pt>
+    <dgm:pt modelId="{EA4610D0-3FD8-496B-8EF9-A770D0502B5E}" type="pres">
+      <dgm:prSet presAssocID="{3CD97061-6CFF-4FE9-8699-75CBF44C82B4}" presName="iconRect" presStyleLbl="node1" presStyleIdx="3" presStyleCnt="5"/>
+      <dgm:spPr>
+        <a:blipFill>
+          <a:blip xmlns:r="http://schemas.openxmlformats.org/officeDocument/2006/relationships" r:embed="rId7">
+            <a:extLst>
+              <a:ext uri="{28A0092B-C50C-407E-A947-70E740481C1C}">
+                <a14:useLocalDpi xmlns:a14="http://schemas.microsoft.com/office/drawing/2010/main" val="0"/>
+              </a:ext>
+              <a:ext uri="{96DAC541-7B7A-43D3-8B79-37D633B846F1}">
+                <asvg:svgBlip xmlns:asvg="http://schemas.microsoft.com/office/drawing/2016/SVG/main" r:embed="rId8"/>
+              </a:ext>
+            </a:extLst>
+          </a:blip>
+          <a:stretch>
+            <a:fillRect/>
+          </a:stretch>
+        </a:blipFill>
+        <a:ln>
+          <a:noFill/>
+        </a:ln>
+      </dgm:spPr>
+      <dgm:extLst>
+        <a:ext uri="{E40237B7-FDA0-4F09-8148-C483321AD2D9}">
+          <dgm14:cNvPr xmlns:dgm14="http://schemas.microsoft.com/office/drawing/2010/diagram" id="0" name="" descr="Glue"/>
+        </a:ext>
+      </dgm:extLst>
+    </dgm:pt>
+    <dgm:pt modelId="{42ADBC2D-5CDE-47D7-B498-48D4DB8E16CF}" type="pres">
+      <dgm:prSet presAssocID="{3CD97061-6CFF-4FE9-8699-75CBF44C82B4}" presName="spaceRect" presStyleCnt="0"/>
+      <dgm:spPr/>
+    </dgm:pt>
+    <dgm:pt modelId="{1F22F1FD-4D56-4583-A8C5-7316FC221C50}" type="pres">
+      <dgm:prSet presAssocID="{3CD97061-6CFF-4FE9-8699-75CBF44C82B4}" presName="textRect" presStyleLbl="revTx" presStyleIdx="3" presStyleCnt="5">
+        <dgm:presLayoutVars>
+          <dgm:chMax val="1"/>
+          <dgm:chPref val="1"/>
+        </dgm:presLayoutVars>
+      </dgm:prSet>
+      <dgm:spPr/>
+    </dgm:pt>
+    <dgm:pt modelId="{E35A1619-0465-4A93-8FAB-A260A0788E83}" type="pres">
+      <dgm:prSet presAssocID="{D089273A-6FA4-4AB7-A3B2-66C2255172CA}" presName="sibTrans" presStyleCnt="0"/>
+      <dgm:spPr/>
+    </dgm:pt>
+    <dgm:pt modelId="{C16182A1-2765-4669-89BE-77E36D25C904}" type="pres">
+      <dgm:prSet presAssocID="{39ECAD7E-26EE-4DCF-B120-E6C98494A68E}" presName="compNode" presStyleCnt="0"/>
+      <dgm:spPr/>
+    </dgm:pt>
+    <dgm:pt modelId="{C861E7E4-9351-48AD-8E9B-6C259D70EE19}" type="pres">
+      <dgm:prSet presAssocID="{39ECAD7E-26EE-4DCF-B120-E6C98494A68E}" presName="iconRect" presStyleLbl="node1" presStyleIdx="4" presStyleCnt="5"/>
+      <dgm:spPr>
+        <a:blipFill>
+          <a:blip xmlns:r="http://schemas.openxmlformats.org/officeDocument/2006/relationships" r:embed="rId9">
+            <a:extLst>
+              <a:ext uri="{28A0092B-C50C-407E-A947-70E740481C1C}">
+                <a14:useLocalDpi xmlns:a14="http://schemas.microsoft.com/office/drawing/2010/main" val="0"/>
+              </a:ext>
+              <a:ext uri="{96DAC541-7B7A-43D3-8B79-37D633B846F1}">
+                <asvg:svgBlip xmlns:asvg="http://schemas.microsoft.com/office/drawing/2016/SVG/main" r:embed="rId10"/>
+              </a:ext>
+            </a:extLst>
+          </a:blip>
+          <a:stretch>
+            <a:fillRect/>
+          </a:stretch>
+        </a:blipFill>
+        <a:ln>
+          <a:noFill/>
+        </a:ln>
+      </dgm:spPr>
+      <dgm:extLst>
+        <a:ext uri="{E40237B7-FDA0-4F09-8148-C483321AD2D9}">
+          <dgm14:cNvPr xmlns:dgm14="http://schemas.microsoft.com/office/drawing/2010/diagram" id="0" name="" descr="Document"/>
+        </a:ext>
+      </dgm:extLst>
+    </dgm:pt>
+    <dgm:pt modelId="{21FADA38-9C4C-4CA7-A325-6B3E6739BB1F}" type="pres">
+      <dgm:prSet presAssocID="{39ECAD7E-26EE-4DCF-B120-E6C98494A68E}" presName="spaceRect" presStyleCnt="0"/>
+      <dgm:spPr/>
+    </dgm:pt>
+    <dgm:pt modelId="{B6229467-98AB-43E8-A81C-12CD38DB0429}" type="pres">
+      <dgm:prSet presAssocID="{39ECAD7E-26EE-4DCF-B120-E6C98494A68E}" presName="textRect" presStyleLbl="revTx" presStyleIdx="4" presStyleCnt="5">
+        <dgm:presLayoutVars>
+          <dgm:chMax val="1"/>
+          <dgm:chPref val="1"/>
+        </dgm:presLayoutVars>
+      </dgm:prSet>
+      <dgm:spPr/>
+    </dgm:pt>
+  </dgm:ptLst>
+  <dgm:cxnLst>
+    <dgm:cxn modelId="{122F891A-E3A7-4E3D-9A1B-8250C8992629}" srcId="{8974EA30-5443-4DCA-BE25-172DC7826439}" destId="{73A0639F-BE27-4447-9AB5-9E90664E5AB4}" srcOrd="2" destOrd="0" parTransId="{35F214CD-6803-4EF1-8393-42F863D25262}" sibTransId="{67ACD462-835A-4A74-B841-86E93BDEE432}"/>
+    <dgm:cxn modelId="{62589027-50D5-4DDB-8B1E-304284CC071C}" type="presOf" srcId="{8974EA30-5443-4DCA-BE25-172DC7826439}" destId="{A086395D-FECA-4FF4-A7A8-C9D6E1B99946}" srcOrd="0" destOrd="0" presId="urn:microsoft.com/office/officeart/2018/2/layout/IconLabelList"/>
+    <dgm:cxn modelId="{F0BC1F58-D8C4-4B5C-AEE4-E74531C1DC28}" type="presOf" srcId="{73A0639F-BE27-4447-9AB5-9E90664E5AB4}" destId="{441DFFC9-6F04-48EF-AF37-77A1D91FA66F}" srcOrd="0" destOrd="0" presId="urn:microsoft.com/office/officeart/2018/2/layout/IconLabelList"/>
+    <dgm:cxn modelId="{1AE73C8E-1835-4969-A67A-6B2876770920}" type="presOf" srcId="{A1393382-1B47-4626-ACB5-FC3DA76C0A04}" destId="{FC776A5E-94F7-4AF4-97CA-7FFD1A6FB169}" srcOrd="0" destOrd="0" presId="urn:microsoft.com/office/officeart/2018/2/layout/IconLabelList"/>
+    <dgm:cxn modelId="{74FD49A0-1A05-4D70-8031-854EDB8E59C0}" srcId="{8974EA30-5443-4DCA-BE25-172DC7826439}" destId="{39ECAD7E-26EE-4DCF-B120-E6C98494A68E}" srcOrd="4" destOrd="0" parTransId="{C7058233-58E2-41D3-9FD1-000E6B0F45C5}" sibTransId="{642CD804-4085-412E-B699-0A979133A7E8}"/>
+    <dgm:cxn modelId="{4650B7A6-2384-4354-A3A9-15C90BE45ED8}" srcId="{8974EA30-5443-4DCA-BE25-172DC7826439}" destId="{A1393382-1B47-4626-ACB5-FC3DA76C0A04}" srcOrd="1" destOrd="0" parTransId="{527CBCF5-84DC-4512-B3E4-5CE727025AC8}" sibTransId="{DBA41F96-558D-4C63-A63C-595EC8BAFB81}"/>
+    <dgm:cxn modelId="{EDB4FFE0-DCA6-41F7-BB94-24913699F5E4}" srcId="{8974EA30-5443-4DCA-BE25-172DC7826439}" destId="{638B3858-E4DD-4E18-9B4B-9DC8815F7A76}" srcOrd="0" destOrd="0" parTransId="{F79F5801-2778-4A37-A87A-2751FAE26699}" sibTransId="{6BB5D0BE-7BF4-4C90-91FC-A713F23F49AE}"/>
+    <dgm:cxn modelId="{9E9FC8E9-76A4-4D77-BCC5-576A43AF1DA2}" type="presOf" srcId="{39ECAD7E-26EE-4DCF-B120-E6C98494A68E}" destId="{B6229467-98AB-43E8-A81C-12CD38DB0429}" srcOrd="0" destOrd="0" presId="urn:microsoft.com/office/officeart/2018/2/layout/IconLabelList"/>
+    <dgm:cxn modelId="{6474DBEC-8F44-4A3B-8707-E3C04CFC69BB}" type="presOf" srcId="{638B3858-E4DD-4E18-9B4B-9DC8815F7A76}" destId="{2C7ED18C-D947-41B1-8AAF-D7E04F3D458F}" srcOrd="0" destOrd="0" presId="urn:microsoft.com/office/officeart/2018/2/layout/IconLabelList"/>
+    <dgm:cxn modelId="{55BB3CEF-D735-442E-AC2F-467E29184C6C}" type="presOf" srcId="{3CD97061-6CFF-4FE9-8699-75CBF44C82B4}" destId="{1F22F1FD-4D56-4583-A8C5-7316FC221C50}" srcOrd="0" destOrd="0" presId="urn:microsoft.com/office/officeart/2018/2/layout/IconLabelList"/>
+    <dgm:cxn modelId="{187FDEFA-B017-4BAF-A9B9-227A404F90F2}" srcId="{8974EA30-5443-4DCA-BE25-172DC7826439}" destId="{3CD97061-6CFF-4FE9-8699-75CBF44C82B4}" srcOrd="3" destOrd="0" parTransId="{A5BF2028-7B20-45BF-BCEC-1E66C6A24F9F}" sibTransId="{D089273A-6FA4-4AB7-A3B2-66C2255172CA}"/>
+    <dgm:cxn modelId="{AF9CB39F-CE4D-4C5B-9040-2E9795611536}" type="presParOf" srcId="{A086395D-FECA-4FF4-A7A8-C9D6E1B99946}" destId="{D27BB59F-2321-4457-BEC1-FCAB68B53313}" srcOrd="0" destOrd="0" presId="urn:microsoft.com/office/officeart/2018/2/layout/IconLabelList"/>
+    <dgm:cxn modelId="{69C05E95-88B4-4C1F-8670-89D8C53031DD}" type="presParOf" srcId="{D27BB59F-2321-4457-BEC1-FCAB68B53313}" destId="{EADFFB2C-28E8-4496-A8D7-723CF1CCFEC5}" srcOrd="0" destOrd="0" presId="urn:microsoft.com/office/officeart/2018/2/layout/IconLabelList"/>
+    <dgm:cxn modelId="{7EFCFFBD-76CA-4CB6-A3F6-F44CE7740327}" type="presParOf" srcId="{D27BB59F-2321-4457-BEC1-FCAB68B53313}" destId="{220F5ECB-7BC5-4722-B375-97E57F5D0822}" srcOrd="1" destOrd="0" presId="urn:microsoft.com/office/officeart/2018/2/layout/IconLabelList"/>
+    <dgm:cxn modelId="{C7E464A8-F448-44CA-AA86-44783B565DC9}" type="presParOf" srcId="{D27BB59F-2321-4457-BEC1-FCAB68B53313}" destId="{2C7ED18C-D947-41B1-8AAF-D7E04F3D458F}" srcOrd="2" destOrd="0" presId="urn:microsoft.com/office/officeart/2018/2/layout/IconLabelList"/>
+    <dgm:cxn modelId="{3B5EEBCD-6A27-4EE6-A588-2008158BFD9B}" type="presParOf" srcId="{A086395D-FECA-4FF4-A7A8-C9D6E1B99946}" destId="{42670730-1ACC-48E1-9AAC-1BA59A440DC1}" srcOrd="1" destOrd="0" presId="urn:microsoft.com/office/officeart/2018/2/layout/IconLabelList"/>
+    <dgm:cxn modelId="{380BE1EA-3BFF-40B9-9C19-F5626AAE9101}" type="presParOf" srcId="{A086395D-FECA-4FF4-A7A8-C9D6E1B99946}" destId="{938A6FDF-B772-40AE-BAB5-CF837B7C8C7F}" srcOrd="2" destOrd="0" presId="urn:microsoft.com/office/officeart/2018/2/layout/IconLabelList"/>
+    <dgm:cxn modelId="{DFC3EFDB-2B23-48D4-8DC9-82CBFBEC3F92}" type="presParOf" srcId="{938A6FDF-B772-40AE-BAB5-CF837B7C8C7F}" destId="{BAD87AE9-3968-4474-88A5-F53FB37EFC03}" srcOrd="0" destOrd="0" presId="urn:microsoft.com/office/officeart/2018/2/layout/IconLabelList"/>
+    <dgm:cxn modelId="{C9A992A2-75EE-435F-9BB6-B3508E16F90C}" type="presParOf" srcId="{938A6FDF-B772-40AE-BAB5-CF837B7C8C7F}" destId="{59118D7C-CE32-4070-A41E-4E6FB92B7225}" srcOrd="1" destOrd="0" presId="urn:microsoft.com/office/officeart/2018/2/layout/IconLabelList"/>
+    <dgm:cxn modelId="{789FB905-F56A-4974-8809-FACFDF841E63}" type="presParOf" srcId="{938A6FDF-B772-40AE-BAB5-CF837B7C8C7F}" destId="{FC776A5E-94F7-4AF4-97CA-7FFD1A6FB169}" srcOrd="2" destOrd="0" presId="urn:microsoft.com/office/officeart/2018/2/layout/IconLabelList"/>
+    <dgm:cxn modelId="{A1DDB203-293A-431B-A188-82DB26BD2EBA}" type="presParOf" srcId="{A086395D-FECA-4FF4-A7A8-C9D6E1B99946}" destId="{DEB08585-1579-42D7-B9CB-360BE40A8814}" srcOrd="3" destOrd="0" presId="urn:microsoft.com/office/officeart/2018/2/layout/IconLabelList"/>
+    <dgm:cxn modelId="{2D6037FD-0B78-4EAC-89AC-39D0CE3E4A6B}" type="presParOf" srcId="{A086395D-FECA-4FF4-A7A8-C9D6E1B99946}" destId="{DC4DC9AC-F777-402B-9954-3A0F332FAA7D}" srcOrd="4" destOrd="0" presId="urn:microsoft.com/office/officeart/2018/2/layout/IconLabelList"/>
+    <dgm:cxn modelId="{65F9171B-1194-40A6-A847-4C1A87C899A7}" type="presParOf" srcId="{DC4DC9AC-F777-402B-9954-3A0F332FAA7D}" destId="{CFF0C611-41A1-4B94-B6E2-9B607F6D7673}" srcOrd="0" destOrd="0" presId="urn:microsoft.com/office/officeart/2018/2/layout/IconLabelList"/>
+    <dgm:cxn modelId="{DBA59A62-B35C-41E3-8D60-2CD090D81C51}" type="presParOf" srcId="{DC4DC9AC-F777-402B-9954-3A0F332FAA7D}" destId="{6CDB1967-D149-47CF-9974-A965A1893AFC}" srcOrd="1" destOrd="0" presId="urn:microsoft.com/office/officeart/2018/2/layout/IconLabelList"/>
+    <dgm:cxn modelId="{221E88CE-0CDF-4646-86BB-7C3DEB5ECAF0}" type="presParOf" srcId="{DC4DC9AC-F777-402B-9954-3A0F332FAA7D}" destId="{441DFFC9-6F04-48EF-AF37-77A1D91FA66F}" srcOrd="2" destOrd="0" presId="urn:microsoft.com/office/officeart/2018/2/layout/IconLabelList"/>
+    <dgm:cxn modelId="{27285A8C-BD2A-4482-922C-E68B918EA599}" type="presParOf" srcId="{A086395D-FECA-4FF4-A7A8-C9D6E1B99946}" destId="{F5EB6012-E09D-4480-942E-19E4FBE95296}" srcOrd="5" destOrd="0" presId="urn:microsoft.com/office/officeart/2018/2/layout/IconLabelList"/>
+    <dgm:cxn modelId="{EA8C3958-61C1-40D6-A809-A59B32CE78C6}" type="presParOf" srcId="{A086395D-FECA-4FF4-A7A8-C9D6E1B99946}" destId="{F6604585-D289-49F4-87E6-3635D748FC74}" srcOrd="6" destOrd="0" presId="urn:microsoft.com/office/officeart/2018/2/layout/IconLabelList"/>
+    <dgm:cxn modelId="{19BD47E3-5FF1-466A-A3A7-DDE4056739A6}" type="presParOf" srcId="{F6604585-D289-49F4-87E6-3635D748FC74}" destId="{EA4610D0-3FD8-496B-8EF9-A770D0502B5E}" srcOrd="0" destOrd="0" presId="urn:microsoft.com/office/officeart/2018/2/layout/IconLabelList"/>
+    <dgm:cxn modelId="{C0DD96A7-76E3-4705-B00B-642F4CAA2C26}" type="presParOf" srcId="{F6604585-D289-49F4-87E6-3635D748FC74}" destId="{42ADBC2D-5CDE-47D7-B498-48D4DB8E16CF}" srcOrd="1" destOrd="0" presId="urn:microsoft.com/office/officeart/2018/2/layout/IconLabelList"/>
+    <dgm:cxn modelId="{9F66D68A-C83A-4EC6-A9FF-93CCAF4F97DE}" type="presParOf" srcId="{F6604585-D289-49F4-87E6-3635D748FC74}" destId="{1F22F1FD-4D56-4583-A8C5-7316FC221C50}" srcOrd="2" destOrd="0" presId="urn:microsoft.com/office/officeart/2018/2/layout/IconLabelList"/>
+    <dgm:cxn modelId="{01D7A21E-D467-41C9-A413-51C1EC4A0083}" type="presParOf" srcId="{A086395D-FECA-4FF4-A7A8-C9D6E1B99946}" destId="{E35A1619-0465-4A93-8FAB-A260A0788E83}" srcOrd="7" destOrd="0" presId="urn:microsoft.com/office/officeart/2018/2/layout/IconLabelList"/>
+    <dgm:cxn modelId="{6B420947-1A3D-4928-9C30-4B193D7BD2CD}" type="presParOf" srcId="{A086395D-FECA-4FF4-A7A8-C9D6E1B99946}" destId="{C16182A1-2765-4669-89BE-77E36D25C904}" srcOrd="8" destOrd="0" presId="urn:microsoft.com/office/officeart/2018/2/layout/IconLabelList"/>
+    <dgm:cxn modelId="{94AC74AC-002F-48BE-AFC2-D8E5F0ADDCFB}" type="presParOf" srcId="{C16182A1-2765-4669-89BE-77E36D25C904}" destId="{C861E7E4-9351-48AD-8E9B-6C259D70EE19}" srcOrd="0" destOrd="0" presId="urn:microsoft.com/office/officeart/2018/2/layout/IconLabelList"/>
+    <dgm:cxn modelId="{0A7648AE-72EF-4C18-B1E4-3AEBE4E78781}" type="presParOf" srcId="{C16182A1-2765-4669-89BE-77E36D25C904}" destId="{21FADA38-9C4C-4CA7-A325-6B3E6739BB1F}" srcOrd="1" destOrd="0" presId="urn:microsoft.com/office/officeart/2018/2/layout/IconLabelList"/>
+    <dgm:cxn modelId="{80DC4840-30D1-4340-A8FF-50FCC8EE1493}" type="presParOf" srcId="{C16182A1-2765-4669-89BE-77E36D25C904}" destId="{B6229467-98AB-43E8-A81C-12CD38DB0429}" srcOrd="2" destOrd="0" presId="urn:microsoft.com/office/officeart/2018/2/layout/IconLabelList"/>
+  </dgm:cxnLst>
+  <dgm:bg/>
+  <dgm:whole/>
+  <dgm:extLst>
+    <a:ext uri="http://schemas.microsoft.com/office/drawing/2008/diagram">
+      <dsp:dataModelExt xmlns:dsp="http://schemas.microsoft.com/office/drawing/2008/diagram" relId="rId7" minVer="http://schemas.openxmlformats.org/drawingml/2006/diagram"/>
+    </a:ext>
+  </dgm:extLst>
+</dgm:dataModel>
+</file>
+
+<file path=ppt/diagrams/drawing1.xml><?xml version="1.0" encoding="utf-8"?>
+<dsp:drawing xmlns:dgm="http://schemas.openxmlformats.org/drawingml/2006/diagram" xmlns:dsp="http://schemas.microsoft.com/office/drawing/2008/diagram" xmlns:a="http://schemas.openxmlformats.org/drawingml/2006/main">
+  <dsp:spTree>
+    <dsp:nvGrpSpPr>
+      <dsp:cNvPr id="0" name=""/>
+      <dsp:cNvGrpSpPr/>
+    </dsp:nvGrpSpPr>
+    <dsp:grpSpPr/>
+    <dsp:sp modelId="{EADFFB2C-28E8-4496-A8D7-723CF1CCFEC5}">
+      <dsp:nvSpPr>
+        <dsp:cNvPr id="0" name=""/>
+        <dsp:cNvSpPr/>
+      </dsp:nvSpPr>
+      <dsp:spPr>
+        <a:xfrm>
+          <a:off x="364453" y="806372"/>
+          <a:ext cx="595634" cy="595634"/>
+        </a:xfrm>
+        <a:prstGeom prst="rect">
+          <a:avLst/>
+        </a:prstGeom>
+        <a:blipFill>
+          <a:blip xmlns:r="http://schemas.openxmlformats.org/officeDocument/2006/relationships" r:embed="rId1">
+            <a:extLst>
+              <a:ext uri="{28A0092B-C50C-407E-A947-70E740481C1C}">
+                <a14:useLocalDpi xmlns:a14="http://schemas.microsoft.com/office/drawing/2010/main" val="0"/>
+              </a:ext>
+              <a:ext uri="{96DAC541-7B7A-43D3-8B79-37D633B846F1}">
+                <asvg:svgBlip xmlns:asvg="http://schemas.microsoft.com/office/drawing/2016/SVG/main" r:embed="rId2"/>
+              </a:ext>
+            </a:extLst>
+          </a:blip>
+          <a:stretch>
+            <a:fillRect/>
+          </a:stretch>
+        </a:blipFill>
+        <a:ln w="15875" cap="flat" cmpd="sng" algn="ctr">
+          <a:noFill/>
+          <a:prstDash val="solid"/>
+        </a:ln>
+        <a:effectLst/>
+      </dsp:spPr>
+      <dsp:style>
+        <a:lnRef idx="2">
+          <a:scrgbClr r="0" g="0" b="0"/>
+        </a:lnRef>
+        <a:fillRef idx="1">
+          <a:scrgbClr r="0" g="0" b="0"/>
+        </a:fillRef>
+        <a:effectRef idx="0">
+          <a:scrgbClr r="0" g="0" b="0"/>
+        </a:effectRef>
+        <a:fontRef idx="minor">
+          <a:schemeClr val="lt1"/>
+        </a:fontRef>
+      </dsp:style>
+    </dsp:sp>
+    <dsp:sp modelId="{2C7ED18C-D947-41B1-8AAF-D7E04F3D458F}">
+      <dsp:nvSpPr>
+        <dsp:cNvPr id="0" name=""/>
+        <dsp:cNvSpPr/>
+      </dsp:nvSpPr>
+      <dsp:spPr>
+        <a:xfrm>
+          <a:off x="454" y="1623636"/>
+          <a:ext cx="1323632" cy="529453"/>
+        </a:xfrm>
+        <a:prstGeom prst="rect">
+          <a:avLst/>
+        </a:prstGeom>
+        <a:noFill/>
+        <a:ln>
+          <a:noFill/>
+        </a:ln>
+        <a:effectLst/>
+      </dsp:spPr>
+      <dsp:style>
+        <a:lnRef idx="0">
+          <a:scrgbClr r="0" g="0" b="0"/>
+        </a:lnRef>
+        <a:fillRef idx="0">
+          <a:scrgbClr r="0" g="0" b="0"/>
+        </a:fillRef>
+        <a:effectRef idx="0">
+          <a:scrgbClr r="0" g="0" b="0"/>
+        </a:effectRef>
+        <a:fontRef idx="minor"/>
+      </dsp:style>
+      <dsp:txBody>
+        <a:bodyPr spcFirstLastPara="0" vert="horz" wrap="square" lIns="0" tIns="0" rIns="0" bIns="0" numCol="1" spcCol="1270" anchor="t" anchorCtr="0">
+          <a:noAutofit/>
+        </a:bodyPr>
+        <a:lstStyle/>
+        <a:p>
+          <a:pPr marL="0" lvl="0" indent="0" algn="ctr" defTabSz="844550">
+            <a:lnSpc>
+              <a:spcPct val="90000"/>
+            </a:lnSpc>
+            <a:spcBef>
+              <a:spcPct val="0"/>
+            </a:spcBef>
+            <a:spcAft>
+              <a:spcPct val="35000"/>
+            </a:spcAft>
+            <a:buNone/>
+          </a:pPr>
+          <a:r>
+            <a:rPr lang="en-IN" sz="1900" kern="1200"/>
+            <a:t>Goal</a:t>
+          </a:r>
+          <a:endParaRPr lang="en-US" sz="1900" kern="1200"/>
+        </a:p>
+      </dsp:txBody>
+      <dsp:txXfrm>
+        <a:off x="454" y="1623636"/>
+        <a:ext cx="1323632" cy="529453"/>
+      </dsp:txXfrm>
+    </dsp:sp>
+    <dsp:sp modelId="{BAD87AE9-3968-4474-88A5-F53FB37EFC03}">
+      <dsp:nvSpPr>
+        <dsp:cNvPr id="0" name=""/>
+        <dsp:cNvSpPr/>
+      </dsp:nvSpPr>
+      <dsp:spPr>
+        <a:xfrm>
+          <a:off x="1919721" y="806372"/>
+          <a:ext cx="595634" cy="595634"/>
+        </a:xfrm>
+        <a:prstGeom prst="rect">
+          <a:avLst/>
+        </a:prstGeom>
+        <a:blipFill>
+          <a:blip xmlns:r="http://schemas.openxmlformats.org/officeDocument/2006/relationships" r:embed="rId3">
+            <a:extLst>
+              <a:ext uri="{28A0092B-C50C-407E-A947-70E740481C1C}">
+                <a14:useLocalDpi xmlns:a14="http://schemas.microsoft.com/office/drawing/2010/main" val="0"/>
+              </a:ext>
+              <a:ext uri="{96DAC541-7B7A-43D3-8B79-37D633B846F1}">
+                <asvg:svgBlip xmlns:asvg="http://schemas.microsoft.com/office/drawing/2016/SVG/main" r:embed="rId4"/>
+              </a:ext>
+            </a:extLst>
+          </a:blip>
+          <a:stretch>
+            <a:fillRect/>
+          </a:stretch>
+        </a:blipFill>
+        <a:ln w="15875" cap="flat" cmpd="sng" algn="ctr">
+          <a:noFill/>
+          <a:prstDash val="solid"/>
+        </a:ln>
+        <a:effectLst/>
+      </dsp:spPr>
+      <dsp:style>
+        <a:lnRef idx="2">
+          <a:scrgbClr r="0" g="0" b="0"/>
+        </a:lnRef>
+        <a:fillRef idx="1">
+          <a:scrgbClr r="0" g="0" b="0"/>
+        </a:fillRef>
+        <a:effectRef idx="0">
+          <a:scrgbClr r="0" g="0" b="0"/>
+        </a:effectRef>
+        <a:fontRef idx="minor">
+          <a:schemeClr val="lt1"/>
+        </a:fontRef>
+      </dsp:style>
+    </dsp:sp>
+    <dsp:sp modelId="{FC776A5E-94F7-4AF4-97CA-7FFD1A6FB169}">
+      <dsp:nvSpPr>
+        <dsp:cNvPr id="0" name=""/>
+        <dsp:cNvSpPr/>
+      </dsp:nvSpPr>
+      <dsp:spPr>
+        <a:xfrm>
+          <a:off x="1555722" y="1623636"/>
+          <a:ext cx="1323632" cy="529453"/>
+        </a:xfrm>
+        <a:prstGeom prst="rect">
+          <a:avLst/>
+        </a:prstGeom>
+        <a:noFill/>
+        <a:ln>
+          <a:noFill/>
+        </a:ln>
+        <a:effectLst/>
+      </dsp:spPr>
+      <dsp:style>
+        <a:lnRef idx="0">
+          <a:scrgbClr r="0" g="0" b="0"/>
+        </a:lnRef>
+        <a:fillRef idx="0">
+          <a:scrgbClr r="0" g="0" b="0"/>
+        </a:fillRef>
+        <a:effectRef idx="0">
+          <a:scrgbClr r="0" g="0" b="0"/>
+        </a:effectRef>
+        <a:fontRef idx="minor"/>
+      </dsp:style>
+      <dsp:txBody>
+        <a:bodyPr spcFirstLastPara="0" vert="horz" wrap="square" lIns="0" tIns="0" rIns="0" bIns="0" numCol="1" spcCol="1270" anchor="t" anchorCtr="0">
+          <a:noAutofit/>
+        </a:bodyPr>
+        <a:lstStyle/>
+        <a:p>
+          <a:pPr marL="0" lvl="0" indent="0" algn="ctr" defTabSz="844550">
+            <a:lnSpc>
+              <a:spcPct val="90000"/>
+            </a:lnSpc>
+            <a:spcBef>
+              <a:spcPct val="0"/>
+            </a:spcBef>
+            <a:spcAft>
+              <a:spcPct val="35000"/>
+            </a:spcAft>
+            <a:buNone/>
+          </a:pPr>
+          <a:r>
+            <a:rPr lang="en-IN" sz="1900" kern="1200"/>
+            <a:t>Architectural Diagram</a:t>
+          </a:r>
+          <a:endParaRPr lang="en-US" sz="1900" kern="1200"/>
+        </a:p>
+      </dsp:txBody>
+      <dsp:txXfrm>
+        <a:off x="1555722" y="1623636"/>
+        <a:ext cx="1323632" cy="529453"/>
+      </dsp:txXfrm>
+    </dsp:sp>
+    <dsp:sp modelId="{CFF0C611-41A1-4B94-B6E2-9B607F6D7673}">
+      <dsp:nvSpPr>
+        <dsp:cNvPr id="0" name=""/>
+        <dsp:cNvSpPr/>
+      </dsp:nvSpPr>
+      <dsp:spPr>
+        <a:xfrm>
+          <a:off x="3474990" y="806372"/>
+          <a:ext cx="595634" cy="595634"/>
+        </a:xfrm>
+        <a:prstGeom prst="rect">
+          <a:avLst/>
+        </a:prstGeom>
+        <a:blipFill>
+          <a:blip xmlns:r="http://schemas.openxmlformats.org/officeDocument/2006/relationships" r:embed="rId5">
+            <a:extLst>
+              <a:ext uri="{28A0092B-C50C-407E-A947-70E740481C1C}">
+                <a14:useLocalDpi xmlns:a14="http://schemas.microsoft.com/office/drawing/2010/main" val="0"/>
+              </a:ext>
+              <a:ext uri="{96DAC541-7B7A-43D3-8B79-37D633B846F1}">
+                <asvg:svgBlip xmlns:asvg="http://schemas.microsoft.com/office/drawing/2016/SVG/main" r:embed="rId6"/>
+              </a:ext>
+            </a:extLst>
+          </a:blip>
+          <a:stretch>
+            <a:fillRect/>
+          </a:stretch>
+        </a:blipFill>
+        <a:ln w="15875" cap="flat" cmpd="sng" algn="ctr">
+          <a:noFill/>
+          <a:prstDash val="solid"/>
+        </a:ln>
+        <a:effectLst/>
+      </dsp:spPr>
+      <dsp:style>
+        <a:lnRef idx="2">
+          <a:scrgbClr r="0" g="0" b="0"/>
+        </a:lnRef>
+        <a:fillRef idx="1">
+          <a:scrgbClr r="0" g="0" b="0"/>
+        </a:fillRef>
+        <a:effectRef idx="0">
+          <a:scrgbClr r="0" g="0" b="0"/>
+        </a:effectRef>
+        <a:fontRef idx="minor">
+          <a:schemeClr val="lt1"/>
+        </a:fontRef>
+      </dsp:style>
+    </dsp:sp>
+    <dsp:sp modelId="{441DFFC9-6F04-48EF-AF37-77A1D91FA66F}">
+      <dsp:nvSpPr>
+        <dsp:cNvPr id="0" name=""/>
+        <dsp:cNvSpPr/>
+      </dsp:nvSpPr>
+      <dsp:spPr>
+        <a:xfrm>
+          <a:off x="3110991" y="1623636"/>
+          <a:ext cx="1323632" cy="529453"/>
+        </a:xfrm>
+        <a:prstGeom prst="rect">
+          <a:avLst/>
+        </a:prstGeom>
+        <a:noFill/>
+        <a:ln>
+          <a:noFill/>
+        </a:ln>
+        <a:effectLst/>
+      </dsp:spPr>
+      <dsp:style>
+        <a:lnRef idx="0">
+          <a:scrgbClr r="0" g="0" b="0"/>
+        </a:lnRef>
+        <a:fillRef idx="0">
+          <a:scrgbClr r="0" g="0" b="0"/>
+        </a:fillRef>
+        <a:effectRef idx="0">
+          <a:scrgbClr r="0" g="0" b="0"/>
+        </a:effectRef>
+        <a:fontRef idx="minor"/>
+      </dsp:style>
+      <dsp:txBody>
+        <a:bodyPr spcFirstLastPara="0" vert="horz" wrap="square" lIns="0" tIns="0" rIns="0" bIns="0" numCol="1" spcCol="1270" anchor="t" anchorCtr="0">
+          <a:noAutofit/>
+        </a:bodyPr>
+        <a:lstStyle/>
+        <a:p>
+          <a:pPr marL="0" lvl="0" indent="0" algn="ctr" defTabSz="844550">
+            <a:lnSpc>
+              <a:spcPct val="90000"/>
+            </a:lnSpc>
+            <a:spcBef>
+              <a:spcPct val="0"/>
+            </a:spcBef>
+            <a:spcAft>
+              <a:spcPct val="35000"/>
+            </a:spcAft>
+            <a:buNone/>
+          </a:pPr>
+          <a:r>
+            <a:rPr lang="en-IN" sz="1900" kern="1200"/>
+            <a:t>Junit</a:t>
+          </a:r>
+          <a:endParaRPr lang="en-US" sz="1900" kern="1200"/>
+        </a:p>
+      </dsp:txBody>
+      <dsp:txXfrm>
+        <a:off x="3110991" y="1623636"/>
+        <a:ext cx="1323632" cy="529453"/>
+      </dsp:txXfrm>
+    </dsp:sp>
+    <dsp:sp modelId="{EA4610D0-3FD8-496B-8EF9-A770D0502B5E}">
+      <dsp:nvSpPr>
+        <dsp:cNvPr id="0" name=""/>
+        <dsp:cNvSpPr/>
+      </dsp:nvSpPr>
+      <dsp:spPr>
+        <a:xfrm>
+          <a:off x="1142087" y="2483998"/>
+          <a:ext cx="595634" cy="595634"/>
+        </a:xfrm>
+        <a:prstGeom prst="rect">
+          <a:avLst/>
+        </a:prstGeom>
+        <a:blipFill>
+          <a:blip xmlns:r="http://schemas.openxmlformats.org/officeDocument/2006/relationships" r:embed="rId7">
+            <a:extLst>
+              <a:ext uri="{28A0092B-C50C-407E-A947-70E740481C1C}">
+                <a14:useLocalDpi xmlns:a14="http://schemas.microsoft.com/office/drawing/2010/main" val="0"/>
+              </a:ext>
+              <a:ext uri="{96DAC541-7B7A-43D3-8B79-37D633B846F1}">
+                <asvg:svgBlip xmlns:asvg="http://schemas.microsoft.com/office/drawing/2016/SVG/main" r:embed="rId8"/>
+              </a:ext>
+            </a:extLst>
+          </a:blip>
+          <a:stretch>
+            <a:fillRect/>
+          </a:stretch>
+        </a:blipFill>
+        <a:ln w="15875" cap="flat" cmpd="sng" algn="ctr">
+          <a:noFill/>
+          <a:prstDash val="solid"/>
+        </a:ln>
+        <a:effectLst/>
+      </dsp:spPr>
+      <dsp:style>
+        <a:lnRef idx="2">
+          <a:scrgbClr r="0" g="0" b="0"/>
+        </a:lnRef>
+        <a:fillRef idx="1">
+          <a:scrgbClr r="0" g="0" b="0"/>
+        </a:fillRef>
+        <a:effectRef idx="0">
+          <a:scrgbClr r="0" g="0" b="0"/>
+        </a:effectRef>
+        <a:fontRef idx="minor">
+          <a:schemeClr val="lt1"/>
+        </a:fontRef>
+      </dsp:style>
+    </dsp:sp>
+    <dsp:sp modelId="{1F22F1FD-4D56-4583-A8C5-7316FC221C50}">
+      <dsp:nvSpPr>
+        <dsp:cNvPr id="0" name=""/>
+        <dsp:cNvSpPr/>
+      </dsp:nvSpPr>
+      <dsp:spPr>
+        <a:xfrm>
+          <a:off x="778088" y="3301262"/>
+          <a:ext cx="1323632" cy="529453"/>
+        </a:xfrm>
+        <a:prstGeom prst="rect">
+          <a:avLst/>
+        </a:prstGeom>
+        <a:noFill/>
+        <a:ln>
+          <a:noFill/>
+        </a:ln>
+        <a:effectLst/>
+      </dsp:spPr>
+      <dsp:style>
+        <a:lnRef idx="0">
+          <a:scrgbClr r="0" g="0" b="0"/>
+        </a:lnRef>
+        <a:fillRef idx="0">
+          <a:scrgbClr r="0" g="0" b="0"/>
+        </a:fillRef>
+        <a:effectRef idx="0">
+          <a:scrgbClr r="0" g="0" b="0"/>
+        </a:effectRef>
+        <a:fontRef idx="minor"/>
+      </dsp:style>
+      <dsp:txBody>
+        <a:bodyPr spcFirstLastPara="0" vert="horz" wrap="square" lIns="0" tIns="0" rIns="0" bIns="0" numCol="1" spcCol="1270" anchor="t" anchorCtr="0">
+          <a:noAutofit/>
+        </a:bodyPr>
+        <a:lstStyle/>
+        <a:p>
+          <a:pPr marL="0" lvl="0" indent="0" algn="ctr" defTabSz="844550">
+            <a:lnSpc>
+              <a:spcPct val="90000"/>
+            </a:lnSpc>
+            <a:spcBef>
+              <a:spcPct val="0"/>
+            </a:spcBef>
+            <a:spcAft>
+              <a:spcPct val="35000"/>
+            </a:spcAft>
+            <a:buNone/>
+          </a:pPr>
+          <a:r>
+            <a:rPr lang="en-IN" sz="1900" kern="1200"/>
+            <a:t>JavaDoc</a:t>
+          </a:r>
+          <a:endParaRPr lang="en-US" sz="1900" kern="1200"/>
+        </a:p>
+      </dsp:txBody>
+      <dsp:txXfrm>
+        <a:off x="778088" y="3301262"/>
+        <a:ext cx="1323632" cy="529453"/>
+      </dsp:txXfrm>
+    </dsp:sp>
+    <dsp:sp modelId="{C861E7E4-9351-48AD-8E9B-6C259D70EE19}">
+      <dsp:nvSpPr>
+        <dsp:cNvPr id="0" name=""/>
+        <dsp:cNvSpPr/>
+      </dsp:nvSpPr>
+      <dsp:spPr>
+        <a:xfrm>
+          <a:off x="2697355" y="2483998"/>
+          <a:ext cx="595634" cy="595634"/>
+        </a:xfrm>
+        <a:prstGeom prst="rect">
+          <a:avLst/>
+        </a:prstGeom>
+        <a:blipFill>
+          <a:blip xmlns:r="http://schemas.openxmlformats.org/officeDocument/2006/relationships" r:embed="rId9">
+            <a:extLst>
+              <a:ext uri="{28A0092B-C50C-407E-A947-70E740481C1C}">
+                <a14:useLocalDpi xmlns:a14="http://schemas.microsoft.com/office/drawing/2010/main" val="0"/>
+              </a:ext>
+              <a:ext uri="{96DAC541-7B7A-43D3-8B79-37D633B846F1}">
+                <asvg:svgBlip xmlns:asvg="http://schemas.microsoft.com/office/drawing/2016/SVG/main" r:embed="rId10"/>
+              </a:ext>
+            </a:extLst>
+          </a:blip>
+          <a:stretch>
+            <a:fillRect/>
+          </a:stretch>
+        </a:blipFill>
+        <a:ln w="15875" cap="flat" cmpd="sng" algn="ctr">
+          <a:noFill/>
+          <a:prstDash val="solid"/>
+        </a:ln>
+        <a:effectLst/>
+      </dsp:spPr>
+      <dsp:style>
+        <a:lnRef idx="2">
+          <a:scrgbClr r="0" g="0" b="0"/>
+        </a:lnRef>
+        <a:fillRef idx="1">
+          <a:scrgbClr r="0" g="0" b="0"/>
+        </a:fillRef>
+        <a:effectRef idx="0">
+          <a:scrgbClr r="0" g="0" b="0"/>
+        </a:effectRef>
+        <a:fontRef idx="minor">
+          <a:schemeClr val="lt1"/>
+        </a:fontRef>
+      </dsp:style>
+    </dsp:sp>
+    <dsp:sp modelId="{B6229467-98AB-43E8-A81C-12CD38DB0429}">
+      <dsp:nvSpPr>
+        <dsp:cNvPr id="0" name=""/>
+        <dsp:cNvSpPr/>
+      </dsp:nvSpPr>
+      <dsp:spPr>
+        <a:xfrm>
+          <a:off x="2333356" y="3301262"/>
+          <a:ext cx="1323632" cy="529453"/>
+        </a:xfrm>
+        <a:prstGeom prst="rect">
+          <a:avLst/>
+        </a:prstGeom>
+        <a:noFill/>
+        <a:ln>
+          <a:noFill/>
+        </a:ln>
+        <a:effectLst/>
+      </dsp:spPr>
+      <dsp:style>
+        <a:lnRef idx="0">
+          <a:scrgbClr r="0" g="0" b="0"/>
+        </a:lnRef>
+        <a:fillRef idx="0">
+          <a:scrgbClr r="0" g="0" b="0"/>
+        </a:fillRef>
+        <a:effectRef idx="0">
+          <a:scrgbClr r="0" g="0" b="0"/>
+        </a:effectRef>
+        <a:fontRef idx="minor"/>
+      </dsp:style>
+      <dsp:txBody>
+        <a:bodyPr spcFirstLastPara="0" vert="horz" wrap="square" lIns="0" tIns="0" rIns="0" bIns="0" numCol="1" spcCol="1270" anchor="t" anchorCtr="0">
+          <a:noAutofit/>
+        </a:bodyPr>
+        <a:lstStyle/>
+        <a:p>
+          <a:pPr marL="0" lvl="0" indent="0" algn="ctr" defTabSz="844550">
+            <a:lnSpc>
+              <a:spcPct val="90000"/>
+            </a:lnSpc>
+            <a:spcBef>
+              <a:spcPct val="0"/>
+            </a:spcBef>
+            <a:spcAft>
+              <a:spcPct val="35000"/>
+            </a:spcAft>
+            <a:buNone/>
+          </a:pPr>
+          <a:r>
+            <a:rPr lang="en-IN" sz="1900" kern="1200"/>
+            <a:t>Coding Conventions</a:t>
+          </a:r>
+          <a:endParaRPr lang="en-US" sz="1900" kern="1200"/>
+        </a:p>
+      </dsp:txBody>
+      <dsp:txXfrm>
+        <a:off x="2333356" y="3301262"/>
+        <a:ext cx="1323632" cy="529453"/>
+      </dsp:txXfrm>
+    </dsp:sp>
+  </dsp:spTree>
+</dsp:drawing>
+</file>
+
+<file path=ppt/diagrams/layout1.xml><?xml version="1.0" encoding="utf-8"?>
+<dgm:layoutDef xmlns:dgm="http://schemas.openxmlformats.org/drawingml/2006/diagram" xmlns:a="http://schemas.openxmlformats.org/drawingml/2006/main" uniqueId="urn:microsoft.com/office/officeart/2018/2/layout/IconLabelList">
+  <dgm:title val="Icon Label List"/>
+  <dgm:desc val="Use to show non-sequential or grouped chunks of information accompanied by a related visuals. Works best with icons or small pictures with short text captions."/>
+  <dgm:catLst>
+    <dgm:cat type="icon" pri="500"/>
+  </dgm:catLst>
+  <dgm:sampData useDef="1">
+    <dgm:dataModel>
+      <dgm:ptLst/>
+      <dgm:bg/>
+      <dgm:whole/>
+    </dgm:dataModel>
+  </dgm:sampData>
+  <dgm:styleData useDef="1">
+    <dgm:dataModel>
+      <dgm:ptLst/>
+      <dgm:bg/>
+      <dgm:whole/>
+    </dgm:dataModel>
+  </dgm:styleData>
+  <dgm:clrData useDef="1">
+    <dgm:dataModel>
+      <dgm:ptLst/>
+      <dgm:bg/>
+      <dgm:whole/>
+    </dgm:dataModel>
+  </dgm:clrData>
+  <dgm:layoutNode name="root">
+    <dgm:varLst>
+      <dgm:dir/>
+      <dgm:resizeHandles val="exact"/>
+    </dgm:varLst>
+    <dgm:choose name="Name0">
+      <dgm:if name="Name1" axis="self" func="var" arg="dir" op="equ" val="norm">
+        <dgm:alg type="snake">
+          <dgm:param type="grDir" val="tL"/>
+          <dgm:param type="flowDir" val="row"/>
+          <dgm:param type="contDir" val="sameDir"/>
+          <dgm:param type="off" val="ctr"/>
+          <dgm:param type="vertAlign" val="mid"/>
+          <dgm:param type="horzAlign" val="ctr"/>
+        </dgm:alg>
+      </dgm:if>
+      <dgm:else name="Name2">
+        <dgm:alg type="snake">
+          <dgm:param type="grDir" val="tR"/>
+          <dgm:param type="flowDir" val="row"/>
+          <dgm:param type="contDir" val="sameDir"/>
+          <dgm:param type="off" val="ctr"/>
+          <dgm:param type="vertAlign" val="mid"/>
+          <dgm:param type="horzAlign" val="ctr"/>
+        </dgm:alg>
+      </dgm:else>
+    </dgm:choose>
+    <dgm:shape xmlns:r="http://schemas.openxmlformats.org/officeDocument/2006/relationships" r:blip="">
+      <dgm:adjLst/>
+    </dgm:shape>
+    <dgm:presOf/>
+    <dgm:choose name="Name3">
+      <dgm:if name="Name4" axis="ch" ptType="node" func="cnt" op="lte" val="2">
+        <dgm:constrLst>
+          <dgm:constr type="h" for="ch" forName="compNode" refType="h" fact="0.4"/>
+          <dgm:constr type="w" for="ch" forName="compNode" val="120"/>
+          <dgm:constr type="w" for="ch" forName="sibTrans" refType="w" refFor="ch" refForName="compNode" fact="0.175"/>
+          <dgm:constr type="sp" refType="w" refFor="ch" refForName="compNode" op="equ" fact="0.25"/>
+          <dgm:constr type="primFontSz" for="des" ptType="node" op="equ" val="50"/>
+          <dgm:constr type="h" for="des" forName="compNode" op="equ"/>
+          <dgm:constr type="h" for="des" forName="textRect" op="equ"/>
+        </dgm:constrLst>
+      </dgm:if>
+      <dgm:if name="Name5" axis="ch" ptType="node" func="cnt" op="lte" val="4">
+        <dgm:constrLst>
+          <dgm:constr type="h" for="ch" forName="compNode" refType="h" fact="0.4"/>
+          <dgm:constr type="w" for="ch" forName="compNode" refType="w"/>
+          <dgm:constr type="w" for="ch" forName="sibTrans" refType="w" refFor="ch" refForName="compNode" fact="0.175"/>
+          <dgm:constr type="sp" refType="w" refFor="ch" refForName="compNode" op="equ" fact="0.25"/>
+          <dgm:constr type="primFontSz" for="des" ptType="node" op="equ" val="36"/>
+          <dgm:constr type="h" for="des" forName="compNode" op="equ"/>
+          <dgm:constr type="h" for="des" forName="textRect" op="equ"/>
+        </dgm:constrLst>
+      </dgm:if>
+      <dgm:else name="Name6">
+        <dgm:constrLst>
+          <dgm:constr type="h" for="ch" forName="compNode" refType="h" fact="0.4"/>
+          <dgm:constr type="w" for="ch" forName="compNode" refType="w"/>
+          <dgm:constr type="w" for="ch" forName="sibTrans" refType="w" refFor="ch" refForName="compNode" fact="0.175"/>
+          <dgm:constr type="sp" refType="w" refFor="ch" refForName="compNode" op="equ" fact="0.25"/>
+          <dgm:constr type="primFontSz" for="des" ptType="node" op="equ" val="24"/>
+          <dgm:constr type="h" for="des" forName="compNode" op="equ"/>
+          <dgm:constr type="h" for="des" forName="textRect" op="equ"/>
+        </dgm:constrLst>
+      </dgm:else>
+    </dgm:choose>
+    <dgm:ruleLst>
+      <dgm:rule type="w" for="ch" forName="compNode" val="50" fact="NaN" max="NaN"/>
+    </dgm:ruleLst>
+    <dgm:forEach name="Name7" axis="ch" ptType="node">
+      <dgm:layoutNode name="compNode">
+        <dgm:alg type="composite"/>
+        <dgm:shape xmlns:r="http://schemas.openxmlformats.org/officeDocument/2006/relationships" r:blip="">
+          <dgm:adjLst/>
+        </dgm:shape>
+        <dgm:presOf axis="self"/>
+        <dgm:constrLst>
+          <dgm:constr type="w" for="ch" forName="iconRect" refType="w" fact="0.45"/>
+          <dgm:constr type="h" for="ch" forName="iconRect" refType="w" refFor="ch" refForName="iconRect"/>
+          <dgm:constr type="ctrX" for="ch" forName="iconRect" refType="w" fact="0.5"/>
+          <dgm:constr type="t" for="ch" forName="iconRect"/>
+          <dgm:constr type="h" for="ch" forName="spaceRect" refType="h" fact="0.15"/>
+          <dgm:constr type="w" for="ch" forName="spaceRect" refType="w"/>
+          <dgm:constr type="l" for="ch" forName="spaceRect"/>
+          <dgm:constr type="t" for="ch" forName="spaceRect" refType="b" refFor="ch" refForName="iconRect"/>
+          <dgm:constr type="h" for="ch" forName="textRect" val="20"/>
+          <dgm:constr type="w" for="ch" forName="textRect" refType="w"/>
+          <dgm:constr type="l" for="ch" forName="textRect"/>
+          <dgm:constr type="t" for="ch" forName="textRect" refType="b" refFor="ch" refForName="spaceRect"/>
+        </dgm:constrLst>
+        <dgm:ruleLst>
+          <dgm:rule type="h" val="INF" fact="NaN" max="NaN"/>
+        </dgm:ruleLst>
+        <dgm:layoutNode name="iconRect" styleLbl="node1">
+          <dgm:alg type="sp"/>
+          <dgm:shape xmlns:r="http://schemas.openxmlformats.org/officeDocument/2006/relationships" type="rect" r:blip="" blipPhldr="1">
+            <dgm:adjLst/>
+          </dgm:shape>
+          <dgm:presOf/>
+          <dgm:constrLst/>
+          <dgm:ruleLst/>
+        </dgm:layoutNode>
+        <dgm:layoutNode name="spaceRect">
+          <dgm:alg type="sp"/>
+          <dgm:shape xmlns:r="http://schemas.openxmlformats.org/officeDocument/2006/relationships" r:blip="">
+            <dgm:adjLst/>
+          </dgm:shape>
+          <dgm:presOf/>
+          <dgm:constrLst/>
+          <dgm:ruleLst/>
+        </dgm:layoutNode>
+        <dgm:layoutNode name="textRect" styleLbl="revTx">
+          <dgm:varLst>
+            <dgm:chMax val="1"/>
+            <dgm:chPref val="1"/>
+          </dgm:varLst>
+          <dgm:alg type="tx">
+            <dgm:param type="txAnchorVert" val="t"/>
+          </dgm:alg>
+          <dgm:shape xmlns:r="http://schemas.openxmlformats.org/officeDocument/2006/relationships" type="rect" r:blip="">
+            <dgm:adjLst/>
+          </dgm:shape>
+          <dgm:presOf axis="self" ptType="node"/>
+          <dgm:constrLst>
+            <dgm:constr type="lMarg"/>
+            <dgm:constr type="rMarg"/>
+            <dgm:constr type="tMarg"/>
+            <dgm:constr type="bMarg"/>
+          </dgm:constrLst>
+          <dgm:ruleLst>
+            <dgm:rule type="primFontSz" val="11" fact="NaN" max="NaN"/>
+            <dgm:rule type="h" val="INF" fact="NaN" max="NaN"/>
+          </dgm:ruleLst>
+        </dgm:layoutNode>
+      </dgm:layoutNode>
+      <dgm:forEach name="Name8" axis="followSib" ptType="sibTrans" cnt="1">
+        <dgm:layoutNode name="sibTrans">
+          <dgm:alg type="sp"/>
+          <dgm:shape xmlns:r="http://schemas.openxmlformats.org/officeDocument/2006/relationships" r:blip="">
+            <dgm:adjLst/>
+          </dgm:shape>
+          <dgm:presOf axis="self"/>
+          <dgm:constrLst/>
+          <dgm:ruleLst/>
+        </dgm:layoutNode>
+      </dgm:forEach>
+    </dgm:forEach>
+  </dgm:layoutNode>
+  <dgm:extLst>
+    <a:ext uri="{68A01E43-0DF5-4B5B-8FA6-DAF915123BFB}">
+      <dgm1612:lstStyle xmlns:dgm1612="http://schemas.microsoft.com/office/drawing/2016/12/diagram">
+        <a:lvl1pPr>
+          <a:lnSpc>
+            <a:spcPct val="100000"/>
+          </a:lnSpc>
+        </a:lvl1pPr>
+      </dgm1612:lstStyle>
+    </a:ext>
+  </dgm:extLst>
+</dgm:layoutDef>
+</file>
+
+<file path=ppt/diagrams/quickStyle1.xml><?xml version="1.0" encoding="utf-8"?>
+<dgm:styleDef xmlns:dgm="http://schemas.openxmlformats.org/drawingml/2006/diagram" xmlns:a="http://schemas.openxmlformats.org/drawingml/2006/main" uniqueId="urn:microsoft.com/office/officeart/2005/8/quickstyle/simple1">
+  <dgm:title val=""/>
+  <dgm:desc val=""/>
+  <dgm:catLst>
+    <dgm:cat type="simple" pri="10100"/>
+  </dgm:catLst>
+  <dgm:scene3d>
+    <a:camera prst="orthographicFront"/>
+    <a:lightRig rig="threePt" dir="t"/>
+  </dgm:scene3d>
+  <dgm:styleLbl name="node0">
+    <dgm:scene3d>
+      <a:camera prst="orthographicFront"/>
+      <a:lightRig rig="threePt" dir="t"/>
+    </dgm:scene3d>
+    <dgm:sp3d/>
+    <dgm:txPr/>
+    <dgm:style>
+      <a:lnRef idx="2">
+        <a:scrgbClr r="0" g="0" b="0"/>
+      </a:lnRef>
+      <a:fillRef idx="1">
+        <a:scrgbClr r="0" g="0" b="0"/>
+      </a:fillRef>
+      <a:effectRef idx="0">
+        <a:scrgbClr r="0" g="0" b="0"/>
+      </a:effectRef>
+      <a:fontRef idx="minor">
+        <a:schemeClr val="lt1"/>
+      </a:fontRef>
+    </dgm:style>
+  </dgm:styleLbl>
+  <dgm:styleLbl name="lnNode1">
+    <dgm:scene3d>
+      <a:camera prst="orthographicFront"/>
+      <a:lightRig rig="threePt" dir="t"/>
+    </dgm:scene3d>
+    <dgm:sp3d/>
+    <dgm:txPr/>
+    <dgm:style>
+      <a:lnRef idx="2">
+        <a:scrgbClr r="0" g="0" b="0"/>
+      </a:lnRef>
+      <a:fillRef idx="1">
+        <a:scrgbClr r="0" g="0" b="0"/>
+      </a:fillRef>
+      <a:effectRef idx="0">
+        <a:scrgbClr r="0" g="0" b="0"/>
+      </a:effectRef>
+      <a:fontRef idx="minor">
+        <a:schemeClr val="lt1"/>
+      </a:fontRef>
+    </dgm:style>
+  </dgm:styleLbl>
+  <dgm:styleLbl name="vennNode1">
+    <dgm:scene3d>
+      <a:camera prst="orthographicFront"/>
+      <a:lightRig rig="threePt" dir="t"/>
+    </dgm:scene3d>
+    <dgm:sp3d/>
+    <dgm:txPr/>
+    <dgm:style>
+      <a:lnRef idx="2">
+        <a:scrgbClr r="0" g="0" b="0"/>
+      </a:lnRef>
+      <a:fillRef idx="1">
+        <a:scrgbClr r="0" g="0" b="0"/>
+      </a:fillRef>
+      <a:effectRef idx="0">
+        <a:scrgbClr r="0" g="0" b="0"/>
+      </a:effectRef>
+      <a:fontRef idx="minor">
+        <a:schemeClr val="tx1"/>
+      </a:fontRef>
+    </dgm:style>
+  </dgm:styleLbl>
+  <dgm:styleLbl name="alignNode1">
+    <dgm:scene3d>
+      <a:camera prst="orthographicFront"/>
+      <a:lightRig rig="threePt" dir="t"/>
+    </dgm:scene3d>
+    <dgm:sp3d/>
+    <dgm:txPr/>
+    <dgm:style>
+      <a:lnRef idx="2">
+        <a:scrgbClr r="0" g="0" b="0"/>
+      </a:lnRef>
+      <a:fillRef idx="1">
+        <a:scrgbClr r="0" g="0" b="0"/>
+      </a:fillRef>
+      <a:effectRef idx="0">
+        <a:scrgbClr r="0" g="0" b="0"/>
+      </a:effectRef>
+      <a:fontRef idx="minor">
+        <a:schemeClr val="lt1"/>
+      </a:fontRef>
+    </dgm:style>
+  </dgm:styleLbl>
+  <dgm:styleLbl name="node1">
+    <dgm:scene3d>
+      <a:camera prst="orthographicFront"/>
+      <a:lightRig rig="threePt" dir="t"/>
+    </dgm:scene3d>
+    <dgm:sp3d/>
+    <dgm:txPr/>
+    <dgm:style>
+      <a:lnRef idx="2">
+        <a:scrgbClr r="0" g="0" b="0"/>
+      </a:lnRef>
+      <a:fillRef idx="1">
+        <a:scrgbClr r="0" g="0" b="0"/>
+      </a:fillRef>
+      <a:effectRef idx="0">
+        <a:scrgbClr r="0" g="0" b="0"/>
+      </a:effectRef>
+      <a:fontRef idx="minor">
+        <a:schemeClr val="lt1"/>
+      </a:fontRef>
+    </dgm:style>
+  </dgm:styleLbl>
+  <dgm:styleLbl name="node2">
+    <dgm:scene3d>
+      <a:camera prst="orthographicFront"/>
+      <a:lightRig rig="threePt" dir="t"/>
+    </dgm:scene3d>
+    <dgm:sp3d/>
+    <dgm:txPr/>
+    <dgm:style>
+      <a:lnRef idx="2">
+        <a:scrgbClr r="0" g="0" b="0"/>
+      </a:lnRef>
+      <a:fillRef idx="1">
+        <a:scrgbClr r="0" g="0" b="0"/>
+      </a:fillRef>
+      <a:effectRef idx="0">
+        <a:scrgbClr r="0" g="0" b="0"/>
+      </a:effectRef>
+      <a:fontRef idx="minor">
+        <a:schemeClr val="lt1"/>
+      </a:fontRef>
+    </dgm:style>
+  </dgm:styleLbl>
+  <dgm:styleLbl name="node3">
+    <dgm:scene3d>
+      <a:camera prst="orthographicFront"/>
+      <a:lightRig rig="threePt" dir="t"/>
+    </dgm:scene3d>
+    <dgm:sp3d/>
+    <dgm:txPr/>
+    <dgm:style>
+      <a:lnRef idx="2">
+        <a:scrgbClr r="0" g="0" b="0"/>
+      </a:lnRef>
+      <a:fillRef idx="1">
+        <a:scrgbClr r="0" g="0" b="0"/>
+      </a:fillRef>
+      <a:effectRef idx="0">
+        <a:scrgbClr r="0" g="0" b="0"/>
+      </a:effectRef>
+      <a:fontRef idx="minor">
+        <a:schemeClr val="lt1"/>
+      </a:fontRef>
+    </dgm:style>
+  </dgm:styleLbl>
+  <dgm:styleLbl name="node4">
+    <dgm:scene3d>
+      <a:camera prst="orthographicFront"/>
+      <a:lightRig rig="threePt" dir="t"/>
+    </dgm:scene3d>
+    <dgm:sp3d/>
+    <dgm:txPr/>
+    <dgm:style>
+      <a:lnRef idx="2">
+        <a:scrgbClr r="0" g="0" b="0"/>
+      </a:lnRef>
+      <a:fillRef idx="1">
+        <a:scrgbClr r="0" g="0" b="0"/>
+      </a:fillRef>
+      <a:effectRef idx="0">
+        <a:scrgbClr r="0" g="0" b="0"/>
+      </a:effectRef>
+      <a:fontRef idx="minor">
+        <a:schemeClr val="lt1"/>
+      </a:fontRef>
+    </dgm:style>
+  </dgm:styleLbl>
+  <dgm:styleLbl name="fgImgPlace1">
+    <dgm:scene3d>
+      <a:camera prst="orthographicFront"/>
+      <a:lightRig rig="threePt" dir="t"/>
+    </dgm:scene3d>
+    <dgm:sp3d/>
+    <dgm:txPr/>
+    <dgm:style>
+      <a:lnRef idx="2">
+        <a:scrgbClr r="0" g="0" b="0"/>
+      </a:lnRef>
+      <a:fillRef idx="1">
+        <a:scrgbClr r="0" g="0" b="0"/>
+      </a:fillRef>
+      <a:effectRef idx="0">
+        <a:scrgbClr r="0" g="0" b="0"/>
+      </a:effectRef>
+      <a:fontRef idx="minor"/>
+    </dgm:style>
+  </dgm:styleLbl>
+  <dgm:styleLbl name="alignImgPlace1">
+    <dgm:scene3d>
+      <a:camera prst="orthographicFront"/>
+      <a:lightRig rig="threePt" dir="t"/>
+    </dgm:scene3d>
+    <dgm:sp3d/>
+    <dgm:txPr/>
+    <dgm:style>
+      <a:lnRef idx="2">
+        <a:scrgbClr r="0" g="0" b="0"/>
+      </a:lnRef>
+      <a:fillRef idx="1">
+        <a:scrgbClr r="0" g="0" b="0"/>
+      </a:fillRef>
+      <a:effectRef idx="0">
+        <a:scrgbClr r="0" g="0" b="0"/>
+      </a:effectRef>
+      <a:fontRef idx="minor"/>
+    </dgm:style>
+  </dgm:styleLbl>
+  <dgm:styleLbl name="bgImgPlace1">
+    <dgm:scene3d>
+      <a:camera prst="orthographicFront"/>
+      <a:lightRig rig="threePt" dir="t"/>
+    </dgm:scene3d>
+    <dgm:sp3d/>
+    <dgm:txPr/>
+    <dgm:style>
+      <a:lnRef idx="2">
+        <a:scrgbClr r="0" g="0" b="0"/>
+      </a:lnRef>
+      <a:fillRef idx="1">
+        <a:scrgbClr r="0" g="0" b="0"/>
+      </a:fillRef>
+      <a:effectRef idx="0">
+        <a:scrgbClr r="0" g="0" b="0"/>
+      </a:effectRef>
+      <a:fontRef idx="minor"/>
+    </dgm:style>
+  </dgm:styleLbl>
+  <dgm:styleLbl name="sibTrans2D1">
+    <dgm:scene3d>
+      <a:camera prst="orthographicFront"/>
+      <a:lightRig rig="threePt" dir="t"/>
+    </dgm:scene3d>
+    <dgm:sp3d/>
+    <dgm:txPr/>
+    <dgm:style>
+      <a:lnRef idx="0">
+        <a:scrgbClr r="0" g="0" b="0"/>
+      </a:lnRef>
+      <a:fillRef idx="1">
+        <a:scrgbClr r="0" g="0" b="0"/>
+      </a:fillRef>
+      <a:effectRef idx="0">
+        <a:scrgbClr r="0" g="0" b="0"/>
+      </a:effectRef>
+      <a:fontRef idx="minor">
+        <a:schemeClr val="lt1"/>
+      </a:fontRef>
+    </dgm:style>
+  </dgm:styleLbl>
+  <dgm:styleLbl name="fgSibTrans2D1">
+    <dgm:scene3d>
+      <a:camera prst="orthographicFront"/>
+      <a:lightRig rig="threePt" dir="t"/>
+    </dgm:scene3d>
+    <dgm:sp3d/>
+    <dgm:txPr/>
+    <dgm:style>
+      <a:lnRef idx="0">
+        <a:scrgbClr r="0" g="0" b="0"/>
+      </a:lnRef>
+      <a:fillRef idx="1">
+        <a:scrgbClr r="0" g="0" b="0"/>
+      </a:fillRef>
+      <a:effectRef idx="0">
+        <a:scrgbClr r="0" g="0" b="0"/>
+      </a:effectRef>
+      <a:fontRef idx="minor">
+        <a:schemeClr val="lt1"/>
+      </a:fontRef>
+    </dgm:style>
+  </dgm:styleLbl>
+  <dgm:styleLbl name="bgSibTrans2D1">
+    <dgm:scene3d>
+      <a:camera prst="orthographicFront"/>
+      <a:lightRig rig="threePt" dir="t"/>
+    </dgm:scene3d>
+    <dgm:sp3d/>
+    <dgm:txPr/>
+    <dgm:style>
+      <a:lnRef idx="0">
+        <a:scrgbClr r="0" g="0" b="0"/>
+      </a:lnRef>
+      <a:fillRef idx="1">
+        <a:scrgbClr r="0" g="0" b="0"/>
+      </a:fillRef>
+      <a:effectRef idx="0">
+        <a:scrgbClr r="0" g="0" b="0"/>
+      </a:effectRef>
+      <a:fontRef idx="minor">
+        <a:schemeClr val="lt1"/>
+      </a:fontRef>
+    </dgm:style>
+  </dgm:styleLbl>
+  <dgm:styleLbl name="sibTrans1D1">
+    <dgm:scene3d>
+      <a:camera prst="orthographicFront"/>
+      <a:lightRig rig="threePt" dir="t"/>
+    </dgm:scene3d>
+    <dgm:sp3d/>
+    <dgm:txPr/>
+    <dgm:style>
+      <a:lnRef idx="1">
+        <a:scrgbClr r="0" g="0" b="0"/>
+      </a:lnRef>
+      <a:fillRef idx="0">
+        <a:scrgbClr r="0" g="0" b="0"/>
+      </a:fillRef>
+      <a:effectRef idx="0">
+        <a:scrgbClr r="0" g="0" b="0"/>
+      </a:effectRef>
+      <a:fontRef idx="minor"/>
+    </dgm:style>
+  </dgm:styleLbl>
+  <dgm:styleLbl name="callout">
+    <dgm:scene3d>
+      <a:camera prst="orthographicFront"/>
+      <a:lightRig rig="threePt" dir="t"/>
+    </dgm:scene3d>
+    <dgm:sp3d/>
+    <dgm:txPr/>
+    <dgm:style>
+      <a:lnRef idx="2">
+        <a:scrgbClr r="0" g="0" b="0"/>
+      </a:lnRef>
+      <a:fillRef idx="1">
+        <a:scrgbClr r="0" g="0" b="0"/>
+      </a:fillRef>
+      <a:effectRef idx="0">
+        <a:scrgbClr r="0" g="0" b="0"/>
+      </a:effectRef>
+      <a:fontRef idx="minor"/>
+    </dgm:style>
+  </dgm:styleLbl>
+  <dgm:styleLbl name="asst0">
+    <dgm:scene3d>
+      <a:camera prst="orthographicFront"/>
+      <a:lightRig rig="threePt" dir="t"/>
+    </dgm:scene3d>
+    <dgm:sp3d/>
+    <dgm:txPr/>
+    <dgm:style>
+      <a:lnRef idx="2">
+        <a:scrgbClr r="0" g="0" b="0"/>
+      </a:lnRef>
+      <a:fillRef idx="1">
+        <a:scrgbClr r="0" g="0" b="0"/>
+      </a:fillRef>
+      <a:effectRef idx="0">
+        <a:scrgbClr r="0" g="0" b="0"/>
+      </a:effectRef>
+      <a:fontRef idx="minor">
+        <a:schemeClr val="lt1"/>
+      </a:fontRef>
+    </dgm:style>
+  </dgm:styleLbl>
+  <dgm:styleLbl name="asst1">
+    <dgm:scene3d>
+      <a:camera prst="orthographicFront"/>
+      <a:lightRig rig="threePt" dir="t"/>
+    </dgm:scene3d>
+    <dgm:sp3d/>
+    <dgm:txPr/>
+    <dgm:style>
+      <a:lnRef idx="2">
+        <a:scrgbClr r="0" g="0" b="0"/>
+      </a:lnRef>
+      <a:fillRef idx="1">
+        <a:scrgbClr r="0" g="0" b="0"/>
+      </a:fillRef>
+      <a:effectRef idx="0">
+        <a:scrgbClr r="0" g="0" b="0"/>
+      </a:effectRef>
+      <a:fontRef idx="minor">
+        <a:schemeClr val="lt1"/>
+      </a:fontRef>
+    </dgm:style>
+  </dgm:styleLbl>
+  <dgm:styleLbl name="asst2">
+    <dgm:scene3d>
+      <a:camera prst="orthographicFront"/>
+      <a:lightRig rig="threePt" dir="t"/>
+    </dgm:scene3d>
+    <dgm:sp3d/>
+    <dgm:txPr/>
+    <dgm:style>
+      <a:lnRef idx="2">
+        <a:scrgbClr r="0" g="0" b="0"/>
+      </a:lnRef>
+      <a:fillRef idx="1">
+        <a:scrgbClr r="0" g="0" b="0"/>
+      </a:fillRef>
+      <a:effectRef idx="0">
+        <a:scrgbClr r="0" g="0" b="0"/>
+      </a:effectRef>
+      <a:fontRef idx="minor">
+        <a:schemeClr val="lt1"/>
+      </a:fontRef>
+    </dgm:style>
+  </dgm:styleLbl>
+  <dgm:styleLbl name="asst3">
+    <dgm:scene3d>
+      <a:camera prst="orthographicFront"/>
+      <a:lightRig rig="threePt" dir="t"/>
+    </dgm:scene3d>
+    <dgm:sp3d/>
+    <dgm:txPr/>
+    <dgm:style>
+      <a:lnRef idx="2">
+        <a:scrgbClr r="0" g="0" b="0"/>
+      </a:lnRef>
+      <a:fillRef idx="1">
+        <a:scrgbClr r="0" g="0" b="0"/>
+      </a:fillRef>
+      <a:effectRef idx="0">
+        <a:scrgbClr r="0" g="0" b="0"/>
+      </a:effectRef>
+      <a:fontRef idx="minor">
+        <a:schemeClr val="lt1"/>
+      </a:fontRef>
+    </dgm:style>
+  </dgm:styleLbl>
+  <dgm:styleLbl name="asst4">
+    <dgm:scene3d>
+      <a:camera prst="orthographicFront"/>
+      <a:lightRig rig="threePt" dir="t"/>
+    </dgm:scene3d>
+    <dgm:sp3d/>
+    <dgm:txPr/>
+    <dgm:style>
+      <a:lnRef idx="2">
+        <a:scrgbClr r="0" g="0" b="0"/>
+      </a:lnRef>
+      <a:fillRef idx="1">
+        <a:scrgbClr r="0" g="0" b="0"/>
+      </a:fillRef>
+      <a:effectRef idx="0">
+        <a:scrgbClr r="0" g="0" b="0"/>
+      </a:effectRef>
+      <a:fontRef idx="minor">
+        <a:schemeClr val="lt1"/>
+      </a:fontRef>
+    </dgm:style>
+  </dgm:styleLbl>
+  <dgm:styleLbl name="parChTrans2D1">
+    <dgm:scene3d>
+      <a:camera prst="orthographicFront"/>
+      <a:lightRig rig="threePt" dir="t"/>
+    </dgm:scene3d>
+    <dgm:sp3d/>
+    <dgm:txPr/>
+    <dgm:style>
+      <a:lnRef idx="2">
+        <a:scrgbClr r="0" g="0" b="0"/>
+      </a:lnRef>
+      <a:fillRef idx="1">
+        <a:scrgbClr r="0" g="0" b="0"/>
+      </a:fillRef>
+      <a:effectRef idx="0">
+        <a:scrgbClr r="0" g="0" b="0"/>
+      </a:effectRef>
+      <a:fontRef idx="minor">
+        <a:schemeClr val="lt1"/>
+      </a:fontRef>
+    </dgm:style>
+  </dgm:styleLbl>
+  <dgm:styleLbl name="parChTrans2D2">
+    <dgm:scene3d>
+      <a:camera prst="orthographicFront"/>
+      <a:lightRig rig="threePt" dir="t"/>
+    </dgm:scene3d>
+    <dgm:sp3d/>
+    <dgm:txPr/>
+    <dgm:style>
+      <a:lnRef idx="2">
+        <a:scrgbClr r="0" g="0" b="0"/>
+      </a:lnRef>
+      <a:fillRef idx="1">
+        <a:scrgbClr r="0" g="0" b="0"/>
+      </a:fillRef>
+      <a:effectRef idx="0">
+        <a:scrgbClr r="0" g="0" b="0"/>
+      </a:effectRef>
+      <a:fontRef idx="minor">
+        <a:schemeClr val="lt1"/>
+      </a:fontRef>
+    </dgm:style>
+  </dgm:styleLbl>
+  <dgm:styleLbl name="parChTrans2D3">
+    <dgm:scene3d>
+      <a:camera prst="orthographicFront"/>
+      <a:lightRig rig="threePt" dir="t"/>
+    </dgm:scene3d>
+    <dgm:sp3d/>
+    <dgm:txPr/>
+    <dgm:style>
+      <a:lnRef idx="2">
+        <a:scrgbClr r="0" g="0" b="0"/>
+      </a:lnRef>
+      <a:fillRef idx="1">
+        <a:scrgbClr r="0" g="0" b="0"/>
+      </a:fillRef>
+      <a:effectRef idx="0">
+        <a:scrgbClr r="0" g="0" b="0"/>
+      </a:effectRef>
+      <a:fontRef idx="minor">
+        <a:schemeClr val="lt1"/>
+      </a:fontRef>
+    </dgm:style>
+  </dgm:styleLbl>
+  <dgm:styleLbl name="parChTrans2D4">
+    <dgm:scene3d>
+      <a:camera prst="orthographicFront"/>
+      <a:lightRig rig="threePt" dir="t"/>
+    </dgm:scene3d>
+    <dgm:sp3d/>
+    <dgm:txPr/>
+    <dgm:style>
+      <a:lnRef idx="2">
+        <a:scrgbClr r="0" g="0" b="0"/>
+      </a:lnRef>
+      <a:fillRef idx="1">
+        <a:scrgbClr r="0" g="0" b="0"/>
+      </a:fillRef>
+      <a:effectRef idx="0">
+        <a:scrgbClr r="0" g="0" b="0"/>
+      </a:effectRef>
+      <a:fontRef idx="minor">
+        <a:schemeClr val="lt1"/>
+      </a:fontRef>
+    </dgm:style>
+  </dgm:styleLbl>
+  <dgm:styleLbl name="parChTrans1D1">
+    <dgm:scene3d>
+      <a:camera prst="orthographicFront"/>
+      <a:lightRig rig="threePt" dir="t"/>
+    </dgm:scene3d>
+    <dgm:sp3d/>
+    <dgm:txPr/>
+    <dgm:style>
+      <a:lnRef idx="2">
+        <a:scrgbClr r="0" g="0" b="0"/>
+      </a:lnRef>
+      <a:fillRef idx="0">
+        <a:scrgbClr r="0" g="0" b="0"/>
+      </a:fillRef>
+      <a:effectRef idx="0">
+        <a:scrgbClr r="0" g="0" b="0"/>
+      </a:effectRef>
+      <a:fontRef idx="minor"/>
+    </dgm:style>
+  </dgm:styleLbl>
+  <dgm:styleLbl name="parChTrans1D2">
+    <dgm:scene3d>
+      <a:camera prst="orthographicFront"/>
+      <a:lightRig rig="threePt" dir="t"/>
+    </dgm:scene3d>
+    <dgm:sp3d/>
+    <dgm:txPr/>
+    <dgm:style>
+      <a:lnRef idx="2">
+        <a:scrgbClr r="0" g="0" b="0"/>
+      </a:lnRef>
+      <a:fillRef idx="0">
+        <a:scrgbClr r="0" g="0" b="0"/>
+      </a:fillRef>
+      <a:effectRef idx="0">
+        <a:scrgbClr r="0" g="0" b="0"/>
+      </a:effectRef>
+      <a:fontRef idx="minor"/>
+    </dgm:style>
+  </dgm:styleLbl>
+  <dgm:styleLbl name="parChTrans1D3">
+    <dgm:scene3d>
+      <a:camera prst="orthographicFront"/>
+      <a:lightRig rig="threePt" dir="t"/>
+    </dgm:scene3d>
+    <dgm:sp3d/>
+    <dgm:txPr/>
+    <dgm:style>
+      <a:lnRef idx="2">
+        <a:scrgbClr r="0" g="0" b="0"/>
+      </a:lnRef>
+      <a:fillRef idx="0">
+        <a:scrgbClr r="0" g="0" b="0"/>
+      </a:fillRef>
+      <a:effectRef idx="0">
+        <a:scrgbClr r="0" g="0" b="0"/>
+      </a:effectRef>
+      <a:fontRef idx="minor"/>
+    </dgm:style>
+  </dgm:styleLbl>
+  <dgm:styleLbl name="parChTrans1D4">
+    <dgm:scene3d>
+      <a:camera prst="orthographicFront"/>
+      <a:lightRig rig="threePt" dir="t"/>
+    </dgm:scene3d>
+    <dgm:sp3d/>
+    <dgm:txPr/>
+    <dgm:style>
+      <a:lnRef idx="2">
+        <a:scrgbClr r="0" g="0" b="0"/>
+      </a:lnRef>
+      <a:fillRef idx="0">
+        <a:scrgbClr r="0" g="0" b="0"/>
+      </a:fillRef>
+      <a:effectRef idx="0">
+        <a:scrgbClr r="0" g="0" b="0"/>
+      </a:effectRef>
+      <a:fontRef idx="minor"/>
+    </dgm:style>
+  </dgm:styleLbl>
+  <dgm:styleLbl name="fgAcc1">
+    <dgm:scene3d>
+      <a:camera prst="orthographicFront"/>
+      <a:lightRig rig="threePt" dir="t"/>
+    </dgm:scene3d>
+    <dgm:sp3d/>
+    <dgm:txPr/>
+    <dgm:style>
+      <a:lnRef idx="2">
+        <a:scrgbClr r="0" g="0" b="0"/>
+      </a:lnRef>
+      <a:fillRef idx="1">
+        <a:scrgbClr r="0" g="0" b="0"/>
+      </a:fillRef>
+      <a:effectRef idx="0">
+        <a:scrgbClr r="0" g="0" b="0"/>
+      </a:effectRef>
+      <a:fontRef idx="minor"/>
+    </dgm:style>
+  </dgm:styleLbl>
+  <dgm:styleLbl name="conFgAcc1">
+    <dgm:scene3d>
+      <a:camera prst="orthographicFront"/>
+      <a:lightRig rig="threePt" dir="t"/>
+    </dgm:scene3d>
+    <dgm:sp3d/>
+    <dgm:txPr/>
+    <dgm:style>
+      <a:lnRef idx="2">
+        <a:scrgbClr r="0" g="0" b="0"/>
+      </a:lnRef>
+      <a:fillRef idx="1">
+        <a:scrgbClr r="0" g="0" b="0"/>
+      </a:fillRef>
+      <a:effectRef idx="0">
+        <a:scrgbClr r="0" g="0" b="0"/>
+      </a:effectRef>
+      <a:fontRef idx="minor"/>
+    </dgm:style>
+  </dgm:styleLbl>
+  <dgm:styleLbl name="alignAcc1">
+    <dgm:scene3d>
+      <a:camera prst="orthographicFront"/>
+      <a:lightRig rig="threePt" dir="t"/>
+    </dgm:scene3d>
+    <dgm:sp3d/>
+    <dgm:txPr/>
+    <dgm:style>
+      <a:lnRef idx="2">
+        <a:scrgbClr r="0" g="0" b="0"/>
+      </a:lnRef>
+      <a:fillRef idx="1">
+        <a:scrgbClr r="0" g="0" b="0"/>
+      </a:fillRef>
+      <a:effectRef idx="0">
+        <a:scrgbClr r="0" g="0" b="0"/>
+      </a:effectRef>
+      <a:fontRef idx="minor"/>
+    </dgm:style>
+  </dgm:styleLbl>
+  <dgm:styleLbl name="trAlignAcc1">
+    <dgm:scene3d>
+      <a:camera prst="orthographicFront"/>
+      <a:lightRig rig="threePt" dir="t"/>
+    </dgm:scene3d>
+    <dgm:sp3d/>
+    <dgm:txPr/>
+    <dgm:style>
+      <a:lnRef idx="1">
+        <a:scrgbClr r="0" g="0" b="0"/>
+      </a:lnRef>
+      <a:fillRef idx="1">
+        <a:scrgbClr r="0" g="0" b="0"/>
+      </a:fillRef>
+      <a:effectRef idx="0">
+        <a:scrgbClr r="0" g="0" b="0"/>
+      </a:effectRef>
+      <a:fontRef idx="minor"/>
+    </dgm:style>
+  </dgm:styleLbl>
+  <dgm:styleLbl name="bgAcc1">
+    <dgm:scene3d>
+      <a:camera prst="orthographicFront"/>
+      <a:lightRig rig="threePt" dir="t"/>
+    </dgm:scene3d>
+    <dgm:sp3d/>
+    <dgm:txPr/>
+    <dgm:style>
+      <a:lnRef idx="2">
+        <a:scrgbClr r="0" g="0" b="0"/>
+      </a:lnRef>
+      <a:fillRef idx="1">
+        <a:scrgbClr r="0" g="0" b="0"/>
+      </a:fillRef>
+      <a:effectRef idx="0">
+        <a:scrgbClr r="0" g="0" b="0"/>
+      </a:effectRef>
+      <a:fontRef idx="minor"/>
+    </dgm:style>
+  </dgm:styleLbl>
+  <dgm:styleLbl name="solidFgAcc1">
+    <dgm:scene3d>
+      <a:camera prst="orthographicFront"/>
+      <a:lightRig rig="threePt" dir="t"/>
+    </dgm:scene3d>
+    <dgm:sp3d/>
+    <dgm:txPr/>
+    <dgm:style>
+      <a:lnRef idx="2">
+        <a:scrgbClr r="0" g="0" b="0"/>
+      </a:lnRef>
+      <a:fillRef idx="1">
+        <a:scrgbClr r="0" g="0" b="0"/>
+      </a:fillRef>
+      <a:effectRef idx="0">
+        <a:scrgbClr r="0" g="0" b="0"/>
+      </a:effectRef>
+      <a:fontRef idx="minor"/>
+    </dgm:style>
+  </dgm:styleLbl>
+  <dgm:styleLbl name="solidAlignAcc1">
+    <dgm:scene3d>
+      <a:camera prst="orthographicFront"/>
+      <a:lightRig rig="threePt" dir="t"/>
+    </dgm:scene3d>
+    <dgm:sp3d/>
+    <dgm:txPr/>
+    <dgm:style>
+      <a:lnRef idx="2">
+        <a:scrgbClr r="0" g="0" b="0"/>
+      </a:lnRef>
+      <a:fillRef idx="1">
+        <a:scrgbClr r="0" g="0" b="0"/>
+      </a:fillRef>
+      <a:effectRef idx="0">
+        <a:scrgbClr r="0" g="0" b="0"/>
+      </a:effectRef>
+      <a:fontRef idx="minor"/>
+    </dgm:style>
+  </dgm:styleLbl>
+  <dgm:styleLbl name="solidBgAcc1">
+    <dgm:scene3d>
+      <a:camera prst="orthographicFront"/>
+      <a:lightRig rig="threePt" dir="t"/>
+    </dgm:scene3d>
+    <dgm:sp3d/>
+    <dgm:txPr/>
+    <dgm:style>
+      <a:lnRef idx="2">
+        <a:scrgbClr r="0" g="0" b="0"/>
+      </a:lnRef>
+      <a:fillRef idx="1">
+        <a:scrgbClr r="0" g="0" b="0"/>
+      </a:fillRef>
+      <a:effectRef idx="0">
+        <a:scrgbClr r="0" g="0" b="0"/>
+      </a:effectRef>
+      <a:fontRef idx="minor"/>
+    </dgm:style>
+  </dgm:styleLbl>
+  <dgm:styleLbl name="fgAccFollowNode1">
+    <dgm:scene3d>
+      <a:camera prst="orthographicFront"/>
+      <a:lightRig rig="threePt" dir="t"/>
+    </dgm:scene3d>
+    <dgm:sp3d/>
+    <dgm:txPr/>
+    <dgm:style>
+      <a:lnRef idx="2">
+        <a:scrgbClr r="0" g="0" b="0"/>
+      </a:lnRef>
+      <a:fillRef idx="1">
+        <a:scrgbClr r="0" g="0" b="0"/>
+      </a:fillRef>
+      <a:effectRef idx="0">
+        <a:scrgbClr r="0" g="0" b="0"/>
+      </a:effectRef>
+      <a:fontRef idx="minor"/>
+    </dgm:style>
+  </dgm:styleLbl>
+  <dgm:styleLbl name="alignAccFollowNode1">
+    <dgm:scene3d>
+      <a:camera prst="orthographicFront"/>
+      <a:lightRig rig="threePt" dir="t"/>
+    </dgm:scene3d>
+    <dgm:sp3d/>
+    <dgm:txPr/>
+    <dgm:style>
+      <a:lnRef idx="2">
+        <a:scrgbClr r="0" g="0" b="0"/>
+      </a:lnRef>
+      <a:fillRef idx="1">
+        <a:scrgbClr r="0" g="0" b="0"/>
+      </a:fillRef>
+      <a:effectRef idx="0">
+        <a:scrgbClr r="0" g="0" b="0"/>
+      </a:effectRef>
+      <a:fontRef idx="minor"/>
+    </dgm:style>
+  </dgm:styleLbl>
+  <dgm:styleLbl name="bgAccFollowNode1">
+    <dgm:scene3d>
+      <a:camera prst="orthographicFront"/>
+      <a:lightRig rig="threePt" dir="t"/>
+    </dgm:scene3d>
+    <dgm:sp3d/>
+    <dgm:txPr/>
+    <dgm:style>
+      <a:lnRef idx="2">
+        <a:scrgbClr r="0" g="0" b="0"/>
+      </a:lnRef>
+      <a:fillRef idx="1">
+        <a:scrgbClr r="0" g="0" b="0"/>
+      </a:fillRef>
+      <a:effectRef idx="0">
+        <a:scrgbClr r="0" g="0" b="0"/>
+      </a:effectRef>
+      <a:fontRef idx="minor"/>
+    </dgm:style>
+  </dgm:styleLbl>
+  <dgm:styleLbl name="fgAcc0">
+    <dgm:scene3d>
+      <a:camera prst="orthographicFront"/>
+      <a:lightRig rig="threePt" dir="t"/>
+    </dgm:scene3d>
+    <dgm:sp3d/>
+    <dgm:txPr/>
+    <dgm:style>
+      <a:lnRef idx="2">
+        <a:scrgbClr r="0" g="0" b="0"/>
+      </a:lnRef>
+      <a:fillRef idx="1">
+        <a:scrgbClr r="0" g="0" b="0"/>
+      </a:fillRef>
+      <a:effectRef idx="0">
+        <a:scrgbClr r="0" g="0" b="0"/>
+      </a:effectRef>
+      <a:fontRef idx="minor"/>
+    </dgm:style>
+  </dgm:styleLbl>
+  <dgm:styleLbl name="fgAcc2">
+    <dgm:scene3d>
+      <a:camera prst="orthographicFront"/>
+      <a:lightRig rig="threePt" dir="t"/>
+    </dgm:scene3d>
+    <dgm:sp3d/>
+    <dgm:txPr/>
+    <dgm:style>
+      <a:lnRef idx="2">
+        <a:scrgbClr r="0" g="0" b="0"/>
+      </a:lnRef>
+      <a:fillRef idx="1">
+        <a:scrgbClr r="0" g="0" b="0"/>
+      </a:fillRef>
+      <a:effectRef idx="0">
+        <a:scrgbClr r="0" g="0" b="0"/>
+      </a:effectRef>
+      <a:fontRef idx="minor"/>
+    </dgm:style>
+  </dgm:styleLbl>
+  <dgm:styleLbl name="fgAcc3">
+    <dgm:scene3d>
+      <a:camera prst="orthographicFront"/>
+      <a:lightRig rig="threePt" dir="t"/>
+    </dgm:scene3d>
+    <dgm:sp3d/>
+    <dgm:txPr/>
+    <dgm:style>
+      <a:lnRef idx="2">
+        <a:scrgbClr r="0" g="0" b="0"/>
+      </a:lnRef>
+      <a:fillRef idx="1">
+        <a:scrgbClr r="0" g="0" b="0"/>
+      </a:fillRef>
+      <a:effectRef idx="0">
+        <a:scrgbClr r="0" g="0" b="0"/>
+      </a:effectRef>
+      <a:fontRef idx="minor"/>
+    </dgm:style>
+  </dgm:styleLbl>
+  <dgm:styleLbl name="fgAcc4">
+    <dgm:scene3d>
+      <a:camera prst="orthographicFront"/>
+      <a:lightRig rig="threePt" dir="t"/>
+    </dgm:scene3d>
+    <dgm:sp3d/>
+    <dgm:txPr/>
+    <dgm:style>
+      <a:lnRef idx="2">
+        <a:scrgbClr r="0" g="0" b="0"/>
+      </a:lnRef>
+      <a:fillRef idx="1">
+        <a:scrgbClr r="0" g="0" b="0"/>
+      </a:fillRef>
+      <a:effectRef idx="0">
+        <a:scrgbClr r="0" g="0" b="0"/>
+      </a:effectRef>
+      <a:fontRef idx="minor"/>
+    </dgm:style>
+  </dgm:styleLbl>
+  <dgm:styleLbl name="bgShp">
+    <dgm:scene3d>
+      <a:camera prst="orthographicFront"/>
+      <a:lightRig rig="threePt" dir="t"/>
+    </dgm:scene3d>
+    <dgm:sp3d/>
+    <dgm:txPr/>
+    <dgm:style>
+      <a:lnRef idx="0">
+        <a:scrgbClr r="0" g="0" b="0"/>
+      </a:lnRef>
+      <a:fillRef idx="1">
+        <a:scrgbClr r="0" g="0" b="0"/>
+      </a:fillRef>
+      <a:effectRef idx="0">
+        <a:scrgbClr r="0" g="0" b="0"/>
+      </a:effectRef>
+      <a:fontRef idx="minor"/>
+    </dgm:style>
+  </dgm:styleLbl>
+  <dgm:styleLbl name="dkBgShp">
+    <dgm:scene3d>
+      <a:camera prst="orthographicFront"/>
+      <a:lightRig rig="threePt" dir="t"/>
+    </dgm:scene3d>
+    <dgm:sp3d/>
+    <dgm:txPr/>
+    <dgm:style>
+      <a:lnRef idx="0">
+        <a:scrgbClr r="0" g="0" b="0"/>
+      </a:lnRef>
+      <a:fillRef idx="1">
+        <a:scrgbClr r="0" g="0" b="0"/>
+      </a:fillRef>
+      <a:effectRef idx="0">
+        <a:scrgbClr r="0" g="0" b="0"/>
+      </a:effectRef>
+      <a:fontRef idx="minor"/>
+    </dgm:style>
+  </dgm:styleLbl>
+  <dgm:styleLbl name="trBgShp">
+    <dgm:scene3d>
+      <a:camera prst="orthographicFront"/>
+      <a:lightRig rig="threePt" dir="t"/>
+    </dgm:scene3d>
+    <dgm:sp3d/>
+    <dgm:txPr/>
+    <dgm:style>
+      <a:lnRef idx="0">
+        <a:scrgbClr r="0" g="0" b="0"/>
+      </a:lnRef>
+      <a:fillRef idx="1">
+        <a:scrgbClr r="0" g="0" b="0"/>
+      </a:fillRef>
+      <a:effectRef idx="0">
+        <a:scrgbClr r="0" g="0" b="0"/>
+      </a:effectRef>
+      <a:fontRef idx="minor"/>
+    </dgm:style>
+  </dgm:styleLbl>
+  <dgm:styleLbl name="fgShp">
+    <dgm:scene3d>
+      <a:camera prst="orthographicFront"/>
+      <a:lightRig rig="threePt" dir="t"/>
+    </dgm:scene3d>
+    <dgm:sp3d/>
+    <dgm:txPr/>
+    <dgm:style>
+      <a:lnRef idx="2">
+        <a:scrgbClr r="0" g="0" b="0"/>
+      </a:lnRef>
+      <a:fillRef idx="1">
+        <a:scrgbClr r="0" g="0" b="0"/>
+      </a:fillRef>
+      <a:effectRef idx="0">
+        <a:scrgbClr r="0" g="0" b="0"/>
+      </a:effectRef>
+      <a:fontRef idx="minor"/>
+    </dgm:style>
+  </dgm:styleLbl>
+  <dgm:styleLbl name="revTx">
+    <dgm:scene3d>
+      <a:camera prst="orthographicFront"/>
+      <a:lightRig rig="threePt" dir="t"/>
+    </dgm:scene3d>
+    <dgm:sp3d/>
+    <dgm:txPr/>
+    <dgm:style>
+      <a:lnRef idx="0">
+        <a:scrgbClr r="0" g="0" b="0"/>
+      </a:lnRef>
+      <a:fillRef idx="0">
+        <a:scrgbClr r="0" g="0" b="0"/>
+      </a:fillRef>
+      <a:effectRef idx="0">
+        <a:scrgbClr r="0" g="0" b="0"/>
+      </a:effectRef>
+      <a:fontRef idx="minor"/>
+    </dgm:style>
+  </dgm:styleLbl>
+</dgm:styleDef>
+</file>
+
 <file path=ppt/slideLayouts/slideLayout1.xml><?xml version="1.0" encoding="utf-8"?>
 <p:sldLayout xmlns:a="http://schemas.openxmlformats.org/drawingml/2006/main" xmlns:r="http://schemas.openxmlformats.org/officeDocument/2006/relationships" xmlns:p="http://schemas.openxmlformats.org/presentationml/2006/main" type="title" preserve="1">
   <p:cSld name="Title Slide">
@@ -145,13 +3177,7 @@
       </p:grpSpPr>
       <p:sp>
         <p:nvSpPr>
-          <p:cNvPr id="2" name="Title 1">
-            <a:extLst>
-              <a:ext uri="{FF2B5EF4-FFF2-40B4-BE49-F238E27FC236}">
-                <a16:creationId xmlns:a16="http://schemas.microsoft.com/office/drawing/2014/main" id="{4059DC16-E3A0-47C0-A5F3-230D3DEDAF6D}"/>
-              </a:ext>
-            </a:extLst>
-          </p:cNvPr>
+          <p:cNvPr id="2" name="Title 1"/>
           <p:cNvSpPr>
             <a:spLocks noGrp="1"/>
           </p:cNvSpPr>
@@ -161,15 +3187,17 @@
         </p:nvSpPr>
         <p:spPr>
           <a:xfrm>
-            <a:off x="1143000" y="1122363"/>
-            <a:ext cx="6858000" cy="2387600"/>
+            <a:off x="2396319" y="802299"/>
+            <a:ext cx="5618515" cy="2541431"/>
           </a:xfrm>
         </p:spPr>
         <p:txBody>
-          <a:bodyPr anchor="b"/>
+          <a:bodyPr bIns="0" anchor="b">
+            <a:normAutofit/>
+          </a:bodyPr>
           <a:lstStyle>
-            <a:lvl1pPr algn="ctr">
-              <a:defRPr sz="4500"/>
+            <a:lvl1pPr algn="l">
+              <a:defRPr sz="5400"/>
             </a:lvl1pPr>
           </a:lstStyle>
           <a:p>
@@ -177,19 +3205,13 @@
               <a:rPr lang="en-US"/>
               <a:t>Click to edit Master title style</a:t>
             </a:r>
-            <a:endParaRPr lang="en-CA"/>
+            <a:endParaRPr lang="en-US" dirty="0"/>
           </a:p>
         </p:txBody>
       </p:sp>
       <p:sp>
         <p:nvSpPr>
-          <p:cNvPr id="3" name="Subtitle 2">
-            <a:extLst>
-              <a:ext uri="{FF2B5EF4-FFF2-40B4-BE49-F238E27FC236}">
-                <a16:creationId xmlns:a16="http://schemas.microsoft.com/office/drawing/2014/main" id="{0D25503E-56B8-4225-AA2A-040C1A5DA775}"/>
-              </a:ext>
-            </a:extLst>
-          </p:cNvPr>
+          <p:cNvPr id="3" name="Subtitle 2"/>
           <p:cNvSpPr>
             <a:spLocks noGrp="1"/>
           </p:cNvSpPr>
@@ -199,16 +3221,22 @@
         </p:nvSpPr>
         <p:spPr>
           <a:xfrm>
-            <a:off x="1143000" y="3602038"/>
-            <a:ext cx="6858000" cy="1655762"/>
+            <a:off x="2396319" y="3531205"/>
+            <a:ext cx="5618515" cy="977621"/>
           </a:xfrm>
         </p:spPr>
         <p:txBody>
-          <a:bodyPr/>
+          <a:bodyPr tIns="91440" bIns="91440">
+            <a:normAutofit/>
+          </a:bodyPr>
           <a:lstStyle>
-            <a:lvl1pPr marL="0" indent="0" algn="ctr">
+            <a:lvl1pPr marL="0" indent="0" algn="l">
               <a:buNone/>
-              <a:defRPr sz="1800"/>
+              <a:defRPr sz="1600" b="0" cap="all" baseline="0">
+                <a:solidFill>
+                  <a:schemeClr val="tx1"/>
+                </a:solidFill>
+              </a:defRPr>
             </a:lvl1pPr>
             <a:lvl2pPr marL="342900" indent="0" algn="ctr">
               <a:buNone/>
@@ -248,19 +3276,13 @@
               <a:rPr lang="en-US"/>
               <a:t>Click to edit Master subtitle style</a:t>
             </a:r>
-            <a:endParaRPr lang="en-CA"/>
+            <a:endParaRPr lang="en-US" dirty="0"/>
           </a:p>
         </p:txBody>
       </p:sp>
       <p:sp>
         <p:nvSpPr>
-          <p:cNvPr id="4" name="Date Placeholder 3">
-            <a:extLst>
-              <a:ext uri="{FF2B5EF4-FFF2-40B4-BE49-F238E27FC236}">
-                <a16:creationId xmlns:a16="http://schemas.microsoft.com/office/drawing/2014/main" id="{A1310A12-E5E5-4503-B9C8-30F5FFDD4620}"/>
-              </a:ext>
-            </a:extLst>
-          </p:cNvPr>
+          <p:cNvPr id="4" name="Date Placeholder 3"/>
           <p:cNvSpPr>
             <a:spLocks noGrp="1"/>
           </p:cNvSpPr>
@@ -283,13 +3305,7 @@
       </p:sp>
       <p:sp>
         <p:nvSpPr>
-          <p:cNvPr id="5" name="Footer Placeholder 4">
-            <a:extLst>
-              <a:ext uri="{FF2B5EF4-FFF2-40B4-BE49-F238E27FC236}">
-                <a16:creationId xmlns:a16="http://schemas.microsoft.com/office/drawing/2014/main" id="{46A4BC39-E0AF-4663-91AB-86C462F1F79A}"/>
-              </a:ext>
-            </a:extLst>
-          </p:cNvPr>
+          <p:cNvPr id="5" name="Footer Placeholder 4"/>
           <p:cNvSpPr>
             <a:spLocks noGrp="1"/>
           </p:cNvSpPr>
@@ -297,7 +3313,12 @@
             <p:ph type="ftr" sz="quarter" idx="11"/>
           </p:nvPr>
         </p:nvSpPr>
-        <p:spPr/>
+        <p:spPr>
+          <a:xfrm>
+            <a:off x="2396319" y="329308"/>
+            <a:ext cx="3086292" cy="309201"/>
+          </a:xfrm>
+        </p:spPr>
         <p:txBody>
           <a:bodyPr/>
           <a:lstStyle/>
@@ -308,13 +3329,7 @@
       </p:sp>
       <p:sp>
         <p:nvSpPr>
-          <p:cNvPr id="6" name="Slide Number Placeholder 5">
-            <a:extLst>
-              <a:ext uri="{FF2B5EF4-FFF2-40B4-BE49-F238E27FC236}">
-                <a16:creationId xmlns:a16="http://schemas.microsoft.com/office/drawing/2014/main" id="{7DED5374-CF18-470C-9EB0-2645DDBAE6D7}"/>
-              </a:ext>
-            </a:extLst>
-          </p:cNvPr>
+          <p:cNvPr id="6" name="Slide Number Placeholder 5"/>
           <p:cNvSpPr>
             <a:spLocks noGrp="1"/>
           </p:cNvSpPr>
@@ -322,7 +3337,12 @@
             <p:ph type="sldNum" sz="quarter" idx="12"/>
           </p:nvPr>
         </p:nvSpPr>
-        <p:spPr/>
+        <p:spPr>
+          <a:xfrm>
+            <a:off x="1434703" y="798973"/>
+            <a:ext cx="802005" cy="503578"/>
+          </a:xfrm>
+        </p:spPr>
         <p:txBody>
           <a:bodyPr/>
           <a:lstStyle/>
@@ -335,10 +3355,41 @@
           </a:p>
         </p:txBody>
       </p:sp>
+      <p:cxnSp>
+        <p:nvCxnSpPr>
+          <p:cNvPr id="15" name="Straight Connector 14"/>
+          <p:cNvCxnSpPr/>
+          <p:nvPr/>
+        </p:nvCxnSpPr>
+        <p:spPr>
+          <a:xfrm>
+            <a:off x="2396319" y="3528542"/>
+            <a:ext cx="5618515" cy="0"/>
+          </a:xfrm>
+          <a:prstGeom prst="line">
+            <a:avLst/>
+          </a:prstGeom>
+          <a:ln w="31750"/>
+        </p:spPr>
+        <p:style>
+          <a:lnRef idx="3">
+            <a:schemeClr val="accent1"/>
+          </a:lnRef>
+          <a:fillRef idx="0">
+            <a:schemeClr val="accent1"/>
+          </a:fillRef>
+          <a:effectRef idx="2">
+            <a:schemeClr val="accent1"/>
+          </a:effectRef>
+          <a:fontRef idx="minor">
+            <a:schemeClr val="tx1"/>
+          </a:fontRef>
+        </p:style>
+      </p:cxnSp>
     </p:spTree>
     <p:extLst>
       <p:ext uri="{BB962C8B-B14F-4D97-AF65-F5344CB8AC3E}">
-        <p14:creationId xmlns:p14="http://schemas.microsoft.com/office/powerpoint/2010/main" val="4213324376"/>
+        <p14:creationId xmlns:p14="http://schemas.microsoft.com/office/powerpoint/2010/main" val="3275141639"/>
       </p:ext>
     </p:extLst>
   </p:cSld>
@@ -365,15 +3416,40 @@
           <a:chExt cx="0" cy="0"/>
         </a:xfrm>
       </p:grpSpPr>
+      <p:cxnSp>
+        <p:nvCxnSpPr>
+          <p:cNvPr id="33" name="Straight Connector 32"/>
+          <p:cNvCxnSpPr/>
+          <p:nvPr/>
+        </p:nvCxnSpPr>
+        <p:spPr>
+          <a:xfrm>
+            <a:off x="1443491" y="1847088"/>
+            <a:ext cx="6571343" cy="0"/>
+          </a:xfrm>
+          <a:prstGeom prst="line">
+            <a:avLst/>
+          </a:prstGeom>
+          <a:ln w="31750"/>
+        </p:spPr>
+        <p:style>
+          <a:lnRef idx="3">
+            <a:schemeClr val="accent1"/>
+          </a:lnRef>
+          <a:fillRef idx="0">
+            <a:schemeClr val="accent1"/>
+          </a:fillRef>
+          <a:effectRef idx="2">
+            <a:schemeClr val="accent1"/>
+          </a:effectRef>
+          <a:fontRef idx="minor">
+            <a:schemeClr val="tx1"/>
+          </a:fontRef>
+        </p:style>
+      </p:cxnSp>
       <p:sp>
         <p:nvSpPr>
-          <p:cNvPr id="2" name="Title 1">
-            <a:extLst>
-              <a:ext uri="{FF2B5EF4-FFF2-40B4-BE49-F238E27FC236}">
-                <a16:creationId xmlns:a16="http://schemas.microsoft.com/office/drawing/2014/main" id="{73A4B57B-CD48-4C95-BE6C-3B83D23EC3C6}"/>
-              </a:ext>
-            </a:extLst>
-          </p:cNvPr>
+          <p:cNvPr id="2" name="Title 1"/>
           <p:cNvSpPr>
             <a:spLocks noGrp="1"/>
           </p:cNvSpPr>
@@ -390,19 +3466,13 @@
               <a:rPr lang="en-US"/>
               <a:t>Click to edit Master title style</a:t>
             </a:r>
-            <a:endParaRPr lang="en-CA"/>
+            <a:endParaRPr lang="en-US" dirty="0"/>
           </a:p>
         </p:txBody>
       </p:sp>
       <p:sp>
         <p:nvSpPr>
-          <p:cNvPr id="3" name="Vertical Text Placeholder 2">
-            <a:extLst>
-              <a:ext uri="{FF2B5EF4-FFF2-40B4-BE49-F238E27FC236}">
-                <a16:creationId xmlns:a16="http://schemas.microsoft.com/office/drawing/2014/main" id="{BE7D5299-7326-456E-8D76-C3AB1D1679BE}"/>
-              </a:ext>
-            </a:extLst>
-          </p:cNvPr>
+          <p:cNvPr id="3" name="Vertical Text Placeholder 2"/>
           <p:cNvSpPr>
             <a:spLocks noGrp="1"/>
           </p:cNvSpPr>
@@ -448,19 +3518,13 @@
               <a:rPr lang="en-US"/>
               <a:t>Fifth level</a:t>
             </a:r>
-            <a:endParaRPr lang="en-CA"/>
+            <a:endParaRPr lang="en-US" dirty="0"/>
           </a:p>
         </p:txBody>
       </p:sp>
       <p:sp>
         <p:nvSpPr>
-          <p:cNvPr id="4" name="Date Placeholder 3">
-            <a:extLst>
-              <a:ext uri="{FF2B5EF4-FFF2-40B4-BE49-F238E27FC236}">
-                <a16:creationId xmlns:a16="http://schemas.microsoft.com/office/drawing/2014/main" id="{E257652E-8315-4E6D-8DAC-79A68E31B7BD}"/>
-              </a:ext>
-            </a:extLst>
-          </p:cNvPr>
+          <p:cNvPr id="4" name="Date Placeholder 3"/>
           <p:cNvSpPr>
             <a:spLocks noGrp="1"/>
           </p:cNvSpPr>
@@ -483,13 +3547,7 @@
       </p:sp>
       <p:sp>
         <p:nvSpPr>
-          <p:cNvPr id="5" name="Footer Placeholder 4">
-            <a:extLst>
-              <a:ext uri="{FF2B5EF4-FFF2-40B4-BE49-F238E27FC236}">
-                <a16:creationId xmlns:a16="http://schemas.microsoft.com/office/drawing/2014/main" id="{A6EC8E68-184F-4FEA-A438-C0B83C736E25}"/>
-              </a:ext>
-            </a:extLst>
-          </p:cNvPr>
+          <p:cNvPr id="5" name="Footer Placeholder 4"/>
           <p:cNvSpPr>
             <a:spLocks noGrp="1"/>
           </p:cNvSpPr>
@@ -508,13 +3566,7 @@
       </p:sp>
       <p:sp>
         <p:nvSpPr>
-          <p:cNvPr id="6" name="Slide Number Placeholder 5">
-            <a:extLst>
-              <a:ext uri="{FF2B5EF4-FFF2-40B4-BE49-F238E27FC236}">
-                <a16:creationId xmlns:a16="http://schemas.microsoft.com/office/drawing/2014/main" id="{3937E105-0741-4D1D-AA76-5A686297AA3E}"/>
-              </a:ext>
-            </a:extLst>
-          </p:cNvPr>
+          <p:cNvPr id="6" name="Slide Number Placeholder 5"/>
           <p:cNvSpPr>
             <a:spLocks noGrp="1"/>
           </p:cNvSpPr>
@@ -538,7 +3590,7 @@
     </p:spTree>
     <p:extLst>
       <p:ext uri="{BB962C8B-B14F-4D97-AF65-F5344CB8AC3E}">
-        <p14:creationId xmlns:p14="http://schemas.microsoft.com/office/powerpoint/2010/main" val="3006486699"/>
+        <p14:creationId xmlns:p14="http://schemas.microsoft.com/office/powerpoint/2010/main" val="1705633886"/>
       </p:ext>
     </p:extLst>
   </p:cSld>
@@ -567,13 +3619,7 @@
       </p:grpSpPr>
       <p:sp>
         <p:nvSpPr>
-          <p:cNvPr id="2" name="Vertical Title 1">
-            <a:extLst>
-              <a:ext uri="{FF2B5EF4-FFF2-40B4-BE49-F238E27FC236}">
-                <a16:creationId xmlns:a16="http://schemas.microsoft.com/office/drawing/2014/main" id="{5DFDBE30-D64D-43B8-B2F3-A2A5BBB5B56C}"/>
-              </a:ext>
-            </a:extLst>
-          </p:cNvPr>
+          <p:cNvPr id="2" name="Vertical Title 1"/>
           <p:cNvSpPr>
             <a:spLocks noGrp="1"/>
           </p:cNvSpPr>
@@ -583,48 +3629,46 @@
         </p:nvSpPr>
         <p:spPr>
           <a:xfrm>
-            <a:off x="6543675" y="365125"/>
-            <a:ext cx="1971675" cy="5811838"/>
+            <a:off x="6918028" y="798974"/>
+            <a:ext cx="1103027" cy="4659889"/>
+          </a:xfrm>
+        </p:spPr>
+        <p:txBody>
+          <a:bodyPr vert="eaVert"/>
+          <a:lstStyle>
+            <a:lvl1pPr algn="l">
+              <a:defRPr/>
+            </a:lvl1pPr>
+          </a:lstStyle>
+          <a:p>
+            <a:r>
+              <a:rPr lang="en-US"/>
+              <a:t>Click to edit Master title style</a:t>
+            </a:r>
+            <a:endParaRPr lang="en-US" dirty="0"/>
+          </a:p>
+        </p:txBody>
+      </p:sp>
+      <p:sp>
+        <p:nvSpPr>
+          <p:cNvPr id="3" name="Vertical Text Placeholder 2"/>
+          <p:cNvSpPr>
+            <a:spLocks noGrp="1"/>
+          </p:cNvSpPr>
+          <p:nvPr>
+            <p:ph type="body" orient="vert" idx="1"/>
+          </p:nvPr>
+        </p:nvSpPr>
+        <p:spPr>
+          <a:xfrm>
+            <a:off x="1443491" y="798974"/>
+            <a:ext cx="5301095" cy="4659889"/>
           </a:xfrm>
         </p:spPr>
         <p:txBody>
           <a:bodyPr vert="eaVert"/>
           <a:lstStyle/>
           <a:p>
-            <a:r>
-              <a:rPr lang="en-US"/>
-              <a:t>Click to edit Master title style</a:t>
-            </a:r>
-            <a:endParaRPr lang="en-CA"/>
-          </a:p>
-        </p:txBody>
-      </p:sp>
-      <p:sp>
-        <p:nvSpPr>
-          <p:cNvPr id="3" name="Vertical Text Placeholder 2">
-            <a:extLst>
-              <a:ext uri="{FF2B5EF4-FFF2-40B4-BE49-F238E27FC236}">
-                <a16:creationId xmlns:a16="http://schemas.microsoft.com/office/drawing/2014/main" id="{9AEE21CF-79EE-48B7-AD1F-1D7B81569CA5}"/>
-              </a:ext>
-            </a:extLst>
-          </p:cNvPr>
-          <p:cNvSpPr>
-            <a:spLocks noGrp="1"/>
-          </p:cNvSpPr>
-          <p:nvPr>
-            <p:ph type="body" orient="vert" idx="1"/>
-          </p:nvPr>
-        </p:nvSpPr>
-        <p:spPr>
-          <a:xfrm>
-            <a:off x="628650" y="365125"/>
-            <a:ext cx="5800725" cy="5811838"/>
-          </a:xfrm>
-        </p:spPr>
-        <p:txBody>
-          <a:bodyPr vert="eaVert"/>
-          <a:lstStyle/>
-          <a:p>
             <a:pPr lvl="0"/>
             <a:r>
               <a:rPr lang="en-US"/>
@@ -658,19 +3702,13 @@
               <a:rPr lang="en-US"/>
               <a:t>Fifth level</a:t>
             </a:r>
-            <a:endParaRPr lang="en-CA"/>
+            <a:endParaRPr lang="en-US" dirty="0"/>
           </a:p>
         </p:txBody>
       </p:sp>
       <p:sp>
         <p:nvSpPr>
-          <p:cNvPr id="4" name="Date Placeholder 3">
-            <a:extLst>
-              <a:ext uri="{FF2B5EF4-FFF2-40B4-BE49-F238E27FC236}">
-                <a16:creationId xmlns:a16="http://schemas.microsoft.com/office/drawing/2014/main" id="{CC50F368-3C39-4062-96A7-3E621A0B7A25}"/>
-              </a:ext>
-            </a:extLst>
-          </p:cNvPr>
+          <p:cNvPr id="4" name="Date Placeholder 3"/>
           <p:cNvSpPr>
             <a:spLocks noGrp="1"/>
           </p:cNvSpPr>
@@ -693,13 +3731,7 @@
       </p:sp>
       <p:sp>
         <p:nvSpPr>
-          <p:cNvPr id="5" name="Footer Placeholder 4">
-            <a:extLst>
-              <a:ext uri="{FF2B5EF4-FFF2-40B4-BE49-F238E27FC236}">
-                <a16:creationId xmlns:a16="http://schemas.microsoft.com/office/drawing/2014/main" id="{556CCDEE-BB89-42B6-B8C2-2D103A3275FF}"/>
-              </a:ext>
-            </a:extLst>
-          </p:cNvPr>
+          <p:cNvPr id="5" name="Footer Placeholder 4"/>
           <p:cNvSpPr>
             <a:spLocks noGrp="1"/>
           </p:cNvSpPr>
@@ -718,13 +3750,7 @@
       </p:sp>
       <p:sp>
         <p:nvSpPr>
-          <p:cNvPr id="6" name="Slide Number Placeholder 5">
-            <a:extLst>
-              <a:ext uri="{FF2B5EF4-FFF2-40B4-BE49-F238E27FC236}">
-                <a16:creationId xmlns:a16="http://schemas.microsoft.com/office/drawing/2014/main" id="{D6CD8A1A-5EB2-414C-ADFA-8D6B706D4E9B}"/>
-              </a:ext>
-            </a:extLst>
-          </p:cNvPr>
+          <p:cNvPr id="6" name="Slide Number Placeholder 5"/>
           <p:cNvSpPr>
             <a:spLocks noGrp="1"/>
           </p:cNvSpPr>
@@ -745,10 +3771,41 @@
           </a:p>
         </p:txBody>
       </p:sp>
+      <p:cxnSp>
+        <p:nvCxnSpPr>
+          <p:cNvPr id="15" name="Straight Connector 14"/>
+          <p:cNvCxnSpPr/>
+          <p:nvPr/>
+        </p:nvCxnSpPr>
+        <p:spPr>
+          <a:xfrm>
+            <a:off x="6918028" y="798974"/>
+            <a:ext cx="0" cy="4659889"/>
+          </a:xfrm>
+          <a:prstGeom prst="line">
+            <a:avLst/>
+          </a:prstGeom>
+          <a:ln w="31750"/>
+        </p:spPr>
+        <p:style>
+          <a:lnRef idx="3">
+            <a:schemeClr val="accent1"/>
+          </a:lnRef>
+          <a:fillRef idx="0">
+            <a:schemeClr val="accent1"/>
+          </a:fillRef>
+          <a:effectRef idx="2">
+            <a:schemeClr val="accent1"/>
+          </a:effectRef>
+          <a:fontRef idx="minor">
+            <a:schemeClr val="tx1"/>
+          </a:fontRef>
+        </p:style>
+      </p:cxnSp>
     </p:spTree>
     <p:extLst>
       <p:ext uri="{BB962C8B-B14F-4D97-AF65-F5344CB8AC3E}">
-        <p14:creationId xmlns:p14="http://schemas.microsoft.com/office/powerpoint/2010/main" val="1921544390"/>
+        <p14:creationId xmlns:p14="http://schemas.microsoft.com/office/powerpoint/2010/main" val="266614381"/>
       </p:ext>
     </p:extLst>
   </p:cSld>
@@ -777,13 +3834,7 @@
       </p:grpSpPr>
       <p:sp>
         <p:nvSpPr>
-          <p:cNvPr id="2" name="Title 1">
-            <a:extLst>
-              <a:ext uri="{FF2B5EF4-FFF2-40B4-BE49-F238E27FC236}">
-                <a16:creationId xmlns:a16="http://schemas.microsoft.com/office/drawing/2014/main" id="{9DDB340E-42E0-4704-85DC-A03C5F5DF7CF}"/>
-              </a:ext>
-            </a:extLst>
-          </p:cNvPr>
+          <p:cNvPr id="2" name="Title 1"/>
           <p:cNvSpPr>
             <a:spLocks noGrp="1"/>
           </p:cNvSpPr>
@@ -800,24 +3851,70 @@
               <a:rPr lang="en-US"/>
               <a:t>Click to edit Master title style</a:t>
             </a:r>
-            <a:endParaRPr lang="en-CA"/>
+            <a:endParaRPr lang="en-US" dirty="0"/>
           </a:p>
         </p:txBody>
       </p:sp>
       <p:sp>
         <p:nvSpPr>
-          <p:cNvPr id="3" name="Content Placeholder 2">
-            <a:extLst>
-              <a:ext uri="{FF2B5EF4-FFF2-40B4-BE49-F238E27FC236}">
-                <a16:creationId xmlns:a16="http://schemas.microsoft.com/office/drawing/2014/main" id="{E9D7743A-5199-4F0F-9689-58437EAF442A}"/>
-              </a:ext>
-            </a:extLst>
-          </p:cNvPr>
+          <p:cNvPr id="3" name="Content Placeholder 2"/>
           <p:cNvSpPr>
             <a:spLocks noGrp="1"/>
           </p:cNvSpPr>
           <p:nvPr>
             <p:ph idx="1"/>
+          </p:nvPr>
+        </p:nvSpPr>
+        <p:spPr/>
+        <p:txBody>
+          <a:bodyPr anchor="t"/>
+          <a:lstStyle/>
+          <a:p>
+            <a:pPr lvl="0"/>
+            <a:r>
+              <a:rPr lang="en-US"/>
+              <a:t>Click to edit Master text styles</a:t>
+            </a:r>
+          </a:p>
+          <a:p>
+            <a:pPr lvl="1"/>
+            <a:r>
+              <a:rPr lang="en-US"/>
+              <a:t>Second level</a:t>
+            </a:r>
+          </a:p>
+          <a:p>
+            <a:pPr lvl="2"/>
+            <a:r>
+              <a:rPr lang="en-US"/>
+              <a:t>Third level</a:t>
+            </a:r>
+          </a:p>
+          <a:p>
+            <a:pPr lvl="3"/>
+            <a:r>
+              <a:rPr lang="en-US"/>
+              <a:t>Fourth level</a:t>
+            </a:r>
+          </a:p>
+          <a:p>
+            <a:pPr lvl="4"/>
+            <a:r>
+              <a:rPr lang="en-US"/>
+              <a:t>Fifth level</a:t>
+            </a:r>
+            <a:endParaRPr lang="en-US" dirty="0"/>
+          </a:p>
+        </p:txBody>
+      </p:sp>
+      <p:sp>
+        <p:nvSpPr>
+          <p:cNvPr id="4" name="Date Placeholder 3"/>
+          <p:cNvSpPr>
+            <a:spLocks noGrp="1"/>
+          </p:cNvSpPr>
+          <p:nvPr>
+            <p:ph type="dt" sz="half" idx="10"/>
           </p:nvPr>
         </p:nvSpPr>
         <p:spPr/>
@@ -825,57 +3922,22 @@
           <a:bodyPr/>
           <a:lstStyle/>
           <a:p>
-            <a:pPr lvl="0"/>
-            <a:r>
-              <a:rPr lang="en-US"/>
-              <a:t>Click to edit Master text styles</a:t>
-            </a:r>
-          </a:p>
-          <a:p>
-            <a:pPr lvl="1"/>
-            <a:r>
-              <a:rPr lang="en-US"/>
-              <a:t>Second level</a:t>
-            </a:r>
-          </a:p>
-          <a:p>
-            <a:pPr lvl="2"/>
-            <a:r>
-              <a:rPr lang="en-US"/>
-              <a:t>Third level</a:t>
-            </a:r>
-          </a:p>
-          <a:p>
-            <a:pPr lvl="3"/>
-            <a:r>
-              <a:rPr lang="en-US"/>
-              <a:t>Fourth level</a:t>
-            </a:r>
-          </a:p>
-          <a:p>
-            <a:pPr lvl="4"/>
-            <a:r>
-              <a:rPr lang="en-US"/>
-              <a:t>Fifth level</a:t>
-            </a:r>
-            <a:endParaRPr lang="en-CA"/>
+            <a:fld id="{6094EE07-4E1C-468C-BA53-3D363AAA2C05}" type="datetimeFigureOut">
+              <a:rPr lang="en-IN" smtClean="0"/>
+              <a:t>17-10-2019</a:t>
+            </a:fld>
+            <a:endParaRPr lang="en-IN"/>
           </a:p>
         </p:txBody>
       </p:sp>
       <p:sp>
         <p:nvSpPr>
-          <p:cNvPr id="4" name="Date Placeholder 3">
-            <a:extLst>
-              <a:ext uri="{FF2B5EF4-FFF2-40B4-BE49-F238E27FC236}">
-                <a16:creationId xmlns:a16="http://schemas.microsoft.com/office/drawing/2014/main" id="{01B076D4-3F8A-4F96-A625-77CFD4270EE8}"/>
-              </a:ext>
-            </a:extLst>
-          </p:cNvPr>
+          <p:cNvPr id="5" name="Footer Placeholder 4"/>
           <p:cNvSpPr>
             <a:spLocks noGrp="1"/>
           </p:cNvSpPr>
           <p:nvPr>
-            <p:ph type="dt" sz="half" idx="10"/>
+            <p:ph type="ftr" sz="quarter" idx="11"/>
           </p:nvPr>
         </p:nvSpPr>
         <p:spPr/>
@@ -883,28 +3945,18 @@
           <a:bodyPr/>
           <a:lstStyle/>
           <a:p>
-            <a:fld id="{6094EE07-4E1C-468C-BA53-3D363AAA2C05}" type="datetimeFigureOut">
-              <a:rPr lang="en-IN" smtClean="0"/>
-              <a:t>17-10-2019</a:t>
-            </a:fld>
             <a:endParaRPr lang="en-IN"/>
           </a:p>
         </p:txBody>
       </p:sp>
       <p:sp>
         <p:nvSpPr>
-          <p:cNvPr id="5" name="Footer Placeholder 4">
-            <a:extLst>
-              <a:ext uri="{FF2B5EF4-FFF2-40B4-BE49-F238E27FC236}">
-                <a16:creationId xmlns:a16="http://schemas.microsoft.com/office/drawing/2014/main" id="{DC661D27-5E7B-4E71-8CD9-A9EDC1FF1B1F}"/>
-              </a:ext>
-            </a:extLst>
-          </p:cNvPr>
+          <p:cNvPr id="6" name="Slide Number Placeholder 5"/>
           <p:cNvSpPr>
             <a:spLocks noGrp="1"/>
           </p:cNvSpPr>
           <p:nvPr>
-            <p:ph type="ftr" sz="quarter" idx="11"/>
+            <p:ph type="sldNum" sz="quarter" idx="12"/>
           </p:nvPr>
         </p:nvSpPr>
         <p:spPr/>
@@ -912,31 +3964,6 @@
           <a:bodyPr/>
           <a:lstStyle/>
           <a:p>
-            <a:endParaRPr lang="en-IN"/>
-          </a:p>
-        </p:txBody>
-      </p:sp>
-      <p:sp>
-        <p:nvSpPr>
-          <p:cNvPr id="6" name="Slide Number Placeholder 5">
-            <a:extLst>
-              <a:ext uri="{FF2B5EF4-FFF2-40B4-BE49-F238E27FC236}">
-                <a16:creationId xmlns:a16="http://schemas.microsoft.com/office/drawing/2014/main" id="{A0105563-E79E-4A26-A43B-702EF452CE8A}"/>
-              </a:ext>
-            </a:extLst>
-          </p:cNvPr>
-          <p:cNvSpPr>
-            <a:spLocks noGrp="1"/>
-          </p:cNvSpPr>
-          <p:nvPr>
-            <p:ph type="sldNum" sz="quarter" idx="12"/>
-          </p:nvPr>
-        </p:nvSpPr>
-        <p:spPr/>
-        <p:txBody>
-          <a:bodyPr/>
-          <a:lstStyle/>
-          <a:p>
             <a:fld id="{0C54744F-084B-400A-9FAA-95E4375F9D8D}" type="slidenum">
               <a:rPr lang="en-IN" smtClean="0"/>
               <a:t>‹#›</a:t>
@@ -945,10 +3972,41 @@
           </a:p>
         </p:txBody>
       </p:sp>
+      <p:cxnSp>
+        <p:nvCxnSpPr>
+          <p:cNvPr id="33" name="Straight Connector 32"/>
+          <p:cNvCxnSpPr/>
+          <p:nvPr/>
+        </p:nvCxnSpPr>
+        <p:spPr>
+          <a:xfrm>
+            <a:off x="1443491" y="1847088"/>
+            <a:ext cx="6571343" cy="0"/>
+          </a:xfrm>
+          <a:prstGeom prst="line">
+            <a:avLst/>
+          </a:prstGeom>
+          <a:ln w="31750"/>
+        </p:spPr>
+        <p:style>
+          <a:lnRef idx="3">
+            <a:schemeClr val="accent1"/>
+          </a:lnRef>
+          <a:fillRef idx="0">
+            <a:schemeClr val="accent1"/>
+          </a:fillRef>
+          <a:effectRef idx="2">
+            <a:schemeClr val="accent1"/>
+          </a:effectRef>
+          <a:fontRef idx="minor">
+            <a:schemeClr val="tx1"/>
+          </a:fontRef>
+        </p:style>
+      </p:cxnSp>
     </p:spTree>
     <p:extLst>
       <p:ext uri="{BB962C8B-B14F-4D97-AF65-F5344CB8AC3E}">
-        <p14:creationId xmlns:p14="http://schemas.microsoft.com/office/powerpoint/2010/main" val="3676742062"/>
+        <p14:creationId xmlns:p14="http://schemas.microsoft.com/office/powerpoint/2010/main" val="1190174245"/>
       </p:ext>
     </p:extLst>
   </p:cSld>
@@ -977,13 +4035,7 @@
       </p:grpSpPr>
       <p:sp>
         <p:nvSpPr>
-          <p:cNvPr id="2" name="Title 1">
-            <a:extLst>
-              <a:ext uri="{FF2B5EF4-FFF2-40B4-BE49-F238E27FC236}">
-                <a16:creationId xmlns:a16="http://schemas.microsoft.com/office/drawing/2014/main" id="{9A4B93BA-9259-4844-9AA6-1623EC986BA8}"/>
-              </a:ext>
-            </a:extLst>
-          </p:cNvPr>
+          <p:cNvPr id="2" name="Title 1"/>
           <p:cNvSpPr>
             <a:spLocks noGrp="1"/>
           </p:cNvSpPr>
@@ -993,15 +4045,17 @@
         </p:nvSpPr>
         <p:spPr>
           <a:xfrm>
-            <a:off x="623888" y="1709739"/>
-            <a:ext cx="7886700" cy="2852737"/>
+            <a:off x="1443491" y="1756130"/>
+            <a:ext cx="5617002" cy="1887950"/>
           </a:xfrm>
         </p:spPr>
         <p:txBody>
-          <a:bodyPr anchor="b"/>
+          <a:bodyPr anchor="b">
+            <a:normAutofit/>
+          </a:bodyPr>
           <a:lstStyle>
-            <a:lvl1pPr>
-              <a:defRPr sz="4500"/>
+            <a:lvl1pPr algn="l">
+              <a:defRPr sz="3200"/>
             </a:lvl1pPr>
           </a:lstStyle>
           <a:p>
@@ -1009,19 +4063,13 @@
               <a:rPr lang="en-US"/>
               <a:t>Click to edit Master title style</a:t>
             </a:r>
-            <a:endParaRPr lang="en-CA"/>
+            <a:endParaRPr lang="en-US" dirty="0"/>
           </a:p>
         </p:txBody>
       </p:sp>
       <p:sp>
         <p:nvSpPr>
-          <p:cNvPr id="3" name="Text Placeholder 2">
-            <a:extLst>
-              <a:ext uri="{FF2B5EF4-FFF2-40B4-BE49-F238E27FC236}">
-                <a16:creationId xmlns:a16="http://schemas.microsoft.com/office/drawing/2014/main" id="{AC6ED807-C64D-4F04-A4B8-20AF8C7AF5F2}"/>
-              </a:ext>
-            </a:extLst>
-          </p:cNvPr>
+          <p:cNvPr id="3" name="Text Placeholder 2"/>
           <p:cNvSpPr>
             <a:spLocks noGrp="1"/>
           </p:cNvSpPr>
@@ -1031,20 +4079,20 @@
         </p:nvSpPr>
         <p:spPr>
           <a:xfrm>
-            <a:off x="623888" y="4589464"/>
-            <a:ext cx="7886700" cy="1500187"/>
+            <a:off x="1443492" y="3806196"/>
+            <a:ext cx="5617002" cy="1012929"/>
           </a:xfrm>
         </p:spPr>
         <p:txBody>
-          <a:bodyPr/>
+          <a:bodyPr tIns="91440">
+            <a:normAutofit/>
+          </a:bodyPr>
           <a:lstStyle>
-            <a:lvl1pPr marL="0" indent="0">
+            <a:lvl1pPr marL="0" indent="0" algn="l">
               <a:buNone/>
               <a:defRPr sz="1800">
                 <a:solidFill>
-                  <a:schemeClr val="tx1">
-                    <a:tint val="75000"/>
-                  </a:schemeClr>
+                  <a:schemeClr val="tx1"/>
                 </a:solidFill>
               </a:defRPr>
             </a:lvl1pPr>
@@ -1140,13 +4188,7 @@
       </p:sp>
       <p:sp>
         <p:nvSpPr>
-          <p:cNvPr id="4" name="Date Placeholder 3">
-            <a:extLst>
-              <a:ext uri="{FF2B5EF4-FFF2-40B4-BE49-F238E27FC236}">
-                <a16:creationId xmlns:a16="http://schemas.microsoft.com/office/drawing/2014/main" id="{4132CC3D-52C2-4174-AEA2-61676E286986}"/>
-              </a:ext>
-            </a:extLst>
-          </p:cNvPr>
+          <p:cNvPr id="4" name="Date Placeholder 3"/>
           <p:cNvSpPr>
             <a:spLocks noGrp="1"/>
           </p:cNvSpPr>
@@ -1169,13 +4211,7 @@
       </p:sp>
       <p:sp>
         <p:nvSpPr>
-          <p:cNvPr id="5" name="Footer Placeholder 4">
-            <a:extLst>
-              <a:ext uri="{FF2B5EF4-FFF2-40B4-BE49-F238E27FC236}">
-                <a16:creationId xmlns:a16="http://schemas.microsoft.com/office/drawing/2014/main" id="{2854D479-2048-4382-AB56-A1ACE7FE506F}"/>
-              </a:ext>
-            </a:extLst>
-          </p:cNvPr>
+          <p:cNvPr id="5" name="Footer Placeholder 4"/>
           <p:cNvSpPr>
             <a:spLocks noGrp="1"/>
           </p:cNvSpPr>
@@ -1194,13 +4230,7 @@
       </p:sp>
       <p:sp>
         <p:nvSpPr>
-          <p:cNvPr id="6" name="Slide Number Placeholder 5">
-            <a:extLst>
-              <a:ext uri="{FF2B5EF4-FFF2-40B4-BE49-F238E27FC236}">
-                <a16:creationId xmlns:a16="http://schemas.microsoft.com/office/drawing/2014/main" id="{467CF1C1-D186-451F-882D-D2BA9A9C4431}"/>
-              </a:ext>
-            </a:extLst>
-          </p:cNvPr>
+          <p:cNvPr id="6" name="Slide Number Placeholder 5"/>
           <p:cNvSpPr>
             <a:spLocks noGrp="1"/>
           </p:cNvSpPr>
@@ -1221,10 +4251,41 @@
           </a:p>
         </p:txBody>
       </p:sp>
+      <p:cxnSp>
+        <p:nvCxnSpPr>
+          <p:cNvPr id="15" name="Straight Connector 14"/>
+          <p:cNvCxnSpPr/>
+          <p:nvPr/>
+        </p:nvCxnSpPr>
+        <p:spPr>
+          <a:xfrm>
+            <a:off x="1443491" y="3804985"/>
+            <a:ext cx="5617002" cy="0"/>
+          </a:xfrm>
+          <a:prstGeom prst="line">
+            <a:avLst/>
+          </a:prstGeom>
+          <a:ln w="31750"/>
+        </p:spPr>
+        <p:style>
+          <a:lnRef idx="3">
+            <a:schemeClr val="accent1"/>
+          </a:lnRef>
+          <a:fillRef idx="0">
+            <a:schemeClr val="accent1"/>
+          </a:fillRef>
+          <a:effectRef idx="2">
+            <a:schemeClr val="accent1"/>
+          </a:effectRef>
+          <a:fontRef idx="minor">
+            <a:schemeClr val="tx1"/>
+          </a:fontRef>
+        </p:style>
+      </p:cxnSp>
     </p:spTree>
     <p:extLst>
       <p:ext uri="{BB962C8B-B14F-4D97-AF65-F5344CB8AC3E}">
-        <p14:creationId xmlns:p14="http://schemas.microsoft.com/office/powerpoint/2010/main" val="1501069302"/>
+        <p14:creationId xmlns:p14="http://schemas.microsoft.com/office/powerpoint/2010/main" val="4039080658"/>
       </p:ext>
     </p:extLst>
   </p:cSld>
@@ -1253,18 +4314,154 @@
       </p:grpSpPr>
       <p:sp>
         <p:nvSpPr>
-          <p:cNvPr id="2" name="Title 1">
-            <a:extLst>
-              <a:ext uri="{FF2B5EF4-FFF2-40B4-BE49-F238E27FC236}">
-                <a16:creationId xmlns:a16="http://schemas.microsoft.com/office/drawing/2014/main" id="{221540CA-8E26-4CD9-9B91-792BDE4D9EB2}"/>
-              </a:ext>
-            </a:extLst>
-          </p:cNvPr>
+          <p:cNvPr id="2" name="Title 1"/>
           <p:cNvSpPr>
             <a:spLocks noGrp="1"/>
           </p:cNvSpPr>
           <p:nvPr>
             <p:ph type="title"/>
+          </p:nvPr>
+        </p:nvSpPr>
+        <p:spPr>
+          <a:xfrm>
+            <a:off x="1443491" y="804890"/>
+            <a:ext cx="6571343" cy="1059305"/>
+          </a:xfrm>
+        </p:spPr>
+        <p:txBody>
+          <a:bodyPr/>
+          <a:lstStyle/>
+          <a:p>
+            <a:r>
+              <a:rPr lang="en-US"/>
+              <a:t>Click to edit Master title style</a:t>
+            </a:r>
+            <a:endParaRPr lang="en-US" dirty="0"/>
+          </a:p>
+        </p:txBody>
+      </p:sp>
+      <p:sp>
+        <p:nvSpPr>
+          <p:cNvPr id="3" name="Content Placeholder 2"/>
+          <p:cNvSpPr>
+            <a:spLocks noGrp="1"/>
+          </p:cNvSpPr>
+          <p:nvPr>
+            <p:ph sz="half" idx="1"/>
+          </p:nvPr>
+        </p:nvSpPr>
+        <p:spPr>
+          <a:xfrm>
+            <a:off x="1443490" y="2013936"/>
+            <a:ext cx="3125871" cy="3437560"/>
+          </a:xfrm>
+        </p:spPr>
+        <p:txBody>
+          <a:bodyPr/>
+          <a:lstStyle/>
+          <a:p>
+            <a:pPr lvl="0"/>
+            <a:r>
+              <a:rPr lang="en-US"/>
+              <a:t>Click to edit Master text styles</a:t>
+            </a:r>
+          </a:p>
+          <a:p>
+            <a:pPr lvl="1"/>
+            <a:r>
+              <a:rPr lang="en-US"/>
+              <a:t>Second level</a:t>
+            </a:r>
+          </a:p>
+          <a:p>
+            <a:pPr lvl="2"/>
+            <a:r>
+              <a:rPr lang="en-US"/>
+              <a:t>Third level</a:t>
+            </a:r>
+          </a:p>
+          <a:p>
+            <a:pPr lvl="3"/>
+            <a:r>
+              <a:rPr lang="en-US"/>
+              <a:t>Fourth level</a:t>
+            </a:r>
+          </a:p>
+          <a:p>
+            <a:pPr lvl="4"/>
+            <a:r>
+              <a:rPr lang="en-US"/>
+              <a:t>Fifth level</a:t>
+            </a:r>
+            <a:endParaRPr lang="en-US" dirty="0"/>
+          </a:p>
+        </p:txBody>
+      </p:sp>
+      <p:sp>
+        <p:nvSpPr>
+          <p:cNvPr id="4" name="Content Placeholder 3"/>
+          <p:cNvSpPr>
+            <a:spLocks noGrp="1"/>
+          </p:cNvSpPr>
+          <p:nvPr>
+            <p:ph sz="half" idx="2"/>
+          </p:nvPr>
+        </p:nvSpPr>
+        <p:spPr>
+          <a:xfrm>
+            <a:off x="4889182" y="2013936"/>
+            <a:ext cx="3125652" cy="3437559"/>
+          </a:xfrm>
+        </p:spPr>
+        <p:txBody>
+          <a:bodyPr/>
+          <a:lstStyle/>
+          <a:p>
+            <a:pPr lvl="0"/>
+            <a:r>
+              <a:rPr lang="en-US"/>
+              <a:t>Click to edit Master text styles</a:t>
+            </a:r>
+          </a:p>
+          <a:p>
+            <a:pPr lvl="1"/>
+            <a:r>
+              <a:rPr lang="en-US"/>
+              <a:t>Second level</a:t>
+            </a:r>
+          </a:p>
+          <a:p>
+            <a:pPr lvl="2"/>
+            <a:r>
+              <a:rPr lang="en-US"/>
+              <a:t>Third level</a:t>
+            </a:r>
+          </a:p>
+          <a:p>
+            <a:pPr lvl="3"/>
+            <a:r>
+              <a:rPr lang="en-US"/>
+              <a:t>Fourth level</a:t>
+            </a:r>
+          </a:p>
+          <a:p>
+            <a:pPr lvl="4"/>
+            <a:r>
+              <a:rPr lang="en-US"/>
+              <a:t>Fifth level</a:t>
+            </a:r>
+            <a:endParaRPr lang="en-US" dirty="0"/>
+          </a:p>
+        </p:txBody>
+      </p:sp>
+      <p:sp>
+        <p:nvSpPr>
+          <p:cNvPr id="5" name="Date Placeholder 4"/>
+          <p:cNvSpPr>
+            <a:spLocks noGrp="1"/>
+          </p:cNvSpPr>
+          <p:nvPr>
+            <p:ph type="dt" sz="half" idx="10"/>
           </p:nvPr>
         </p:nvSpPr>
         <p:spPr/>
@@ -1272,154 +4469,22 @@
           <a:bodyPr/>
           <a:lstStyle/>
           <a:p>
-            <a:r>
-              <a:rPr lang="en-US"/>
-              <a:t>Click to edit Master title style</a:t>
-            </a:r>
-            <a:endParaRPr lang="en-CA"/>
+            <a:fld id="{6094EE07-4E1C-468C-BA53-3D363AAA2C05}" type="datetimeFigureOut">
+              <a:rPr lang="en-IN" smtClean="0"/>
+              <a:t>17-10-2019</a:t>
+            </a:fld>
+            <a:endParaRPr lang="en-IN"/>
           </a:p>
         </p:txBody>
       </p:sp>
       <p:sp>
         <p:nvSpPr>
-          <p:cNvPr id="3" name="Content Placeholder 2">
-            <a:extLst>
-              <a:ext uri="{FF2B5EF4-FFF2-40B4-BE49-F238E27FC236}">
-                <a16:creationId xmlns:a16="http://schemas.microsoft.com/office/drawing/2014/main" id="{F37664CC-B745-4546-9E03-54CD16A39024}"/>
-              </a:ext>
-            </a:extLst>
-          </p:cNvPr>
+          <p:cNvPr id="6" name="Footer Placeholder 5"/>
           <p:cNvSpPr>
             <a:spLocks noGrp="1"/>
           </p:cNvSpPr>
           <p:nvPr>
-            <p:ph sz="half" idx="1"/>
-          </p:nvPr>
-        </p:nvSpPr>
-        <p:spPr>
-          <a:xfrm>
-            <a:off x="628650" y="1825625"/>
-            <a:ext cx="3886200" cy="4351338"/>
-          </a:xfrm>
-        </p:spPr>
-        <p:txBody>
-          <a:bodyPr/>
-          <a:lstStyle/>
-          <a:p>
-            <a:pPr lvl="0"/>
-            <a:r>
-              <a:rPr lang="en-US"/>
-              <a:t>Click to edit Master text styles</a:t>
-            </a:r>
-          </a:p>
-          <a:p>
-            <a:pPr lvl="1"/>
-            <a:r>
-              <a:rPr lang="en-US"/>
-              <a:t>Second level</a:t>
-            </a:r>
-          </a:p>
-          <a:p>
-            <a:pPr lvl="2"/>
-            <a:r>
-              <a:rPr lang="en-US"/>
-              <a:t>Third level</a:t>
-            </a:r>
-          </a:p>
-          <a:p>
-            <a:pPr lvl="3"/>
-            <a:r>
-              <a:rPr lang="en-US"/>
-              <a:t>Fourth level</a:t>
-            </a:r>
-          </a:p>
-          <a:p>
-            <a:pPr lvl="4"/>
-            <a:r>
-              <a:rPr lang="en-US"/>
-              <a:t>Fifth level</a:t>
-            </a:r>
-            <a:endParaRPr lang="en-CA"/>
-          </a:p>
-        </p:txBody>
-      </p:sp>
-      <p:sp>
-        <p:nvSpPr>
-          <p:cNvPr id="4" name="Content Placeholder 3">
-            <a:extLst>
-              <a:ext uri="{FF2B5EF4-FFF2-40B4-BE49-F238E27FC236}">
-                <a16:creationId xmlns:a16="http://schemas.microsoft.com/office/drawing/2014/main" id="{B3F479CF-97AC-4DBE-851A-F3E02B1531B3}"/>
-              </a:ext>
-            </a:extLst>
-          </p:cNvPr>
-          <p:cNvSpPr>
-            <a:spLocks noGrp="1"/>
-          </p:cNvSpPr>
-          <p:nvPr>
-            <p:ph sz="half" idx="2"/>
-          </p:nvPr>
-        </p:nvSpPr>
-        <p:spPr>
-          <a:xfrm>
-            <a:off x="4629150" y="1825625"/>
-            <a:ext cx="3886200" cy="4351338"/>
-          </a:xfrm>
-        </p:spPr>
-        <p:txBody>
-          <a:bodyPr/>
-          <a:lstStyle/>
-          <a:p>
-            <a:pPr lvl="0"/>
-            <a:r>
-              <a:rPr lang="en-US"/>
-              <a:t>Click to edit Master text styles</a:t>
-            </a:r>
-          </a:p>
-          <a:p>
-            <a:pPr lvl="1"/>
-            <a:r>
-              <a:rPr lang="en-US"/>
-              <a:t>Second level</a:t>
-            </a:r>
-          </a:p>
-          <a:p>
-            <a:pPr lvl="2"/>
-            <a:r>
-              <a:rPr lang="en-US"/>
-              <a:t>Third level</a:t>
-            </a:r>
-          </a:p>
-          <a:p>
-            <a:pPr lvl="3"/>
-            <a:r>
-              <a:rPr lang="en-US"/>
-              <a:t>Fourth level</a:t>
-            </a:r>
-          </a:p>
-          <a:p>
-            <a:pPr lvl="4"/>
-            <a:r>
-              <a:rPr lang="en-US"/>
-              <a:t>Fifth level</a:t>
-            </a:r>
-            <a:endParaRPr lang="en-CA"/>
-          </a:p>
-        </p:txBody>
-      </p:sp>
-      <p:sp>
-        <p:nvSpPr>
-          <p:cNvPr id="5" name="Date Placeholder 4">
-            <a:extLst>
-              <a:ext uri="{FF2B5EF4-FFF2-40B4-BE49-F238E27FC236}">
-                <a16:creationId xmlns:a16="http://schemas.microsoft.com/office/drawing/2014/main" id="{6B6ED578-BB2C-47BD-9CB0-5529B81F942E}"/>
-              </a:ext>
-            </a:extLst>
-          </p:cNvPr>
-          <p:cNvSpPr>
-            <a:spLocks noGrp="1"/>
-          </p:cNvSpPr>
-          <p:nvPr>
-            <p:ph type="dt" sz="half" idx="10"/>
+            <p:ph type="ftr" sz="quarter" idx="11"/>
           </p:nvPr>
         </p:nvSpPr>
         <p:spPr/>
@@ -1427,28 +4492,18 @@
           <a:bodyPr/>
           <a:lstStyle/>
           <a:p>
-            <a:fld id="{6094EE07-4E1C-468C-BA53-3D363AAA2C05}" type="datetimeFigureOut">
-              <a:rPr lang="en-IN" smtClean="0"/>
-              <a:t>17-10-2019</a:t>
-            </a:fld>
             <a:endParaRPr lang="en-IN"/>
           </a:p>
         </p:txBody>
       </p:sp>
       <p:sp>
         <p:nvSpPr>
-          <p:cNvPr id="6" name="Footer Placeholder 5">
-            <a:extLst>
-              <a:ext uri="{FF2B5EF4-FFF2-40B4-BE49-F238E27FC236}">
-                <a16:creationId xmlns:a16="http://schemas.microsoft.com/office/drawing/2014/main" id="{F28D3AA1-7841-4D53-9F29-D2BFF23C8EDC}"/>
-              </a:ext>
-            </a:extLst>
-          </p:cNvPr>
+          <p:cNvPr id="7" name="Slide Number Placeholder 6"/>
           <p:cNvSpPr>
             <a:spLocks noGrp="1"/>
           </p:cNvSpPr>
           <p:nvPr>
-            <p:ph type="ftr" sz="quarter" idx="11"/>
+            <p:ph type="sldNum" sz="quarter" idx="12"/>
           </p:nvPr>
         </p:nvSpPr>
         <p:spPr/>
@@ -1456,31 +4511,6 @@
           <a:bodyPr/>
           <a:lstStyle/>
           <a:p>
-            <a:endParaRPr lang="en-IN"/>
-          </a:p>
-        </p:txBody>
-      </p:sp>
-      <p:sp>
-        <p:nvSpPr>
-          <p:cNvPr id="7" name="Slide Number Placeholder 6">
-            <a:extLst>
-              <a:ext uri="{FF2B5EF4-FFF2-40B4-BE49-F238E27FC236}">
-                <a16:creationId xmlns:a16="http://schemas.microsoft.com/office/drawing/2014/main" id="{B34EBC7E-9EEC-4934-9CF0-BA6B4570BA8A}"/>
-              </a:ext>
-            </a:extLst>
-          </p:cNvPr>
-          <p:cNvSpPr>
-            <a:spLocks noGrp="1"/>
-          </p:cNvSpPr>
-          <p:nvPr>
-            <p:ph type="sldNum" sz="quarter" idx="12"/>
-          </p:nvPr>
-        </p:nvSpPr>
-        <p:spPr/>
-        <p:txBody>
-          <a:bodyPr/>
-          <a:lstStyle/>
-          <a:p>
             <a:fld id="{0C54744F-084B-400A-9FAA-95E4375F9D8D}" type="slidenum">
               <a:rPr lang="en-IN" smtClean="0"/>
               <a:t>‹#›</a:t>
@@ -1489,10 +4519,41 @@
           </a:p>
         </p:txBody>
       </p:sp>
+      <p:cxnSp>
+        <p:nvCxnSpPr>
+          <p:cNvPr id="33" name="Straight Connector 32"/>
+          <p:cNvCxnSpPr/>
+          <p:nvPr/>
+        </p:nvCxnSpPr>
+        <p:spPr>
+          <a:xfrm>
+            <a:off x="1443491" y="1847088"/>
+            <a:ext cx="6571343" cy="0"/>
+          </a:xfrm>
+          <a:prstGeom prst="line">
+            <a:avLst/>
+          </a:prstGeom>
+          <a:ln w="31750"/>
+        </p:spPr>
+        <p:style>
+          <a:lnRef idx="3">
+            <a:schemeClr val="accent1"/>
+          </a:lnRef>
+          <a:fillRef idx="0">
+            <a:schemeClr val="accent1"/>
+          </a:fillRef>
+          <a:effectRef idx="2">
+            <a:schemeClr val="accent1"/>
+          </a:effectRef>
+          <a:fontRef idx="minor">
+            <a:schemeClr val="tx1"/>
+          </a:fontRef>
+        </p:style>
+      </p:cxnSp>
     </p:spTree>
     <p:extLst>
       <p:ext uri="{BB962C8B-B14F-4D97-AF65-F5344CB8AC3E}">
-        <p14:creationId xmlns:p14="http://schemas.microsoft.com/office/powerpoint/2010/main" val="199215691"/>
+        <p14:creationId xmlns:p14="http://schemas.microsoft.com/office/powerpoint/2010/main" val="1338487166"/>
       </p:ext>
     </p:extLst>
   </p:cSld>
@@ -1519,15 +4580,40 @@
           <a:chExt cx="0" cy="0"/>
         </a:xfrm>
       </p:grpSpPr>
+      <p:cxnSp>
+        <p:nvCxnSpPr>
+          <p:cNvPr id="36" name="Straight Connector 35"/>
+          <p:cNvCxnSpPr/>
+          <p:nvPr/>
+        </p:nvCxnSpPr>
+        <p:spPr>
+          <a:xfrm>
+            <a:off x="1443491" y="1847088"/>
+            <a:ext cx="6571343" cy="0"/>
+          </a:xfrm>
+          <a:prstGeom prst="line">
+            <a:avLst/>
+          </a:prstGeom>
+          <a:ln w="31750"/>
+        </p:spPr>
+        <p:style>
+          <a:lnRef idx="3">
+            <a:schemeClr val="accent1"/>
+          </a:lnRef>
+          <a:fillRef idx="0">
+            <a:schemeClr val="accent1"/>
+          </a:fillRef>
+          <a:effectRef idx="2">
+            <a:schemeClr val="accent1"/>
+          </a:effectRef>
+          <a:fontRef idx="minor">
+            <a:schemeClr val="tx1"/>
+          </a:fontRef>
+        </p:style>
+      </p:cxnSp>
       <p:sp>
         <p:nvSpPr>
-          <p:cNvPr id="2" name="Title 1">
-            <a:extLst>
-              <a:ext uri="{FF2B5EF4-FFF2-40B4-BE49-F238E27FC236}">
-                <a16:creationId xmlns:a16="http://schemas.microsoft.com/office/drawing/2014/main" id="{A5DC9BD1-C243-4471-A175-3429F969CA2A}"/>
-              </a:ext>
-            </a:extLst>
-          </p:cNvPr>
+          <p:cNvPr id="2" name="Title 1"/>
           <p:cNvSpPr>
             <a:spLocks noGrp="1"/>
           </p:cNvSpPr>
@@ -1537,8 +4623,8 @@
         </p:nvSpPr>
         <p:spPr>
           <a:xfrm>
-            <a:off x="629841" y="365126"/>
-            <a:ext cx="7886700" cy="1325563"/>
+            <a:off x="1443491" y="804164"/>
+            <a:ext cx="6571344" cy="1056319"/>
           </a:xfrm>
         </p:spPr>
         <p:txBody>
@@ -1549,19 +4635,13 @@
               <a:rPr lang="en-US"/>
               <a:t>Click to edit Master title style</a:t>
             </a:r>
-            <a:endParaRPr lang="en-CA"/>
+            <a:endParaRPr lang="en-US" dirty="0"/>
           </a:p>
         </p:txBody>
       </p:sp>
       <p:sp>
         <p:nvSpPr>
-          <p:cNvPr id="3" name="Text Placeholder 2">
-            <a:extLst>
-              <a:ext uri="{FF2B5EF4-FFF2-40B4-BE49-F238E27FC236}">
-                <a16:creationId xmlns:a16="http://schemas.microsoft.com/office/drawing/2014/main" id="{977735F9-B3C8-43C2-8229-23507D842AAA}"/>
-              </a:ext>
-            </a:extLst>
-          </p:cNvPr>
+          <p:cNvPr id="3" name="Text Placeholder 2"/>
           <p:cNvSpPr>
             <a:spLocks noGrp="1"/>
           </p:cNvSpPr>
@@ -1571,16 +4651,25 @@
         </p:nvSpPr>
         <p:spPr>
           <a:xfrm>
-            <a:off x="629842" y="1681163"/>
-            <a:ext cx="3868340" cy="823912"/>
+            <a:off x="1443491" y="2019550"/>
+            <a:ext cx="3125766" cy="801943"/>
           </a:xfrm>
         </p:spPr>
         <p:txBody>
-          <a:bodyPr anchor="b"/>
+          <a:bodyPr anchor="b">
+            <a:normAutofit/>
+          </a:bodyPr>
           <a:lstStyle>
             <a:lvl1pPr marL="0" indent="0">
+              <a:lnSpc>
+                <a:spcPct val="100000"/>
+              </a:lnSpc>
               <a:buNone/>
-              <a:defRPr sz="1800" b="1"/>
+              <a:defRPr sz="2200" b="0" cap="all" baseline="0">
+                <a:solidFill>
+                  <a:schemeClr val="accent1"/>
+                </a:solidFill>
+              </a:defRPr>
             </a:lvl1pPr>
             <a:lvl2pPr marL="342900" indent="0">
               <a:buNone/>
@@ -1626,13 +4715,7 @@
       </p:sp>
       <p:sp>
         <p:nvSpPr>
-          <p:cNvPr id="4" name="Content Placeholder 3">
-            <a:extLst>
-              <a:ext uri="{FF2B5EF4-FFF2-40B4-BE49-F238E27FC236}">
-                <a16:creationId xmlns:a16="http://schemas.microsoft.com/office/drawing/2014/main" id="{CCC8C2CC-CD61-40CD-BEB5-8BD46D9FA570}"/>
-              </a:ext>
-            </a:extLst>
-          </p:cNvPr>
+          <p:cNvPr id="4" name="Content Placeholder 3"/>
           <p:cNvSpPr>
             <a:spLocks noGrp="1"/>
           </p:cNvSpPr>
@@ -1642,8 +4725,8 @@
         </p:nvSpPr>
         <p:spPr>
           <a:xfrm>
-            <a:off x="629842" y="2505075"/>
-            <a:ext cx="3868340" cy="3684588"/>
+            <a:off x="1443491" y="2824270"/>
+            <a:ext cx="3125766" cy="2644457"/>
           </a:xfrm>
         </p:spPr>
         <p:txBody>
@@ -1683,19 +4766,13 @@
               <a:rPr lang="en-US"/>
               <a:t>Fifth level</a:t>
             </a:r>
-            <a:endParaRPr lang="en-CA"/>
+            <a:endParaRPr lang="en-US" dirty="0"/>
           </a:p>
         </p:txBody>
       </p:sp>
       <p:sp>
         <p:nvSpPr>
-          <p:cNvPr id="5" name="Text Placeholder 4">
-            <a:extLst>
-              <a:ext uri="{FF2B5EF4-FFF2-40B4-BE49-F238E27FC236}">
-                <a16:creationId xmlns:a16="http://schemas.microsoft.com/office/drawing/2014/main" id="{754B6339-7BDE-4CA6-AD2B-0B6B916EC2A4}"/>
-              </a:ext>
-            </a:extLst>
-          </p:cNvPr>
+          <p:cNvPr id="5" name="Text Placeholder 4"/>
           <p:cNvSpPr>
             <a:spLocks noGrp="1"/>
           </p:cNvSpPr>
@@ -1705,16 +4782,25 @@
         </p:nvSpPr>
         <p:spPr>
           <a:xfrm>
-            <a:off x="4629150" y="1681163"/>
-            <a:ext cx="3887391" cy="823912"/>
+            <a:off x="4889182" y="2023004"/>
+            <a:ext cx="3125652" cy="802237"/>
           </a:xfrm>
         </p:spPr>
         <p:txBody>
-          <a:bodyPr anchor="b"/>
+          <a:bodyPr anchor="b">
+            <a:normAutofit/>
+          </a:bodyPr>
           <a:lstStyle>
             <a:lvl1pPr marL="0" indent="0">
+              <a:lnSpc>
+                <a:spcPct val="100000"/>
+              </a:lnSpc>
               <a:buNone/>
-              <a:defRPr sz="1800" b="1"/>
+              <a:defRPr sz="2200" b="0" cap="all" baseline="0">
+                <a:solidFill>
+                  <a:schemeClr val="accent1"/>
+                </a:solidFill>
+              </a:defRPr>
             </a:lvl1pPr>
             <a:lvl2pPr marL="342900" indent="0">
               <a:buNone/>
@@ -1760,13 +4846,7 @@
       </p:sp>
       <p:sp>
         <p:nvSpPr>
-          <p:cNvPr id="6" name="Content Placeholder 5">
-            <a:extLst>
-              <a:ext uri="{FF2B5EF4-FFF2-40B4-BE49-F238E27FC236}">
-                <a16:creationId xmlns:a16="http://schemas.microsoft.com/office/drawing/2014/main" id="{02179932-97D5-4571-9921-175859C29CFC}"/>
-              </a:ext>
-            </a:extLst>
-          </p:cNvPr>
+          <p:cNvPr id="6" name="Content Placeholder 5"/>
           <p:cNvSpPr>
             <a:spLocks noGrp="1"/>
           </p:cNvSpPr>
@@ -1776,8 +4856,8 @@
         </p:nvSpPr>
         <p:spPr>
           <a:xfrm>
-            <a:off x="4629150" y="2505075"/>
-            <a:ext cx="3887391" cy="3684588"/>
+            <a:off x="4889182" y="2821491"/>
+            <a:ext cx="3125652" cy="2637371"/>
           </a:xfrm>
         </p:spPr>
         <p:txBody>
@@ -1817,19 +4897,13 @@
               <a:rPr lang="en-US"/>
               <a:t>Fifth level</a:t>
             </a:r>
-            <a:endParaRPr lang="en-CA"/>
+            <a:endParaRPr lang="en-US" dirty="0"/>
           </a:p>
         </p:txBody>
       </p:sp>
       <p:sp>
         <p:nvSpPr>
-          <p:cNvPr id="7" name="Date Placeholder 6">
-            <a:extLst>
-              <a:ext uri="{FF2B5EF4-FFF2-40B4-BE49-F238E27FC236}">
-                <a16:creationId xmlns:a16="http://schemas.microsoft.com/office/drawing/2014/main" id="{17A1392F-3BAC-4EC8-891A-5FBD62663435}"/>
-              </a:ext>
-            </a:extLst>
-          </p:cNvPr>
+          <p:cNvPr id="7" name="Date Placeholder 6"/>
           <p:cNvSpPr>
             <a:spLocks noGrp="1"/>
           </p:cNvSpPr>
@@ -1852,13 +4926,7 @@
       </p:sp>
       <p:sp>
         <p:nvSpPr>
-          <p:cNvPr id="8" name="Footer Placeholder 7">
-            <a:extLst>
-              <a:ext uri="{FF2B5EF4-FFF2-40B4-BE49-F238E27FC236}">
-                <a16:creationId xmlns:a16="http://schemas.microsoft.com/office/drawing/2014/main" id="{0020D7F5-0635-444F-8844-377D5EF23815}"/>
-              </a:ext>
-            </a:extLst>
-          </p:cNvPr>
+          <p:cNvPr id="8" name="Footer Placeholder 7"/>
           <p:cNvSpPr>
             <a:spLocks noGrp="1"/>
           </p:cNvSpPr>
@@ -1877,13 +4945,7 @@
       </p:sp>
       <p:sp>
         <p:nvSpPr>
-          <p:cNvPr id="9" name="Slide Number Placeholder 8">
-            <a:extLst>
-              <a:ext uri="{FF2B5EF4-FFF2-40B4-BE49-F238E27FC236}">
-                <a16:creationId xmlns:a16="http://schemas.microsoft.com/office/drawing/2014/main" id="{7AA69138-80EE-459F-A970-05CA42159F9D}"/>
-              </a:ext>
-            </a:extLst>
-          </p:cNvPr>
+          <p:cNvPr id="9" name="Slide Number Placeholder 8"/>
           <p:cNvSpPr>
             <a:spLocks noGrp="1"/>
           </p:cNvSpPr>
@@ -1907,7 +4969,7 @@
     </p:spTree>
     <p:extLst>
       <p:ext uri="{BB962C8B-B14F-4D97-AF65-F5344CB8AC3E}">
-        <p14:creationId xmlns:p14="http://schemas.microsoft.com/office/powerpoint/2010/main" val="2276939004"/>
+        <p14:creationId xmlns:p14="http://schemas.microsoft.com/office/powerpoint/2010/main" val="2189559297"/>
       </p:ext>
     </p:extLst>
   </p:cSld>
@@ -1934,15 +4996,40 @@
           <a:chExt cx="0" cy="0"/>
         </a:xfrm>
       </p:grpSpPr>
+      <p:cxnSp>
+        <p:nvCxnSpPr>
+          <p:cNvPr id="32" name="Straight Connector 31"/>
+          <p:cNvCxnSpPr/>
+          <p:nvPr/>
+        </p:nvCxnSpPr>
+        <p:spPr>
+          <a:xfrm>
+            <a:off x="1443491" y="1847088"/>
+            <a:ext cx="6571343" cy="0"/>
+          </a:xfrm>
+          <a:prstGeom prst="line">
+            <a:avLst/>
+          </a:prstGeom>
+          <a:ln w="31750"/>
+        </p:spPr>
+        <p:style>
+          <a:lnRef idx="3">
+            <a:schemeClr val="accent1"/>
+          </a:lnRef>
+          <a:fillRef idx="0">
+            <a:schemeClr val="accent1"/>
+          </a:fillRef>
+          <a:effectRef idx="2">
+            <a:schemeClr val="accent1"/>
+          </a:effectRef>
+          <a:fontRef idx="minor">
+            <a:schemeClr val="tx1"/>
+          </a:fontRef>
+        </p:style>
+      </p:cxnSp>
       <p:sp>
         <p:nvSpPr>
-          <p:cNvPr id="2" name="Title 1">
-            <a:extLst>
-              <a:ext uri="{FF2B5EF4-FFF2-40B4-BE49-F238E27FC236}">
-                <a16:creationId xmlns:a16="http://schemas.microsoft.com/office/drawing/2014/main" id="{BEA786FD-DA45-4ABB-ADF0-DF4F9FE48B0F}"/>
-              </a:ext>
-            </a:extLst>
-          </p:cNvPr>
+          <p:cNvPr id="2" name="Title 1"/>
           <p:cNvSpPr>
             <a:spLocks noGrp="1"/>
           </p:cNvSpPr>
@@ -1959,19 +5046,13 @@
               <a:rPr lang="en-US"/>
               <a:t>Click to edit Master title style</a:t>
             </a:r>
-            <a:endParaRPr lang="en-CA"/>
+            <a:endParaRPr lang="en-US" dirty="0"/>
           </a:p>
         </p:txBody>
       </p:sp>
       <p:sp>
         <p:nvSpPr>
-          <p:cNvPr id="3" name="Date Placeholder 2">
-            <a:extLst>
-              <a:ext uri="{FF2B5EF4-FFF2-40B4-BE49-F238E27FC236}">
-                <a16:creationId xmlns:a16="http://schemas.microsoft.com/office/drawing/2014/main" id="{43454993-698D-431D-A8CA-95E7B13F1849}"/>
-              </a:ext>
-            </a:extLst>
-          </p:cNvPr>
+          <p:cNvPr id="3" name="Date Placeholder 2"/>
           <p:cNvSpPr>
             <a:spLocks noGrp="1"/>
           </p:cNvSpPr>
@@ -1994,13 +5075,7 @@
       </p:sp>
       <p:sp>
         <p:nvSpPr>
-          <p:cNvPr id="4" name="Footer Placeholder 3">
-            <a:extLst>
-              <a:ext uri="{FF2B5EF4-FFF2-40B4-BE49-F238E27FC236}">
-                <a16:creationId xmlns:a16="http://schemas.microsoft.com/office/drawing/2014/main" id="{06C2C1B4-9E1B-4B77-930D-F22140DF8EDC}"/>
-              </a:ext>
-            </a:extLst>
-          </p:cNvPr>
+          <p:cNvPr id="4" name="Footer Placeholder 3"/>
           <p:cNvSpPr>
             <a:spLocks noGrp="1"/>
           </p:cNvSpPr>
@@ -2019,13 +5094,7 @@
       </p:sp>
       <p:sp>
         <p:nvSpPr>
-          <p:cNvPr id="5" name="Slide Number Placeholder 4">
-            <a:extLst>
-              <a:ext uri="{FF2B5EF4-FFF2-40B4-BE49-F238E27FC236}">
-                <a16:creationId xmlns:a16="http://schemas.microsoft.com/office/drawing/2014/main" id="{90794559-0ED7-4F5D-8A21-CABCE7EEFE07}"/>
-              </a:ext>
-            </a:extLst>
-          </p:cNvPr>
+          <p:cNvPr id="5" name="Slide Number Placeholder 4"/>
           <p:cNvSpPr>
             <a:spLocks noGrp="1"/>
           </p:cNvSpPr>
@@ -2049,7 +5118,7 @@
     </p:spTree>
     <p:extLst>
       <p:ext uri="{BB962C8B-B14F-4D97-AF65-F5344CB8AC3E}">
-        <p14:creationId xmlns:p14="http://schemas.microsoft.com/office/powerpoint/2010/main" val="2506937296"/>
+        <p14:creationId xmlns:p14="http://schemas.microsoft.com/office/powerpoint/2010/main" val="2874525717"/>
       </p:ext>
     </p:extLst>
   </p:cSld>
@@ -2078,13 +5147,7 @@
       </p:grpSpPr>
       <p:sp>
         <p:nvSpPr>
-          <p:cNvPr id="2" name="Date Placeholder 1">
-            <a:extLst>
-              <a:ext uri="{FF2B5EF4-FFF2-40B4-BE49-F238E27FC236}">
-                <a16:creationId xmlns:a16="http://schemas.microsoft.com/office/drawing/2014/main" id="{F53B3A37-F824-4ABF-B942-F2B69A1C3749}"/>
-              </a:ext>
-            </a:extLst>
-          </p:cNvPr>
+          <p:cNvPr id="2" name="Date Placeholder 1"/>
           <p:cNvSpPr>
             <a:spLocks noGrp="1"/>
           </p:cNvSpPr>
@@ -2107,13 +5170,7 @@
       </p:sp>
       <p:sp>
         <p:nvSpPr>
-          <p:cNvPr id="3" name="Footer Placeholder 2">
-            <a:extLst>
-              <a:ext uri="{FF2B5EF4-FFF2-40B4-BE49-F238E27FC236}">
-                <a16:creationId xmlns:a16="http://schemas.microsoft.com/office/drawing/2014/main" id="{2A1CB594-DEEA-499D-AB44-39DE1F38298F}"/>
-              </a:ext>
-            </a:extLst>
-          </p:cNvPr>
+          <p:cNvPr id="3" name="Footer Placeholder 2"/>
           <p:cNvSpPr>
             <a:spLocks noGrp="1"/>
           </p:cNvSpPr>
@@ -2132,13 +5189,7 @@
       </p:sp>
       <p:sp>
         <p:nvSpPr>
-          <p:cNvPr id="4" name="Slide Number Placeholder 3">
-            <a:extLst>
-              <a:ext uri="{FF2B5EF4-FFF2-40B4-BE49-F238E27FC236}">
-                <a16:creationId xmlns:a16="http://schemas.microsoft.com/office/drawing/2014/main" id="{F66101D5-CD99-4E7F-9FBA-0FE14199F46D}"/>
-              </a:ext>
-            </a:extLst>
-          </p:cNvPr>
+          <p:cNvPr id="4" name="Slide Number Placeholder 3"/>
           <p:cNvSpPr>
             <a:spLocks noGrp="1"/>
           </p:cNvSpPr>
@@ -2162,7 +5213,7 @@
     </p:spTree>
     <p:extLst>
       <p:ext uri="{BB962C8B-B14F-4D97-AF65-F5344CB8AC3E}">
-        <p14:creationId xmlns:p14="http://schemas.microsoft.com/office/powerpoint/2010/main" val="876305821"/>
+        <p14:creationId xmlns:p14="http://schemas.microsoft.com/office/powerpoint/2010/main" val="3486844355"/>
       </p:ext>
     </p:extLst>
   </p:cSld>
@@ -2191,13 +5242,7 @@
       </p:grpSpPr>
       <p:sp>
         <p:nvSpPr>
-          <p:cNvPr id="2" name="Title 1">
-            <a:extLst>
-              <a:ext uri="{FF2B5EF4-FFF2-40B4-BE49-F238E27FC236}">
-                <a16:creationId xmlns:a16="http://schemas.microsoft.com/office/drawing/2014/main" id="{16A1854D-7251-4C2E-B6E1-37A2C8E323F0}"/>
-              </a:ext>
-            </a:extLst>
-          </p:cNvPr>
+          <p:cNvPr id="2" name="Title 1"/>
           <p:cNvSpPr>
             <a:spLocks noGrp="1"/>
           </p:cNvSpPr>
@@ -2207,14 +5252,16 @@
         </p:nvSpPr>
         <p:spPr>
           <a:xfrm>
-            <a:off x="629841" y="457200"/>
-            <a:ext cx="2949178" cy="1600200"/>
+            <a:off x="1439042" y="798973"/>
+            <a:ext cx="2425950" cy="2247117"/>
           </a:xfrm>
         </p:spPr>
         <p:txBody>
-          <a:bodyPr anchor="b"/>
+          <a:bodyPr anchor="b">
+            <a:normAutofit/>
+          </a:bodyPr>
           <a:lstStyle>
-            <a:lvl1pPr>
+            <a:lvl1pPr algn="l">
               <a:defRPr sz="2400"/>
             </a:lvl1pPr>
           </a:lstStyle>
@@ -2223,19 +5270,13 @@
               <a:rPr lang="en-US"/>
               <a:t>Click to edit Master title style</a:t>
             </a:r>
-            <a:endParaRPr lang="en-CA"/>
+            <a:endParaRPr lang="en-US" dirty="0"/>
           </a:p>
         </p:txBody>
       </p:sp>
       <p:sp>
         <p:nvSpPr>
-          <p:cNvPr id="3" name="Content Placeholder 2">
-            <a:extLst>
-              <a:ext uri="{FF2B5EF4-FFF2-40B4-BE49-F238E27FC236}">
-                <a16:creationId xmlns:a16="http://schemas.microsoft.com/office/drawing/2014/main" id="{F1B3CBEE-C7F3-42DD-BCD4-590545774D5F}"/>
-              </a:ext>
-            </a:extLst>
-          </p:cNvPr>
+          <p:cNvPr id="3" name="Content Placeholder 2"/>
           <p:cNvSpPr>
             <a:spLocks noGrp="1"/>
           </p:cNvSpPr>
@@ -2245,41 +5286,13 @@
         </p:nvSpPr>
         <p:spPr>
           <a:xfrm>
-            <a:off x="3887391" y="987426"/>
-            <a:ext cx="4629150" cy="4873625"/>
+            <a:off x="4186656" y="798974"/>
+            <a:ext cx="3828178" cy="4658826"/>
           </a:xfrm>
         </p:spPr>
         <p:txBody>
-          <a:bodyPr/>
-          <a:lstStyle>
-            <a:lvl1pPr>
-              <a:defRPr sz="2400"/>
-            </a:lvl1pPr>
-            <a:lvl2pPr>
-              <a:defRPr sz="2100"/>
-            </a:lvl2pPr>
-            <a:lvl3pPr>
-              <a:defRPr sz="1800"/>
-            </a:lvl3pPr>
-            <a:lvl4pPr>
-              <a:defRPr sz="1500"/>
-            </a:lvl4pPr>
-            <a:lvl5pPr>
-              <a:defRPr sz="1500"/>
-            </a:lvl5pPr>
-            <a:lvl6pPr>
-              <a:defRPr sz="1500"/>
-            </a:lvl6pPr>
-            <a:lvl7pPr>
-              <a:defRPr sz="1500"/>
-            </a:lvl7pPr>
-            <a:lvl8pPr>
-              <a:defRPr sz="1500"/>
-            </a:lvl8pPr>
-            <a:lvl9pPr>
-              <a:defRPr sz="1500"/>
-            </a:lvl9pPr>
-          </a:lstStyle>
+          <a:bodyPr anchor="ctr"/>
+          <a:lstStyle/>
           <a:p>
             <a:pPr lvl="0"/>
             <a:r>
@@ -2314,19 +5327,13 @@
               <a:rPr lang="en-US"/>
               <a:t>Fifth level</a:t>
             </a:r>
-            <a:endParaRPr lang="en-CA"/>
+            <a:endParaRPr lang="en-US" dirty="0"/>
           </a:p>
         </p:txBody>
       </p:sp>
       <p:sp>
         <p:nvSpPr>
-          <p:cNvPr id="4" name="Text Placeholder 3">
-            <a:extLst>
-              <a:ext uri="{FF2B5EF4-FFF2-40B4-BE49-F238E27FC236}">
-                <a16:creationId xmlns:a16="http://schemas.microsoft.com/office/drawing/2014/main" id="{F55BF4FC-CE1E-46AE-8909-A689CE8228E8}"/>
-              </a:ext>
-            </a:extLst>
-          </p:cNvPr>
+          <p:cNvPr id="4" name="Text Placeholder 3"/>
           <p:cNvSpPr>
             <a:spLocks noGrp="1"/>
           </p:cNvSpPr>
@@ -2336,16 +5343,18 @@
         </p:nvSpPr>
         <p:spPr>
           <a:xfrm>
-            <a:off x="629841" y="2057400"/>
-            <a:ext cx="2949178" cy="3811588"/>
+            <a:off x="1439042" y="3205492"/>
+            <a:ext cx="2427369" cy="2248181"/>
           </a:xfrm>
         </p:spPr>
         <p:txBody>
-          <a:bodyPr/>
+          <a:bodyPr>
+            <a:normAutofit/>
+          </a:bodyPr>
           <a:lstStyle>
-            <a:lvl1pPr marL="0" indent="0">
+            <a:lvl1pPr marL="0" indent="0" algn="l">
               <a:buNone/>
-              <a:defRPr sz="1200"/>
+              <a:defRPr sz="1600"/>
             </a:lvl1pPr>
             <a:lvl2pPr marL="342900" indent="0">
               <a:buNone/>
@@ -2391,13 +5400,7 @@
       </p:sp>
       <p:sp>
         <p:nvSpPr>
-          <p:cNvPr id="5" name="Date Placeholder 4">
-            <a:extLst>
-              <a:ext uri="{FF2B5EF4-FFF2-40B4-BE49-F238E27FC236}">
-                <a16:creationId xmlns:a16="http://schemas.microsoft.com/office/drawing/2014/main" id="{89866FDE-E8B1-4DB4-B4D3-F65904544429}"/>
-              </a:ext>
-            </a:extLst>
-          </p:cNvPr>
+          <p:cNvPr id="5" name="Date Placeholder 4"/>
           <p:cNvSpPr>
             <a:spLocks noGrp="1"/>
           </p:cNvSpPr>
@@ -2420,13 +5423,7 @@
       </p:sp>
       <p:sp>
         <p:nvSpPr>
-          <p:cNvPr id="6" name="Footer Placeholder 5">
-            <a:extLst>
-              <a:ext uri="{FF2B5EF4-FFF2-40B4-BE49-F238E27FC236}">
-                <a16:creationId xmlns:a16="http://schemas.microsoft.com/office/drawing/2014/main" id="{59D4E15F-CDD4-47E6-987B-9C652D73F3F9}"/>
-              </a:ext>
-            </a:extLst>
-          </p:cNvPr>
+          <p:cNvPr id="6" name="Footer Placeholder 5"/>
           <p:cNvSpPr>
             <a:spLocks noGrp="1"/>
           </p:cNvSpPr>
@@ -2445,13 +5442,7 @@
       </p:sp>
       <p:sp>
         <p:nvSpPr>
-          <p:cNvPr id="7" name="Slide Number Placeholder 6">
-            <a:extLst>
-              <a:ext uri="{FF2B5EF4-FFF2-40B4-BE49-F238E27FC236}">
-                <a16:creationId xmlns:a16="http://schemas.microsoft.com/office/drawing/2014/main" id="{80343D4C-0056-4283-95B5-32C272FF2A71}"/>
-              </a:ext>
-            </a:extLst>
-          </p:cNvPr>
+          <p:cNvPr id="7" name="Slide Number Placeholder 6"/>
           <p:cNvSpPr>
             <a:spLocks noGrp="1"/>
           </p:cNvSpPr>
@@ -2472,10 +5463,41 @@
           </a:p>
         </p:txBody>
       </p:sp>
+      <p:cxnSp>
+        <p:nvCxnSpPr>
+          <p:cNvPr id="17" name="Straight Connector 16"/>
+          <p:cNvCxnSpPr/>
+          <p:nvPr/>
+        </p:nvCxnSpPr>
+        <p:spPr>
+          <a:xfrm>
+            <a:off x="1441748" y="3205491"/>
+            <a:ext cx="2423276" cy="0"/>
+          </a:xfrm>
+          <a:prstGeom prst="line">
+            <a:avLst/>
+          </a:prstGeom>
+          <a:ln w="31750"/>
+        </p:spPr>
+        <p:style>
+          <a:lnRef idx="3">
+            <a:schemeClr val="accent1"/>
+          </a:lnRef>
+          <a:fillRef idx="0">
+            <a:schemeClr val="accent1"/>
+          </a:fillRef>
+          <a:effectRef idx="2">
+            <a:schemeClr val="accent1"/>
+          </a:effectRef>
+          <a:fontRef idx="minor">
+            <a:schemeClr val="tx1"/>
+          </a:fontRef>
+        </p:style>
+      </p:cxnSp>
     </p:spTree>
     <p:extLst>
       <p:ext uri="{BB962C8B-B14F-4D97-AF65-F5344CB8AC3E}">
-        <p14:creationId xmlns:p14="http://schemas.microsoft.com/office/powerpoint/2010/main" val="437501075"/>
+        <p14:creationId xmlns:p14="http://schemas.microsoft.com/office/powerpoint/2010/main" val="484452878"/>
       </p:ext>
     </p:extLst>
   </p:cSld>
@@ -2502,15 +5524,143 @@
           <a:chExt cx="0" cy="0"/>
         </a:xfrm>
       </p:grpSpPr>
+      <p:grpSp>
+        <p:nvGrpSpPr>
+          <p:cNvPr id="13" name="Group 12"/>
+          <p:cNvGrpSpPr/>
+          <p:nvPr/>
+        </p:nvGrpSpPr>
+        <p:grpSpPr>
+          <a:xfrm>
+            <a:off x="4996501" y="482171"/>
+            <a:ext cx="3511387" cy="5149101"/>
+            <a:chOff x="6852919" y="583365"/>
+            <a:chExt cx="4681849" cy="5181928"/>
+          </a:xfrm>
+        </p:grpSpPr>
+        <p:sp>
+          <p:nvSpPr>
+            <p:cNvPr id="14" name="Rectangle 13"/>
+            <p:cNvSpPr/>
+            <p:nvPr/>
+          </p:nvSpPr>
+          <p:spPr>
+            <a:xfrm>
+              <a:off x="6852919" y="583365"/>
+              <a:ext cx="4681849" cy="5181928"/>
+            </a:xfrm>
+            <a:prstGeom prst="rect">
+              <a:avLst/>
+            </a:prstGeom>
+            <a:gradFill>
+              <a:gsLst>
+                <a:gs pos="0">
+                  <a:srgbClr val="000001"/>
+                </a:gs>
+                <a:gs pos="100000">
+                  <a:srgbClr val="191919"/>
+                </a:gs>
+              </a:gsLst>
+            </a:gradFill>
+            <a:ln w="76200" cmpd="sng">
+              <a:noFill/>
+              <a:miter lim="800000"/>
+            </a:ln>
+            <a:effectLst>
+              <a:outerShdw blurRad="127000" dist="228600" dir="4740000" sx="98000" sy="98000" algn="tl" rotWithShape="0">
+                <a:srgbClr val="000000">
+                  <a:alpha val="34000"/>
+                </a:srgbClr>
+              </a:outerShdw>
+            </a:effectLst>
+            <a:scene3d>
+              <a:camera prst="orthographicFront"/>
+              <a:lightRig rig="threePt" dir="t"/>
+            </a:scene3d>
+            <a:sp3d>
+              <a:bevelT w="152400" h="50800" prst="softRound"/>
+            </a:sp3d>
+          </p:spPr>
+          <p:style>
+            <a:lnRef idx="1">
+              <a:schemeClr val="accent1"/>
+            </a:lnRef>
+            <a:fillRef idx="3">
+              <a:schemeClr val="accent1"/>
+            </a:fillRef>
+            <a:effectRef idx="2">
+              <a:schemeClr val="accent1"/>
+            </a:effectRef>
+            <a:fontRef idx="minor">
+              <a:schemeClr val="lt1"/>
+            </a:fontRef>
+          </p:style>
+        </p:sp>
+        <p:sp>
+          <p:nvSpPr>
+            <p:cNvPr id="15" name="Rectangle 14"/>
+            <p:cNvSpPr/>
+            <p:nvPr/>
+          </p:nvSpPr>
+          <p:spPr>
+            <a:xfrm>
+              <a:off x="7273787" y="915806"/>
+              <a:ext cx="3844017" cy="4507918"/>
+            </a:xfrm>
+            <a:prstGeom prst="rect">
+              <a:avLst/>
+            </a:prstGeom>
+            <a:gradFill>
+              <a:gsLst>
+                <a:gs pos="0">
+                  <a:srgbClr val="DADADA"/>
+                </a:gs>
+                <a:gs pos="100000">
+                  <a:srgbClr val="FFFFFE"/>
+                </a:gs>
+              </a:gsLst>
+              <a:lin ang="16200000" scaled="0"/>
+            </a:gradFill>
+            <a:ln w="50800" cmpd="sng">
+              <a:solidFill>
+                <a:srgbClr val="191919"/>
+              </a:solidFill>
+              <a:miter lim="800000"/>
+            </a:ln>
+            <a:effectLst>
+              <a:innerShdw blurRad="63500" dist="88900" dir="14100000">
+                <a:srgbClr val="000000">
+                  <a:alpha val="30000"/>
+                </a:srgbClr>
+              </a:innerShdw>
+            </a:effectLst>
+            <a:scene3d>
+              <a:camera prst="orthographicFront"/>
+              <a:lightRig rig="threePt" dir="t"/>
+            </a:scene3d>
+            <a:sp3d>
+              <a:bevelT prst="relaxedInset"/>
+            </a:sp3d>
+          </p:spPr>
+          <p:style>
+            <a:lnRef idx="1">
+              <a:schemeClr val="accent1"/>
+            </a:lnRef>
+            <a:fillRef idx="3">
+              <a:schemeClr val="accent1"/>
+            </a:fillRef>
+            <a:effectRef idx="2">
+              <a:schemeClr val="accent1"/>
+            </a:effectRef>
+            <a:fontRef idx="minor">
+              <a:schemeClr val="lt1"/>
+            </a:fontRef>
+          </p:style>
+        </p:sp>
+      </p:grpSp>
       <p:sp>
         <p:nvSpPr>
-          <p:cNvPr id="2" name="Title 1">
-            <a:extLst>
-              <a:ext uri="{FF2B5EF4-FFF2-40B4-BE49-F238E27FC236}">
-                <a16:creationId xmlns:a16="http://schemas.microsoft.com/office/drawing/2014/main" id="{85B10375-1AFE-49C3-B362-3F2F21638A1D}"/>
-              </a:ext>
-            </a:extLst>
-          </p:cNvPr>
+          <p:cNvPr id="2" name="Title 1"/>
           <p:cNvSpPr>
             <a:spLocks noGrp="1"/>
           </p:cNvSpPr>
@@ -2520,15 +5670,17 @@
         </p:nvSpPr>
         <p:spPr>
           <a:xfrm>
-            <a:off x="629841" y="457200"/>
-            <a:ext cx="2949178" cy="1600200"/>
+            <a:off x="1444148" y="1129513"/>
+            <a:ext cx="3244935" cy="1830584"/>
           </a:xfrm>
         </p:spPr>
         <p:txBody>
-          <a:bodyPr anchor="b"/>
+          <a:bodyPr anchor="b">
+            <a:normAutofit/>
+          </a:bodyPr>
           <a:lstStyle>
             <a:lvl1pPr>
-              <a:defRPr sz="2400"/>
+              <a:defRPr sz="3200"/>
             </a:lvl1pPr>
           </a:lstStyle>
           <a:p>
@@ -2536,21 +5688,15 @@
               <a:rPr lang="en-US"/>
               <a:t>Click to edit Master title style</a:t>
             </a:r>
-            <a:endParaRPr lang="en-CA"/>
+            <a:endParaRPr lang="en-US" dirty="0"/>
           </a:p>
         </p:txBody>
       </p:sp>
       <p:sp>
         <p:nvSpPr>
-          <p:cNvPr id="3" name="Picture Placeholder 2">
-            <a:extLst>
-              <a:ext uri="{FF2B5EF4-FFF2-40B4-BE49-F238E27FC236}">
-                <a16:creationId xmlns:a16="http://schemas.microsoft.com/office/drawing/2014/main" id="{9ECD8645-3890-4418-AEE3-8B391C6265BB}"/>
-              </a:ext>
-            </a:extLst>
-          </p:cNvPr>
+          <p:cNvPr id="3" name="Picture Placeholder 2"/>
           <p:cNvSpPr>
-            <a:spLocks noGrp="1"/>
+            <a:spLocks noGrp="1" noChangeAspect="1"/>
           </p:cNvSpPr>
           <p:nvPr>
             <p:ph type="pic" idx="1"/>
@@ -2558,14 +5704,24 @@
         </p:nvSpPr>
         <p:spPr>
           <a:xfrm>
-            <a:off x="3887391" y="987426"/>
-            <a:ext cx="4629150" cy="4873625"/>
+            <a:off x="5640128" y="1122543"/>
+            <a:ext cx="2234998" cy="3866327"/>
           </a:xfrm>
+          <a:solidFill>
+            <a:schemeClr val="bg1">
+              <a:lumMod val="85000"/>
+            </a:schemeClr>
+          </a:solidFill>
+          <a:ln w="9525" cap="sq">
+            <a:noFill/>
+            <a:miter lim="800000"/>
+          </a:ln>
+          <a:effectLst/>
         </p:spPr>
         <p:txBody>
-          <a:bodyPr/>
+          <a:bodyPr anchor="t"/>
           <a:lstStyle>
-            <a:lvl1pPr marL="0" indent="0">
+            <a:lvl1pPr marL="0" indent="0" algn="ctr">
               <a:buNone/>
               <a:defRPr sz="2400"/>
             </a:lvl1pPr>
@@ -2603,19 +5759,17 @@
             </a:lvl9pPr>
           </a:lstStyle>
           <a:p>
-            <a:endParaRPr lang="en-CA"/>
+            <a:r>
+              <a:rPr lang="en-US"/>
+              <a:t>Click icon to add picture</a:t>
+            </a:r>
+            <a:endParaRPr lang="en-US" dirty="0"/>
           </a:p>
         </p:txBody>
       </p:sp>
       <p:sp>
         <p:nvSpPr>
-          <p:cNvPr id="4" name="Text Placeholder 3">
-            <a:extLst>
-              <a:ext uri="{FF2B5EF4-FFF2-40B4-BE49-F238E27FC236}">
-                <a16:creationId xmlns:a16="http://schemas.microsoft.com/office/drawing/2014/main" id="{39165B79-A000-4040-80CD-9E85980C47C3}"/>
-              </a:ext>
-            </a:extLst>
-          </p:cNvPr>
+          <p:cNvPr id="4" name="Text Placeholder 3"/>
           <p:cNvSpPr>
             <a:spLocks noGrp="1"/>
           </p:cNvSpPr>
@@ -2625,16 +5779,18 @@
         </p:nvSpPr>
         <p:spPr>
           <a:xfrm>
-            <a:off x="629841" y="2057400"/>
-            <a:ext cx="2949178" cy="3811588"/>
+            <a:off x="1443492" y="3145992"/>
+            <a:ext cx="3240286" cy="2003742"/>
           </a:xfrm>
         </p:spPr>
         <p:txBody>
-          <a:bodyPr/>
+          <a:bodyPr>
+            <a:normAutofit/>
+          </a:bodyPr>
           <a:lstStyle>
-            <a:lvl1pPr marL="0" indent="0">
+            <a:lvl1pPr marL="0" indent="0" algn="l">
               <a:buNone/>
-              <a:defRPr sz="1200"/>
+              <a:defRPr sz="1800"/>
             </a:lvl1pPr>
             <a:lvl2pPr marL="342900" indent="0">
               <a:buNone/>
@@ -2680,18 +5836,68 @@
       </p:sp>
       <p:sp>
         <p:nvSpPr>
-          <p:cNvPr id="5" name="Date Placeholder 4">
-            <a:extLst>
-              <a:ext uri="{FF2B5EF4-FFF2-40B4-BE49-F238E27FC236}">
-                <a16:creationId xmlns:a16="http://schemas.microsoft.com/office/drawing/2014/main" id="{7EB7018E-E5A0-4306-BC7B-E031D1F352B2}"/>
-              </a:ext>
-            </a:extLst>
-          </p:cNvPr>
+          <p:cNvPr id="5" name="Date Placeholder 4"/>
           <p:cNvSpPr>
             <a:spLocks noGrp="1"/>
           </p:cNvSpPr>
           <p:nvPr>
             <p:ph type="dt" sz="half" idx="10"/>
+          </p:nvPr>
+        </p:nvSpPr>
+        <p:spPr>
+          <a:xfrm>
+            <a:off x="1436664" y="5469857"/>
+            <a:ext cx="3252420" cy="320123"/>
+          </a:xfrm>
+        </p:spPr>
+        <p:txBody>
+          <a:bodyPr/>
+          <a:lstStyle>
+            <a:lvl1pPr algn="l">
+              <a:defRPr/>
+            </a:lvl1pPr>
+          </a:lstStyle>
+          <a:p>
+            <a:fld id="{6094EE07-4E1C-468C-BA53-3D363AAA2C05}" type="datetimeFigureOut">
+              <a:rPr lang="en-IN" smtClean="0"/>
+              <a:t>17-10-2019</a:t>
+            </a:fld>
+            <a:endParaRPr lang="en-IN"/>
+          </a:p>
+        </p:txBody>
+      </p:sp>
+      <p:sp>
+        <p:nvSpPr>
+          <p:cNvPr id="6" name="Footer Placeholder 5"/>
+          <p:cNvSpPr>
+            <a:spLocks noGrp="1"/>
+          </p:cNvSpPr>
+          <p:nvPr>
+            <p:ph type="ftr" sz="quarter" idx="11"/>
+          </p:nvPr>
+        </p:nvSpPr>
+        <p:spPr>
+          <a:xfrm>
+            <a:off x="1437530" y="318641"/>
+            <a:ext cx="3251553" cy="320931"/>
+          </a:xfrm>
+        </p:spPr>
+        <p:txBody>
+          <a:bodyPr/>
+          <a:lstStyle/>
+          <a:p>
+            <a:endParaRPr lang="en-IN"/>
+          </a:p>
+        </p:txBody>
+      </p:sp>
+      <p:sp>
+        <p:nvSpPr>
+          <p:cNvPr id="7" name="Slide Number Placeholder 6"/>
+          <p:cNvSpPr>
+            <a:spLocks noGrp="1"/>
+          </p:cNvSpPr>
+          <p:nvPr>
+            <p:ph type="sldNum" sz="quarter" idx="12"/>
           </p:nvPr>
         </p:nvSpPr>
         <p:spPr/>
@@ -2699,60 +5905,6 @@
           <a:bodyPr/>
           <a:lstStyle/>
           <a:p>
-            <a:fld id="{6094EE07-4E1C-468C-BA53-3D363AAA2C05}" type="datetimeFigureOut">
-              <a:rPr lang="en-IN" smtClean="0"/>
-              <a:t>17-10-2019</a:t>
-            </a:fld>
-            <a:endParaRPr lang="en-IN"/>
-          </a:p>
-        </p:txBody>
-      </p:sp>
-      <p:sp>
-        <p:nvSpPr>
-          <p:cNvPr id="6" name="Footer Placeholder 5">
-            <a:extLst>
-              <a:ext uri="{FF2B5EF4-FFF2-40B4-BE49-F238E27FC236}">
-                <a16:creationId xmlns:a16="http://schemas.microsoft.com/office/drawing/2014/main" id="{DF795B20-ECE4-4DBF-9330-55B3BE377C45}"/>
-              </a:ext>
-            </a:extLst>
-          </p:cNvPr>
-          <p:cNvSpPr>
-            <a:spLocks noGrp="1"/>
-          </p:cNvSpPr>
-          <p:nvPr>
-            <p:ph type="ftr" sz="quarter" idx="11"/>
-          </p:nvPr>
-        </p:nvSpPr>
-        <p:spPr/>
-        <p:txBody>
-          <a:bodyPr/>
-          <a:lstStyle/>
-          <a:p>
-            <a:endParaRPr lang="en-IN"/>
-          </a:p>
-        </p:txBody>
-      </p:sp>
-      <p:sp>
-        <p:nvSpPr>
-          <p:cNvPr id="7" name="Slide Number Placeholder 6">
-            <a:extLst>
-              <a:ext uri="{FF2B5EF4-FFF2-40B4-BE49-F238E27FC236}">
-                <a16:creationId xmlns:a16="http://schemas.microsoft.com/office/drawing/2014/main" id="{8D1E6CD1-6B19-4C30-BF4E-7259F4B3BCCF}"/>
-              </a:ext>
-            </a:extLst>
-          </p:cNvPr>
-          <p:cNvSpPr>
-            <a:spLocks noGrp="1"/>
-          </p:cNvSpPr>
-          <p:nvPr>
-            <p:ph type="sldNum" sz="quarter" idx="12"/>
-          </p:nvPr>
-        </p:nvSpPr>
-        <p:spPr/>
-        <p:txBody>
-          <a:bodyPr/>
-          <a:lstStyle/>
-          <a:p>
             <a:fld id="{0C54744F-084B-400A-9FAA-95E4375F9D8D}" type="slidenum">
               <a:rPr lang="en-IN" smtClean="0"/>
               <a:t>‹#›</a:t>
@@ -2761,10 +5913,41 @@
           </a:p>
         </p:txBody>
       </p:sp>
+      <p:cxnSp>
+        <p:nvCxnSpPr>
+          <p:cNvPr id="31" name="Straight Connector 30"/>
+          <p:cNvCxnSpPr/>
+          <p:nvPr/>
+        </p:nvCxnSpPr>
+        <p:spPr>
+          <a:xfrm>
+            <a:off x="1441281" y="3143605"/>
+            <a:ext cx="3242014" cy="0"/>
+          </a:xfrm>
+          <a:prstGeom prst="line">
+            <a:avLst/>
+          </a:prstGeom>
+          <a:ln w="31750"/>
+        </p:spPr>
+        <p:style>
+          <a:lnRef idx="3">
+            <a:schemeClr val="accent1"/>
+          </a:lnRef>
+          <a:fillRef idx="0">
+            <a:schemeClr val="accent1"/>
+          </a:fillRef>
+          <a:effectRef idx="2">
+            <a:schemeClr val="accent1"/>
+          </a:effectRef>
+          <a:fontRef idx="minor">
+            <a:schemeClr val="tx1"/>
+          </a:fontRef>
+        </p:style>
+      </p:cxnSp>
     </p:spTree>
     <p:extLst>
       <p:ext uri="{BB962C8B-B14F-4D97-AF65-F5344CB8AC3E}">
-        <p14:creationId xmlns:p14="http://schemas.microsoft.com/office/powerpoint/2010/main" val="656460361"/>
+        <p14:creationId xmlns:p14="http://schemas.microsoft.com/office/powerpoint/2010/main" val="2586283900"/>
       </p:ext>
     </p:extLst>
   </p:cSld>
@@ -2778,8 +5961,8 @@
 <p:sldMaster xmlns:a="http://schemas.openxmlformats.org/drawingml/2006/main" xmlns:r="http://schemas.openxmlformats.org/officeDocument/2006/relationships" xmlns:p="http://schemas.openxmlformats.org/presentationml/2006/main">
   <p:cSld>
     <p:bg>
-      <p:bgRef idx="1001">
-        <a:schemeClr val="bg1"/>
+      <p:bgRef idx="1003">
+        <a:schemeClr val="bg2"/>
       </p:bgRef>
     </p:bg>
     <p:spTree>
@@ -2798,13 +5981,122 @@
       </p:grpSpPr>
       <p:sp>
         <p:nvSpPr>
-          <p:cNvPr id="2" name="Title Placeholder 1">
+          <p:cNvPr id="10" name="Rectangle 9"/>
+          <p:cNvSpPr/>
+          <p:nvPr/>
+        </p:nvSpPr>
+        <p:spPr>
+          <a:xfrm>
+            <a:off x="0" y="2015734"/>
+            <a:ext cx="9144000" cy="4079520"/>
+          </a:xfrm>
+          <a:prstGeom prst="rect">
+            <a:avLst/>
+          </a:prstGeom>
+          <a:gradFill flip="none" rotWithShape="1">
+            <a:gsLst>
+              <a:gs pos="0">
+                <a:schemeClr val="bg2">
+                  <a:alpha val="0"/>
+                </a:schemeClr>
+              </a:gs>
+              <a:gs pos="100000">
+                <a:schemeClr val="bg2"/>
+              </a:gs>
+            </a:gsLst>
+            <a:lin ang="5400000" scaled="0"/>
+            <a:tileRect/>
+          </a:gradFill>
+          <a:ln>
+            <a:noFill/>
+          </a:ln>
+        </p:spPr>
+        <p:style>
+          <a:lnRef idx="2">
+            <a:schemeClr val="accent1">
+              <a:shade val="50000"/>
+            </a:schemeClr>
+          </a:lnRef>
+          <a:fillRef idx="1">
+            <a:schemeClr val="accent1"/>
+          </a:fillRef>
+          <a:effectRef idx="0">
+            <a:schemeClr val="accent1"/>
+          </a:effectRef>
+          <a:fontRef idx="minor">
+            <a:schemeClr val="lt1"/>
+          </a:fontRef>
+        </p:style>
+      </p:sp>
+      <p:pic>
+        <p:nvPicPr>
+          <p:cNvPr id="12" name="Picture 11"/>
+          <p:cNvPicPr>
+            <a:picLocks noChangeAspect="1"/>
+          </p:cNvPicPr>
+          <p:nvPr/>
+        </p:nvPicPr>
+        <p:blipFill rotWithShape="1">
+          <a:blip r:embed="rId13">
             <a:extLst>
-              <a:ext uri="{FF2B5EF4-FFF2-40B4-BE49-F238E27FC236}">
-                <a16:creationId xmlns:a16="http://schemas.microsoft.com/office/drawing/2014/main" id="{1CDC73E0-0F3C-4F92-AD07-4271D2ED0A61}"/>
+              <a:ext uri="{28A0092B-C50C-407E-A947-70E740481C1C}">
+                <a14:useLocalDpi xmlns:a14="http://schemas.microsoft.com/office/drawing/2010/main" val="0"/>
               </a:ext>
             </a:extLst>
-          </p:cNvPr>
+          </a:blip>
+          <a:srcRect l="12500" t="1538" r="12500" b="-1538"/>
+          <a:stretch/>
+        </p:blipFill>
+        <p:spPr>
+          <a:xfrm>
+            <a:off x="-1" y="6095253"/>
+            <a:ext cx="9144001" cy="774727"/>
+          </a:xfrm>
+          <a:prstGeom prst="rect">
+            <a:avLst/>
+          </a:prstGeom>
+        </p:spPr>
+      </p:pic>
+      <p:cxnSp>
+        <p:nvCxnSpPr>
+          <p:cNvPr id="13" name="Straight Connector 12"/>
+          <p:cNvCxnSpPr/>
+          <p:nvPr/>
+        </p:nvCxnSpPr>
+        <p:spPr>
+          <a:xfrm>
+            <a:off x="0" y="6101127"/>
+            <a:ext cx="9144000" cy="0"/>
+          </a:xfrm>
+          <a:prstGeom prst="line">
+            <a:avLst/>
+          </a:prstGeom>
+          <a:ln w="12700">
+            <a:solidFill>
+              <a:srgbClr val="000001">
+                <a:alpha val="20000"/>
+              </a:srgbClr>
+            </a:solidFill>
+          </a:ln>
+        </p:spPr>
+        <p:style>
+          <a:lnRef idx="1">
+            <a:schemeClr val="accent1"/>
+          </a:lnRef>
+          <a:fillRef idx="0">
+            <a:schemeClr val="accent1"/>
+          </a:fillRef>
+          <a:effectRef idx="0">
+            <a:schemeClr val="accent1"/>
+          </a:effectRef>
+          <a:fontRef idx="minor">
+            <a:schemeClr val="tx1"/>
+          </a:fontRef>
+        </p:style>
+      </p:cxnSp>
+      <p:sp>
+        <p:nvSpPr>
+          <p:cNvPr id="2" name="Title Placeholder 1"/>
           <p:cNvSpPr>
             <a:spLocks noGrp="1"/>
           </p:cNvSpPr>
@@ -2814,15 +6106,15 @@
         </p:nvSpPr>
         <p:spPr>
           <a:xfrm>
-            <a:off x="628650" y="365126"/>
-            <a:ext cx="7886700" cy="1325563"/>
+            <a:off x="1443491" y="804520"/>
+            <a:ext cx="6571343" cy="1049235"/>
           </a:xfrm>
           <a:prstGeom prst="rect">
             <a:avLst/>
           </a:prstGeom>
         </p:spPr>
         <p:txBody>
-          <a:bodyPr vert="horz" lIns="91440" tIns="45720" rIns="91440" bIns="45720" rtlCol="0" anchor="ctr">
+          <a:bodyPr vert="horz" lIns="91440" tIns="45720" rIns="91440" bIns="45720" rtlCol="0" anchor="t">
             <a:normAutofit/>
           </a:bodyPr>
           <a:lstStyle/>
@@ -2831,19 +6123,13 @@
               <a:rPr lang="en-US"/>
               <a:t>Click to edit Master title style</a:t>
             </a:r>
-            <a:endParaRPr lang="en-CA"/>
+            <a:endParaRPr lang="en-US" dirty="0"/>
           </a:p>
         </p:txBody>
       </p:sp>
       <p:sp>
         <p:nvSpPr>
-          <p:cNvPr id="3" name="Text Placeholder 2">
-            <a:extLst>
-              <a:ext uri="{FF2B5EF4-FFF2-40B4-BE49-F238E27FC236}">
-                <a16:creationId xmlns:a16="http://schemas.microsoft.com/office/drawing/2014/main" id="{6F1884D5-B2FC-42E6-AAFB-0CB79569DAA3}"/>
-              </a:ext>
-            </a:extLst>
-          </p:cNvPr>
+          <p:cNvPr id="3" name="Text Placeholder 2"/>
           <p:cNvSpPr>
             <a:spLocks noGrp="1"/>
           </p:cNvSpPr>
@@ -2853,8 +6139,8 @@
         </p:nvSpPr>
         <p:spPr>
           <a:xfrm>
-            <a:off x="628650" y="1825625"/>
-            <a:ext cx="7886700" cy="4351338"/>
+            <a:off x="1443491" y="2015733"/>
+            <a:ext cx="6571343" cy="3450613"/>
           </a:xfrm>
           <a:prstGeom prst="rect">
             <a:avLst/>
@@ -2899,19 +6185,13 @@
               <a:rPr lang="en-US"/>
               <a:t>Fifth level</a:t>
             </a:r>
-            <a:endParaRPr lang="en-CA"/>
+            <a:endParaRPr lang="en-US" dirty="0"/>
           </a:p>
         </p:txBody>
       </p:sp>
       <p:sp>
         <p:nvSpPr>
-          <p:cNvPr id="4" name="Date Placeholder 3">
-            <a:extLst>
-              <a:ext uri="{FF2B5EF4-FFF2-40B4-BE49-F238E27FC236}">
-                <a16:creationId xmlns:a16="http://schemas.microsoft.com/office/drawing/2014/main" id="{ED27AEAB-4549-42D1-95BF-21C7FC283E31}"/>
-              </a:ext>
-            </a:extLst>
-          </p:cNvPr>
+          <p:cNvPr id="4" name="Date Placeholder 3"/>
           <p:cNvSpPr>
             <a:spLocks noGrp="1"/>
           </p:cNvSpPr>
@@ -2921,8 +6201,49 @@
         </p:nvSpPr>
         <p:spPr>
           <a:xfrm>
-            <a:off x="628650" y="6356351"/>
-            <a:ext cx="2057400" cy="365125"/>
+            <a:off x="5646542" y="330370"/>
+            <a:ext cx="2368292" cy="309201"/>
+          </a:xfrm>
+          <a:prstGeom prst="rect">
+            <a:avLst/>
+          </a:prstGeom>
+        </p:spPr>
+        <p:txBody>
+          <a:bodyPr vert="horz" lIns="91440" tIns="45720" rIns="91440" bIns="45720" rtlCol="0" anchor="ctr"/>
+          <a:lstStyle>
+            <a:lvl1pPr algn="r">
+              <a:defRPr sz="1000">
+                <a:solidFill>
+                  <a:schemeClr val="tx1">
+                    <a:tint val="75000"/>
+                  </a:schemeClr>
+                </a:solidFill>
+              </a:defRPr>
+            </a:lvl1pPr>
+          </a:lstStyle>
+          <a:p>
+            <a:fld id="{6094EE07-4E1C-468C-BA53-3D363AAA2C05}" type="datetimeFigureOut">
+              <a:rPr lang="en-IN" smtClean="0"/>
+              <a:t>17-10-2019</a:t>
+            </a:fld>
+            <a:endParaRPr lang="en-IN"/>
+          </a:p>
+        </p:txBody>
+      </p:sp>
+      <p:sp>
+        <p:nvSpPr>
+          <p:cNvPr id="5" name="Footer Placeholder 4"/>
+          <p:cNvSpPr>
+            <a:spLocks noGrp="1"/>
+          </p:cNvSpPr>
+          <p:nvPr>
+            <p:ph type="ftr" sz="quarter" idx="3"/>
+          </p:nvPr>
+        </p:nvSpPr>
+        <p:spPr>
+          <a:xfrm>
+            <a:off x="1443491" y="329308"/>
+            <a:ext cx="4034004" cy="309201"/>
           </a:xfrm>
           <a:prstGeom prst="rect">
             <a:avLst/>
@@ -2932,7 +6253,7 @@
           <a:bodyPr vert="horz" lIns="91440" tIns="45720" rIns="91440" bIns="45720" rtlCol="0" anchor="ctr"/>
           <a:lstStyle>
             <a:lvl1pPr algn="l">
-              <a:defRPr sz="900">
+              <a:defRPr sz="1000">
                 <a:solidFill>
                   <a:schemeClr val="tx1">
                     <a:tint val="75000"/>
@@ -2942,91 +6263,36 @@
             </a:lvl1pPr>
           </a:lstStyle>
           <a:p>
-            <a:fld id="{6094EE07-4E1C-468C-BA53-3D363AAA2C05}" type="datetimeFigureOut">
-              <a:rPr lang="en-IN" smtClean="0"/>
-              <a:t>17-10-2019</a:t>
-            </a:fld>
             <a:endParaRPr lang="en-IN"/>
           </a:p>
         </p:txBody>
       </p:sp>
       <p:sp>
         <p:nvSpPr>
-          <p:cNvPr id="5" name="Footer Placeholder 4">
-            <a:extLst>
-              <a:ext uri="{FF2B5EF4-FFF2-40B4-BE49-F238E27FC236}">
-                <a16:creationId xmlns:a16="http://schemas.microsoft.com/office/drawing/2014/main" id="{8A0E4494-A0F0-42CA-BAB6-D9BE5A497D38}"/>
-              </a:ext>
-            </a:extLst>
-          </p:cNvPr>
+          <p:cNvPr id="6" name="Slide Number Placeholder 5"/>
           <p:cNvSpPr>
             <a:spLocks noGrp="1"/>
           </p:cNvSpPr>
           <p:nvPr>
-            <p:ph type="ftr" sz="quarter" idx="3"/>
+            <p:ph type="sldNum" sz="quarter" idx="4"/>
           </p:nvPr>
         </p:nvSpPr>
         <p:spPr>
           <a:xfrm>
-            <a:off x="3028950" y="6356351"/>
-            <a:ext cx="3086100" cy="365125"/>
+            <a:off x="487725" y="798973"/>
+            <a:ext cx="795746" cy="503578"/>
           </a:xfrm>
           <a:prstGeom prst="rect">
             <a:avLst/>
           </a:prstGeom>
         </p:spPr>
         <p:txBody>
-          <a:bodyPr vert="horz" lIns="91440" tIns="45720" rIns="91440" bIns="45720" rtlCol="0" anchor="ctr"/>
-          <a:lstStyle>
-            <a:lvl1pPr algn="ctr">
-              <a:defRPr sz="900">
-                <a:solidFill>
-                  <a:schemeClr val="tx1">
-                    <a:tint val="75000"/>
-                  </a:schemeClr>
-                </a:solidFill>
-              </a:defRPr>
-            </a:lvl1pPr>
-          </a:lstStyle>
-          <a:p>
-            <a:endParaRPr lang="en-IN"/>
-          </a:p>
-        </p:txBody>
-      </p:sp>
-      <p:sp>
-        <p:nvSpPr>
-          <p:cNvPr id="6" name="Slide Number Placeholder 5">
-            <a:extLst>
-              <a:ext uri="{FF2B5EF4-FFF2-40B4-BE49-F238E27FC236}">
-                <a16:creationId xmlns:a16="http://schemas.microsoft.com/office/drawing/2014/main" id="{88341CDE-6EFD-4DA8-982E-3694CBD93BED}"/>
-              </a:ext>
-            </a:extLst>
-          </p:cNvPr>
-          <p:cNvSpPr>
-            <a:spLocks noGrp="1"/>
-          </p:cNvSpPr>
-          <p:nvPr>
-            <p:ph type="sldNum" sz="quarter" idx="4"/>
-          </p:nvPr>
-        </p:nvSpPr>
-        <p:spPr>
-          <a:xfrm>
-            <a:off x="6457950" y="6356351"/>
-            <a:ext cx="2057400" cy="365125"/>
-          </a:xfrm>
-          <a:prstGeom prst="rect">
-            <a:avLst/>
-          </a:prstGeom>
-        </p:spPr>
-        <p:txBody>
-          <a:bodyPr vert="horz" lIns="91440" tIns="45720" rIns="91440" bIns="45720" rtlCol="0" anchor="ctr"/>
+          <a:bodyPr vert="horz" lIns="91440" tIns="45720" rIns="91440" bIns="45720" rtlCol="0" anchor="t"/>
           <a:lstStyle>
             <a:lvl1pPr algn="r">
-              <a:defRPr sz="900">
+              <a:defRPr sz="2800">
                 <a:solidFill>
-                  <a:schemeClr val="tx1">
-                    <a:tint val="75000"/>
-                  </a:schemeClr>
+                  <a:schemeClr val="accent1"/>
                 </a:solidFill>
               </a:defRPr>
             </a:lvl1pPr>
@@ -3043,23 +6309,23 @@
     </p:spTree>
     <p:extLst>
       <p:ext uri="{BB962C8B-B14F-4D97-AF65-F5344CB8AC3E}">
-        <p14:creationId xmlns:p14="http://schemas.microsoft.com/office/powerpoint/2010/main" val="1184794084"/>
+        <p14:creationId xmlns:p14="http://schemas.microsoft.com/office/powerpoint/2010/main" val="577102619"/>
       </p:ext>
     </p:extLst>
   </p:cSld>
   <p:clrMap bg1="lt1" tx1="dk1" bg2="lt2" tx2="dk2" accent1="accent1" accent2="accent2" accent3="accent3" accent4="accent4" accent5="accent5" accent6="accent6" hlink="hlink" folHlink="folHlink"/>
   <p:sldLayoutIdLst>
-    <p:sldLayoutId id="2147483973" r:id="rId1"/>
-    <p:sldLayoutId id="2147483974" r:id="rId2"/>
-    <p:sldLayoutId id="2147483975" r:id="rId3"/>
-    <p:sldLayoutId id="2147483976" r:id="rId4"/>
-    <p:sldLayoutId id="2147483977" r:id="rId5"/>
-    <p:sldLayoutId id="2147483978" r:id="rId6"/>
-    <p:sldLayoutId id="2147483979" r:id="rId7"/>
-    <p:sldLayoutId id="2147483980" r:id="rId8"/>
-    <p:sldLayoutId id="2147483981" r:id="rId9"/>
-    <p:sldLayoutId id="2147483982" r:id="rId10"/>
-    <p:sldLayoutId id="2147483983" r:id="rId11"/>
+    <p:sldLayoutId id="2147483985" r:id="rId1"/>
+    <p:sldLayoutId id="2147483986" r:id="rId2"/>
+    <p:sldLayoutId id="2147483987" r:id="rId3"/>
+    <p:sldLayoutId id="2147483988" r:id="rId4"/>
+    <p:sldLayoutId id="2147483989" r:id="rId5"/>
+    <p:sldLayoutId id="2147483990" r:id="rId6"/>
+    <p:sldLayoutId id="2147483991" r:id="rId7"/>
+    <p:sldLayoutId id="2147483992" r:id="rId8"/>
+    <p:sldLayoutId id="2147483993" r:id="rId9"/>
+    <p:sldLayoutId id="2147483994" r:id="rId10"/>
+    <p:sldLayoutId id="2147483995" r:id="rId11"/>
   </p:sldLayoutIdLst>
   <p:txStyles>
     <p:titleStyle>
@@ -3071,10 +6337,11 @@
           <a:spcPct val="0"/>
         </a:spcBef>
         <a:buNone/>
-        <a:defRPr sz="3300" kern="1200">
+        <a:defRPr sz="3200" b="0" i="0" kern="1200" cap="all">
           <a:solidFill>
             <a:schemeClr val="tx1"/>
           </a:solidFill>
+          <a:effectLst/>
           <a:latin typeface="+mj-lt"/>
           <a:ea typeface="+mj-ea"/>
           <a:cs typeface="+mj-cs"/>
@@ -3082,163 +6349,208 @@
       </a:lvl1pPr>
     </p:titleStyle>
     <p:bodyStyle>
-      <a:lvl1pPr marL="171450" indent="-171450" algn="l" defTabSz="685800" rtl="0" eaLnBrk="1" latinLnBrk="0" hangingPunct="1">
+      <a:lvl1pPr marL="228600" indent="-228600" algn="l" defTabSz="685800" rtl="0" eaLnBrk="1" latinLnBrk="0" hangingPunct="1">
         <a:lnSpc>
-          <a:spcPct val="90000"/>
+          <a:spcPct val="120000"/>
         </a:lnSpc>
         <a:spcBef>
-          <a:spcPts val="750"/>
+          <a:spcPts val="1000"/>
         </a:spcBef>
+        <a:buClr>
+          <a:schemeClr val="accent1"/>
+        </a:buClr>
+        <a:buSzPct val="100000"/>
         <a:buFont typeface="Arial" panose="020B0604020202020204" pitchFamily="34" charset="0"/>
         <a:buChar char="•"/>
-        <a:defRPr sz="2100" kern="1200">
+        <a:defRPr sz="2000" kern="1200" cap="none">
           <a:solidFill>
             <a:schemeClr val="tx1"/>
           </a:solidFill>
+          <a:effectLst/>
           <a:latin typeface="+mn-lt"/>
           <a:ea typeface="+mn-ea"/>
           <a:cs typeface="+mn-cs"/>
         </a:defRPr>
       </a:lvl1pPr>
-      <a:lvl2pPr marL="514350" indent="-171450" algn="l" defTabSz="685800" rtl="0" eaLnBrk="1" latinLnBrk="0" hangingPunct="1">
+      <a:lvl2pPr marL="685800" indent="-228600" algn="l" defTabSz="685800" rtl="0" eaLnBrk="1" latinLnBrk="0" hangingPunct="1">
         <a:lnSpc>
-          <a:spcPct val="90000"/>
+          <a:spcPct val="120000"/>
         </a:lnSpc>
         <a:spcBef>
-          <a:spcPts val="375"/>
+          <a:spcPts val="500"/>
         </a:spcBef>
+        <a:buClr>
+          <a:schemeClr val="accent1"/>
+        </a:buClr>
+        <a:buSzPct val="100000"/>
         <a:buFont typeface="Arial" panose="020B0604020202020204" pitchFamily="34" charset="0"/>
         <a:buChar char="•"/>
-        <a:defRPr sz="1800" kern="1200">
+        <a:defRPr sz="1600" kern="1200" cap="none" baseline="0">
           <a:solidFill>
             <a:schemeClr val="tx1"/>
           </a:solidFill>
+          <a:effectLst/>
           <a:latin typeface="+mn-lt"/>
           <a:ea typeface="+mn-ea"/>
           <a:cs typeface="+mn-cs"/>
         </a:defRPr>
       </a:lvl2pPr>
-      <a:lvl3pPr marL="857250" indent="-171450" algn="l" defTabSz="685800" rtl="0" eaLnBrk="1" latinLnBrk="0" hangingPunct="1">
+      <a:lvl3pPr marL="1143000" indent="-228600" algn="l" defTabSz="685800" rtl="0" eaLnBrk="1" latinLnBrk="0" hangingPunct="1">
         <a:lnSpc>
-          <a:spcPct val="90000"/>
+          <a:spcPct val="120000"/>
         </a:lnSpc>
         <a:spcBef>
-          <a:spcPts val="375"/>
+          <a:spcPts val="500"/>
         </a:spcBef>
+        <a:buClr>
+          <a:schemeClr val="accent1"/>
+        </a:buClr>
+        <a:buSzPct val="100000"/>
         <a:buFont typeface="Arial" panose="020B0604020202020204" pitchFamily="34" charset="0"/>
         <a:buChar char="•"/>
-        <a:defRPr sz="1500" kern="1200">
+        <a:defRPr sz="1600" kern="1200" cap="none">
           <a:solidFill>
             <a:schemeClr val="tx1"/>
           </a:solidFill>
+          <a:effectLst/>
           <a:latin typeface="+mn-lt"/>
           <a:ea typeface="+mn-ea"/>
           <a:cs typeface="+mn-cs"/>
         </a:defRPr>
       </a:lvl3pPr>
-      <a:lvl4pPr marL="1200150" indent="-171450" algn="l" defTabSz="685800" rtl="0" eaLnBrk="1" latinLnBrk="0" hangingPunct="1">
+      <a:lvl4pPr marL="1600200" indent="-228600" algn="l" defTabSz="685800" rtl="0" eaLnBrk="1" latinLnBrk="0" hangingPunct="1">
         <a:lnSpc>
-          <a:spcPct val="90000"/>
+          <a:spcPct val="120000"/>
         </a:lnSpc>
         <a:spcBef>
-          <a:spcPts val="375"/>
+          <a:spcPts val="500"/>
         </a:spcBef>
+        <a:buClr>
+          <a:schemeClr val="accent1"/>
+        </a:buClr>
+        <a:buSzPct val="100000"/>
         <a:buFont typeface="Arial" panose="020B0604020202020204" pitchFamily="34" charset="0"/>
         <a:buChar char="•"/>
-        <a:defRPr sz="1350" kern="1200">
+        <a:defRPr sz="1400" kern="1200" cap="none" baseline="0">
           <a:solidFill>
             <a:schemeClr val="tx1"/>
           </a:solidFill>
+          <a:effectLst/>
           <a:latin typeface="+mn-lt"/>
           <a:ea typeface="+mn-ea"/>
           <a:cs typeface="+mn-cs"/>
         </a:defRPr>
       </a:lvl4pPr>
-      <a:lvl5pPr marL="1543050" indent="-171450" algn="l" defTabSz="685800" rtl="0" eaLnBrk="1" latinLnBrk="0" hangingPunct="1">
+      <a:lvl5pPr marL="2057400" indent="-228600" algn="l" defTabSz="685800" rtl="0" eaLnBrk="1" latinLnBrk="0" hangingPunct="1">
         <a:lnSpc>
-          <a:spcPct val="90000"/>
+          <a:spcPct val="120000"/>
         </a:lnSpc>
         <a:spcBef>
-          <a:spcPts val="375"/>
+          <a:spcPts val="500"/>
         </a:spcBef>
+        <a:buClr>
+          <a:schemeClr val="accent1"/>
+        </a:buClr>
+        <a:buSzPct val="100000"/>
         <a:buFont typeface="Arial" panose="020B0604020202020204" pitchFamily="34" charset="0"/>
         <a:buChar char="•"/>
-        <a:defRPr sz="1350" kern="1200">
+        <a:defRPr sz="1200" kern="1200" cap="none">
           <a:solidFill>
             <a:schemeClr val="tx1"/>
           </a:solidFill>
+          <a:effectLst/>
           <a:latin typeface="+mn-lt"/>
           <a:ea typeface="+mn-ea"/>
           <a:cs typeface="+mn-cs"/>
         </a:defRPr>
       </a:lvl5pPr>
-      <a:lvl6pPr marL="1885950" indent="-171450" algn="l" defTabSz="685800" rtl="0" eaLnBrk="1" latinLnBrk="0" hangingPunct="1">
+      <a:lvl6pPr marL="2514600" indent="-228600" algn="l" defTabSz="914400" rtl="0" eaLnBrk="1" latinLnBrk="0" hangingPunct="1">
         <a:lnSpc>
-          <a:spcPct val="90000"/>
+          <a:spcPct val="120000"/>
         </a:lnSpc>
         <a:spcBef>
-          <a:spcPts val="375"/>
+          <a:spcPts val="500"/>
         </a:spcBef>
+        <a:buClr>
+          <a:schemeClr val="accent1"/>
+        </a:buClr>
+        <a:buSzPct val="100000"/>
         <a:buFont typeface="Arial" panose="020B0604020202020204" pitchFamily="34" charset="0"/>
         <a:buChar char="•"/>
-        <a:defRPr sz="1350" kern="1200">
+        <a:defRPr sz="1200" kern="1200">
           <a:solidFill>
             <a:schemeClr val="tx1"/>
           </a:solidFill>
+          <a:effectLst/>
           <a:latin typeface="+mn-lt"/>
           <a:ea typeface="+mn-ea"/>
           <a:cs typeface="+mn-cs"/>
         </a:defRPr>
       </a:lvl6pPr>
-      <a:lvl7pPr marL="2228850" indent="-171450" algn="l" defTabSz="685800" rtl="0" eaLnBrk="1" latinLnBrk="0" hangingPunct="1">
+      <a:lvl7pPr marL="2971800" indent="-228600" algn="l" defTabSz="914400" rtl="0" eaLnBrk="1" latinLnBrk="0" hangingPunct="1">
         <a:lnSpc>
-          <a:spcPct val="90000"/>
+          <a:spcPct val="120000"/>
         </a:lnSpc>
         <a:spcBef>
-          <a:spcPts val="375"/>
+          <a:spcPts val="500"/>
         </a:spcBef>
+        <a:buClr>
+          <a:schemeClr val="accent1"/>
+        </a:buClr>
+        <a:buSzPct val="100000"/>
         <a:buFont typeface="Arial" panose="020B0604020202020204" pitchFamily="34" charset="0"/>
         <a:buChar char="•"/>
-        <a:defRPr sz="1350" kern="1200">
+        <a:defRPr sz="1200" kern="1200">
           <a:solidFill>
             <a:schemeClr val="tx1"/>
           </a:solidFill>
+          <a:effectLst/>
           <a:latin typeface="+mn-lt"/>
           <a:ea typeface="+mn-ea"/>
           <a:cs typeface="+mn-cs"/>
         </a:defRPr>
       </a:lvl7pPr>
-      <a:lvl8pPr marL="2571750" indent="-171450" algn="l" defTabSz="685800" rtl="0" eaLnBrk="1" latinLnBrk="0" hangingPunct="1">
+      <a:lvl8pPr marL="3429000" indent="-228600" algn="l" defTabSz="914400" rtl="0" eaLnBrk="1" latinLnBrk="0" hangingPunct="1">
         <a:lnSpc>
-          <a:spcPct val="90000"/>
+          <a:spcPct val="120000"/>
         </a:lnSpc>
         <a:spcBef>
-          <a:spcPts val="375"/>
+          <a:spcPts val="500"/>
         </a:spcBef>
+        <a:buClr>
+          <a:schemeClr val="accent1"/>
+        </a:buClr>
+        <a:buSzPct val="100000"/>
         <a:buFont typeface="Arial" panose="020B0604020202020204" pitchFamily="34" charset="0"/>
         <a:buChar char="•"/>
-        <a:defRPr sz="1350" kern="1200">
+        <a:defRPr sz="1200" kern="1200" baseline="0">
           <a:solidFill>
             <a:schemeClr val="tx1"/>
           </a:solidFill>
+          <a:effectLst/>
           <a:latin typeface="+mn-lt"/>
           <a:ea typeface="+mn-ea"/>
           <a:cs typeface="+mn-cs"/>
         </a:defRPr>
       </a:lvl8pPr>
-      <a:lvl9pPr marL="2914650" indent="-171450" algn="l" defTabSz="685800" rtl="0" eaLnBrk="1" latinLnBrk="0" hangingPunct="1">
+      <a:lvl9pPr marL="3886200" indent="-228600" algn="l" defTabSz="914400" rtl="0" eaLnBrk="1" latinLnBrk="0" hangingPunct="1">
         <a:lnSpc>
-          <a:spcPct val="90000"/>
+          <a:spcPct val="120000"/>
         </a:lnSpc>
         <a:spcBef>
-          <a:spcPts val="375"/>
+          <a:spcPts val="500"/>
         </a:spcBef>
+        <a:buClr>
+          <a:schemeClr val="accent1"/>
+        </a:buClr>
+        <a:buSzPct val="100000"/>
         <a:buFont typeface="Arial" panose="020B0604020202020204" pitchFamily="34" charset="0"/>
         <a:buChar char="•"/>
-        <a:defRPr sz="1350" kern="1200">
+        <a:defRPr sz="1200" kern="1200" baseline="0">
           <a:solidFill>
             <a:schemeClr val="tx1"/>
           </a:solidFill>
+          <a:effectLst/>
           <a:latin typeface="+mn-lt"/>
           <a:ea typeface="+mn-ea"/>
           <a:cs typeface="+mn-cs"/>
@@ -3349,9 +6661,25 @@
   <p:cSld>
     <p:bg>
       <p:bgPr>
-        <a:solidFill>
-          <a:schemeClr val="bg1"/>
-        </a:solidFill>
+        <a:gradFill rotWithShape="1">
+          <a:gsLst>
+            <a:gs pos="0">
+              <a:schemeClr val="bg2">
+                <a:tint val="94000"/>
+                <a:satMod val="80000"/>
+                <a:lumMod val="106000"/>
+              </a:schemeClr>
+            </a:gs>
+            <a:gs pos="100000">
+              <a:schemeClr val="bg2">
+                <a:shade val="80000"/>
+              </a:schemeClr>
+            </a:gs>
+          </a:gsLst>
+          <a:path path="circle">
+            <a:fillToRect l="43000" r="43000" b="100000"/>
+          </a:path>
+        </a:gradFill>
         <a:effectLst/>
       </p:bgPr>
     </p:bg>
@@ -3369,12 +6697,12 @@
           <a:chExt cx="0" cy="0"/>
         </a:xfrm>
       </p:grpSpPr>
-      <p:sp>
+      <p:sp useBgFill="1">
         <p:nvSpPr>
-          <p:cNvPr id="16" name="Rectangle 9">
+          <p:cNvPr id="24" name="Rectangle 23">
             <a:extLst>
               <a:ext uri="{FF2B5EF4-FFF2-40B4-BE49-F238E27FC236}">
-                <a16:creationId xmlns:a16="http://schemas.microsoft.com/office/drawing/2014/main" id="{35555856-9970-4BC3-9AA9-6A917F53AFBD}"/>
+                <a16:creationId xmlns:a16="http://schemas.microsoft.com/office/drawing/2014/main" id="{CE2313CB-AD5A-4ABF-8017-2F3888D07300}"/>
               </a:ext>
               <a:ext uri="{C183D7F6-B498-43B3-948B-1728B52AA6E4}">
                 <adec:decorative xmlns:adec="http://schemas.microsoft.com/office/drawing/2017/decorative" val="1"/>
@@ -3394,37 +6722,85 @@
         </p:nvSpPr>
         <p:spPr>
           <a:xfrm>
-            <a:off x="3772955" y="1122302"/>
-            <a:ext cx="5370815" cy="5735697"/>
+            <a:off x="1" y="0"/>
+            <a:ext cx="9143771" cy="6858000"/>
           </a:xfrm>
           <a:prstGeom prst="rect">
             <a:avLst/>
           </a:prstGeom>
-          <a:gradFill>
+          <a:ln>
+            <a:noFill/>
+          </a:ln>
+        </p:spPr>
+        <p:style>
+          <a:lnRef idx="2">
+            <a:schemeClr val="accent1">
+              <a:shade val="50000"/>
+            </a:schemeClr>
+          </a:lnRef>
+          <a:fillRef idx="1">
+            <a:schemeClr val="accent1"/>
+          </a:fillRef>
+          <a:effectRef idx="0">
+            <a:schemeClr val="accent1"/>
+          </a:effectRef>
+          <a:fontRef idx="minor">
+            <a:schemeClr val="lt1"/>
+          </a:fontRef>
+        </p:style>
+        <p:txBody>
+          <a:bodyPr rtlCol="0" anchor="ctr"/>
+          <a:lstStyle/>
+          <a:p>
+            <a:pPr algn="ctr"/>
+            <a:endParaRPr lang="en-US"/>
+          </a:p>
+        </p:txBody>
+      </p:sp>
+      <p:sp>
+        <p:nvSpPr>
+          <p:cNvPr id="26" name="Rectangle 25">
+            <a:extLst>
+              <a:ext uri="{FF2B5EF4-FFF2-40B4-BE49-F238E27FC236}">
+                <a16:creationId xmlns:a16="http://schemas.microsoft.com/office/drawing/2014/main" id="{FDE009D9-E9CB-4EBB-A0C6-C345F84959D4}"/>
+              </a:ext>
+              <a:ext uri="{C183D7F6-B498-43B3-948B-1728B52AA6E4}">
+                <adec:decorative xmlns:adec="http://schemas.microsoft.com/office/drawing/2017/decorative" val="1"/>
+              </a:ext>
+            </a:extLst>
+          </p:cNvPr>
+          <p:cNvSpPr>
+            <a:spLocks noGrp="1" noRot="1" noChangeAspect="1" noMove="1" noResize="1" noEditPoints="1" noAdjustHandles="1" noChangeArrowheads="1" noChangeShapeType="1" noTextEdit="1"/>
+          </p:cNvSpPr>
+          <p:nvPr>
+            <p:extLst>
+              <p:ext uri="{386F3935-93C4-4BCD-93E2-E3B085C9AB24}">
+                <p16:designElem xmlns:p16="http://schemas.microsoft.com/office/powerpoint/2015/main" val="1"/>
+              </p:ext>
+            </p:extLst>
+          </p:nvPr>
+        </p:nvSpPr>
+        <p:spPr>
+          <a:xfrm>
+            <a:off x="0" y="2019476"/>
+            <a:ext cx="9144000" cy="4105941"/>
+          </a:xfrm>
+          <a:prstGeom prst="rect">
+            <a:avLst/>
+          </a:prstGeom>
+          <a:gradFill flip="none" rotWithShape="1">
             <a:gsLst>
               <a:gs pos="0">
-                <a:schemeClr val="accent1">
-                  <a:lumMod val="100000"/>
-                  <a:alpha val="82000"/>
-                </a:schemeClr>
-              </a:gs>
-              <a:gs pos="25000">
-                <a:schemeClr val="accent1">
-                  <a:alpha val="60000"/>
-                </a:schemeClr>
-              </a:gs>
-              <a:gs pos="94000">
                 <a:schemeClr val="bg2">
-                  <a:lumMod val="75000"/>
+                  <a:alpha val="0"/>
                 </a:schemeClr>
               </a:gs>
               <a:gs pos="100000">
-                <a:schemeClr val="bg2">
-                  <a:lumMod val="75000"/>
-                </a:schemeClr>
+                <a:schemeClr val="bg2"/>
               </a:gs>
             </a:gsLst>
-            <a:lin ang="4200000" scaled="0"/>
+            <a:lin ang="5400000" scaled="0"/>
+            <a:tileRect/>
           </a:gradFill>
           <a:ln>
             <a:noFill/>
@@ -3450,55 +6826,11 @@
           <a:bodyPr rtlCol="0" anchor="ctr"/>
           <a:lstStyle/>
           <a:p>
-            <a:pPr algn="ctr"/>
-            <a:endParaRPr lang="en-US" sz="1350"/>
+            <a:pPr lvl="0" algn="ctr"/>
+            <a:endParaRPr lang="en-US"/>
           </a:p>
         </p:txBody>
       </p:sp>
-      <p:pic>
-        <p:nvPicPr>
-          <p:cNvPr id="17" name="Picture 11">
-            <a:extLst>
-              <a:ext uri="{FF2B5EF4-FFF2-40B4-BE49-F238E27FC236}">
-                <a16:creationId xmlns:a16="http://schemas.microsoft.com/office/drawing/2014/main" id="{7F487851-BFAF-46D8-A1ED-50CAD6E46F59}"/>
-              </a:ext>
-              <a:ext uri="{C183D7F6-B498-43B3-948B-1728B52AA6E4}">
-                <adec:decorative xmlns:adec="http://schemas.microsoft.com/office/drawing/2017/decorative" val="1"/>
-              </a:ext>
-            </a:extLst>
-          </p:cNvPr>
-          <p:cNvPicPr>
-            <a:picLocks noGrp="1" noRot="1" noChangeAspect="1" noMove="1" noResize="1" noEditPoints="1" noAdjustHandles="1" noChangeArrowheads="1" noChangeShapeType="1" noCrop="1"/>
-          </p:cNvPicPr>
-          <p:nvPr>
-            <p:extLst>
-              <p:ext uri="{386F3935-93C4-4BCD-93E2-E3B085C9AB24}">
-                <p16:designElem xmlns:p16="http://schemas.microsoft.com/office/powerpoint/2015/main" val="1"/>
-              </p:ext>
-            </p:extLst>
-          </p:nvPr>
-        </p:nvPicPr>
-        <p:blipFill rotWithShape="1">
-          <a:blip r:embed="rId2">
-            <a:extLst>
-              <a:ext uri="{28A0092B-C50C-407E-A947-70E740481C1C}">
-                <a14:useLocalDpi xmlns:a14="http://schemas.microsoft.com/office/drawing/2010/main" val="0"/>
-              </a:ext>
-            </a:extLst>
-          </a:blip>
-          <a:srcRect r="10325"/>
-          <a:stretch/>
-        </p:blipFill>
-        <p:spPr>
-          <a:xfrm flipH="1">
-            <a:off x="0" y="1122301"/>
-            <a:ext cx="9144000" cy="5750526"/>
-          </a:xfrm>
-          <a:prstGeom prst="rect">
-            <a:avLst/>
-          </a:prstGeom>
-        </p:spPr>
-      </p:pic>
       <p:sp>
         <p:nvSpPr>
           <p:cNvPr id="2" name="Title 1"/>
@@ -3511,39 +6843,26 @@
         </p:nvSpPr>
         <p:spPr>
           <a:xfrm>
-            <a:off x="306801" y="4058125"/>
-            <a:ext cx="3604497" cy="972836"/>
+            <a:off x="1332546" y="4459039"/>
+            <a:ext cx="6482259" cy="551528"/>
           </a:xfrm>
         </p:spPr>
         <p:txBody>
-          <a:bodyPr anchor="t">
+          <a:bodyPr>
             <a:normAutofit/>
           </a:bodyPr>
           <a:lstStyle/>
           <a:p>
-            <a:pPr algn="l"/>
             <a:r>
-              <a:rPr lang="en-IN" sz="3300" b="1">
-                <a:solidFill>
-                  <a:srgbClr val="000000"/>
-                </a:solidFill>
-              </a:rPr>
+              <a:rPr lang="en-IN" sz="3100" b="1"/>
               <a:t>   Risk</a:t>
             </a:r>
             <a:r>
-              <a:rPr lang="en-IN" sz="3300">
-                <a:solidFill>
-                  <a:srgbClr val="000000"/>
-                </a:solidFill>
-              </a:rPr>
+              <a:rPr lang="en-IN" sz="3100"/>
               <a:t> </a:t>
             </a:r>
             <a:r>
-              <a:rPr lang="en-IN" sz="3300" b="1">
-                <a:solidFill>
-                  <a:srgbClr val="000000"/>
-                </a:solidFill>
-              </a:rPr>
+              <a:rPr lang="en-IN" sz="3100" b="1"/>
               <a:t>Game Build 1</a:t>
             </a:r>
           </a:p>
@@ -3561,34 +6880,226 @@
         </p:nvSpPr>
         <p:spPr>
           <a:xfrm>
-            <a:off x="307030" y="3429000"/>
-            <a:ext cx="3604268" cy="629123"/>
+            <a:off x="1332546" y="5016709"/>
+            <a:ext cx="6482259" cy="457219"/>
           </a:xfrm>
         </p:spPr>
         <p:txBody>
-          <a:bodyPr anchor="b">
+          <a:bodyPr>
             <a:normAutofit/>
           </a:bodyPr>
           <a:lstStyle/>
           <a:p>
-            <a:pPr algn="l"/>
             <a:r>
-              <a:rPr lang="en-IN" sz="1350">
-                <a:solidFill>
-                  <a:srgbClr val="000000"/>
-                </a:solidFill>
-              </a:rPr>
+              <a:rPr lang="en-IN" sz="1400"/>
               <a:t>TEAM 8</a:t>
             </a:r>
           </a:p>
         </p:txBody>
       </p:sp>
+      <p:grpSp>
+        <p:nvGrpSpPr>
+          <p:cNvPr id="28" name="Group 27">
+            <a:extLst>
+              <a:ext uri="{FF2B5EF4-FFF2-40B4-BE49-F238E27FC236}">
+                <a16:creationId xmlns:a16="http://schemas.microsoft.com/office/drawing/2014/main" id="{230FFF44-4B6D-47A3-8EF6-EC72DA2A7FFD}"/>
+              </a:ext>
+              <a:ext uri="{C183D7F6-B498-43B3-948B-1728B52AA6E4}">
+                <adec:decorative xmlns:adec="http://schemas.microsoft.com/office/drawing/2017/decorative" val="1"/>
+              </a:ext>
+            </a:extLst>
+          </p:cNvPr>
+          <p:cNvGrpSpPr>
+            <a:grpSpLocks noGrp="1" noUngrp="1" noRot="1" noChangeAspect="1" noMove="1" noResize="1"/>
+          </p:cNvGrpSpPr>
+          <p:nvPr>
+            <p:extLst>
+              <p:ext uri="{386F3935-93C4-4BCD-93E2-E3B085C9AB24}">
+                <p16:designElem xmlns:p16="http://schemas.microsoft.com/office/powerpoint/2015/main" val="1"/>
+              </p:ext>
+            </p:extLst>
+          </p:nvPr>
+        </p:nvGrpSpPr>
+        <p:grpSpPr>
+          <a:xfrm>
+            <a:off x="1084254" y="323838"/>
+            <a:ext cx="6974973" cy="3652791"/>
+            <a:chOff x="1445672" y="323838"/>
+            <a:chExt cx="9299965" cy="3652791"/>
+          </a:xfrm>
+        </p:grpSpPr>
+        <p:sp>
+          <p:nvSpPr>
+            <p:cNvPr id="29" name="Rectangle 28">
+              <a:extLst>
+                <a:ext uri="{FF2B5EF4-FFF2-40B4-BE49-F238E27FC236}">
+                  <a16:creationId xmlns:a16="http://schemas.microsoft.com/office/drawing/2014/main" id="{02C9BEEC-0281-408B-840C-9C73B781A9CC}"/>
+                </a:ext>
+                <a:ext uri="{C183D7F6-B498-43B3-948B-1728B52AA6E4}">
+                  <adec:decorative xmlns:adec="http://schemas.microsoft.com/office/drawing/2017/decorative" val="1"/>
+                </a:ext>
+              </a:extLst>
+            </p:cNvPr>
+            <p:cNvSpPr/>
+            <p:nvPr>
+              <p:extLst>
+                <p:ext uri="{386F3935-93C4-4BCD-93E2-E3B085C9AB24}">
+                  <p16:designElem xmlns:p16="http://schemas.microsoft.com/office/powerpoint/2015/main" val="1"/>
+                </p:ext>
+              </p:extLst>
+            </p:nvPr>
+          </p:nvSpPr>
+          <p:spPr>
+            <a:xfrm>
+              <a:off x="1445672" y="323838"/>
+              <a:ext cx="9299965" cy="3652791"/>
+            </a:xfrm>
+            <a:prstGeom prst="rect">
+              <a:avLst/>
+            </a:prstGeom>
+            <a:gradFill>
+              <a:gsLst>
+                <a:gs pos="0">
+                  <a:srgbClr val="000001"/>
+                </a:gs>
+                <a:gs pos="100000">
+                  <a:srgbClr val="191919"/>
+                </a:gs>
+              </a:gsLst>
+            </a:gradFill>
+            <a:ln w="76200" cmpd="sng">
+              <a:noFill/>
+              <a:miter lim="800000"/>
+            </a:ln>
+            <a:effectLst>
+              <a:outerShdw blurRad="127000" dist="228600" dir="4740000" sx="98000" sy="98000" algn="tl" rotWithShape="0">
+                <a:srgbClr val="000000">
+                  <a:alpha val="34000"/>
+                </a:srgbClr>
+              </a:outerShdw>
+            </a:effectLst>
+            <a:scene3d>
+              <a:camera prst="orthographicFront"/>
+              <a:lightRig rig="threePt" dir="t"/>
+            </a:scene3d>
+            <a:sp3d>
+              <a:bevelT w="152400" h="50800" prst="softRound"/>
+            </a:sp3d>
+          </p:spPr>
+          <p:style>
+            <a:lnRef idx="1">
+              <a:schemeClr val="accent1"/>
+            </a:lnRef>
+            <a:fillRef idx="3">
+              <a:schemeClr val="accent1"/>
+            </a:fillRef>
+            <a:effectRef idx="2">
+              <a:schemeClr val="accent1"/>
+            </a:effectRef>
+            <a:fontRef idx="minor">
+              <a:schemeClr val="lt1"/>
+            </a:fontRef>
+          </p:style>
+          <p:txBody>
+            <a:bodyPr rtlCol="0" anchor="ctr"/>
+            <a:lstStyle/>
+            <a:p>
+              <a:pPr algn="ctr"/>
+              <a:endParaRPr lang="en-US"/>
+            </a:p>
+          </p:txBody>
+        </p:sp>
+        <p:sp>
+          <p:nvSpPr>
+            <p:cNvPr id="30" name="Rectangle 29">
+              <a:extLst>
+                <a:ext uri="{FF2B5EF4-FFF2-40B4-BE49-F238E27FC236}">
+                  <a16:creationId xmlns:a16="http://schemas.microsoft.com/office/drawing/2014/main" id="{6A308C4D-7B09-4FA1-B1F7-77E5C3FDF503}"/>
+                </a:ext>
+                <a:ext uri="{C183D7F6-B498-43B3-948B-1728B52AA6E4}">
+                  <adec:decorative xmlns:adec="http://schemas.microsoft.com/office/drawing/2017/decorative" val="1"/>
+                </a:ext>
+              </a:extLst>
+            </p:cNvPr>
+            <p:cNvSpPr/>
+            <p:nvPr>
+              <p:extLst>
+                <p:ext uri="{386F3935-93C4-4BCD-93E2-E3B085C9AB24}">
+                  <p16:designElem xmlns:p16="http://schemas.microsoft.com/office/powerpoint/2015/main" val="1"/>
+                </p:ext>
+              </p:extLst>
+            </p:nvPr>
+          </p:nvSpPr>
+          <p:spPr>
+            <a:xfrm>
+              <a:off x="1758238" y="647445"/>
+              <a:ext cx="8673013" cy="3002215"/>
+            </a:xfrm>
+            <a:prstGeom prst="rect">
+              <a:avLst/>
+            </a:prstGeom>
+            <a:gradFill>
+              <a:gsLst>
+                <a:gs pos="0">
+                  <a:srgbClr val="DADADA"/>
+                </a:gs>
+                <a:gs pos="100000">
+                  <a:srgbClr val="FFFFFE"/>
+                </a:gs>
+              </a:gsLst>
+              <a:lin ang="16200000" scaled="0"/>
+            </a:gradFill>
+            <a:ln w="50800" cmpd="sng">
+              <a:solidFill>
+                <a:srgbClr val="191919"/>
+              </a:solidFill>
+              <a:miter lim="800000"/>
+            </a:ln>
+            <a:effectLst>
+              <a:innerShdw blurRad="63500" dist="88900" dir="14100000">
+                <a:srgbClr val="000000">
+                  <a:alpha val="30000"/>
+                </a:srgbClr>
+              </a:innerShdw>
+            </a:effectLst>
+            <a:scene3d>
+              <a:camera prst="orthographicFront"/>
+              <a:lightRig rig="threePt" dir="t"/>
+            </a:scene3d>
+            <a:sp3d>
+              <a:bevelT prst="relaxedInset"/>
+            </a:sp3d>
+          </p:spPr>
+          <p:style>
+            <a:lnRef idx="1">
+              <a:schemeClr val="accent1"/>
+            </a:lnRef>
+            <a:fillRef idx="3">
+              <a:schemeClr val="accent1"/>
+            </a:fillRef>
+            <a:effectRef idx="2">
+              <a:schemeClr val="accent1"/>
+            </a:effectRef>
+            <a:fontRef idx="minor">
+              <a:schemeClr val="lt1"/>
+            </a:fontRef>
+          </p:style>
+          <p:txBody>
+            <a:bodyPr rtlCol="0" anchor="ctr"/>
+            <a:lstStyle/>
+            <a:p>
+              <a:pPr algn="ctr"/>
+              <a:endParaRPr lang="en-US"/>
+            </a:p>
+          </p:txBody>
+        </p:sp>
+      </p:grpSp>
       <p:sp>
         <p:nvSpPr>
-          <p:cNvPr id="18" name="Freeform 50">
+          <p:cNvPr id="32" name="Rectangle 31">
             <a:extLst>
               <a:ext uri="{FF2B5EF4-FFF2-40B4-BE49-F238E27FC236}">
-                <a16:creationId xmlns:a16="http://schemas.microsoft.com/office/drawing/2014/main" id="{13722DD7-BA73-4776-93A3-94491FEF7260}"/>
+                <a16:creationId xmlns:a16="http://schemas.microsoft.com/office/drawing/2014/main" id="{EC547D0E-8A87-4725-8224-311D6A772966}"/>
               </a:ext>
               <a:ext uri="{C183D7F6-B498-43B3-948B-1728B52AA6E4}">
                 <adec:decorative xmlns:adec="http://schemas.microsoft.com/office/drawing/2017/decorative" val="1"/>
@@ -3608,150 +7119,19 @@
         </p:nvSpPr>
         <p:spPr>
           <a:xfrm>
-            <a:off x="4573441" y="1608355"/>
-            <a:ext cx="4570559" cy="5249645"/>
+            <a:off x="1435057" y="806495"/>
+            <a:ext cx="6260706" cy="2678774"/>
           </a:xfrm>
-          <a:custGeom>
+          <a:prstGeom prst="rect">
             <a:avLst/>
-            <a:gdLst>
-              <a:gd name="connsiteX0" fmla="*/ 3299930 w 5464879"/>
-              <a:gd name="connsiteY0" fmla="*/ 0 h 6276841"/>
-              <a:gd name="connsiteX1" fmla="*/ 5398992 w 5464879"/>
-              <a:gd name="connsiteY1" fmla="*/ 753544 h 6276841"/>
-              <a:gd name="connsiteX2" fmla="*/ 5464879 w 5464879"/>
-              <a:gd name="connsiteY2" fmla="*/ 813426 h 6276841"/>
-              <a:gd name="connsiteX3" fmla="*/ 5464879 w 5464879"/>
-              <a:gd name="connsiteY3" fmla="*/ 5786434 h 6276841"/>
-              <a:gd name="connsiteX4" fmla="*/ 5398992 w 5464879"/>
-              <a:gd name="connsiteY4" fmla="*/ 5846317 h 6276841"/>
-              <a:gd name="connsiteX5" fmla="*/ 4872873 w 5464879"/>
-              <a:gd name="connsiteY5" fmla="*/ 6201577 h 6276841"/>
-              <a:gd name="connsiteX6" fmla="*/ 4716632 w 5464879"/>
-              <a:gd name="connsiteY6" fmla="*/ 6276841 h 6276841"/>
-              <a:gd name="connsiteX7" fmla="*/ 1883227 w 5464879"/>
-              <a:gd name="connsiteY7" fmla="*/ 6276841 h 6276841"/>
-              <a:gd name="connsiteX8" fmla="*/ 1726987 w 5464879"/>
-              <a:gd name="connsiteY8" fmla="*/ 6201577 h 6276841"/>
-              <a:gd name="connsiteX9" fmla="*/ 0 w 5464879"/>
-              <a:gd name="connsiteY9" fmla="*/ 3299930 h 6276841"/>
-              <a:gd name="connsiteX10" fmla="*/ 3299930 w 5464879"/>
-              <a:gd name="connsiteY10" fmla="*/ 0 h 6276841"/>
-            </a:gdLst>
-            <a:ahLst/>
-            <a:cxnLst>
-              <a:cxn ang="0">
-                <a:pos x="connsiteX0" y="connsiteY0"/>
-              </a:cxn>
-              <a:cxn ang="0">
-                <a:pos x="connsiteX1" y="connsiteY1"/>
-              </a:cxn>
-              <a:cxn ang="0">
-                <a:pos x="connsiteX2" y="connsiteY2"/>
-              </a:cxn>
-              <a:cxn ang="0">
-                <a:pos x="connsiteX3" y="connsiteY3"/>
-              </a:cxn>
-              <a:cxn ang="0">
-                <a:pos x="connsiteX4" y="connsiteY4"/>
-              </a:cxn>
-              <a:cxn ang="0">
-                <a:pos x="connsiteX5" y="connsiteY5"/>
-              </a:cxn>
-              <a:cxn ang="0">
-                <a:pos x="connsiteX6" y="connsiteY6"/>
-              </a:cxn>
-              <a:cxn ang="0">
-                <a:pos x="connsiteX7" y="connsiteY7"/>
-              </a:cxn>
-              <a:cxn ang="0">
-                <a:pos x="connsiteX8" y="connsiteY8"/>
-              </a:cxn>
-              <a:cxn ang="0">
-                <a:pos x="connsiteX9" y="connsiteY9"/>
-              </a:cxn>
-              <a:cxn ang="0">
-                <a:pos x="connsiteX10" y="connsiteY10"/>
-              </a:cxn>
-            </a:cxnLst>
-            <a:rect l="l" t="t" r="r" b="b"/>
-            <a:pathLst>
-              <a:path w="5464879" h="6276841">
-                <a:moveTo>
-                  <a:pt x="3299930" y="0"/>
-                </a:moveTo>
-                <a:cubicBezTo>
-                  <a:pt x="4097274" y="0"/>
-                  <a:pt x="4828569" y="282789"/>
-                  <a:pt x="5398992" y="753544"/>
-                </a:cubicBezTo>
-                <a:lnTo>
-                  <a:pt x="5464879" y="813426"/>
-                </a:lnTo>
-                <a:lnTo>
-                  <a:pt x="5464879" y="5786434"/>
-                </a:lnTo>
-                <a:lnTo>
-                  <a:pt x="5398992" y="5846317"/>
-                </a:lnTo>
-                <a:cubicBezTo>
-                  <a:pt x="5236014" y="5980818"/>
-                  <a:pt x="5059904" y="6099975"/>
-                  <a:pt x="4872873" y="6201577"/>
-                </a:cubicBezTo>
-                <a:lnTo>
-                  <a:pt x="4716632" y="6276841"/>
-                </a:lnTo>
-                <a:lnTo>
-                  <a:pt x="1883227" y="6276841"/>
-                </a:lnTo>
-                <a:lnTo>
-                  <a:pt x="1726987" y="6201577"/>
-                </a:lnTo>
-                <a:cubicBezTo>
-                  <a:pt x="698316" y="5642769"/>
-                  <a:pt x="0" y="4552900"/>
-                  <a:pt x="0" y="3299930"/>
-                </a:cubicBezTo>
-                <a:cubicBezTo>
-                  <a:pt x="0" y="1477429"/>
-                  <a:pt x="1477429" y="0"/>
-                  <a:pt x="3299930" y="0"/>
-                </a:cubicBezTo>
-                <a:close/>
-              </a:path>
-            </a:pathLst>
-          </a:custGeom>
+          </a:prstGeom>
           <a:solidFill>
-            <a:srgbClr val="FFFFFF"/>
+            <a:schemeClr val="bg1"/>
           </a:solidFill>
-          <a:ln>
-            <a:gradFill>
-              <a:gsLst>
-                <a:gs pos="0">
-                  <a:schemeClr val="accent1">
-                    <a:lumMod val="40000"/>
-                    <a:lumOff val="60000"/>
-                  </a:schemeClr>
-                </a:gs>
-                <a:gs pos="23000">
-                  <a:schemeClr val="accent1">
-                    <a:lumMod val="45000"/>
-                    <a:lumOff val="55000"/>
-                  </a:schemeClr>
-                </a:gs>
-                <a:gs pos="83000">
-                  <a:schemeClr val="bg2">
-                    <a:lumMod val="75000"/>
-                  </a:schemeClr>
-                </a:gs>
-                <a:gs pos="100000">
-                  <a:schemeClr val="bg2">
-                    <a:lumMod val="75000"/>
-                  </a:schemeClr>
-                </a:gs>
-              </a:gsLst>
-              <a:lin ang="5400000" scaled="1"/>
-            </a:gradFill>
+          <a:ln w="6350">
+            <a:solidFill>
+              <a:schemeClr val="bg2"/>
+            </a:solidFill>
           </a:ln>
         </p:spPr>
         <p:style>
@@ -3771,13 +7151,11 @@
           </a:fontRef>
         </p:style>
         <p:txBody>
-          <a:bodyPr wrap="square" rtlCol="0" anchor="ctr">
-            <a:noAutofit/>
-          </a:bodyPr>
+          <a:bodyPr rtlCol="0" anchor="ctr"/>
           <a:lstStyle/>
           <a:p>
             <a:pPr algn="ctr"/>
-            <a:endParaRPr lang="en-US" sz="1350"/>
+            <a:endParaRPr lang="en-US"/>
           </a:p>
         </p:txBody>
       </p:sp>
@@ -3796,13 +7174,13 @@
           <p:nvPr/>
         </p:nvPicPr>
         <p:blipFill>
-          <a:blip r:embed="rId3">
+          <a:blip r:embed="rId2">
             <a:extLst>
               <a:ext uri="{28A0092B-C50C-407E-A947-70E740481C1C}">
                 <a14:useLocalDpi xmlns:a14="http://schemas.microsoft.com/office/drawing/2010/main" val="0"/>
               </a:ext>
               <a:ext uri="{96DAC541-7B7A-43D3-8B79-37D633B846F1}">
-                <asvg:svgBlip xmlns:asvg="http://schemas.microsoft.com/office/drawing/2016/SVG/main" r:embed="rId4"/>
+                <asvg:svgBlip xmlns:asvg="http://schemas.microsoft.com/office/drawing/2016/SVG/main" r:embed="rId3"/>
               </a:ext>
             </a:extLst>
           </a:blip>
@@ -3812,14 +7190,160 @@
         </p:blipFill>
         <p:spPr>
           <a:xfrm>
-            <a:off x="5424681" y="2708150"/>
-            <a:ext cx="3463967" cy="3463967"/>
+            <a:off x="3383083" y="963739"/>
+            <a:ext cx="2369223" cy="2369223"/>
           </a:xfrm>
           <a:prstGeom prst="rect">
             <a:avLst/>
           </a:prstGeom>
         </p:spPr>
       </p:pic>
+      <p:cxnSp>
+        <p:nvCxnSpPr>
+          <p:cNvPr id="34" name="Straight Connector 33">
+            <a:extLst>
+              <a:ext uri="{FF2B5EF4-FFF2-40B4-BE49-F238E27FC236}">
+                <a16:creationId xmlns:a16="http://schemas.microsoft.com/office/drawing/2014/main" id="{3E5C3848-5A58-4B84-AFBB-E7D9B99EB1EA}"/>
+              </a:ext>
+              <a:ext uri="{C183D7F6-B498-43B3-948B-1728B52AA6E4}">
+                <adec:decorative xmlns:adec="http://schemas.microsoft.com/office/drawing/2017/decorative" val="1"/>
+              </a:ext>
+            </a:extLst>
+          </p:cNvPr>
+          <p:cNvCxnSpPr>
+            <a:cxnSpLocks noGrp="1" noRot="1" noChangeAspect="1" noMove="1" noResize="1" noEditPoints="1" noAdjustHandles="1" noChangeArrowheads="1" noChangeShapeType="1"/>
+          </p:cNvCxnSpPr>
+          <p:nvPr>
+            <p:extLst>
+              <p:ext uri="{386F3935-93C4-4BCD-93E2-E3B085C9AB24}">
+                <p16:designElem xmlns:p16="http://schemas.microsoft.com/office/powerpoint/2015/main" val="1"/>
+              </p:ext>
+            </p:extLst>
+          </p:nvPr>
+        </p:nvCxnSpPr>
+        <p:spPr>
+          <a:xfrm>
+            <a:off x="1332546" y="5027185"/>
+            <a:ext cx="6482258" cy="0"/>
+          </a:xfrm>
+          <a:prstGeom prst="line">
+            <a:avLst/>
+          </a:prstGeom>
+          <a:ln w="31750"/>
+        </p:spPr>
+        <p:style>
+          <a:lnRef idx="3">
+            <a:schemeClr val="accent1"/>
+          </a:lnRef>
+          <a:fillRef idx="0">
+            <a:schemeClr val="accent1"/>
+          </a:fillRef>
+          <a:effectRef idx="2">
+            <a:schemeClr val="accent1"/>
+          </a:effectRef>
+          <a:fontRef idx="minor">
+            <a:schemeClr val="tx1"/>
+          </a:fontRef>
+        </p:style>
+      </p:cxnSp>
+      <p:pic>
+        <p:nvPicPr>
+          <p:cNvPr id="36" name="Picture 35">
+            <a:extLst>
+              <a:ext uri="{FF2B5EF4-FFF2-40B4-BE49-F238E27FC236}">
+                <a16:creationId xmlns:a16="http://schemas.microsoft.com/office/drawing/2014/main" id="{3A580E99-2B1B-4372-A707-20312A9403A1}"/>
+              </a:ext>
+              <a:ext uri="{C183D7F6-B498-43B3-948B-1728B52AA6E4}">
+                <adec:decorative xmlns:adec="http://schemas.microsoft.com/office/drawing/2017/decorative" val="1"/>
+              </a:ext>
+            </a:extLst>
+          </p:cNvPr>
+          <p:cNvPicPr>
+            <a:picLocks noGrp="1" noRot="1" noChangeAspect="1" noMove="1" noResize="1" noEditPoints="1" noAdjustHandles="1" noChangeArrowheads="1" noChangeShapeType="1" noCrop="1"/>
+          </p:cNvPicPr>
+          <p:nvPr>
+            <p:extLst>
+              <p:ext uri="{386F3935-93C4-4BCD-93E2-E3B085C9AB24}">
+                <p16:designElem xmlns:p16="http://schemas.microsoft.com/office/powerpoint/2015/main" val="1"/>
+              </p:ext>
+            </p:extLst>
+          </p:nvPr>
+        </p:nvPicPr>
+        <p:blipFill rotWithShape="1">
+          <a:blip r:embed="rId4">
+            <a:extLst>
+              <a:ext uri="{28A0092B-C50C-407E-A947-70E740481C1C}">
+                <a14:useLocalDpi xmlns:a14="http://schemas.microsoft.com/office/drawing/2010/main" val="0"/>
+              </a:ext>
+            </a:extLst>
+          </a:blip>
+          <a:srcRect t="1538" b="-1538"/>
+          <a:stretch/>
+        </p:blipFill>
+        <p:spPr bwMode="black">
+          <a:xfrm>
+            <a:off x="0" y="6126480"/>
+            <a:ext cx="9144000" cy="742950"/>
+          </a:xfrm>
+          <a:prstGeom prst="rect">
+            <a:avLst/>
+          </a:prstGeom>
+        </p:spPr>
+      </p:pic>
+      <p:cxnSp>
+        <p:nvCxnSpPr>
+          <p:cNvPr id="38" name="Straight Connector 37">
+            <a:extLst>
+              <a:ext uri="{FF2B5EF4-FFF2-40B4-BE49-F238E27FC236}">
+                <a16:creationId xmlns:a16="http://schemas.microsoft.com/office/drawing/2014/main" id="{63B4A4AA-0179-4AB7-8EED-031600A724D6}"/>
+              </a:ext>
+              <a:ext uri="{C183D7F6-B498-43B3-948B-1728B52AA6E4}">
+                <adec:decorative xmlns:adec="http://schemas.microsoft.com/office/drawing/2017/decorative" val="1"/>
+              </a:ext>
+            </a:extLst>
+          </p:cNvPr>
+          <p:cNvCxnSpPr>
+            <a:cxnSpLocks noGrp="1" noRot="1" noChangeAspect="1" noMove="1" noResize="1" noEditPoints="1" noAdjustHandles="1" noChangeArrowheads="1" noChangeShapeType="1"/>
+          </p:cNvCxnSpPr>
+          <p:nvPr>
+            <p:extLst>
+              <p:ext uri="{386F3935-93C4-4BCD-93E2-E3B085C9AB24}">
+                <p16:designElem xmlns:p16="http://schemas.microsoft.com/office/powerpoint/2015/main" val="1"/>
+              </p:ext>
+            </p:extLst>
+          </p:nvPr>
+        </p:nvCxnSpPr>
+        <p:spPr>
+          <a:xfrm>
+            <a:off x="0" y="6128413"/>
+            <a:ext cx="9144000" cy="0"/>
+          </a:xfrm>
+          <a:prstGeom prst="line">
+            <a:avLst/>
+          </a:prstGeom>
+          <a:ln w="12700">
+            <a:solidFill>
+              <a:srgbClr val="000001">
+                <a:alpha val="20000"/>
+              </a:srgbClr>
+            </a:solidFill>
+          </a:ln>
+        </p:spPr>
+        <p:style>
+          <a:lnRef idx="1">
+            <a:schemeClr val="accent1"/>
+          </a:lnRef>
+          <a:fillRef idx="0">
+            <a:schemeClr val="accent1"/>
+          </a:fillRef>
+          <a:effectRef idx="0">
+            <a:schemeClr val="accent1"/>
+          </a:effectRef>
+          <a:fontRef idx="minor">
+            <a:schemeClr val="tx1"/>
+          </a:fontRef>
+        </p:style>
+      </p:cxnSp>
     </p:spTree>
     <p:extLst>
       <p:ext uri="{BB962C8B-B14F-4D97-AF65-F5344CB8AC3E}">
@@ -3836,6 +7360,30 @@
 <file path=ppt/slides/slide2.xml><?xml version="1.0" encoding="utf-8"?>
 <p:sld xmlns:a="http://schemas.openxmlformats.org/drawingml/2006/main" xmlns:r="http://schemas.openxmlformats.org/officeDocument/2006/relationships" xmlns:p="http://schemas.openxmlformats.org/presentationml/2006/main">
   <p:cSld>
+    <p:bg>
+      <p:bgPr>
+        <a:gradFill rotWithShape="1">
+          <a:gsLst>
+            <a:gs pos="0">
+              <a:schemeClr val="bg2">
+                <a:tint val="94000"/>
+                <a:satMod val="80000"/>
+                <a:lumMod val="106000"/>
+              </a:schemeClr>
+            </a:gs>
+            <a:gs pos="100000">
+              <a:schemeClr val="bg2">
+                <a:shade val="80000"/>
+              </a:schemeClr>
+            </a:gs>
+          </a:gsLst>
+          <a:path path="circle">
+            <a:fillToRect l="43000" r="43000" b="100000"/>
+          </a:path>
+        </a:gradFill>
+        <a:effectLst/>
+      </p:bgPr>
+    </p:bg>
     <p:spTree>
       <p:nvGrpSpPr>
         <p:cNvPr id="1" name=""/>
@@ -3850,6 +7398,140 @@
           <a:chExt cx="0" cy="0"/>
         </a:xfrm>
       </p:grpSpPr>
+      <p:sp useBgFill="1">
+        <p:nvSpPr>
+          <p:cNvPr id="10" name="Rectangle 9">
+            <a:extLst>
+              <a:ext uri="{FF2B5EF4-FFF2-40B4-BE49-F238E27FC236}">
+                <a16:creationId xmlns:a16="http://schemas.microsoft.com/office/drawing/2014/main" id="{32D32A60-013B-47A8-8833-D2424080917B}"/>
+              </a:ext>
+              <a:ext uri="{C183D7F6-B498-43B3-948B-1728B52AA6E4}">
+                <adec:decorative xmlns:adec="http://schemas.microsoft.com/office/drawing/2017/decorative" val="1"/>
+              </a:ext>
+            </a:extLst>
+          </p:cNvPr>
+          <p:cNvSpPr>
+            <a:spLocks noGrp="1" noRot="1" noChangeAspect="1" noMove="1" noResize="1" noEditPoints="1" noAdjustHandles="1" noChangeArrowheads="1" noChangeShapeType="1" noTextEdit="1"/>
+          </p:cNvSpPr>
+          <p:nvPr>
+            <p:extLst>
+              <p:ext uri="{386F3935-93C4-4BCD-93E2-E3B085C9AB24}">
+                <p16:designElem xmlns:p16="http://schemas.microsoft.com/office/powerpoint/2015/main" val="1"/>
+              </p:ext>
+            </p:extLst>
+          </p:nvPr>
+        </p:nvSpPr>
+        <p:spPr>
+          <a:xfrm>
+            <a:off x="1" y="0"/>
+            <a:ext cx="9143771" cy="6858000"/>
+          </a:xfrm>
+          <a:prstGeom prst="rect">
+            <a:avLst/>
+          </a:prstGeom>
+          <a:ln>
+            <a:noFill/>
+          </a:ln>
+        </p:spPr>
+        <p:style>
+          <a:lnRef idx="2">
+            <a:schemeClr val="accent1">
+              <a:shade val="50000"/>
+            </a:schemeClr>
+          </a:lnRef>
+          <a:fillRef idx="1">
+            <a:schemeClr val="accent1"/>
+          </a:fillRef>
+          <a:effectRef idx="0">
+            <a:schemeClr val="accent1"/>
+          </a:effectRef>
+          <a:fontRef idx="minor">
+            <a:schemeClr val="lt1"/>
+          </a:fontRef>
+        </p:style>
+        <p:txBody>
+          <a:bodyPr rtlCol="0" anchor="ctr"/>
+          <a:lstStyle/>
+          <a:p>
+            <a:pPr algn="ctr"/>
+            <a:endParaRPr lang="en-US"/>
+          </a:p>
+        </p:txBody>
+      </p:sp>
+      <p:sp>
+        <p:nvSpPr>
+          <p:cNvPr id="12" name="Rectangle 11">
+            <a:extLst>
+              <a:ext uri="{FF2B5EF4-FFF2-40B4-BE49-F238E27FC236}">
+                <a16:creationId xmlns:a16="http://schemas.microsoft.com/office/drawing/2014/main" id="{AE27932B-B694-4C4C-90D7-A0333A7C5876}"/>
+              </a:ext>
+              <a:ext uri="{C183D7F6-B498-43B3-948B-1728B52AA6E4}">
+                <adec:decorative xmlns:adec="http://schemas.microsoft.com/office/drawing/2017/decorative" val="1"/>
+              </a:ext>
+            </a:extLst>
+          </p:cNvPr>
+          <p:cNvSpPr>
+            <a:spLocks noGrp="1" noRot="1" noChangeAspect="1" noMove="1" noResize="1" noEditPoints="1" noAdjustHandles="1" noChangeArrowheads="1" noChangeShapeType="1" noTextEdit="1"/>
+          </p:cNvSpPr>
+          <p:nvPr>
+            <p:extLst>
+              <p:ext uri="{386F3935-93C4-4BCD-93E2-E3B085C9AB24}">
+                <p16:designElem xmlns:p16="http://schemas.microsoft.com/office/powerpoint/2015/main" val="1"/>
+              </p:ext>
+            </p:extLst>
+          </p:nvPr>
+        </p:nvSpPr>
+        <p:spPr>
+          <a:xfrm>
+            <a:off x="0" y="2019476"/>
+            <a:ext cx="9144000" cy="4105941"/>
+          </a:xfrm>
+          <a:prstGeom prst="rect">
+            <a:avLst/>
+          </a:prstGeom>
+          <a:gradFill flip="none" rotWithShape="1">
+            <a:gsLst>
+              <a:gs pos="0">
+                <a:schemeClr val="bg2">
+                  <a:alpha val="0"/>
+                </a:schemeClr>
+              </a:gs>
+              <a:gs pos="100000">
+                <a:schemeClr val="bg2"/>
+              </a:gs>
+            </a:gsLst>
+            <a:lin ang="5400000" scaled="0"/>
+            <a:tileRect/>
+          </a:gradFill>
+          <a:ln>
+            <a:noFill/>
+          </a:ln>
+        </p:spPr>
+        <p:style>
+          <a:lnRef idx="2">
+            <a:schemeClr val="accent1">
+              <a:shade val="50000"/>
+            </a:schemeClr>
+          </a:lnRef>
+          <a:fillRef idx="1">
+            <a:schemeClr val="accent1"/>
+          </a:fillRef>
+          <a:effectRef idx="0">
+            <a:schemeClr val="accent1"/>
+          </a:effectRef>
+          <a:fontRef idx="minor">
+            <a:schemeClr val="lt1"/>
+          </a:fontRef>
+        </p:style>
+        <p:txBody>
+          <a:bodyPr rtlCol="0" anchor="ctr"/>
+          <a:lstStyle/>
+          <a:p>
+            <a:pPr lvl="0" algn="ctr"/>
+            <a:endParaRPr lang="en-US"/>
+          </a:p>
+        </p:txBody>
+      </p:sp>
       <p:sp>
         <p:nvSpPr>
           <p:cNvPr id="2" name="Title 1"/>
@@ -3860,94 +7542,263 @@
             <p:ph type="title"/>
           </p:nvPr>
         </p:nvSpPr>
-        <p:spPr/>
+        <p:spPr>
+          <a:xfrm>
+            <a:off x="1088684" y="2303047"/>
+            <a:ext cx="2454070" cy="2674198"/>
+          </a:xfrm>
+        </p:spPr>
         <p:txBody>
-          <a:bodyPr/>
+          <a:bodyPr anchor="t">
+            <a:normAutofit/>
+          </a:bodyPr>
           <a:lstStyle/>
           <a:p>
             <a:r>
-              <a:rPr lang="en-IN" dirty="0"/>
+              <a:rPr lang="en-IN" sz="3200"/>
               <a:t>Contents</a:t>
             </a:r>
           </a:p>
         </p:txBody>
       </p:sp>
+      <p:cxnSp>
+        <p:nvCxnSpPr>
+          <p:cNvPr id="14" name="Straight Connector 13">
+            <a:extLst>
+              <a:ext uri="{FF2B5EF4-FFF2-40B4-BE49-F238E27FC236}">
+                <a16:creationId xmlns:a16="http://schemas.microsoft.com/office/drawing/2014/main" id="{9EBB0476-5CF0-4F44-8D68-5D42D7AEE43A}"/>
+              </a:ext>
+              <a:ext uri="{C183D7F6-B498-43B3-948B-1728B52AA6E4}">
+                <adec:decorative xmlns:adec="http://schemas.microsoft.com/office/drawing/2017/decorative" val="1"/>
+              </a:ext>
+            </a:extLst>
+          </p:cNvPr>
+          <p:cNvCxnSpPr>
+            <a:cxnSpLocks noGrp="1" noRot="1" noChangeAspect="1" noMove="1" noResize="1" noEditPoints="1" noAdjustHandles="1" noChangeArrowheads="1" noChangeShapeType="1"/>
+          </p:cNvCxnSpPr>
+          <p:nvPr>
+            <p:extLst>
+              <p:ext uri="{386F3935-93C4-4BCD-93E2-E3B085C9AB24}">
+                <p16:designElem xmlns:p16="http://schemas.microsoft.com/office/powerpoint/2015/main" val="1"/>
+              </p:ext>
+            </p:extLst>
+          </p:nvPr>
+        </p:nvCxnSpPr>
+        <p:spPr>
+          <a:xfrm>
+            <a:off x="1088684" y="2146542"/>
+            <a:ext cx="2454070" cy="0"/>
+          </a:xfrm>
+          <a:prstGeom prst="line">
+            <a:avLst/>
+          </a:prstGeom>
+          <a:ln w="31750"/>
+        </p:spPr>
+        <p:style>
+          <a:lnRef idx="3">
+            <a:schemeClr val="accent1"/>
+          </a:lnRef>
+          <a:fillRef idx="0">
+            <a:schemeClr val="accent1"/>
+          </a:fillRef>
+          <a:effectRef idx="2">
+            <a:schemeClr val="accent1"/>
+          </a:effectRef>
+          <a:fontRef idx="minor">
+            <a:schemeClr val="tx1"/>
+          </a:fontRef>
+        </p:style>
+      </p:cxnSp>
       <p:sp>
         <p:nvSpPr>
-          <p:cNvPr id="3" name="Content Placeholder 2"/>
-          <p:cNvSpPr>
-            <a:spLocks noGrp="1"/>
+          <p:cNvPr id="16" name="Title 1">
+            <a:extLst>
+              <a:ext uri="{FF2B5EF4-FFF2-40B4-BE49-F238E27FC236}">
+                <a16:creationId xmlns:a16="http://schemas.microsoft.com/office/drawing/2014/main" id="{A9DA474E-6B91-4200-840F-0257B2358A75}"/>
+              </a:ext>
+              <a:ext uri="{C183D7F6-B498-43B3-948B-1728B52AA6E4}">
+                <adec:decorative xmlns:adec="http://schemas.microsoft.com/office/drawing/2017/decorative" val="1"/>
+              </a:ext>
+            </a:extLst>
+          </p:cNvPr>
+          <p:cNvSpPr txBox="1">
+            <a:spLocks noGrp="1" noRot="1" noChangeAspect="1" noMove="1" noResize="1" noEditPoints="1" noAdjustHandles="1" noChangeArrowheads="1" noChangeShapeType="1" noTextEdit="1"/>
           </p:cNvSpPr>
           <p:nvPr>
-            <p:ph idx="1"/>
+            <p:extLst>
+              <p:ext uri="{386F3935-93C4-4BCD-93E2-E3B085C9AB24}">
+                <p16:designElem xmlns:p16="http://schemas.microsoft.com/office/powerpoint/2015/main" val="1"/>
+              </p:ext>
+            </p:extLst>
           </p:nvPr>
         </p:nvSpPr>
-        <p:spPr/>
+        <p:spPr>
+          <a:xfrm>
+            <a:off x="1088685" y="3122496"/>
+            <a:ext cx="2647617" cy="1049235"/>
+          </a:xfrm>
+          <a:prstGeom prst="rect">
+            <a:avLst/>
+          </a:prstGeom>
+        </p:spPr>
         <p:txBody>
-          <a:bodyPr/>
-          <a:lstStyle/>
-          <a:p>
-            <a:pPr marL="342900" indent="-342900">
-              <a:buFont typeface="Arial" pitchFamily="34" charset="0"/>
-              <a:buChar char="•"/>
-            </a:pPr>
-            <a:r>
-              <a:rPr lang="en-IN" dirty="0"/>
-              <a:t>Goal</a:t>
-            </a:r>
-          </a:p>
-          <a:p>
-            <a:pPr marL="342900" indent="-342900">
-              <a:buFont typeface="Arial" pitchFamily="34" charset="0"/>
-              <a:buChar char="•"/>
-            </a:pPr>
-            <a:r>
-              <a:rPr lang="en-IN" dirty="0"/>
-              <a:t>Architectural Diagram</a:t>
-            </a:r>
-          </a:p>
-          <a:p>
-            <a:pPr marL="342900" indent="-342900">
-              <a:buFont typeface="Arial" pitchFamily="34" charset="0"/>
-              <a:buChar char="•"/>
-            </a:pPr>
-            <a:r>
-              <a:rPr lang="en-IN" dirty="0"/>
-              <a:t>Junit</a:t>
-            </a:r>
-          </a:p>
-          <a:p>
-            <a:pPr marL="342900" indent="-342900">
-              <a:buFont typeface="Arial" pitchFamily="34" charset="0"/>
-              <a:buChar char="•"/>
-            </a:pPr>
-            <a:r>
-              <a:rPr lang="en-IN"/>
-              <a:t>JavaDoc</a:t>
-            </a:r>
-            <a:endParaRPr lang="en-IN" dirty="0"/>
-          </a:p>
-          <a:p>
-            <a:pPr marL="342900" indent="-342900">
-              <a:buFont typeface="Arial" pitchFamily="34" charset="0"/>
-              <a:buChar char="•"/>
-            </a:pPr>
-            <a:r>
-              <a:rPr lang="en-IN" dirty="0"/>
-              <a:t>Coding Conventions</a:t>
-            </a:r>
-          </a:p>
-          <a:p>
-            <a:pPr marL="0" indent="0">
+          <a:bodyPr vert="horz" lIns="91440" tIns="45720" rIns="91440" bIns="45720" rtlCol="0" anchor="t">
+            <a:normAutofit/>
+          </a:bodyPr>
+          <a:lstStyle>
+            <a:lvl1pPr algn="l" defTabSz="914400" rtl="0" eaLnBrk="1" latinLnBrk="0" hangingPunct="1">
+              <a:lnSpc>
+                <a:spcPct val="90000"/>
+              </a:lnSpc>
+              <a:spcBef>
+                <a:spcPct val="0"/>
+              </a:spcBef>
               <a:buNone/>
-            </a:pPr>
-            <a:endParaRPr lang="en-IN" dirty="0"/>
-          </a:p>
-          <a:p>
-            <a:endParaRPr lang="en-IN" dirty="0"/>
+              <a:defRPr sz="3200" b="0" i="0" kern="1200" cap="all">
+                <a:solidFill>
+                  <a:schemeClr val="tx1"/>
+                </a:solidFill>
+                <a:effectLst/>
+                <a:latin typeface="+mj-lt"/>
+                <a:ea typeface="+mj-ea"/>
+                <a:cs typeface="+mj-cs"/>
+              </a:defRPr>
+            </a:lvl1pPr>
+          </a:lstStyle>
+          <a:p>
+            <a:endParaRPr lang="en-US" dirty="0"/>
           </a:p>
         </p:txBody>
       </p:sp>
+      <p:pic>
+        <p:nvPicPr>
+          <p:cNvPr id="18" name="Picture 17">
+            <a:extLst>
+              <a:ext uri="{FF2B5EF4-FFF2-40B4-BE49-F238E27FC236}">
+                <a16:creationId xmlns:a16="http://schemas.microsoft.com/office/drawing/2014/main" id="{DF63C9AD-AE6E-4512-8171-91612E84CCFB}"/>
+              </a:ext>
+              <a:ext uri="{C183D7F6-B498-43B3-948B-1728B52AA6E4}">
+                <adec:decorative xmlns:adec="http://schemas.microsoft.com/office/drawing/2017/decorative" val="1"/>
+              </a:ext>
+            </a:extLst>
+          </p:cNvPr>
+          <p:cNvPicPr>
+            <a:picLocks noGrp="1" noRot="1" noChangeAspect="1" noMove="1" noResize="1" noEditPoints="1" noAdjustHandles="1" noChangeArrowheads="1" noChangeShapeType="1" noCrop="1"/>
+          </p:cNvPicPr>
+          <p:nvPr>
+            <p:extLst>
+              <p:ext uri="{386F3935-93C4-4BCD-93E2-E3B085C9AB24}">
+                <p16:designElem xmlns:p16="http://schemas.microsoft.com/office/powerpoint/2015/main" val="1"/>
+              </p:ext>
+            </p:extLst>
+          </p:nvPr>
+        </p:nvPicPr>
+        <p:blipFill rotWithShape="1">
+          <a:blip r:embed="rId2">
+            <a:extLst>
+              <a:ext uri="{28A0092B-C50C-407E-A947-70E740481C1C}">
+                <a14:useLocalDpi xmlns:a14="http://schemas.microsoft.com/office/drawing/2010/main" val="0"/>
+              </a:ext>
+            </a:extLst>
+          </a:blip>
+          <a:srcRect t="1538" b="-1538"/>
+          <a:stretch/>
+        </p:blipFill>
+        <p:spPr bwMode="black">
+          <a:xfrm>
+            <a:off x="0" y="6126480"/>
+            <a:ext cx="9144000" cy="742950"/>
+          </a:xfrm>
+          <a:prstGeom prst="rect">
+            <a:avLst/>
+          </a:prstGeom>
+        </p:spPr>
+      </p:pic>
+      <p:cxnSp>
+        <p:nvCxnSpPr>
+          <p:cNvPr id="20" name="Straight Connector 19">
+            <a:extLst>
+              <a:ext uri="{FF2B5EF4-FFF2-40B4-BE49-F238E27FC236}">
+                <a16:creationId xmlns:a16="http://schemas.microsoft.com/office/drawing/2014/main" id="{FE1A49CE-B63D-457A-A180-1C883E1A63D2}"/>
+              </a:ext>
+              <a:ext uri="{C183D7F6-B498-43B3-948B-1728B52AA6E4}">
+                <adec:decorative xmlns:adec="http://schemas.microsoft.com/office/drawing/2017/decorative" val="1"/>
+              </a:ext>
+            </a:extLst>
+          </p:cNvPr>
+          <p:cNvCxnSpPr>
+            <a:cxnSpLocks noGrp="1" noRot="1" noChangeAspect="1" noMove="1" noResize="1" noEditPoints="1" noAdjustHandles="1" noChangeArrowheads="1" noChangeShapeType="1"/>
+          </p:cNvCxnSpPr>
+          <p:nvPr>
+            <p:extLst>
+              <p:ext uri="{386F3935-93C4-4BCD-93E2-E3B085C9AB24}">
+                <p16:designElem xmlns:p16="http://schemas.microsoft.com/office/powerpoint/2015/main" val="1"/>
+              </p:ext>
+            </p:extLst>
+          </p:nvPr>
+        </p:nvCxnSpPr>
+        <p:spPr>
+          <a:xfrm>
+            <a:off x="0" y="6128413"/>
+            <a:ext cx="9144000" cy="0"/>
+          </a:xfrm>
+          <a:prstGeom prst="line">
+            <a:avLst/>
+          </a:prstGeom>
+          <a:ln w="12700">
+            <a:solidFill>
+              <a:srgbClr val="000001">
+                <a:alpha val="20000"/>
+              </a:srgbClr>
+            </a:solidFill>
+          </a:ln>
+        </p:spPr>
+        <p:style>
+          <a:lnRef idx="1">
+            <a:schemeClr val="accent1"/>
+          </a:lnRef>
+          <a:fillRef idx="0">
+            <a:schemeClr val="accent1"/>
+          </a:fillRef>
+          <a:effectRef idx="0">
+            <a:schemeClr val="accent1"/>
+          </a:effectRef>
+          <a:fontRef idx="minor">
+            <a:schemeClr val="tx1"/>
+          </a:fontRef>
+        </p:style>
+      </p:cxnSp>
+      <p:graphicFrame>
+        <p:nvGraphicFramePr>
+          <p:cNvPr id="5" name="Content Placeholder 2">
+            <a:extLst>
+              <a:ext uri="{FF2B5EF4-FFF2-40B4-BE49-F238E27FC236}">
+                <a16:creationId xmlns:a16="http://schemas.microsoft.com/office/drawing/2014/main" id="{A2F92F04-07C8-4DE7-9D4E-1A84E4DD37D7}"/>
+              </a:ext>
+            </a:extLst>
+          </p:cNvPr>
+          <p:cNvGraphicFramePr>
+            <a:graphicFrameLocks noGrp="1"/>
+          </p:cNvGraphicFramePr>
+          <p:nvPr>
+            <p:ph idx="1"/>
+            <p:extLst>
+              <p:ext uri="{D42A27DB-BD31-4B8C-83A1-F6EECF244321}">
+                <p14:modId xmlns:p14="http://schemas.microsoft.com/office/powerpoint/2010/main" val="10889132"/>
+              </p:ext>
+            </p:extLst>
+          </p:nvPr>
+        </p:nvGraphicFramePr>
+        <p:xfrm>
+          <a:off x="3856434" y="803275"/>
+          <a:ext cx="4435078" cy="4637088"/>
+        </p:xfrm>
+        <a:graphic>
+          <a:graphicData uri="http://schemas.openxmlformats.org/drawingml/2006/diagram">
+            <dgm:relIds xmlns:dgm="http://schemas.openxmlformats.org/drawingml/2006/diagram" xmlns:r="http://schemas.openxmlformats.org/officeDocument/2006/relationships" r:dm="rId3" r:lo="rId4" r:qs="rId5" r:cs="rId6"/>
+          </a:graphicData>
+        </a:graphic>
+      </p:graphicFrame>
     </p:spTree>
     <p:extLst>
       <p:ext uri="{BB962C8B-B14F-4D97-AF65-F5344CB8AC3E}">
@@ -3964,6 +7815,30 @@
 <file path=ppt/slides/slide3.xml><?xml version="1.0" encoding="utf-8"?>
 <p:sld xmlns:a="http://schemas.openxmlformats.org/drawingml/2006/main" xmlns:r="http://schemas.openxmlformats.org/officeDocument/2006/relationships" xmlns:p="http://schemas.openxmlformats.org/presentationml/2006/main">
   <p:cSld>
+    <p:bg>
+      <p:bgPr>
+        <a:gradFill rotWithShape="1">
+          <a:gsLst>
+            <a:gs pos="0">
+              <a:schemeClr val="bg2">
+                <a:tint val="94000"/>
+                <a:satMod val="80000"/>
+                <a:lumMod val="106000"/>
+              </a:schemeClr>
+            </a:gs>
+            <a:gs pos="100000">
+              <a:schemeClr val="bg2">
+                <a:shade val="80000"/>
+              </a:schemeClr>
+            </a:gs>
+          </a:gsLst>
+          <a:path path="circle">
+            <a:fillToRect l="50000" t="50000" r="50000" b="50000"/>
+          </a:path>
+        </a:gradFill>
+        <a:effectLst/>
+      </p:bgPr>
+    </p:bg>
     <p:spTree>
       <p:nvGrpSpPr>
         <p:cNvPr id="1" name=""/>
@@ -3978,6 +7853,66 @@
           <a:chExt cx="0" cy="0"/>
         </a:xfrm>
       </p:grpSpPr>
+      <p:sp useBgFill="1">
+        <p:nvSpPr>
+          <p:cNvPr id="8" name="Rectangle 7">
+            <a:extLst>
+              <a:ext uri="{FF2B5EF4-FFF2-40B4-BE49-F238E27FC236}">
+                <a16:creationId xmlns:a16="http://schemas.microsoft.com/office/drawing/2014/main" id="{29C51009-A09A-4689-8E6C-F8FC99E6A840}"/>
+              </a:ext>
+              <a:ext uri="{C183D7F6-B498-43B3-948B-1728B52AA6E4}">
+                <adec:decorative xmlns:adec="http://schemas.microsoft.com/office/drawing/2017/decorative" val="1"/>
+              </a:ext>
+            </a:extLst>
+          </p:cNvPr>
+          <p:cNvSpPr>
+            <a:spLocks noGrp="1" noRot="1" noChangeAspect="1" noMove="1" noResize="1" noEditPoints="1" noAdjustHandles="1" noChangeArrowheads="1" noChangeShapeType="1" noTextEdit="1"/>
+          </p:cNvSpPr>
+          <p:nvPr>
+            <p:extLst>
+              <p:ext uri="{386F3935-93C4-4BCD-93E2-E3B085C9AB24}">
+                <p16:designElem xmlns:p16="http://schemas.microsoft.com/office/powerpoint/2015/main" val="1"/>
+              </p:ext>
+            </p:extLst>
+          </p:nvPr>
+        </p:nvSpPr>
+        <p:spPr>
+          <a:xfrm>
+            <a:off x="1" y="0"/>
+            <a:ext cx="9143771" cy="6858000"/>
+          </a:xfrm>
+          <a:prstGeom prst="rect">
+            <a:avLst/>
+          </a:prstGeom>
+          <a:ln>
+            <a:noFill/>
+          </a:ln>
+        </p:spPr>
+        <p:style>
+          <a:lnRef idx="2">
+            <a:schemeClr val="accent1">
+              <a:shade val="50000"/>
+            </a:schemeClr>
+          </a:lnRef>
+          <a:fillRef idx="1">
+            <a:schemeClr val="accent1"/>
+          </a:fillRef>
+          <a:effectRef idx="0">
+            <a:schemeClr val="accent1"/>
+          </a:effectRef>
+          <a:fontRef idx="minor">
+            <a:schemeClr val="lt1"/>
+          </a:fontRef>
+        </p:style>
+        <p:txBody>
+          <a:bodyPr rtlCol="0" anchor="ctr"/>
+          <a:lstStyle/>
+          <a:p>
+            <a:pPr algn="ctr"/>
+            <a:endParaRPr lang="en-US"/>
+          </a:p>
+        </p:txBody>
+      </p:sp>
       <p:sp>
         <p:nvSpPr>
           <p:cNvPr id="2" name="Title 1"/>
@@ -3988,18 +7923,73 @@
             <p:ph type="title"/>
           </p:nvPr>
         </p:nvSpPr>
-        <p:spPr/>
+        <p:spPr>
+          <a:xfrm>
+            <a:off x="633357" y="1600199"/>
+            <a:ext cx="2654449" cy="4297680"/>
+          </a:xfrm>
+        </p:spPr>
         <p:txBody>
-          <a:bodyPr/>
+          <a:bodyPr anchor="ctr">
+            <a:normAutofit/>
+          </a:bodyPr>
           <a:lstStyle/>
           <a:p>
             <a:r>
-              <a:rPr lang="en-IN" dirty="0"/>
+              <a:rPr lang="en-IN" sz="3200"/>
               <a:t>Goal</a:t>
             </a:r>
           </a:p>
         </p:txBody>
       </p:sp>
+      <p:cxnSp>
+        <p:nvCxnSpPr>
+          <p:cNvPr id="10" name="Straight Connector 9">
+            <a:extLst>
+              <a:ext uri="{FF2B5EF4-FFF2-40B4-BE49-F238E27FC236}">
+                <a16:creationId xmlns:a16="http://schemas.microsoft.com/office/drawing/2014/main" id="{9EC65442-F244-409C-BF44-C5D6472E810A}"/>
+              </a:ext>
+              <a:ext uri="{C183D7F6-B498-43B3-948B-1728B52AA6E4}">
+                <adec:decorative xmlns:adec="http://schemas.microsoft.com/office/drawing/2017/decorative" val="1"/>
+              </a:ext>
+            </a:extLst>
+          </p:cNvPr>
+          <p:cNvCxnSpPr>
+            <a:cxnSpLocks noGrp="1" noRot="1" noChangeAspect="1" noMove="1" noResize="1" noEditPoints="1" noAdjustHandles="1" noChangeArrowheads="1" noChangeShapeType="1"/>
+          </p:cNvCxnSpPr>
+          <p:nvPr>
+            <p:extLst>
+              <p:ext uri="{386F3935-93C4-4BCD-93E2-E3B085C9AB24}">
+                <p16:designElem xmlns:p16="http://schemas.microsoft.com/office/powerpoint/2015/main" val="1"/>
+              </p:ext>
+            </p:extLst>
+          </p:nvPr>
+        </p:nvCxnSpPr>
+        <p:spPr>
+          <a:xfrm>
+            <a:off x="3490722" y="2148839"/>
+            <a:ext cx="0" cy="3200400"/>
+          </a:xfrm>
+          <a:prstGeom prst="line">
+            <a:avLst/>
+          </a:prstGeom>
+          <a:ln w="31750"/>
+        </p:spPr>
+        <p:style>
+          <a:lnRef idx="1">
+            <a:schemeClr val="accent1"/>
+          </a:lnRef>
+          <a:fillRef idx="0">
+            <a:schemeClr val="accent1"/>
+          </a:fillRef>
+          <a:effectRef idx="0">
+            <a:schemeClr val="accent1"/>
+          </a:effectRef>
+          <a:fontRef idx="minor">
+            <a:schemeClr val="tx1"/>
+          </a:fontRef>
+        </p:style>
+      </p:cxnSp>
       <p:sp>
         <p:nvSpPr>
           <p:cNvPr id="3" name="Content Placeholder 2"/>
@@ -4010,13 +8000,20 @@
             <p:ph idx="1"/>
           </p:nvPr>
         </p:nvSpPr>
-        <p:spPr/>
+        <p:spPr>
+          <a:xfrm>
+            <a:off x="3693638" y="1600199"/>
+            <a:ext cx="4597502" cy="4297680"/>
+          </a:xfrm>
+        </p:spPr>
         <p:txBody>
-          <a:bodyPr/>
+          <a:bodyPr anchor="ctr">
+            <a:normAutofit/>
+          </a:bodyPr>
           <a:lstStyle/>
           <a:p>
             <a:r>
-              <a:rPr lang="en-IN" dirty="0"/>
+              <a:rPr lang="en-IN" sz="2000"/>
               <a:t>To successfully build the Risk Game according to the given build requirements.</a:t>
             </a:r>
           </a:p>
@@ -4026,7 +8023,7 @@
               <a:buChar char="•"/>
             </a:pPr>
             <a:r>
-              <a:rPr lang="en-IN" dirty="0"/>
+              <a:rPr lang="en-IN" sz="2000"/>
               <a:t>Map Editor</a:t>
             </a:r>
           </a:p>
@@ -4036,7 +8033,7 @@
               <a:buChar char="•"/>
             </a:pPr>
             <a:r>
-              <a:rPr lang="en-IN" dirty="0"/>
+              <a:rPr lang="en-IN" sz="2000"/>
               <a:t>Game Play</a:t>
             </a:r>
           </a:p>
@@ -4046,7 +8043,7 @@
               <a:buChar char="•"/>
             </a:pPr>
             <a:r>
-              <a:rPr lang="en-IN" dirty="0"/>
+              <a:rPr lang="en-IN" sz="2000"/>
               <a:t>Programming Process</a:t>
             </a:r>
           </a:p>
@@ -4068,6 +8065,30 @@
 <file path=ppt/slides/slide4.xml><?xml version="1.0" encoding="utf-8"?>
 <p:sld xmlns:a="http://schemas.openxmlformats.org/drawingml/2006/main" xmlns:r="http://schemas.openxmlformats.org/officeDocument/2006/relationships" xmlns:p="http://schemas.openxmlformats.org/presentationml/2006/main">
   <p:cSld>
+    <p:bg>
+      <p:bgPr>
+        <a:gradFill rotWithShape="1">
+          <a:gsLst>
+            <a:gs pos="0">
+              <a:schemeClr val="bg2">
+                <a:tint val="94000"/>
+                <a:satMod val="80000"/>
+                <a:lumMod val="106000"/>
+              </a:schemeClr>
+            </a:gs>
+            <a:gs pos="100000">
+              <a:schemeClr val="bg2">
+                <a:shade val="80000"/>
+              </a:schemeClr>
+            </a:gs>
+          </a:gsLst>
+          <a:path path="circle">
+            <a:fillToRect l="43000" r="43000" b="100000"/>
+          </a:path>
+        </a:gradFill>
+        <a:effectLst/>
+      </p:bgPr>
+    </p:bg>
     <p:spTree>
       <p:nvGrpSpPr>
         <p:cNvPr id="1" name=""/>
@@ -4084,6 +8105,218 @@
       </p:grpSpPr>
       <p:sp>
         <p:nvSpPr>
+          <p:cNvPr id="34" name="Rectangle 9">
+            <a:extLst>
+              <a:ext uri="{FF2B5EF4-FFF2-40B4-BE49-F238E27FC236}">
+                <a16:creationId xmlns:a16="http://schemas.microsoft.com/office/drawing/2014/main" id="{84C75E2B-CACA-478C-B26B-182AF87A18E3}"/>
+              </a:ext>
+              <a:ext uri="{C183D7F6-B498-43B3-948B-1728B52AA6E4}">
+                <adec:decorative xmlns:adec="http://schemas.microsoft.com/office/drawing/2017/decorative" val="1"/>
+              </a:ext>
+            </a:extLst>
+          </p:cNvPr>
+          <p:cNvSpPr>
+            <a:spLocks noGrp="1" noRot="1" noChangeAspect="1" noMove="1" noResize="1" noEditPoints="1" noAdjustHandles="1" noChangeArrowheads="1" noChangeShapeType="1" noTextEdit="1"/>
+          </p:cNvSpPr>
+          <p:nvPr>
+            <p:extLst>
+              <p:ext uri="{386F3935-93C4-4BCD-93E2-E3B085C9AB24}">
+                <p16:designElem xmlns:p16="http://schemas.microsoft.com/office/powerpoint/2015/main" val="1"/>
+              </p:ext>
+            </p:extLst>
+          </p:nvPr>
+        </p:nvSpPr>
+        <p:spPr>
+          <a:xfrm>
+            <a:off x="0" y="2019476"/>
+            <a:ext cx="9144000" cy="4105941"/>
+          </a:xfrm>
+          <a:prstGeom prst="rect">
+            <a:avLst/>
+          </a:prstGeom>
+          <a:gradFill flip="none" rotWithShape="1">
+            <a:gsLst>
+              <a:gs pos="0">
+                <a:schemeClr val="bg2">
+                  <a:alpha val="0"/>
+                </a:schemeClr>
+              </a:gs>
+              <a:gs pos="100000">
+                <a:schemeClr val="bg2"/>
+              </a:gs>
+            </a:gsLst>
+            <a:lin ang="5400000" scaled="0"/>
+            <a:tileRect/>
+          </a:gradFill>
+          <a:ln>
+            <a:noFill/>
+          </a:ln>
+        </p:spPr>
+        <p:style>
+          <a:lnRef idx="2">
+            <a:schemeClr val="accent1">
+              <a:shade val="50000"/>
+            </a:schemeClr>
+          </a:lnRef>
+          <a:fillRef idx="1">
+            <a:schemeClr val="accent1"/>
+          </a:fillRef>
+          <a:effectRef idx="0">
+            <a:schemeClr val="accent1"/>
+          </a:effectRef>
+          <a:fontRef idx="minor">
+            <a:schemeClr val="lt1"/>
+          </a:fontRef>
+        </p:style>
+      </p:sp>
+      <p:pic>
+        <p:nvPicPr>
+          <p:cNvPr id="35" name="Picture 11">
+            <a:extLst>
+              <a:ext uri="{FF2B5EF4-FFF2-40B4-BE49-F238E27FC236}">
+                <a16:creationId xmlns:a16="http://schemas.microsoft.com/office/drawing/2014/main" id="{50FF2874-547C-4D14-9E18-28B19002FB8C}"/>
+              </a:ext>
+              <a:ext uri="{C183D7F6-B498-43B3-948B-1728B52AA6E4}">
+                <adec:decorative xmlns:adec="http://schemas.microsoft.com/office/drawing/2017/decorative" val="1"/>
+              </a:ext>
+            </a:extLst>
+          </p:cNvPr>
+          <p:cNvPicPr>
+            <a:picLocks noGrp="1" noRot="1" noChangeAspect="1" noMove="1" noResize="1" noEditPoints="1" noAdjustHandles="1" noChangeArrowheads="1" noChangeShapeType="1" noCrop="1"/>
+          </p:cNvPicPr>
+          <p:nvPr>
+            <p:extLst>
+              <p:ext uri="{386F3935-93C4-4BCD-93E2-E3B085C9AB24}">
+                <p16:designElem xmlns:p16="http://schemas.microsoft.com/office/powerpoint/2015/main" val="1"/>
+              </p:ext>
+            </p:extLst>
+          </p:nvPr>
+        </p:nvPicPr>
+        <p:blipFill rotWithShape="1">
+          <a:blip r:embed="rId2">
+            <a:extLst>
+              <a:ext uri="{28A0092B-C50C-407E-A947-70E740481C1C}">
+                <a14:useLocalDpi xmlns:a14="http://schemas.microsoft.com/office/drawing/2010/main" val="0"/>
+              </a:ext>
+            </a:extLst>
+          </a:blip>
+          <a:srcRect t="1538" b="-1538"/>
+          <a:stretch/>
+        </p:blipFill>
+        <p:spPr bwMode="black">
+          <a:xfrm>
+            <a:off x="0" y="6126480"/>
+            <a:ext cx="9144000" cy="742950"/>
+          </a:xfrm>
+          <a:prstGeom prst="rect">
+            <a:avLst/>
+          </a:prstGeom>
+        </p:spPr>
+      </p:pic>
+      <p:cxnSp>
+        <p:nvCxnSpPr>
+          <p:cNvPr id="36" name="Straight Connector 13">
+            <a:extLst>
+              <a:ext uri="{FF2B5EF4-FFF2-40B4-BE49-F238E27FC236}">
+                <a16:creationId xmlns:a16="http://schemas.microsoft.com/office/drawing/2014/main" id="{36CF827D-A163-47F7-BD87-34EB4FA7D696}"/>
+              </a:ext>
+              <a:ext uri="{C183D7F6-B498-43B3-948B-1728B52AA6E4}">
+                <adec:decorative xmlns:adec="http://schemas.microsoft.com/office/drawing/2017/decorative" val="1"/>
+              </a:ext>
+            </a:extLst>
+          </p:cNvPr>
+          <p:cNvCxnSpPr>
+            <a:cxnSpLocks noGrp="1" noRot="1" noChangeAspect="1" noMove="1" noResize="1" noEditPoints="1" noAdjustHandles="1" noChangeArrowheads="1" noChangeShapeType="1"/>
+          </p:cNvCxnSpPr>
+          <p:nvPr>
+            <p:extLst>
+              <p:ext uri="{386F3935-93C4-4BCD-93E2-E3B085C9AB24}">
+                <p16:designElem xmlns:p16="http://schemas.microsoft.com/office/powerpoint/2015/main" val="1"/>
+              </p:ext>
+            </p:extLst>
+          </p:nvPr>
+        </p:nvCxnSpPr>
+        <p:spPr>
+          <a:xfrm>
+            <a:off x="0" y="6128413"/>
+            <a:ext cx="9144000" cy="0"/>
+          </a:xfrm>
+          <a:prstGeom prst="line">
+            <a:avLst/>
+          </a:prstGeom>
+          <a:ln w="12700">
+            <a:solidFill>
+              <a:srgbClr val="000001">
+                <a:alpha val="20000"/>
+              </a:srgbClr>
+            </a:solidFill>
+          </a:ln>
+        </p:spPr>
+        <p:style>
+          <a:lnRef idx="1">
+            <a:schemeClr val="accent1"/>
+          </a:lnRef>
+          <a:fillRef idx="0">
+            <a:schemeClr val="accent1"/>
+          </a:fillRef>
+          <a:effectRef idx="0">
+            <a:schemeClr val="accent1"/>
+          </a:effectRef>
+          <a:fontRef idx="minor">
+            <a:schemeClr val="tx1"/>
+          </a:fontRef>
+        </p:style>
+      </p:cxnSp>
+      <p:cxnSp>
+        <p:nvCxnSpPr>
+          <p:cNvPr id="37" name="Straight Connector 15">
+            <a:extLst>
+              <a:ext uri="{FF2B5EF4-FFF2-40B4-BE49-F238E27FC236}">
+                <a16:creationId xmlns:a16="http://schemas.microsoft.com/office/drawing/2014/main" id="{D299D9A9-1DA8-433D-A9BC-FB48D93D4217}"/>
+              </a:ext>
+              <a:ext uri="{C183D7F6-B498-43B3-948B-1728B52AA6E4}">
+                <adec:decorative xmlns:adec="http://schemas.microsoft.com/office/drawing/2017/decorative" val="1"/>
+              </a:ext>
+            </a:extLst>
+          </p:cNvPr>
+          <p:cNvCxnSpPr>
+            <a:cxnSpLocks noGrp="1" noRot="1" noChangeAspect="1" noMove="1" noResize="1" noEditPoints="1" noAdjustHandles="1" noChangeArrowheads="1" noChangeShapeType="1"/>
+          </p:cNvCxnSpPr>
+          <p:nvPr>
+            <p:extLst>
+              <p:ext uri="{386F3935-93C4-4BCD-93E2-E3B085C9AB24}">
+                <p16:designElem xmlns:p16="http://schemas.microsoft.com/office/powerpoint/2015/main" val="1"/>
+              </p:ext>
+            </p:extLst>
+          </p:nvPr>
+        </p:nvCxnSpPr>
+        <p:spPr>
+          <a:xfrm>
+            <a:off x="1090422" y="1847088"/>
+            <a:ext cx="7205641" cy="0"/>
+          </a:xfrm>
+          <a:prstGeom prst="line">
+            <a:avLst/>
+          </a:prstGeom>
+          <a:ln w="31750"/>
+        </p:spPr>
+        <p:style>
+          <a:lnRef idx="3">
+            <a:schemeClr val="accent1"/>
+          </a:lnRef>
+          <a:fillRef idx="0">
+            <a:schemeClr val="accent1"/>
+          </a:fillRef>
+          <a:effectRef idx="2">
+            <a:schemeClr val="accent1"/>
+          </a:effectRef>
+          <a:fontRef idx="minor">
+            <a:schemeClr val="tx1"/>
+          </a:fontRef>
+        </p:style>
+      </p:cxnSp>
+      <p:sp>
+        <p:nvSpPr>
           <p:cNvPr id="2" name="Title 1"/>
           <p:cNvSpPr>
             <a:spLocks noGrp="1"/>
@@ -4092,15 +8325,29 @@
             <p:ph type="title"/>
           </p:nvPr>
         </p:nvSpPr>
-        <p:spPr/>
+        <p:spPr>
+          <a:xfrm>
+            <a:off x="1088684" y="804519"/>
+            <a:ext cx="7202456" cy="1049235"/>
+          </a:xfrm>
+        </p:spPr>
         <p:txBody>
-          <a:bodyPr>
+          <a:bodyPr vert="horz" lIns="91440" tIns="45720" rIns="91440" bIns="45720" rtlCol="0" anchor="t">
             <a:normAutofit/>
           </a:bodyPr>
           <a:lstStyle/>
           <a:p>
+            <a:pPr defTabSz="914400"/>
             <a:r>
-              <a:rPr lang="en-IN" dirty="0"/>
+              <a:rPr lang="en-US" sz="3200" b="0" i="0" kern="1200" cap="all">
+                <a:solidFill>
+                  <a:schemeClr val="tx1"/>
+                </a:solidFill>
+                <a:effectLst/>
+                <a:latin typeface="+mj-lt"/>
+                <a:ea typeface="+mj-ea"/>
+                <a:cs typeface="+mj-cs"/>
+              </a:rPr>
               <a:t>Architectural Diagram</a:t>
             </a:r>
           </a:p>
@@ -4123,7 +8370,7 @@
           </p:nvPr>
         </p:nvPicPr>
         <p:blipFill>
-          <a:blip r:embed="rId2">
+          <a:blip r:embed="rId3">
             <a:extLst>
               <a:ext uri="{28A0092B-C50C-407E-A947-70E740481C1C}">
                 <a14:useLocalDpi xmlns:a14="http://schemas.microsoft.com/office/drawing/2010/main" val="0"/>
@@ -4136,9 +8383,12 @@
         </p:blipFill>
         <p:spPr>
           <a:xfrm>
-            <a:off x="1085548" y="1947526"/>
-            <a:ext cx="6972904" cy="4107536"/>
+            <a:off x="1088684" y="2015732"/>
+            <a:ext cx="5848495" cy="3450613"/>
           </a:xfrm>
+          <a:prstGeom prst="rect">
+            <a:avLst/>
+          </a:prstGeom>
         </p:spPr>
       </p:pic>
     </p:spTree>
@@ -4155,9 +8405,9 @@
 </file>
 
 <file path=ppt/theme/theme1.xml><?xml version="1.0" encoding="utf-8"?>
-<a:theme xmlns:a="http://schemas.openxmlformats.org/drawingml/2006/main" name="Office Theme">
+<a:theme xmlns:a="http://schemas.openxmlformats.org/drawingml/2006/main" name="Gallery">
   <a:themeElements>
-    <a:clrScheme name="Office">
+    <a:clrScheme name="Gallery">
       <a:dk1>
         <a:sysClr val="windowText" lastClr="000000"/>
       </a:dk1>
@@ -4165,39 +8415,39 @@
         <a:sysClr val="window" lastClr="FFFFFF"/>
       </a:lt1>
       <a:dk2>
-        <a:srgbClr val="44546A"/>
+        <a:srgbClr val="454545"/>
       </a:dk2>
       <a:lt2>
-        <a:srgbClr val="E7E6E6"/>
+        <a:srgbClr val="DFDBD5"/>
       </a:lt2>
       <a:accent1>
-        <a:srgbClr val="4472C4"/>
+        <a:srgbClr val="B71E42"/>
       </a:accent1>
       <a:accent2>
-        <a:srgbClr val="ED7D31"/>
+        <a:srgbClr val="DE478E"/>
       </a:accent2>
       <a:accent3>
-        <a:srgbClr val="A5A5A5"/>
+        <a:srgbClr val="BC72F0"/>
       </a:accent3>
       <a:accent4>
-        <a:srgbClr val="FFC000"/>
+        <a:srgbClr val="795FAF"/>
       </a:accent4>
       <a:accent5>
-        <a:srgbClr val="5B9BD5"/>
+        <a:srgbClr val="586EA6"/>
       </a:accent5>
       <a:accent6>
-        <a:srgbClr val="70AD47"/>
+        <a:srgbClr val="6892A0"/>
       </a:accent6>
       <a:hlink>
-        <a:srgbClr val="0563C1"/>
+        <a:srgbClr val="FA2B5C"/>
       </a:hlink>
       <a:folHlink>
-        <a:srgbClr val="954F72"/>
+        <a:srgbClr val="BC658E"/>
       </a:folHlink>
     </a:clrScheme>
-    <a:fontScheme name="Office">
+    <a:fontScheme name="Gallery">
       <a:majorFont>
-        <a:latin typeface="Calibri Light" panose="020F0302020204030204"/>
+        <a:latin typeface="Gill Sans MT" panose="020B0502020104020203"/>
         <a:ea typeface=""/>
         <a:cs typeface=""/>
         <a:font script="Jpan" typeface="游ゴシック Light"/>
@@ -4230,26 +8480,9 @@
         <a:font script="Viet" typeface="Times New Roman"/>
         <a:font script="Uigh" typeface="Microsoft Uighur"/>
         <a:font script="Geor" typeface="Sylfaen"/>
-        <a:font script="Armn" typeface="Arial"/>
-        <a:font script="Bugi" typeface="Leelawadee UI"/>
-        <a:font script="Bopo" typeface="Microsoft JhengHei"/>
-        <a:font script="Java" typeface="Javanese Text"/>
-        <a:font script="Lisu" typeface="Segoe UI"/>
-        <a:font script="Mymr" typeface="Myanmar Text"/>
-        <a:font script="Nkoo" typeface="Ebrima"/>
-        <a:font script="Olck" typeface="Nirmala UI"/>
-        <a:font script="Osma" typeface="Ebrima"/>
-        <a:font script="Phag" typeface="Phagspa"/>
-        <a:font script="Syrn" typeface="Estrangelo Edessa"/>
-        <a:font script="Syrj" typeface="Estrangelo Edessa"/>
-        <a:font script="Syre" typeface="Estrangelo Edessa"/>
-        <a:font script="Sora" typeface="Nirmala UI"/>
-        <a:font script="Tale" typeface="Microsoft Tai Le"/>
-        <a:font script="Talu" typeface="Microsoft New Tai Lue"/>
-        <a:font script="Tfng" typeface="Ebrima"/>
       </a:majorFont>
       <a:minorFont>
-        <a:latin typeface="Calibri" panose="020F0502020204030204"/>
+        <a:latin typeface="Gill Sans MT" panose="020B0502020104020203"/>
         <a:ea typeface=""/>
         <a:cs typeface=""/>
         <a:font script="Jpan" typeface="游ゴシック"/>
@@ -4282,26 +8515,9 @@
         <a:font script="Viet" typeface="Arial"/>
         <a:font script="Uigh" typeface="Microsoft Uighur"/>
         <a:font script="Geor" typeface="Sylfaen"/>
-        <a:font script="Armn" typeface="Arial"/>
-        <a:font script="Bugi" typeface="Leelawadee UI"/>
-        <a:font script="Bopo" typeface="Microsoft JhengHei"/>
-        <a:font script="Java" typeface="Javanese Text"/>
-        <a:font script="Lisu" typeface="Segoe UI"/>
-        <a:font script="Mymr" typeface="Myanmar Text"/>
-        <a:font script="Nkoo" typeface="Ebrima"/>
-        <a:font script="Olck" typeface="Nirmala UI"/>
-        <a:font script="Osma" typeface="Ebrima"/>
-        <a:font script="Phag" typeface="Phagspa"/>
-        <a:font script="Syrn" typeface="Estrangelo Edessa"/>
-        <a:font script="Syrj" typeface="Estrangelo Edessa"/>
-        <a:font script="Syre" typeface="Estrangelo Edessa"/>
-        <a:font script="Sora" typeface="Nirmala UI"/>
-        <a:font script="Tale" typeface="Microsoft Tai Le"/>
-        <a:font script="Talu" typeface="Microsoft New Tai Lue"/>
-        <a:font script="Tfng" typeface="Ebrima"/>
       </a:minorFont>
     </a:fontScheme>
-    <a:fmtScheme name="Office">
+    <a:fmtScheme name="Gallery">
       <a:fillStyleLst>
         <a:solidFill>
           <a:schemeClr val="phClr"/>
@@ -4310,23 +8526,18 @@
           <a:gsLst>
             <a:gs pos="0">
               <a:schemeClr val="phClr">
+                <a:tint val="54000"/>
+                <a:alpha val="100000"/>
+                <a:satMod val="105000"/>
                 <a:lumMod val="110000"/>
-                <a:satMod val="105000"/>
-                <a:tint val="67000"/>
-              </a:schemeClr>
-            </a:gs>
-            <a:gs pos="50000">
-              <a:schemeClr val="phClr">
-                <a:lumMod val="105000"/>
-                <a:satMod val="103000"/>
-                <a:tint val="73000"/>
               </a:schemeClr>
             </a:gs>
             <a:gs pos="100000">
               <a:schemeClr val="phClr">
-                <a:lumMod val="105000"/>
+                <a:tint val="78000"/>
+                <a:alpha val="92000"/>
                 <a:satMod val="109000"/>
-                <a:tint val="81000"/>
+                <a:lumMod val="100000"/>
               </a:schemeClr>
             </a:gs>
           </a:gsLst>
@@ -4336,23 +8547,23 @@
           <a:gsLst>
             <a:gs pos="0">
               <a:schemeClr val="phClr">
-                <a:satMod val="103000"/>
-                <a:lumMod val="102000"/>
-                <a:tint val="94000"/>
+                <a:tint val="98000"/>
+                <a:satMod val="110000"/>
+                <a:lumMod val="104000"/>
               </a:schemeClr>
             </a:gs>
-            <a:gs pos="50000">
+            <a:gs pos="69000">
               <a:schemeClr val="phClr">
-                <a:satMod val="110000"/>
-                <a:lumMod val="100000"/>
-                <a:shade val="100000"/>
+                <a:shade val="88000"/>
+                <a:satMod val="130000"/>
+                <a:lumMod val="92000"/>
               </a:schemeClr>
             </a:gs>
             <a:gs pos="100000">
               <a:schemeClr val="phClr">
-                <a:lumMod val="99000"/>
-                <a:satMod val="120000"/>
                 <a:shade val="78000"/>
+                <a:satMod val="130000"/>
+                <a:lumMod val="92000"/>
               </a:schemeClr>
             </a:gs>
           </a:gsLst>
@@ -4360,26 +8571,23 @@
         </a:gradFill>
       </a:fillStyleLst>
       <a:lnStyleLst>
-        <a:ln w="6350" cap="flat" cmpd="sng" algn="ctr">
+        <a:ln w="9525" cap="flat" cmpd="sng" algn="ctr">
           <a:solidFill>
             <a:schemeClr val="phClr"/>
           </a:solidFill>
           <a:prstDash val="solid"/>
-          <a:miter lim="800000"/>
         </a:ln>
-        <a:ln w="12700" cap="flat" cmpd="sng" algn="ctr">
+        <a:ln w="15875" cap="flat" cmpd="sng" algn="ctr">
           <a:solidFill>
             <a:schemeClr val="phClr"/>
           </a:solidFill>
           <a:prstDash val="solid"/>
-          <a:miter lim="800000"/>
         </a:ln>
-        <a:ln w="19050" cap="flat" cmpd="sng" algn="ctr">
+        <a:ln w="22225" cap="flat" cmpd="sng" algn="ctr">
           <a:solidFill>
             <a:schemeClr val="phClr"/>
           </a:solidFill>
           <a:prstDash val="solid"/>
-          <a:miter lim="800000"/>
         </a:ln>
       </a:lnStyleLst>
       <a:effectStyleLst>
@@ -4391,12 +8599,23 @@
         </a:effectStyle>
         <a:effectStyle>
           <a:effectLst>
-            <a:outerShdw blurRad="57150" dist="19050" dir="5400000" algn="ctr" rotWithShape="0">
+            <a:outerShdw blurRad="50800" dist="50800" dir="5400000" sx="96000" sy="96000" rotWithShape="0">
               <a:srgbClr val="000000">
-                <a:alpha val="63000"/>
+                <a:alpha val="48000"/>
               </a:srgbClr>
             </a:outerShdw>
           </a:effectLst>
+          <a:scene3d>
+            <a:camera prst="orthographicFront">
+              <a:rot lat="0" lon="0" rev="0"/>
+            </a:camera>
+            <a:lightRig rig="balanced" dir="t">
+              <a:rot lat="0" lon="0" rev="1080000"/>
+            </a:lightRig>
+          </a:scene3d>
+          <a:sp3d>
+            <a:bevelT w="38100" h="12700" prst="softRound"/>
+          </a:sp3d>
         </a:effectStyle>
       </a:effectStyleLst>
       <a:bgFillStyleLst>
@@ -4404,37 +8623,26 @@
           <a:schemeClr val="phClr"/>
         </a:solidFill>
         <a:solidFill>
-          <a:schemeClr val="phClr">
-            <a:tint val="95000"/>
-            <a:satMod val="170000"/>
-          </a:schemeClr>
+          <a:schemeClr val="phClr"/>
         </a:solidFill>
         <a:gradFill rotWithShape="1">
           <a:gsLst>
             <a:gs pos="0">
               <a:schemeClr val="phClr">
-                <a:tint val="93000"/>
-                <a:satMod val="150000"/>
-                <a:shade val="98000"/>
-                <a:lumMod val="102000"/>
-              </a:schemeClr>
-            </a:gs>
-            <a:gs pos="50000">
-              <a:schemeClr val="phClr">
-                <a:tint val="98000"/>
-                <a:satMod val="130000"/>
-                <a:shade val="90000"/>
-                <a:lumMod val="103000"/>
+                <a:tint val="94000"/>
+                <a:satMod val="80000"/>
+                <a:lumMod val="106000"/>
               </a:schemeClr>
             </a:gs>
             <a:gs pos="100000">
               <a:schemeClr val="phClr">
-                <a:shade val="63000"/>
-                <a:satMod val="120000"/>
+                <a:shade val="80000"/>
               </a:schemeClr>
             </a:gs>
           </a:gsLst>
-          <a:lin ang="5400000" scaled="0"/>
+          <a:path path="circle">
+            <a:fillToRect l="43000" r="43000" b="100000"/>
+          </a:path>
         </a:gradFill>
       </a:bgFillStyleLst>
     </a:fmtScheme>
@@ -4443,7 +8651,7 @@
   <a:extraClrSchemeLst/>
   <a:extLst>
     <a:ext uri="{05A4C25C-085E-4340-85A3-A5531E510DB2}">
-      <thm15:themeFamily xmlns:thm15="http://schemas.microsoft.com/office/thememl/2012/main" name="Office Theme" id="{62F939B6-93AF-4DB8-9C6B-D6C7DFDC589F}" vid="{4A3C46E8-61CC-4603-A589-7422A47A8E4A}"/>
+      <thm15:themeFamily xmlns:thm15="http://schemas.microsoft.com/office/thememl/2012/main" name="Gallery" id="{BBFCD31E-59A1-489D-B089-A3EAD7CAE12E}" vid="{F5E91637-A7B6-4E27-B710-77DA7014EE1E}"/>
     </a:ext>
   </a:extLst>
 </a:theme>

--- a/Risk Game.pptx
+++ b/Risk Game.pptx
@@ -109,7 +109,7 @@
   </p:defaultTextStyle>
   <p:extLst>
     <p:ext uri="{EFAFB233-063F-42B5-8137-9DF3F51BA10A}">
-      <p15:sldGuideLst xmlns:p15="http://schemas.microsoft.com/office/powerpoint/2012/main">
+      <p15:sldGuideLst xmlns:p15="http://schemas.microsoft.com/office/powerpoint/2012/main" xmlns="">
         <p15:guide id="1" orient="horz" pos="2160">
           <p15:clr>
             <a:srgbClr val="A4A3A4"/>
@@ -1082,6 +1082,13 @@
         </dgm:presLayoutVars>
       </dgm:prSet>
       <dgm:spPr/>
+      <dgm:t>
+        <a:bodyPr/>
+        <a:lstStyle/>
+        <a:p>
+          <a:endParaRPr lang="en-IN"/>
+        </a:p>
+      </dgm:t>
     </dgm:pt>
     <dgm:pt modelId="{D27BB59F-2321-4457-BEC1-FCAB68B53313}" type="pres">
       <dgm:prSet presAssocID="{638B3858-E4DD-4E18-9B4B-9DC8815F7A76}" presName="compNode" presStyleCnt="0"/>
@@ -1097,7 +1104,7 @@
                 <a14:useLocalDpi xmlns:a14="http://schemas.microsoft.com/office/drawing/2010/main" val="0"/>
               </a:ext>
               <a:ext uri="{96DAC541-7B7A-43D3-8B79-37D633B846F1}">
-                <asvg:svgBlip xmlns:asvg="http://schemas.microsoft.com/office/drawing/2016/SVG/main" r:embed="rId2"/>
+                <asvg:svgBlip xmlns:asvg="http://schemas.microsoft.com/office/drawing/2016/SVG/main" xmlns="" r:embed="rId2"/>
               </a:ext>
             </a:extLst>
           </a:blip>
@@ -1127,6 +1134,13 @@
         </dgm:presLayoutVars>
       </dgm:prSet>
       <dgm:spPr/>
+      <dgm:t>
+        <a:bodyPr/>
+        <a:lstStyle/>
+        <a:p>
+          <a:endParaRPr lang="en-IN"/>
+        </a:p>
+      </dgm:t>
     </dgm:pt>
     <dgm:pt modelId="{42670730-1ACC-48E1-9AAC-1BA59A440DC1}" type="pres">
       <dgm:prSet presAssocID="{6BB5D0BE-7BF4-4C90-91FC-A713F23F49AE}" presName="sibTrans" presStyleCnt="0"/>
@@ -1146,7 +1160,7 @@
                 <a14:useLocalDpi xmlns:a14="http://schemas.microsoft.com/office/drawing/2010/main" val="0"/>
               </a:ext>
               <a:ext uri="{96DAC541-7B7A-43D3-8B79-37D633B846F1}">
-                <asvg:svgBlip xmlns:asvg="http://schemas.microsoft.com/office/drawing/2016/SVG/main" r:embed="rId4"/>
+                <asvg:svgBlip xmlns:asvg="http://schemas.microsoft.com/office/drawing/2016/SVG/main" xmlns="" r:embed="rId4"/>
               </a:ext>
             </a:extLst>
           </a:blip>
@@ -1176,6 +1190,13 @@
         </dgm:presLayoutVars>
       </dgm:prSet>
       <dgm:spPr/>
+      <dgm:t>
+        <a:bodyPr/>
+        <a:lstStyle/>
+        <a:p>
+          <a:endParaRPr lang="en-IN"/>
+        </a:p>
+      </dgm:t>
     </dgm:pt>
     <dgm:pt modelId="{DEB08585-1579-42D7-B9CB-360BE40A8814}" type="pres">
       <dgm:prSet presAssocID="{DBA41F96-558D-4C63-A63C-595EC8BAFB81}" presName="sibTrans" presStyleCnt="0"/>
@@ -1195,7 +1216,7 @@
                 <a14:useLocalDpi xmlns:a14="http://schemas.microsoft.com/office/drawing/2010/main" val="0"/>
               </a:ext>
               <a:ext uri="{96DAC541-7B7A-43D3-8B79-37D633B846F1}">
-                <asvg:svgBlip xmlns:asvg="http://schemas.microsoft.com/office/drawing/2016/SVG/main" r:embed="rId6"/>
+                <asvg:svgBlip xmlns:asvg="http://schemas.microsoft.com/office/drawing/2016/SVG/main" xmlns="" r:embed="rId6"/>
               </a:ext>
             </a:extLst>
           </a:blip>
@@ -1225,6 +1246,13 @@
         </dgm:presLayoutVars>
       </dgm:prSet>
       <dgm:spPr/>
+      <dgm:t>
+        <a:bodyPr/>
+        <a:lstStyle/>
+        <a:p>
+          <a:endParaRPr lang="en-IN"/>
+        </a:p>
+      </dgm:t>
     </dgm:pt>
     <dgm:pt modelId="{F5EB6012-E09D-4480-942E-19E4FBE95296}" type="pres">
       <dgm:prSet presAssocID="{67ACD462-835A-4A74-B841-86E93BDEE432}" presName="sibTrans" presStyleCnt="0"/>
@@ -1244,7 +1272,7 @@
                 <a14:useLocalDpi xmlns:a14="http://schemas.microsoft.com/office/drawing/2010/main" val="0"/>
               </a:ext>
               <a:ext uri="{96DAC541-7B7A-43D3-8B79-37D633B846F1}">
-                <asvg:svgBlip xmlns:asvg="http://schemas.microsoft.com/office/drawing/2016/SVG/main" r:embed="rId8"/>
+                <asvg:svgBlip xmlns:asvg="http://schemas.microsoft.com/office/drawing/2016/SVG/main" xmlns="" r:embed="rId8"/>
               </a:ext>
             </a:extLst>
           </a:blip>
@@ -1274,6 +1302,13 @@
         </dgm:presLayoutVars>
       </dgm:prSet>
       <dgm:spPr/>
+      <dgm:t>
+        <a:bodyPr/>
+        <a:lstStyle/>
+        <a:p>
+          <a:endParaRPr lang="en-IN"/>
+        </a:p>
+      </dgm:t>
     </dgm:pt>
     <dgm:pt modelId="{E35A1619-0465-4A93-8FAB-A260A0788E83}" type="pres">
       <dgm:prSet presAssocID="{D089273A-6FA4-4AB7-A3B2-66C2255172CA}" presName="sibTrans" presStyleCnt="0"/>
@@ -1293,7 +1328,7 @@
                 <a14:useLocalDpi xmlns:a14="http://schemas.microsoft.com/office/drawing/2010/main" val="0"/>
               </a:ext>
               <a:ext uri="{96DAC541-7B7A-43D3-8B79-37D633B846F1}">
-                <asvg:svgBlip xmlns:asvg="http://schemas.microsoft.com/office/drawing/2016/SVG/main" r:embed="rId10"/>
+                <asvg:svgBlip xmlns:asvg="http://schemas.microsoft.com/office/drawing/2016/SVG/main" xmlns="" r:embed="rId10"/>
               </a:ext>
             </a:extLst>
           </a:blip>
@@ -1323,19 +1358,26 @@
         </dgm:presLayoutVars>
       </dgm:prSet>
       <dgm:spPr/>
+      <dgm:t>
+        <a:bodyPr/>
+        <a:lstStyle/>
+        <a:p>
+          <a:endParaRPr lang="en-IN"/>
+        </a:p>
+      </dgm:t>
     </dgm:pt>
   </dgm:ptLst>
   <dgm:cxnLst>
+    <dgm:cxn modelId="{EDB4FFE0-DCA6-41F7-BB94-24913699F5E4}" srcId="{8974EA30-5443-4DCA-BE25-172DC7826439}" destId="{638B3858-E4DD-4E18-9B4B-9DC8815F7A76}" srcOrd="0" destOrd="0" parTransId="{F79F5801-2778-4A37-A87A-2751FAE26699}" sibTransId="{6BB5D0BE-7BF4-4C90-91FC-A713F23F49AE}"/>
+    <dgm:cxn modelId="{1AE73C8E-1835-4969-A67A-6B2876770920}" type="presOf" srcId="{A1393382-1B47-4626-ACB5-FC3DA76C0A04}" destId="{FC776A5E-94F7-4AF4-97CA-7FFD1A6FB169}" srcOrd="0" destOrd="0" presId="urn:microsoft.com/office/officeart/2018/2/layout/IconLabelList"/>
+    <dgm:cxn modelId="{62589027-50D5-4DDB-8B1E-304284CC071C}" type="presOf" srcId="{8974EA30-5443-4DCA-BE25-172DC7826439}" destId="{A086395D-FECA-4FF4-A7A8-C9D6E1B99946}" srcOrd="0" destOrd="0" presId="urn:microsoft.com/office/officeart/2018/2/layout/IconLabelList"/>
     <dgm:cxn modelId="{122F891A-E3A7-4E3D-9A1B-8250C8992629}" srcId="{8974EA30-5443-4DCA-BE25-172DC7826439}" destId="{73A0639F-BE27-4447-9AB5-9E90664E5AB4}" srcOrd="2" destOrd="0" parTransId="{35F214CD-6803-4EF1-8393-42F863D25262}" sibTransId="{67ACD462-835A-4A74-B841-86E93BDEE432}"/>
-    <dgm:cxn modelId="{62589027-50D5-4DDB-8B1E-304284CC071C}" type="presOf" srcId="{8974EA30-5443-4DCA-BE25-172DC7826439}" destId="{A086395D-FECA-4FF4-A7A8-C9D6E1B99946}" srcOrd="0" destOrd="0" presId="urn:microsoft.com/office/officeart/2018/2/layout/IconLabelList"/>
+    <dgm:cxn modelId="{74FD49A0-1A05-4D70-8031-854EDB8E59C0}" srcId="{8974EA30-5443-4DCA-BE25-172DC7826439}" destId="{39ECAD7E-26EE-4DCF-B120-E6C98494A68E}" srcOrd="4" destOrd="0" parTransId="{C7058233-58E2-41D3-9FD1-000E6B0F45C5}" sibTransId="{642CD804-4085-412E-B699-0A979133A7E8}"/>
+    <dgm:cxn modelId="{55BB3CEF-D735-442E-AC2F-467E29184C6C}" type="presOf" srcId="{3CD97061-6CFF-4FE9-8699-75CBF44C82B4}" destId="{1F22F1FD-4D56-4583-A8C5-7316FC221C50}" srcOrd="0" destOrd="0" presId="urn:microsoft.com/office/officeart/2018/2/layout/IconLabelList"/>
     <dgm:cxn modelId="{F0BC1F58-D8C4-4B5C-AEE4-E74531C1DC28}" type="presOf" srcId="{73A0639F-BE27-4447-9AB5-9E90664E5AB4}" destId="{441DFFC9-6F04-48EF-AF37-77A1D91FA66F}" srcOrd="0" destOrd="0" presId="urn:microsoft.com/office/officeart/2018/2/layout/IconLabelList"/>
-    <dgm:cxn modelId="{1AE73C8E-1835-4969-A67A-6B2876770920}" type="presOf" srcId="{A1393382-1B47-4626-ACB5-FC3DA76C0A04}" destId="{FC776A5E-94F7-4AF4-97CA-7FFD1A6FB169}" srcOrd="0" destOrd="0" presId="urn:microsoft.com/office/officeart/2018/2/layout/IconLabelList"/>
-    <dgm:cxn modelId="{74FD49A0-1A05-4D70-8031-854EDB8E59C0}" srcId="{8974EA30-5443-4DCA-BE25-172DC7826439}" destId="{39ECAD7E-26EE-4DCF-B120-E6C98494A68E}" srcOrd="4" destOrd="0" parTransId="{C7058233-58E2-41D3-9FD1-000E6B0F45C5}" sibTransId="{642CD804-4085-412E-B699-0A979133A7E8}"/>
+    <dgm:cxn modelId="{6474DBEC-8F44-4A3B-8707-E3C04CFC69BB}" type="presOf" srcId="{638B3858-E4DD-4E18-9B4B-9DC8815F7A76}" destId="{2C7ED18C-D947-41B1-8AAF-D7E04F3D458F}" srcOrd="0" destOrd="0" presId="urn:microsoft.com/office/officeart/2018/2/layout/IconLabelList"/>
+    <dgm:cxn modelId="{9E9FC8E9-76A4-4D77-BCC5-576A43AF1DA2}" type="presOf" srcId="{39ECAD7E-26EE-4DCF-B120-E6C98494A68E}" destId="{B6229467-98AB-43E8-A81C-12CD38DB0429}" srcOrd="0" destOrd="0" presId="urn:microsoft.com/office/officeart/2018/2/layout/IconLabelList"/>
     <dgm:cxn modelId="{4650B7A6-2384-4354-A3A9-15C90BE45ED8}" srcId="{8974EA30-5443-4DCA-BE25-172DC7826439}" destId="{A1393382-1B47-4626-ACB5-FC3DA76C0A04}" srcOrd="1" destOrd="0" parTransId="{527CBCF5-84DC-4512-B3E4-5CE727025AC8}" sibTransId="{DBA41F96-558D-4C63-A63C-595EC8BAFB81}"/>
-    <dgm:cxn modelId="{EDB4FFE0-DCA6-41F7-BB94-24913699F5E4}" srcId="{8974EA30-5443-4DCA-BE25-172DC7826439}" destId="{638B3858-E4DD-4E18-9B4B-9DC8815F7A76}" srcOrd="0" destOrd="0" parTransId="{F79F5801-2778-4A37-A87A-2751FAE26699}" sibTransId="{6BB5D0BE-7BF4-4C90-91FC-A713F23F49AE}"/>
-    <dgm:cxn modelId="{9E9FC8E9-76A4-4D77-BCC5-576A43AF1DA2}" type="presOf" srcId="{39ECAD7E-26EE-4DCF-B120-E6C98494A68E}" destId="{B6229467-98AB-43E8-A81C-12CD38DB0429}" srcOrd="0" destOrd="0" presId="urn:microsoft.com/office/officeart/2018/2/layout/IconLabelList"/>
-    <dgm:cxn modelId="{6474DBEC-8F44-4A3B-8707-E3C04CFC69BB}" type="presOf" srcId="{638B3858-E4DD-4E18-9B4B-9DC8815F7A76}" destId="{2C7ED18C-D947-41B1-8AAF-D7E04F3D458F}" srcOrd="0" destOrd="0" presId="urn:microsoft.com/office/officeart/2018/2/layout/IconLabelList"/>
-    <dgm:cxn modelId="{55BB3CEF-D735-442E-AC2F-467E29184C6C}" type="presOf" srcId="{3CD97061-6CFF-4FE9-8699-75CBF44C82B4}" destId="{1F22F1FD-4D56-4583-A8C5-7316FC221C50}" srcOrd="0" destOrd="0" presId="urn:microsoft.com/office/officeart/2018/2/layout/IconLabelList"/>
     <dgm:cxn modelId="{187FDEFA-B017-4BAF-A9B9-227A404F90F2}" srcId="{8974EA30-5443-4DCA-BE25-172DC7826439}" destId="{3CD97061-6CFF-4FE9-8699-75CBF44C82B4}" srcOrd="3" destOrd="0" parTransId="{A5BF2028-7B20-45BF-BCEC-1E66C6A24F9F}" sibTransId="{D089273A-6FA4-4AB7-A3B2-66C2255172CA}"/>
     <dgm:cxn modelId="{AF9CB39F-CE4D-4C5B-9040-2E9795611536}" type="presParOf" srcId="{A086395D-FECA-4FF4-A7A8-C9D6E1B99946}" destId="{D27BB59F-2321-4457-BEC1-FCAB68B53313}" srcOrd="0" destOrd="0" presId="urn:microsoft.com/office/officeart/2018/2/layout/IconLabelList"/>
     <dgm:cxn modelId="{69C05E95-88B4-4C1F-8670-89D8C53031DD}" type="presParOf" srcId="{D27BB59F-2321-4457-BEC1-FCAB68B53313}" destId="{EADFFB2C-28E8-4496-A8D7-723CF1CCFEC5}" srcOrd="0" destOrd="0" presId="urn:microsoft.com/office/officeart/2018/2/layout/IconLabelList"/>
@@ -1400,7 +1442,7 @@
                 <a14:useLocalDpi xmlns:a14="http://schemas.microsoft.com/office/drawing/2010/main" val="0"/>
               </a:ext>
               <a:ext uri="{96DAC541-7B7A-43D3-8B79-37D633B846F1}">
-                <asvg:svgBlip xmlns:asvg="http://schemas.microsoft.com/office/drawing/2016/SVG/main" r:embed="rId2"/>
+                <asvg:svgBlip xmlns:asvg="http://schemas.microsoft.com/office/drawing/2016/SVG/main" xmlns="" r:embed="rId2"/>
               </a:ext>
             </a:extLst>
           </a:blip>
@@ -1466,7 +1508,7 @@
         </a:bodyPr>
         <a:lstStyle/>
         <a:p>
-          <a:pPr marL="0" lvl="0" indent="0" algn="ctr" defTabSz="844550">
+          <a:pPr lvl="0" algn="ctr" defTabSz="844550">
             <a:lnSpc>
               <a:spcPct val="90000"/>
             </a:lnSpc>
@@ -1476,7 +1518,6 @@
             <a:spcAft>
               <a:spcPct val="35000"/>
             </a:spcAft>
-            <a:buNone/>
           </a:pPr>
           <a:r>
             <a:rPr lang="en-IN" sz="1900" kern="1200"/>
@@ -1510,7 +1551,7 @@
                 <a14:useLocalDpi xmlns:a14="http://schemas.microsoft.com/office/drawing/2010/main" val="0"/>
               </a:ext>
               <a:ext uri="{96DAC541-7B7A-43D3-8B79-37D633B846F1}">
-                <asvg:svgBlip xmlns:asvg="http://schemas.microsoft.com/office/drawing/2016/SVG/main" r:embed="rId4"/>
+                <asvg:svgBlip xmlns:asvg="http://schemas.microsoft.com/office/drawing/2016/SVG/main" xmlns="" r:embed="rId4"/>
               </a:ext>
             </a:extLst>
           </a:blip>
@@ -1576,7 +1617,7 @@
         </a:bodyPr>
         <a:lstStyle/>
         <a:p>
-          <a:pPr marL="0" lvl="0" indent="0" algn="ctr" defTabSz="844550">
+          <a:pPr lvl="0" algn="ctr" defTabSz="844550">
             <a:lnSpc>
               <a:spcPct val="90000"/>
             </a:lnSpc>
@@ -1586,7 +1627,6 @@
             <a:spcAft>
               <a:spcPct val="35000"/>
             </a:spcAft>
-            <a:buNone/>
           </a:pPr>
           <a:r>
             <a:rPr lang="en-IN" sz="1900" kern="1200"/>
@@ -1620,7 +1660,7 @@
                 <a14:useLocalDpi xmlns:a14="http://schemas.microsoft.com/office/drawing/2010/main" val="0"/>
               </a:ext>
               <a:ext uri="{96DAC541-7B7A-43D3-8B79-37D633B846F1}">
-                <asvg:svgBlip xmlns:asvg="http://schemas.microsoft.com/office/drawing/2016/SVG/main" r:embed="rId6"/>
+                <asvg:svgBlip xmlns:asvg="http://schemas.microsoft.com/office/drawing/2016/SVG/main" xmlns="" r:embed="rId6"/>
               </a:ext>
             </a:extLst>
           </a:blip>
@@ -1686,7 +1726,7 @@
         </a:bodyPr>
         <a:lstStyle/>
         <a:p>
-          <a:pPr marL="0" lvl="0" indent="0" algn="ctr" defTabSz="844550">
+          <a:pPr lvl="0" algn="ctr" defTabSz="844550">
             <a:lnSpc>
               <a:spcPct val="90000"/>
             </a:lnSpc>
@@ -1696,7 +1736,6 @@
             <a:spcAft>
               <a:spcPct val="35000"/>
             </a:spcAft>
-            <a:buNone/>
           </a:pPr>
           <a:r>
             <a:rPr lang="en-IN" sz="1900" kern="1200"/>
@@ -1730,7 +1769,7 @@
                 <a14:useLocalDpi xmlns:a14="http://schemas.microsoft.com/office/drawing/2010/main" val="0"/>
               </a:ext>
               <a:ext uri="{96DAC541-7B7A-43D3-8B79-37D633B846F1}">
-                <asvg:svgBlip xmlns:asvg="http://schemas.microsoft.com/office/drawing/2016/SVG/main" r:embed="rId8"/>
+                <asvg:svgBlip xmlns:asvg="http://schemas.microsoft.com/office/drawing/2016/SVG/main" xmlns="" r:embed="rId8"/>
               </a:ext>
             </a:extLst>
           </a:blip>
@@ -1796,7 +1835,7 @@
         </a:bodyPr>
         <a:lstStyle/>
         <a:p>
-          <a:pPr marL="0" lvl="0" indent="0" algn="ctr" defTabSz="844550">
+          <a:pPr lvl="0" algn="ctr" defTabSz="844550">
             <a:lnSpc>
               <a:spcPct val="90000"/>
             </a:lnSpc>
@@ -1806,7 +1845,6 @@
             <a:spcAft>
               <a:spcPct val="35000"/>
             </a:spcAft>
-            <a:buNone/>
           </a:pPr>
           <a:r>
             <a:rPr lang="en-IN" sz="1900" kern="1200"/>
@@ -1840,7 +1878,7 @@
                 <a14:useLocalDpi xmlns:a14="http://schemas.microsoft.com/office/drawing/2010/main" val="0"/>
               </a:ext>
               <a:ext uri="{96DAC541-7B7A-43D3-8B79-37D633B846F1}">
-                <asvg:svgBlip xmlns:asvg="http://schemas.microsoft.com/office/drawing/2016/SVG/main" r:embed="rId10"/>
+                <asvg:svgBlip xmlns:asvg="http://schemas.microsoft.com/office/drawing/2016/SVG/main" xmlns="" r:embed="rId10"/>
               </a:ext>
             </a:extLst>
           </a:blip>
@@ -1906,7 +1944,7 @@
         </a:bodyPr>
         <a:lstStyle/>
         <a:p>
-          <a:pPr marL="0" lvl="0" indent="0" algn="ctr" defTabSz="844550">
+          <a:pPr lvl="0" algn="ctr" defTabSz="844550">
             <a:lnSpc>
               <a:spcPct val="90000"/>
             </a:lnSpc>
@@ -1916,7 +1954,6 @@
             <a:spcAft>
               <a:spcPct val="35000"/>
             </a:spcAft>
-            <a:buNone/>
           </a:pPr>
           <a:r>
             <a:rPr lang="en-IN" sz="1900" kern="1200"/>
@@ -2112,7 +2149,7 @@
   </dgm:layoutNode>
   <dgm:extLst>
     <a:ext uri="{68A01E43-0DF5-4B5B-8FA6-DAF915123BFB}">
-      <dgm1612:lstStyle xmlns:dgm1612="http://schemas.microsoft.com/office/drawing/2016/12/diagram">
+      <dgm1612:lstStyle xmlns:dgm1612="http://schemas.microsoft.com/office/drawing/2016/12/diagram" xmlns="">
         <a:lvl1pPr>
           <a:lnSpc>
             <a:spcPct val="100000"/>
@@ -3297,7 +3334,7 @@
           <a:p>
             <a:fld id="{6094EE07-4E1C-468C-BA53-3D363AAA2C05}" type="datetimeFigureOut">
               <a:rPr lang="en-IN" smtClean="0"/>
-              <a:t>17-10-2019</a:t>
+              <a:t>28/11/2019</a:t>
             </a:fld>
             <a:endParaRPr lang="en-IN"/>
           </a:p>
@@ -3539,7 +3576,7 @@
           <a:p>
             <a:fld id="{6094EE07-4E1C-468C-BA53-3D363AAA2C05}" type="datetimeFigureOut">
               <a:rPr lang="en-IN" smtClean="0"/>
-              <a:t>17-10-2019</a:t>
+              <a:t>28/11/2019</a:t>
             </a:fld>
             <a:endParaRPr lang="en-IN"/>
           </a:p>
@@ -3723,7 +3760,7 @@
           <a:p>
             <a:fld id="{6094EE07-4E1C-468C-BA53-3D363AAA2C05}" type="datetimeFigureOut">
               <a:rPr lang="en-IN" smtClean="0"/>
-              <a:t>17-10-2019</a:t>
+              <a:t>28/11/2019</a:t>
             </a:fld>
             <a:endParaRPr lang="en-IN"/>
           </a:p>
@@ -3924,7 +3961,7 @@
           <a:p>
             <a:fld id="{6094EE07-4E1C-468C-BA53-3D363AAA2C05}" type="datetimeFigureOut">
               <a:rPr lang="en-IN" smtClean="0"/>
-              <a:t>17-10-2019</a:t>
+              <a:t>28/11/2019</a:t>
             </a:fld>
             <a:endParaRPr lang="en-IN"/>
           </a:p>
@@ -4203,7 +4240,7 @@
           <a:p>
             <a:fld id="{6094EE07-4E1C-468C-BA53-3D363AAA2C05}" type="datetimeFigureOut">
               <a:rPr lang="en-IN" smtClean="0"/>
-              <a:t>17-10-2019</a:t>
+              <a:t>28/11/2019</a:t>
             </a:fld>
             <a:endParaRPr lang="en-IN"/>
           </a:p>
@@ -4471,7 +4508,7 @@
           <a:p>
             <a:fld id="{6094EE07-4E1C-468C-BA53-3D363AAA2C05}" type="datetimeFigureOut">
               <a:rPr lang="en-IN" smtClean="0"/>
-              <a:t>17-10-2019</a:t>
+              <a:t>28/11/2019</a:t>
             </a:fld>
             <a:endParaRPr lang="en-IN"/>
           </a:p>
@@ -4918,7 +4955,7 @@
           <a:p>
             <a:fld id="{6094EE07-4E1C-468C-BA53-3D363AAA2C05}" type="datetimeFigureOut">
               <a:rPr lang="en-IN" smtClean="0"/>
-              <a:t>17-10-2019</a:t>
+              <a:t>28/11/2019</a:t>
             </a:fld>
             <a:endParaRPr lang="en-IN"/>
           </a:p>
@@ -5067,7 +5104,7 @@
           <a:p>
             <a:fld id="{6094EE07-4E1C-468C-BA53-3D363AAA2C05}" type="datetimeFigureOut">
               <a:rPr lang="en-IN" smtClean="0"/>
-              <a:t>17-10-2019</a:t>
+              <a:t>28/11/2019</a:t>
             </a:fld>
             <a:endParaRPr lang="en-IN"/>
           </a:p>
@@ -5162,7 +5199,7 @@
           <a:p>
             <a:fld id="{6094EE07-4E1C-468C-BA53-3D363AAA2C05}" type="datetimeFigureOut">
               <a:rPr lang="en-IN" smtClean="0"/>
-              <a:t>17-10-2019</a:t>
+              <a:t>28/11/2019</a:t>
             </a:fld>
             <a:endParaRPr lang="en-IN"/>
           </a:p>
@@ -5415,7 +5452,7 @@
           <a:p>
             <a:fld id="{6094EE07-4E1C-468C-BA53-3D363AAA2C05}" type="datetimeFigureOut">
               <a:rPr lang="en-IN" smtClean="0"/>
-              <a:t>17-10-2019</a:t>
+              <a:t>28/11/2019</a:t>
             </a:fld>
             <a:endParaRPr lang="en-IN"/>
           </a:p>
@@ -5860,7 +5897,7 @@
           <a:p>
             <a:fld id="{6094EE07-4E1C-468C-BA53-3D363AAA2C05}" type="datetimeFigureOut">
               <a:rPr lang="en-IN" smtClean="0"/>
-              <a:t>17-10-2019</a:t>
+              <a:t>28/11/2019</a:t>
             </a:fld>
             <a:endParaRPr lang="en-IN"/>
           </a:p>
@@ -6224,7 +6261,7 @@
           <a:p>
             <a:fld id="{6094EE07-4E1C-468C-BA53-3D363AAA2C05}" type="datetimeFigureOut">
               <a:rPr lang="en-IN" smtClean="0"/>
-              <a:t>17-10-2019</a:t>
+              <a:t>28/11/2019</a:t>
             </a:fld>
             <a:endParaRPr lang="en-IN"/>
           </a:p>
@@ -6702,10 +6739,10 @@
           <p:cNvPr id="24" name="Rectangle 23">
             <a:extLst>
               <a:ext uri="{FF2B5EF4-FFF2-40B4-BE49-F238E27FC236}">
-                <a16:creationId xmlns:a16="http://schemas.microsoft.com/office/drawing/2014/main" id="{CE2313CB-AD5A-4ABF-8017-2F3888D07300}"/>
+                <a16:creationId xmlns:a16="http://schemas.microsoft.com/office/drawing/2014/main" xmlns="" id="{CE2313CB-AD5A-4ABF-8017-2F3888D07300}"/>
               </a:ext>
               <a:ext uri="{C183D7F6-B498-43B3-948B-1728B52AA6E4}">
-                <adec:decorative xmlns:adec="http://schemas.microsoft.com/office/drawing/2017/decorative" val="1"/>
+                <adec:decorative xmlns:adec="http://schemas.microsoft.com/office/drawing/2017/decorative" xmlns="" val="1"/>
               </a:ext>
             </a:extLst>
           </p:cNvPr>
@@ -6715,7 +6752,7 @@
           <p:nvPr>
             <p:extLst>
               <p:ext uri="{386F3935-93C4-4BCD-93E2-E3B085C9AB24}">
-                <p16:designElem xmlns:p16="http://schemas.microsoft.com/office/powerpoint/2015/main" val="1"/>
+                <p16:designElem xmlns:p16="http://schemas.microsoft.com/office/powerpoint/2015/main" xmlns="" val="1"/>
               </p:ext>
             </p:extLst>
           </p:nvPr>
@@ -6762,10 +6799,10 @@
           <p:cNvPr id="26" name="Rectangle 25">
             <a:extLst>
               <a:ext uri="{FF2B5EF4-FFF2-40B4-BE49-F238E27FC236}">
-                <a16:creationId xmlns:a16="http://schemas.microsoft.com/office/drawing/2014/main" id="{FDE009D9-E9CB-4EBB-A0C6-C345F84959D4}"/>
+                <a16:creationId xmlns:a16="http://schemas.microsoft.com/office/drawing/2014/main" xmlns="" id="{FDE009D9-E9CB-4EBB-A0C6-C345F84959D4}"/>
               </a:ext>
               <a:ext uri="{C183D7F6-B498-43B3-948B-1728B52AA6E4}">
-                <adec:decorative xmlns:adec="http://schemas.microsoft.com/office/drawing/2017/decorative" val="1"/>
+                <adec:decorative xmlns:adec="http://schemas.microsoft.com/office/drawing/2017/decorative" xmlns="" val="1"/>
               </a:ext>
             </a:extLst>
           </p:cNvPr>
@@ -6775,7 +6812,7 @@
           <p:nvPr>
             <p:extLst>
               <p:ext uri="{386F3935-93C4-4BCD-93E2-E3B085C9AB24}">
-                <p16:designElem xmlns:p16="http://schemas.microsoft.com/office/powerpoint/2015/main" val="1"/>
+                <p16:designElem xmlns:p16="http://schemas.microsoft.com/office/powerpoint/2015/main" xmlns="" val="1"/>
               </p:ext>
             </p:extLst>
           </p:nvPr>
@@ -6854,17 +6891,22 @@
           <a:lstStyle/>
           <a:p>
             <a:r>
-              <a:rPr lang="en-IN" sz="3100" b="1"/>
+              <a:rPr lang="en-IN" sz="3100" b="1" dirty="0"/>
               <a:t>   Risk</a:t>
             </a:r>
             <a:r>
-              <a:rPr lang="en-IN" sz="3100"/>
+              <a:rPr lang="en-IN" sz="3100" dirty="0"/>
               <a:t> </a:t>
             </a:r>
             <a:r>
-              <a:rPr lang="en-IN" sz="3100" b="1"/>
-              <a:t>Game Build 1</a:t>
+              <a:rPr lang="en-IN" sz="3100" b="1" dirty="0"/>
+              <a:t>Game Build </a:t>
             </a:r>
+            <a:r>
+              <a:rPr lang="en-IN" sz="3100" b="1" dirty="0" smtClean="0"/>
+              <a:t>3</a:t>
+            </a:r>
+            <a:endParaRPr lang="en-IN" sz="3100" b="1" dirty="0"/>
           </a:p>
         </p:txBody>
       </p:sp>
@@ -6902,10 +6944,10 @@
           <p:cNvPr id="28" name="Group 27">
             <a:extLst>
               <a:ext uri="{FF2B5EF4-FFF2-40B4-BE49-F238E27FC236}">
-                <a16:creationId xmlns:a16="http://schemas.microsoft.com/office/drawing/2014/main" id="{230FFF44-4B6D-47A3-8EF6-EC72DA2A7FFD}"/>
+                <a16:creationId xmlns:a16="http://schemas.microsoft.com/office/drawing/2014/main" xmlns="" id="{230FFF44-4B6D-47A3-8EF6-EC72DA2A7FFD}"/>
               </a:ext>
               <a:ext uri="{C183D7F6-B498-43B3-948B-1728B52AA6E4}">
-                <adec:decorative xmlns:adec="http://schemas.microsoft.com/office/drawing/2017/decorative" val="1"/>
+                <adec:decorative xmlns:adec="http://schemas.microsoft.com/office/drawing/2017/decorative" xmlns="" val="1"/>
               </a:ext>
             </a:extLst>
           </p:cNvPr>
@@ -6915,7 +6957,7 @@
           <p:nvPr>
             <p:extLst>
               <p:ext uri="{386F3935-93C4-4BCD-93E2-E3B085C9AB24}">
-                <p16:designElem xmlns:p16="http://schemas.microsoft.com/office/powerpoint/2015/main" val="1"/>
+                <p16:designElem xmlns:p16="http://schemas.microsoft.com/office/powerpoint/2015/main" xmlns="" val="1"/>
               </p:ext>
             </p:extLst>
           </p:nvPr>
@@ -6933,10 +6975,10 @@
             <p:cNvPr id="29" name="Rectangle 28">
               <a:extLst>
                 <a:ext uri="{FF2B5EF4-FFF2-40B4-BE49-F238E27FC236}">
-                  <a16:creationId xmlns:a16="http://schemas.microsoft.com/office/drawing/2014/main" id="{02C9BEEC-0281-408B-840C-9C73B781A9CC}"/>
+                  <a16:creationId xmlns:a16="http://schemas.microsoft.com/office/drawing/2014/main" xmlns="" id="{02C9BEEC-0281-408B-840C-9C73B781A9CC}"/>
                 </a:ext>
                 <a:ext uri="{C183D7F6-B498-43B3-948B-1728B52AA6E4}">
-                  <adec:decorative xmlns:adec="http://schemas.microsoft.com/office/drawing/2017/decorative" val="1"/>
+                  <adec:decorative xmlns:adec="http://schemas.microsoft.com/office/drawing/2017/decorative" xmlns="" val="1"/>
                 </a:ext>
               </a:extLst>
             </p:cNvPr>
@@ -6944,7 +6986,7 @@
             <p:nvPr>
               <p:extLst>
                 <p:ext uri="{386F3935-93C4-4BCD-93E2-E3B085C9AB24}">
-                  <p16:designElem xmlns:p16="http://schemas.microsoft.com/office/powerpoint/2015/main" val="1"/>
+                  <p16:designElem xmlns:p16="http://schemas.microsoft.com/office/powerpoint/2015/main" xmlns="" val="1"/>
                 </p:ext>
               </p:extLst>
             </p:nvPr>
@@ -7014,10 +7056,10 @@
             <p:cNvPr id="30" name="Rectangle 29">
               <a:extLst>
                 <a:ext uri="{FF2B5EF4-FFF2-40B4-BE49-F238E27FC236}">
-                  <a16:creationId xmlns:a16="http://schemas.microsoft.com/office/drawing/2014/main" id="{6A308C4D-7B09-4FA1-B1F7-77E5C3FDF503}"/>
+                  <a16:creationId xmlns:a16="http://schemas.microsoft.com/office/drawing/2014/main" xmlns="" id="{6A308C4D-7B09-4FA1-B1F7-77E5C3FDF503}"/>
                 </a:ext>
                 <a:ext uri="{C183D7F6-B498-43B3-948B-1728B52AA6E4}">
-                  <adec:decorative xmlns:adec="http://schemas.microsoft.com/office/drawing/2017/decorative" val="1"/>
+                  <adec:decorative xmlns:adec="http://schemas.microsoft.com/office/drawing/2017/decorative" xmlns="" val="1"/>
                 </a:ext>
               </a:extLst>
             </p:cNvPr>
@@ -7025,7 +7067,7 @@
             <p:nvPr>
               <p:extLst>
                 <p:ext uri="{386F3935-93C4-4BCD-93E2-E3B085C9AB24}">
-                  <p16:designElem xmlns:p16="http://schemas.microsoft.com/office/powerpoint/2015/main" val="1"/>
+                  <p16:designElem xmlns:p16="http://schemas.microsoft.com/office/powerpoint/2015/main" xmlns="" val="1"/>
                 </p:ext>
               </p:extLst>
             </p:nvPr>
@@ -7099,10 +7141,10 @@
           <p:cNvPr id="32" name="Rectangle 31">
             <a:extLst>
               <a:ext uri="{FF2B5EF4-FFF2-40B4-BE49-F238E27FC236}">
-                <a16:creationId xmlns:a16="http://schemas.microsoft.com/office/drawing/2014/main" id="{EC547D0E-8A87-4725-8224-311D6A772966}"/>
+                <a16:creationId xmlns:a16="http://schemas.microsoft.com/office/drawing/2014/main" xmlns="" id="{EC547D0E-8A87-4725-8224-311D6A772966}"/>
               </a:ext>
               <a:ext uri="{C183D7F6-B498-43B3-948B-1728B52AA6E4}">
-                <adec:decorative xmlns:adec="http://schemas.microsoft.com/office/drawing/2017/decorative" val="1"/>
+                <adec:decorative xmlns:adec="http://schemas.microsoft.com/office/drawing/2017/decorative" xmlns="" val="1"/>
               </a:ext>
             </a:extLst>
           </p:cNvPr>
@@ -7112,7 +7154,7 @@
           <p:nvPr>
             <p:extLst>
               <p:ext uri="{386F3935-93C4-4BCD-93E2-E3B085C9AB24}">
-                <p16:designElem xmlns:p16="http://schemas.microsoft.com/office/powerpoint/2015/main" val="1"/>
+                <p16:designElem xmlns:p16="http://schemas.microsoft.com/office/powerpoint/2015/main" xmlns="" val="1"/>
               </p:ext>
             </p:extLst>
           </p:nvPr>
@@ -7164,7 +7206,7 @@
           <p:cNvPr id="19" name="Graphic 6" descr="Robot">
             <a:extLst>
               <a:ext uri="{FF2B5EF4-FFF2-40B4-BE49-F238E27FC236}">
-                <a16:creationId xmlns:a16="http://schemas.microsoft.com/office/drawing/2014/main" id="{BD548BAE-0D32-4518-9CB8-F57CAB2ECB19}"/>
+                <a16:creationId xmlns:a16="http://schemas.microsoft.com/office/drawing/2014/main" xmlns="" id="{BD548BAE-0D32-4518-9CB8-F57CAB2ECB19}"/>
               </a:ext>
             </a:extLst>
           </p:cNvPr>
@@ -7180,7 +7222,7 @@
                 <a14:useLocalDpi xmlns:a14="http://schemas.microsoft.com/office/drawing/2010/main" val="0"/>
               </a:ext>
               <a:ext uri="{96DAC541-7B7A-43D3-8B79-37D633B846F1}">
-                <asvg:svgBlip xmlns:asvg="http://schemas.microsoft.com/office/drawing/2016/SVG/main" r:embed="rId3"/>
+                <asvg:svgBlip xmlns:asvg="http://schemas.microsoft.com/office/drawing/2016/SVG/main" xmlns="" r:embed="rId3"/>
               </a:ext>
             </a:extLst>
           </a:blip>
@@ -7203,10 +7245,10 @@
           <p:cNvPr id="34" name="Straight Connector 33">
             <a:extLst>
               <a:ext uri="{FF2B5EF4-FFF2-40B4-BE49-F238E27FC236}">
-                <a16:creationId xmlns:a16="http://schemas.microsoft.com/office/drawing/2014/main" id="{3E5C3848-5A58-4B84-AFBB-E7D9B99EB1EA}"/>
+                <a16:creationId xmlns:a16="http://schemas.microsoft.com/office/drawing/2014/main" xmlns="" id="{3E5C3848-5A58-4B84-AFBB-E7D9B99EB1EA}"/>
               </a:ext>
               <a:ext uri="{C183D7F6-B498-43B3-948B-1728B52AA6E4}">
-                <adec:decorative xmlns:adec="http://schemas.microsoft.com/office/drawing/2017/decorative" val="1"/>
+                <adec:decorative xmlns:adec="http://schemas.microsoft.com/office/drawing/2017/decorative" xmlns="" val="1"/>
               </a:ext>
             </a:extLst>
           </p:cNvPr>
@@ -7216,7 +7258,7 @@
           <p:nvPr>
             <p:extLst>
               <p:ext uri="{386F3935-93C4-4BCD-93E2-E3B085C9AB24}">
-                <p16:designElem xmlns:p16="http://schemas.microsoft.com/office/powerpoint/2015/main" val="1"/>
+                <p16:designElem xmlns:p16="http://schemas.microsoft.com/office/powerpoint/2015/main" xmlns="" val="1"/>
               </p:ext>
             </p:extLst>
           </p:nvPr>
@@ -7251,10 +7293,10 @@
           <p:cNvPr id="36" name="Picture 35">
             <a:extLst>
               <a:ext uri="{FF2B5EF4-FFF2-40B4-BE49-F238E27FC236}">
-                <a16:creationId xmlns:a16="http://schemas.microsoft.com/office/drawing/2014/main" id="{3A580E99-2B1B-4372-A707-20312A9403A1}"/>
+                <a16:creationId xmlns:a16="http://schemas.microsoft.com/office/drawing/2014/main" xmlns="" id="{3A580E99-2B1B-4372-A707-20312A9403A1}"/>
               </a:ext>
               <a:ext uri="{C183D7F6-B498-43B3-948B-1728B52AA6E4}">
-                <adec:decorative xmlns:adec="http://schemas.microsoft.com/office/drawing/2017/decorative" val="1"/>
+                <adec:decorative xmlns:adec="http://schemas.microsoft.com/office/drawing/2017/decorative" xmlns="" val="1"/>
               </a:ext>
             </a:extLst>
           </p:cNvPr>
@@ -7264,7 +7306,7 @@
           <p:nvPr>
             <p:extLst>
               <p:ext uri="{386F3935-93C4-4BCD-93E2-E3B085C9AB24}">
-                <p16:designElem xmlns:p16="http://schemas.microsoft.com/office/powerpoint/2015/main" val="1"/>
+                <p16:designElem xmlns:p16="http://schemas.microsoft.com/office/powerpoint/2015/main" xmlns="" val="1"/>
               </p:ext>
             </p:extLst>
           </p:nvPr>
@@ -7295,10 +7337,10 @@
           <p:cNvPr id="38" name="Straight Connector 37">
             <a:extLst>
               <a:ext uri="{FF2B5EF4-FFF2-40B4-BE49-F238E27FC236}">
-                <a16:creationId xmlns:a16="http://schemas.microsoft.com/office/drawing/2014/main" id="{63B4A4AA-0179-4AB7-8EED-031600A724D6}"/>
+                <a16:creationId xmlns:a16="http://schemas.microsoft.com/office/drawing/2014/main" xmlns="" id="{63B4A4AA-0179-4AB7-8EED-031600A724D6}"/>
               </a:ext>
               <a:ext uri="{C183D7F6-B498-43B3-948B-1728B52AA6E4}">
-                <adec:decorative xmlns:adec="http://schemas.microsoft.com/office/drawing/2017/decorative" val="1"/>
+                <adec:decorative xmlns:adec="http://schemas.microsoft.com/office/drawing/2017/decorative" xmlns="" val="1"/>
               </a:ext>
             </a:extLst>
           </p:cNvPr>
@@ -7308,7 +7350,7 @@
           <p:nvPr>
             <p:extLst>
               <p:ext uri="{386F3935-93C4-4BCD-93E2-E3B085C9AB24}">
-                <p16:designElem xmlns:p16="http://schemas.microsoft.com/office/powerpoint/2015/main" val="1"/>
+                <p16:designElem xmlns:p16="http://schemas.microsoft.com/office/powerpoint/2015/main" xmlns="" val="1"/>
               </p:ext>
             </p:extLst>
           </p:nvPr>
@@ -7403,10 +7445,10 @@
           <p:cNvPr id="10" name="Rectangle 9">
             <a:extLst>
               <a:ext uri="{FF2B5EF4-FFF2-40B4-BE49-F238E27FC236}">
-                <a16:creationId xmlns:a16="http://schemas.microsoft.com/office/drawing/2014/main" id="{32D32A60-013B-47A8-8833-D2424080917B}"/>
+                <a16:creationId xmlns:a16="http://schemas.microsoft.com/office/drawing/2014/main" xmlns="" id="{32D32A60-013B-47A8-8833-D2424080917B}"/>
               </a:ext>
               <a:ext uri="{C183D7F6-B498-43B3-948B-1728B52AA6E4}">
-                <adec:decorative xmlns:adec="http://schemas.microsoft.com/office/drawing/2017/decorative" val="1"/>
+                <adec:decorative xmlns:adec="http://schemas.microsoft.com/office/drawing/2017/decorative" xmlns="" val="1"/>
               </a:ext>
             </a:extLst>
           </p:cNvPr>
@@ -7416,7 +7458,7 @@
           <p:nvPr>
             <p:extLst>
               <p:ext uri="{386F3935-93C4-4BCD-93E2-E3B085C9AB24}">
-                <p16:designElem xmlns:p16="http://schemas.microsoft.com/office/powerpoint/2015/main" val="1"/>
+                <p16:designElem xmlns:p16="http://schemas.microsoft.com/office/powerpoint/2015/main" xmlns="" val="1"/>
               </p:ext>
             </p:extLst>
           </p:nvPr>
@@ -7463,10 +7505,10 @@
           <p:cNvPr id="12" name="Rectangle 11">
             <a:extLst>
               <a:ext uri="{FF2B5EF4-FFF2-40B4-BE49-F238E27FC236}">
-                <a16:creationId xmlns:a16="http://schemas.microsoft.com/office/drawing/2014/main" id="{AE27932B-B694-4C4C-90D7-A0333A7C5876}"/>
+                <a16:creationId xmlns:a16="http://schemas.microsoft.com/office/drawing/2014/main" xmlns="" id="{AE27932B-B694-4C4C-90D7-A0333A7C5876}"/>
               </a:ext>
               <a:ext uri="{C183D7F6-B498-43B3-948B-1728B52AA6E4}">
-                <adec:decorative xmlns:adec="http://schemas.microsoft.com/office/drawing/2017/decorative" val="1"/>
+                <adec:decorative xmlns:adec="http://schemas.microsoft.com/office/drawing/2017/decorative" xmlns="" val="1"/>
               </a:ext>
             </a:extLst>
           </p:cNvPr>
@@ -7476,7 +7518,7 @@
           <p:nvPr>
             <p:extLst>
               <p:ext uri="{386F3935-93C4-4BCD-93E2-E3B085C9AB24}">
-                <p16:designElem xmlns:p16="http://schemas.microsoft.com/office/powerpoint/2015/main" val="1"/>
+                <p16:designElem xmlns:p16="http://schemas.microsoft.com/office/powerpoint/2015/main" xmlns="" val="1"/>
               </p:ext>
             </p:extLst>
           </p:nvPr>
@@ -7566,10 +7608,10 @@
           <p:cNvPr id="14" name="Straight Connector 13">
             <a:extLst>
               <a:ext uri="{FF2B5EF4-FFF2-40B4-BE49-F238E27FC236}">
-                <a16:creationId xmlns:a16="http://schemas.microsoft.com/office/drawing/2014/main" id="{9EBB0476-5CF0-4F44-8D68-5D42D7AEE43A}"/>
+                <a16:creationId xmlns:a16="http://schemas.microsoft.com/office/drawing/2014/main" xmlns="" id="{9EBB0476-5CF0-4F44-8D68-5D42D7AEE43A}"/>
               </a:ext>
               <a:ext uri="{C183D7F6-B498-43B3-948B-1728B52AA6E4}">
-                <adec:decorative xmlns:adec="http://schemas.microsoft.com/office/drawing/2017/decorative" val="1"/>
+                <adec:decorative xmlns:adec="http://schemas.microsoft.com/office/drawing/2017/decorative" xmlns="" val="1"/>
               </a:ext>
             </a:extLst>
           </p:cNvPr>
@@ -7579,7 +7621,7 @@
           <p:nvPr>
             <p:extLst>
               <p:ext uri="{386F3935-93C4-4BCD-93E2-E3B085C9AB24}">
-                <p16:designElem xmlns:p16="http://schemas.microsoft.com/office/powerpoint/2015/main" val="1"/>
+                <p16:designElem xmlns:p16="http://schemas.microsoft.com/office/powerpoint/2015/main" xmlns="" val="1"/>
               </p:ext>
             </p:extLst>
           </p:nvPr>
@@ -7614,10 +7656,10 @@
           <p:cNvPr id="16" name="Title 1">
             <a:extLst>
               <a:ext uri="{FF2B5EF4-FFF2-40B4-BE49-F238E27FC236}">
-                <a16:creationId xmlns:a16="http://schemas.microsoft.com/office/drawing/2014/main" id="{A9DA474E-6B91-4200-840F-0257B2358A75}"/>
+                <a16:creationId xmlns:a16="http://schemas.microsoft.com/office/drawing/2014/main" xmlns="" id="{A9DA474E-6B91-4200-840F-0257B2358A75}"/>
               </a:ext>
               <a:ext uri="{C183D7F6-B498-43B3-948B-1728B52AA6E4}">
-                <adec:decorative xmlns:adec="http://schemas.microsoft.com/office/drawing/2017/decorative" val="1"/>
+                <adec:decorative xmlns:adec="http://schemas.microsoft.com/office/drawing/2017/decorative" xmlns="" val="1"/>
               </a:ext>
             </a:extLst>
           </p:cNvPr>
@@ -7627,7 +7669,7 @@
           <p:nvPr>
             <p:extLst>
               <p:ext uri="{386F3935-93C4-4BCD-93E2-E3B085C9AB24}">
-                <p16:designElem xmlns:p16="http://schemas.microsoft.com/office/powerpoint/2015/main" val="1"/>
+                <p16:designElem xmlns:p16="http://schemas.microsoft.com/office/powerpoint/2015/main" xmlns="" val="1"/>
               </p:ext>
             </p:extLst>
           </p:nvPr>
@@ -7675,10 +7717,10 @@
           <p:cNvPr id="18" name="Picture 17">
             <a:extLst>
               <a:ext uri="{FF2B5EF4-FFF2-40B4-BE49-F238E27FC236}">
-                <a16:creationId xmlns:a16="http://schemas.microsoft.com/office/drawing/2014/main" id="{DF63C9AD-AE6E-4512-8171-91612E84CCFB}"/>
+                <a16:creationId xmlns:a16="http://schemas.microsoft.com/office/drawing/2014/main" xmlns="" id="{DF63C9AD-AE6E-4512-8171-91612E84CCFB}"/>
               </a:ext>
               <a:ext uri="{C183D7F6-B498-43B3-948B-1728B52AA6E4}">
-                <adec:decorative xmlns:adec="http://schemas.microsoft.com/office/drawing/2017/decorative" val="1"/>
+                <adec:decorative xmlns:adec="http://schemas.microsoft.com/office/drawing/2017/decorative" xmlns="" val="1"/>
               </a:ext>
             </a:extLst>
           </p:cNvPr>
@@ -7688,7 +7730,7 @@
           <p:nvPr>
             <p:extLst>
               <p:ext uri="{386F3935-93C4-4BCD-93E2-E3B085C9AB24}">
-                <p16:designElem xmlns:p16="http://schemas.microsoft.com/office/powerpoint/2015/main" val="1"/>
+                <p16:designElem xmlns:p16="http://schemas.microsoft.com/office/powerpoint/2015/main" xmlns="" val="1"/>
               </p:ext>
             </p:extLst>
           </p:nvPr>
@@ -7719,10 +7761,10 @@
           <p:cNvPr id="20" name="Straight Connector 19">
             <a:extLst>
               <a:ext uri="{FF2B5EF4-FFF2-40B4-BE49-F238E27FC236}">
-                <a16:creationId xmlns:a16="http://schemas.microsoft.com/office/drawing/2014/main" id="{FE1A49CE-B63D-457A-A180-1C883E1A63D2}"/>
+                <a16:creationId xmlns:a16="http://schemas.microsoft.com/office/drawing/2014/main" xmlns="" id="{FE1A49CE-B63D-457A-A180-1C883E1A63D2}"/>
               </a:ext>
               <a:ext uri="{C183D7F6-B498-43B3-948B-1728B52AA6E4}">
-                <adec:decorative xmlns:adec="http://schemas.microsoft.com/office/drawing/2017/decorative" val="1"/>
+                <adec:decorative xmlns:adec="http://schemas.microsoft.com/office/drawing/2017/decorative" xmlns="" val="1"/>
               </a:ext>
             </a:extLst>
           </p:cNvPr>
@@ -7732,7 +7774,7 @@
           <p:nvPr>
             <p:extLst>
               <p:ext uri="{386F3935-93C4-4BCD-93E2-E3B085C9AB24}">
-                <p16:designElem xmlns:p16="http://schemas.microsoft.com/office/powerpoint/2015/main" val="1"/>
+                <p16:designElem xmlns:p16="http://schemas.microsoft.com/office/powerpoint/2015/main" xmlns="" val="1"/>
               </p:ext>
             </p:extLst>
           </p:nvPr>
@@ -7773,7 +7815,7 @@
           <p:cNvPr id="5" name="Content Placeholder 2">
             <a:extLst>
               <a:ext uri="{FF2B5EF4-FFF2-40B4-BE49-F238E27FC236}">
-                <a16:creationId xmlns:a16="http://schemas.microsoft.com/office/drawing/2014/main" id="{A2F92F04-07C8-4DE7-9D4E-1A84E4DD37D7}"/>
+                <a16:creationId xmlns:a16="http://schemas.microsoft.com/office/drawing/2014/main" xmlns="" id="{A2F92F04-07C8-4DE7-9D4E-1A84E4DD37D7}"/>
               </a:ext>
             </a:extLst>
           </p:cNvPr>
@@ -7858,10 +7900,10 @@
           <p:cNvPr id="8" name="Rectangle 7">
             <a:extLst>
               <a:ext uri="{FF2B5EF4-FFF2-40B4-BE49-F238E27FC236}">
-                <a16:creationId xmlns:a16="http://schemas.microsoft.com/office/drawing/2014/main" id="{29C51009-A09A-4689-8E6C-F8FC99E6A840}"/>
+                <a16:creationId xmlns:a16="http://schemas.microsoft.com/office/drawing/2014/main" xmlns="" id="{29C51009-A09A-4689-8E6C-F8FC99E6A840}"/>
               </a:ext>
               <a:ext uri="{C183D7F6-B498-43B3-948B-1728B52AA6E4}">
-                <adec:decorative xmlns:adec="http://schemas.microsoft.com/office/drawing/2017/decorative" val="1"/>
+                <adec:decorative xmlns:adec="http://schemas.microsoft.com/office/drawing/2017/decorative" xmlns="" val="1"/>
               </a:ext>
             </a:extLst>
           </p:cNvPr>
@@ -7871,7 +7913,7 @@
           <p:nvPr>
             <p:extLst>
               <p:ext uri="{386F3935-93C4-4BCD-93E2-E3B085C9AB24}">
-                <p16:designElem xmlns:p16="http://schemas.microsoft.com/office/powerpoint/2015/main" val="1"/>
+                <p16:designElem xmlns:p16="http://schemas.microsoft.com/office/powerpoint/2015/main" xmlns="" val="1"/>
               </p:ext>
             </p:extLst>
           </p:nvPr>
@@ -7947,10 +7989,10 @@
           <p:cNvPr id="10" name="Straight Connector 9">
             <a:extLst>
               <a:ext uri="{FF2B5EF4-FFF2-40B4-BE49-F238E27FC236}">
-                <a16:creationId xmlns:a16="http://schemas.microsoft.com/office/drawing/2014/main" id="{9EC65442-F244-409C-BF44-C5D6472E810A}"/>
+                <a16:creationId xmlns:a16="http://schemas.microsoft.com/office/drawing/2014/main" xmlns="" id="{9EC65442-F244-409C-BF44-C5D6472E810A}"/>
               </a:ext>
               <a:ext uri="{C183D7F6-B498-43B3-948B-1728B52AA6E4}">
-                <adec:decorative xmlns:adec="http://schemas.microsoft.com/office/drawing/2017/decorative" val="1"/>
+                <adec:decorative xmlns:adec="http://schemas.microsoft.com/office/drawing/2017/decorative" xmlns="" val="1"/>
               </a:ext>
             </a:extLst>
           </p:cNvPr>
@@ -7960,7 +8002,7 @@
           <p:nvPr>
             <p:extLst>
               <p:ext uri="{386F3935-93C4-4BCD-93E2-E3B085C9AB24}">
-                <p16:designElem xmlns:p16="http://schemas.microsoft.com/office/powerpoint/2015/main" val="1"/>
+                <p16:designElem xmlns:p16="http://schemas.microsoft.com/office/powerpoint/2015/main" xmlns="" val="1"/>
               </p:ext>
             </p:extLst>
           </p:nvPr>
@@ -8108,10 +8150,10 @@
           <p:cNvPr id="34" name="Rectangle 9">
             <a:extLst>
               <a:ext uri="{FF2B5EF4-FFF2-40B4-BE49-F238E27FC236}">
-                <a16:creationId xmlns:a16="http://schemas.microsoft.com/office/drawing/2014/main" id="{84C75E2B-CACA-478C-B26B-182AF87A18E3}"/>
+                <a16:creationId xmlns:a16="http://schemas.microsoft.com/office/drawing/2014/main" xmlns="" id="{84C75E2B-CACA-478C-B26B-182AF87A18E3}"/>
               </a:ext>
               <a:ext uri="{C183D7F6-B498-43B3-948B-1728B52AA6E4}">
-                <adec:decorative xmlns:adec="http://schemas.microsoft.com/office/drawing/2017/decorative" val="1"/>
+                <adec:decorative xmlns:adec="http://schemas.microsoft.com/office/drawing/2017/decorative" xmlns="" val="1"/>
               </a:ext>
             </a:extLst>
           </p:cNvPr>
@@ -8121,7 +8163,7 @@
           <p:nvPr>
             <p:extLst>
               <p:ext uri="{386F3935-93C4-4BCD-93E2-E3B085C9AB24}">
-                <p16:designElem xmlns:p16="http://schemas.microsoft.com/office/powerpoint/2015/main" val="1"/>
+                <p16:designElem xmlns:p16="http://schemas.microsoft.com/office/powerpoint/2015/main" xmlns="" val="1"/>
               </p:ext>
             </p:extLst>
           </p:nvPr>
@@ -8174,10 +8216,10 @@
           <p:cNvPr id="35" name="Picture 11">
             <a:extLst>
               <a:ext uri="{FF2B5EF4-FFF2-40B4-BE49-F238E27FC236}">
-                <a16:creationId xmlns:a16="http://schemas.microsoft.com/office/drawing/2014/main" id="{50FF2874-547C-4D14-9E18-28B19002FB8C}"/>
+                <a16:creationId xmlns:a16="http://schemas.microsoft.com/office/drawing/2014/main" xmlns="" id="{50FF2874-547C-4D14-9E18-28B19002FB8C}"/>
               </a:ext>
               <a:ext uri="{C183D7F6-B498-43B3-948B-1728B52AA6E4}">
-                <adec:decorative xmlns:adec="http://schemas.microsoft.com/office/drawing/2017/decorative" val="1"/>
+                <adec:decorative xmlns:adec="http://schemas.microsoft.com/office/drawing/2017/decorative" xmlns="" val="1"/>
               </a:ext>
             </a:extLst>
           </p:cNvPr>
@@ -8187,7 +8229,7 @@
           <p:nvPr>
             <p:extLst>
               <p:ext uri="{386F3935-93C4-4BCD-93E2-E3B085C9AB24}">
-                <p16:designElem xmlns:p16="http://schemas.microsoft.com/office/powerpoint/2015/main" val="1"/>
+                <p16:designElem xmlns:p16="http://schemas.microsoft.com/office/powerpoint/2015/main" xmlns="" val="1"/>
               </p:ext>
             </p:extLst>
           </p:nvPr>
@@ -8218,10 +8260,10 @@
           <p:cNvPr id="36" name="Straight Connector 13">
             <a:extLst>
               <a:ext uri="{FF2B5EF4-FFF2-40B4-BE49-F238E27FC236}">
-                <a16:creationId xmlns:a16="http://schemas.microsoft.com/office/drawing/2014/main" id="{36CF827D-A163-47F7-BD87-34EB4FA7D696}"/>
+                <a16:creationId xmlns:a16="http://schemas.microsoft.com/office/drawing/2014/main" xmlns="" id="{36CF827D-A163-47F7-BD87-34EB4FA7D696}"/>
               </a:ext>
               <a:ext uri="{C183D7F6-B498-43B3-948B-1728B52AA6E4}">
-                <adec:decorative xmlns:adec="http://schemas.microsoft.com/office/drawing/2017/decorative" val="1"/>
+                <adec:decorative xmlns:adec="http://schemas.microsoft.com/office/drawing/2017/decorative" xmlns="" val="1"/>
               </a:ext>
             </a:extLst>
           </p:cNvPr>
@@ -8231,7 +8273,7 @@
           <p:nvPr>
             <p:extLst>
               <p:ext uri="{386F3935-93C4-4BCD-93E2-E3B085C9AB24}">
-                <p16:designElem xmlns:p16="http://schemas.microsoft.com/office/powerpoint/2015/main" val="1"/>
+                <p16:designElem xmlns:p16="http://schemas.microsoft.com/office/powerpoint/2015/main" xmlns="" val="1"/>
               </p:ext>
             </p:extLst>
           </p:nvPr>
@@ -8272,10 +8314,10 @@
           <p:cNvPr id="37" name="Straight Connector 15">
             <a:extLst>
               <a:ext uri="{FF2B5EF4-FFF2-40B4-BE49-F238E27FC236}">
-                <a16:creationId xmlns:a16="http://schemas.microsoft.com/office/drawing/2014/main" id="{D299D9A9-1DA8-433D-A9BC-FB48D93D4217}"/>
+                <a16:creationId xmlns:a16="http://schemas.microsoft.com/office/drawing/2014/main" xmlns="" id="{D299D9A9-1DA8-433D-A9BC-FB48D93D4217}"/>
               </a:ext>
               <a:ext uri="{C183D7F6-B498-43B3-948B-1728B52AA6E4}">
-                <adec:decorative xmlns:adec="http://schemas.microsoft.com/office/drawing/2017/decorative" val="1"/>
+                <adec:decorative xmlns:adec="http://schemas.microsoft.com/office/drawing/2017/decorative" xmlns="" val="1"/>
               </a:ext>
             </a:extLst>
           </p:cNvPr>
@@ -8285,7 +8327,7 @@
           <p:nvPr>
             <p:extLst>
               <p:ext uri="{386F3935-93C4-4BCD-93E2-E3B085C9AB24}">
-                <p16:designElem xmlns:p16="http://schemas.microsoft.com/office/powerpoint/2015/main" val="1"/>
+                <p16:designElem xmlns:p16="http://schemas.microsoft.com/office/powerpoint/2015/main" xmlns="" val="1"/>
               </p:ext>
             </p:extLst>
           </p:nvPr>
@@ -8355,13 +8397,7 @@
       </p:sp>
       <p:pic>
         <p:nvPicPr>
-          <p:cNvPr id="5" name="Content Placeholder 4" descr="A close up of a map&#10;&#10;Description automatically generated">
-            <a:extLst>
-              <a:ext uri="{FF2B5EF4-FFF2-40B4-BE49-F238E27FC236}">
-                <a16:creationId xmlns:a16="http://schemas.microsoft.com/office/drawing/2014/main" id="{34BA9A42-C038-4FFB-A73B-CC4573049FD3}"/>
-              </a:ext>
-            </a:extLst>
-          </p:cNvPr>
+          <p:cNvPr id="4" name="Content Placeholder 3"/>
           <p:cNvPicPr>
             <a:picLocks noGrp="1" noChangeAspect="1"/>
           </p:cNvPicPr>
@@ -8370,7 +8406,7 @@
           </p:nvPr>
         </p:nvPicPr>
         <p:blipFill>
-          <a:blip r:embed="rId3">
+          <a:blip r:embed="rId3" cstate="print">
             <a:extLst>
               <a:ext uri="{28A0092B-C50C-407E-A947-70E740481C1C}">
                 <a14:useLocalDpi xmlns:a14="http://schemas.microsoft.com/office/drawing/2010/main" val="0"/>
@@ -8383,12 +8419,9 @@
         </p:blipFill>
         <p:spPr>
           <a:xfrm>
-            <a:off x="1088684" y="2015732"/>
-            <a:ext cx="5848495" cy="3450613"/>
+            <a:off x="1090422" y="1995246"/>
+            <a:ext cx="7205641" cy="4005163"/>
           </a:xfrm>
-          <a:prstGeom prst="rect">
-            <a:avLst/>
-          </a:prstGeom>
         </p:spPr>
       </p:pic>
     </p:spTree>
@@ -8447,7 +8480,7 @@
     </a:clrScheme>
     <a:fontScheme name="Gallery">
       <a:majorFont>
-        <a:latin typeface="Gill Sans MT" panose="020B0502020104020203"/>
+        <a:latin typeface="Gill Sans MT"/>
         <a:ea typeface=""/>
         <a:cs typeface=""/>
         <a:font script="Jpan" typeface="游ゴシック Light"/>
@@ -8482,7 +8515,7 @@
         <a:font script="Geor" typeface="Sylfaen"/>
       </a:majorFont>
       <a:minorFont>
-        <a:latin typeface="Gill Sans MT" panose="020B0502020104020203"/>
+        <a:latin typeface="Gill Sans MT"/>
         <a:ea typeface=""/>
         <a:cs typeface=""/>
         <a:font script="Jpan" typeface="游ゴシック"/>
@@ -8651,7 +8684,7 @@
   <a:extraClrSchemeLst/>
   <a:extLst>
     <a:ext uri="{05A4C25C-085E-4340-85A3-A5531E510DB2}">
-      <thm15:themeFamily xmlns:thm15="http://schemas.microsoft.com/office/thememl/2012/main" name="Gallery" id="{BBFCD31E-59A1-489D-B089-A3EAD7CAE12E}" vid="{F5E91637-A7B6-4E27-B710-77DA7014EE1E}"/>
+      <thm15:themeFamily xmlns:thm15="http://schemas.microsoft.com/office/thememl/2012/main" xmlns="" name="Gallery" id="{BBFCD31E-59A1-489D-B089-A3EAD7CAE12E}" vid="{F5E91637-A7B6-4E27-B710-77DA7014EE1E}"/>
     </a:ext>
   </a:extLst>
 </a:theme>
